--- a/01 Classes/Aula 02 - Programação Microcontroladores.pptx
+++ b/01 Classes/Aula 02 - Programação Microcontroladores.pptx
@@ -5,7 +5,7 @@
     <p:sldMasterId id="2147483648" r:id="rId1"/>
   </p:sldMasterIdLst>
   <p:notesMasterIdLst>
-    <p:notesMasterId r:id="rId20"/>
+    <p:notesMasterId r:id="rId36"/>
   </p:notesMasterIdLst>
   <p:sldIdLst>
     <p:sldId id="256" r:id="rId2"/>
@@ -18,14 +18,30 @@
     <p:sldId id="346" r:id="rId9"/>
     <p:sldId id="338" r:id="rId10"/>
     <p:sldId id="347" r:id="rId11"/>
-    <p:sldId id="339" r:id="rId12"/>
-    <p:sldId id="340" r:id="rId13"/>
-    <p:sldId id="341" r:id="rId14"/>
-    <p:sldId id="333" r:id="rId15"/>
-    <p:sldId id="323" r:id="rId16"/>
-    <p:sldId id="334" r:id="rId17"/>
-    <p:sldId id="337" r:id="rId18"/>
-    <p:sldId id="309" r:id="rId19"/>
+    <p:sldId id="348" r:id="rId12"/>
+    <p:sldId id="349" r:id="rId13"/>
+    <p:sldId id="350" r:id="rId14"/>
+    <p:sldId id="351" r:id="rId15"/>
+    <p:sldId id="352" r:id="rId16"/>
+    <p:sldId id="339" r:id="rId17"/>
+    <p:sldId id="354" r:id="rId18"/>
+    <p:sldId id="355" r:id="rId19"/>
+    <p:sldId id="356" r:id="rId20"/>
+    <p:sldId id="357" r:id="rId21"/>
+    <p:sldId id="358" r:id="rId22"/>
+    <p:sldId id="361" r:id="rId23"/>
+    <p:sldId id="353" r:id="rId24"/>
+    <p:sldId id="360" r:id="rId25"/>
+    <p:sldId id="359" r:id="rId26"/>
+    <p:sldId id="340" r:id="rId27"/>
+    <p:sldId id="364" r:id="rId28"/>
+    <p:sldId id="363" r:id="rId29"/>
+    <p:sldId id="341" r:id="rId30"/>
+    <p:sldId id="333" r:id="rId31"/>
+    <p:sldId id="323" r:id="rId32"/>
+    <p:sldId id="334" r:id="rId33"/>
+    <p:sldId id="337" r:id="rId34"/>
+    <p:sldId id="309" r:id="rId35"/>
   </p:sldIdLst>
   <p:sldSz cx="9144000" cy="5143500" type="screen16x9"/>
   <p:notesSz cx="6858000" cy="9144000"/>
@@ -628,7 +644,7 @@
     </p:spTree>
     <p:extLst>
       <p:ext uri="{BB962C8B-B14F-4D97-AF65-F5344CB8AC3E}">
-        <p14:creationId xmlns:p14="http://schemas.microsoft.com/office/powerpoint/2010/main" val="4007594575"/>
+        <p14:creationId xmlns:p14="http://schemas.microsoft.com/office/powerpoint/2010/main" val="229678564"/>
       </p:ext>
     </p:extLst>
   </p:cSld>
@@ -694,7 +710,7 @@
     </p:spTree>
     <p:extLst>
       <p:ext uri="{BB962C8B-B14F-4D97-AF65-F5344CB8AC3E}">
-        <p14:creationId xmlns:p14="http://schemas.microsoft.com/office/powerpoint/2010/main" val="2076218858"/>
+        <p14:creationId xmlns:p14="http://schemas.microsoft.com/office/powerpoint/2010/main" val="1266616636"/>
       </p:ext>
     </p:extLst>
   </p:cSld>
@@ -760,7 +776,7 @@
     </p:spTree>
     <p:extLst>
       <p:ext uri="{BB962C8B-B14F-4D97-AF65-F5344CB8AC3E}">
-        <p14:creationId xmlns:p14="http://schemas.microsoft.com/office/powerpoint/2010/main" val="3603767268"/>
+        <p14:creationId xmlns:p14="http://schemas.microsoft.com/office/powerpoint/2010/main" val="4049475395"/>
       </p:ext>
     </p:extLst>
   </p:cSld>
@@ -826,7 +842,7 @@
     </p:spTree>
     <p:extLst>
       <p:ext uri="{BB962C8B-B14F-4D97-AF65-F5344CB8AC3E}">
-        <p14:creationId xmlns:p14="http://schemas.microsoft.com/office/powerpoint/2010/main" val="585304384"/>
+        <p14:creationId xmlns:p14="http://schemas.microsoft.com/office/powerpoint/2010/main" val="2078257658"/>
       </p:ext>
     </p:extLst>
   </p:cSld>
@@ -892,7 +908,7 @@
     </p:spTree>
     <p:extLst>
       <p:ext uri="{BB962C8B-B14F-4D97-AF65-F5344CB8AC3E}">
-        <p14:creationId xmlns:p14="http://schemas.microsoft.com/office/powerpoint/2010/main" val="2709569597"/>
+        <p14:creationId xmlns:p14="http://schemas.microsoft.com/office/powerpoint/2010/main" val="1514706896"/>
       </p:ext>
     </p:extLst>
   </p:cSld>
@@ -958,7 +974,7 @@
     </p:spTree>
     <p:extLst>
       <p:ext uri="{BB962C8B-B14F-4D97-AF65-F5344CB8AC3E}">
-        <p14:creationId xmlns:p14="http://schemas.microsoft.com/office/powerpoint/2010/main" val="2296249050"/>
+        <p14:creationId xmlns:p14="http://schemas.microsoft.com/office/powerpoint/2010/main" val="4007594575"/>
       </p:ext>
     </p:extLst>
   </p:cSld>
@@ -1024,7 +1040,205 @@
     </p:spTree>
     <p:extLst>
       <p:ext uri="{BB962C8B-B14F-4D97-AF65-F5344CB8AC3E}">
-        <p14:creationId xmlns:p14="http://schemas.microsoft.com/office/powerpoint/2010/main" val="4290351292"/>
+        <p14:creationId xmlns:p14="http://schemas.microsoft.com/office/powerpoint/2010/main" val="16342793"/>
+      </p:ext>
+    </p:extLst>
+  </p:cSld>
+  <p:clrMapOvr>
+    <a:masterClrMapping/>
+  </p:clrMapOvr>
+</p:notes>
+</file>
+
+<file path=ppt/notesSlides/notesSlide17.xml><?xml version="1.0" encoding="utf-8"?>
+<p:notes xmlns:a="http://schemas.openxmlformats.org/drawingml/2006/main" xmlns:r="http://schemas.openxmlformats.org/officeDocument/2006/relationships" xmlns:p="http://schemas.openxmlformats.org/presentationml/2006/main">
+  <p:cSld>
+    <p:spTree>
+      <p:nvGrpSpPr>
+        <p:cNvPr id="1" name=""/>
+        <p:cNvGrpSpPr/>
+        <p:nvPr/>
+      </p:nvGrpSpPr>
+      <p:grpSpPr>
+        <a:xfrm>
+          <a:off x="0" y="0"/>
+          <a:ext cx="0" cy="0"/>
+          <a:chOff x="0" y="0"/>
+          <a:chExt cx="0" cy="0"/>
+        </a:xfrm>
+      </p:grpSpPr>
+      <p:sp>
+        <p:nvSpPr>
+          <p:cNvPr id="2" name="Espaço Reservado para Imagem de Slide 1"/>
+          <p:cNvSpPr>
+            <a:spLocks noGrp="1" noRot="1" noChangeAspect="1"/>
+          </p:cNvSpPr>
+          <p:nvPr>
+            <p:ph type="sldImg"/>
+          </p:nvPr>
+        </p:nvSpPr>
+        <p:spPr>
+          <a:xfrm>
+            <a:off x="381000" y="685800"/>
+            <a:ext cx="6096000" cy="3429000"/>
+          </a:xfrm>
+        </p:spPr>
+      </p:sp>
+      <p:sp>
+        <p:nvSpPr>
+          <p:cNvPr id="3" name="Espaço Reservado para Anotações 2"/>
+          <p:cNvSpPr>
+            <a:spLocks noGrp="1"/>
+          </p:cNvSpPr>
+          <p:nvPr>
+            <p:ph type="body" idx="1"/>
+          </p:nvPr>
+        </p:nvSpPr>
+        <p:spPr/>
+        <p:txBody>
+          <a:bodyPr/>
+          <a:lstStyle/>
+          <a:p>
+            <a:endParaRPr lang="pt-BR" dirty="0"/>
+          </a:p>
+        </p:txBody>
+      </p:sp>
+    </p:spTree>
+    <p:extLst>
+      <p:ext uri="{BB962C8B-B14F-4D97-AF65-F5344CB8AC3E}">
+        <p14:creationId xmlns:p14="http://schemas.microsoft.com/office/powerpoint/2010/main" val="3449555285"/>
+      </p:ext>
+    </p:extLst>
+  </p:cSld>
+  <p:clrMapOvr>
+    <a:masterClrMapping/>
+  </p:clrMapOvr>
+</p:notes>
+</file>
+
+<file path=ppt/notesSlides/notesSlide18.xml><?xml version="1.0" encoding="utf-8"?>
+<p:notes xmlns:a="http://schemas.openxmlformats.org/drawingml/2006/main" xmlns:r="http://schemas.openxmlformats.org/officeDocument/2006/relationships" xmlns:p="http://schemas.openxmlformats.org/presentationml/2006/main">
+  <p:cSld>
+    <p:spTree>
+      <p:nvGrpSpPr>
+        <p:cNvPr id="1" name=""/>
+        <p:cNvGrpSpPr/>
+        <p:nvPr/>
+      </p:nvGrpSpPr>
+      <p:grpSpPr>
+        <a:xfrm>
+          <a:off x="0" y="0"/>
+          <a:ext cx="0" cy="0"/>
+          <a:chOff x="0" y="0"/>
+          <a:chExt cx="0" cy="0"/>
+        </a:xfrm>
+      </p:grpSpPr>
+      <p:sp>
+        <p:nvSpPr>
+          <p:cNvPr id="2" name="Espaço Reservado para Imagem de Slide 1"/>
+          <p:cNvSpPr>
+            <a:spLocks noGrp="1" noRot="1" noChangeAspect="1"/>
+          </p:cNvSpPr>
+          <p:nvPr>
+            <p:ph type="sldImg"/>
+          </p:nvPr>
+        </p:nvSpPr>
+        <p:spPr>
+          <a:xfrm>
+            <a:off x="381000" y="685800"/>
+            <a:ext cx="6096000" cy="3429000"/>
+          </a:xfrm>
+        </p:spPr>
+      </p:sp>
+      <p:sp>
+        <p:nvSpPr>
+          <p:cNvPr id="3" name="Espaço Reservado para Anotações 2"/>
+          <p:cNvSpPr>
+            <a:spLocks noGrp="1"/>
+          </p:cNvSpPr>
+          <p:nvPr>
+            <p:ph type="body" idx="1"/>
+          </p:nvPr>
+        </p:nvSpPr>
+        <p:spPr/>
+        <p:txBody>
+          <a:bodyPr/>
+          <a:lstStyle/>
+          <a:p>
+            <a:endParaRPr lang="pt-BR" dirty="0"/>
+          </a:p>
+        </p:txBody>
+      </p:sp>
+    </p:spTree>
+    <p:extLst>
+      <p:ext uri="{BB962C8B-B14F-4D97-AF65-F5344CB8AC3E}">
+        <p14:creationId xmlns:p14="http://schemas.microsoft.com/office/powerpoint/2010/main" val="3753888329"/>
+      </p:ext>
+    </p:extLst>
+  </p:cSld>
+  <p:clrMapOvr>
+    <a:masterClrMapping/>
+  </p:clrMapOvr>
+</p:notes>
+</file>
+
+<file path=ppt/notesSlides/notesSlide19.xml><?xml version="1.0" encoding="utf-8"?>
+<p:notes xmlns:a="http://schemas.openxmlformats.org/drawingml/2006/main" xmlns:r="http://schemas.openxmlformats.org/officeDocument/2006/relationships" xmlns:p="http://schemas.openxmlformats.org/presentationml/2006/main">
+  <p:cSld>
+    <p:spTree>
+      <p:nvGrpSpPr>
+        <p:cNvPr id="1" name=""/>
+        <p:cNvGrpSpPr/>
+        <p:nvPr/>
+      </p:nvGrpSpPr>
+      <p:grpSpPr>
+        <a:xfrm>
+          <a:off x="0" y="0"/>
+          <a:ext cx="0" cy="0"/>
+          <a:chOff x="0" y="0"/>
+          <a:chExt cx="0" cy="0"/>
+        </a:xfrm>
+      </p:grpSpPr>
+      <p:sp>
+        <p:nvSpPr>
+          <p:cNvPr id="2" name="Espaço Reservado para Imagem de Slide 1"/>
+          <p:cNvSpPr>
+            <a:spLocks noGrp="1" noRot="1" noChangeAspect="1"/>
+          </p:cNvSpPr>
+          <p:nvPr>
+            <p:ph type="sldImg"/>
+          </p:nvPr>
+        </p:nvSpPr>
+        <p:spPr>
+          <a:xfrm>
+            <a:off x="381000" y="685800"/>
+            <a:ext cx="6096000" cy="3429000"/>
+          </a:xfrm>
+        </p:spPr>
+      </p:sp>
+      <p:sp>
+        <p:nvSpPr>
+          <p:cNvPr id="3" name="Espaço Reservado para Anotações 2"/>
+          <p:cNvSpPr>
+            <a:spLocks noGrp="1"/>
+          </p:cNvSpPr>
+          <p:nvPr>
+            <p:ph type="body" idx="1"/>
+          </p:nvPr>
+        </p:nvSpPr>
+        <p:spPr/>
+        <p:txBody>
+          <a:bodyPr/>
+          <a:lstStyle/>
+          <a:p>
+            <a:endParaRPr lang="pt-BR" dirty="0"/>
+          </a:p>
+        </p:txBody>
+      </p:sp>
+    </p:spTree>
+    <p:extLst>
+      <p:ext uri="{BB962C8B-B14F-4D97-AF65-F5344CB8AC3E}">
+        <p14:creationId xmlns:p14="http://schemas.microsoft.com/office/powerpoint/2010/main" val="869514353"/>
       </p:ext>
     </p:extLst>
   </p:cSld>
@@ -1100,6 +1314,666 @@
 </p:notes>
 </file>
 
+<file path=ppt/notesSlides/notesSlide20.xml><?xml version="1.0" encoding="utf-8"?>
+<p:notes xmlns:a="http://schemas.openxmlformats.org/drawingml/2006/main" xmlns:r="http://schemas.openxmlformats.org/officeDocument/2006/relationships" xmlns:p="http://schemas.openxmlformats.org/presentationml/2006/main">
+  <p:cSld>
+    <p:spTree>
+      <p:nvGrpSpPr>
+        <p:cNvPr id="1" name=""/>
+        <p:cNvGrpSpPr/>
+        <p:nvPr/>
+      </p:nvGrpSpPr>
+      <p:grpSpPr>
+        <a:xfrm>
+          <a:off x="0" y="0"/>
+          <a:ext cx="0" cy="0"/>
+          <a:chOff x="0" y="0"/>
+          <a:chExt cx="0" cy="0"/>
+        </a:xfrm>
+      </p:grpSpPr>
+      <p:sp>
+        <p:nvSpPr>
+          <p:cNvPr id="2" name="Espaço Reservado para Imagem de Slide 1"/>
+          <p:cNvSpPr>
+            <a:spLocks noGrp="1" noRot="1" noChangeAspect="1"/>
+          </p:cNvSpPr>
+          <p:nvPr>
+            <p:ph type="sldImg"/>
+          </p:nvPr>
+        </p:nvSpPr>
+        <p:spPr>
+          <a:xfrm>
+            <a:off x="381000" y="685800"/>
+            <a:ext cx="6096000" cy="3429000"/>
+          </a:xfrm>
+        </p:spPr>
+      </p:sp>
+      <p:sp>
+        <p:nvSpPr>
+          <p:cNvPr id="3" name="Espaço Reservado para Anotações 2"/>
+          <p:cNvSpPr>
+            <a:spLocks noGrp="1"/>
+          </p:cNvSpPr>
+          <p:nvPr>
+            <p:ph type="body" idx="1"/>
+          </p:nvPr>
+        </p:nvSpPr>
+        <p:spPr/>
+        <p:txBody>
+          <a:bodyPr/>
+          <a:lstStyle/>
+          <a:p>
+            <a:endParaRPr lang="pt-BR" dirty="0"/>
+          </a:p>
+        </p:txBody>
+      </p:sp>
+    </p:spTree>
+    <p:extLst>
+      <p:ext uri="{BB962C8B-B14F-4D97-AF65-F5344CB8AC3E}">
+        <p14:creationId xmlns:p14="http://schemas.microsoft.com/office/powerpoint/2010/main" val="224864100"/>
+      </p:ext>
+    </p:extLst>
+  </p:cSld>
+  <p:clrMapOvr>
+    <a:masterClrMapping/>
+  </p:clrMapOvr>
+</p:notes>
+</file>
+
+<file path=ppt/notesSlides/notesSlide21.xml><?xml version="1.0" encoding="utf-8"?>
+<p:notes xmlns:a="http://schemas.openxmlformats.org/drawingml/2006/main" xmlns:r="http://schemas.openxmlformats.org/officeDocument/2006/relationships" xmlns:p="http://schemas.openxmlformats.org/presentationml/2006/main">
+  <p:cSld>
+    <p:spTree>
+      <p:nvGrpSpPr>
+        <p:cNvPr id="1" name=""/>
+        <p:cNvGrpSpPr/>
+        <p:nvPr/>
+      </p:nvGrpSpPr>
+      <p:grpSpPr>
+        <a:xfrm>
+          <a:off x="0" y="0"/>
+          <a:ext cx="0" cy="0"/>
+          <a:chOff x="0" y="0"/>
+          <a:chExt cx="0" cy="0"/>
+        </a:xfrm>
+      </p:grpSpPr>
+      <p:sp>
+        <p:nvSpPr>
+          <p:cNvPr id="2" name="Espaço Reservado para Imagem de Slide 1"/>
+          <p:cNvSpPr>
+            <a:spLocks noGrp="1" noRot="1" noChangeAspect="1"/>
+          </p:cNvSpPr>
+          <p:nvPr>
+            <p:ph type="sldImg"/>
+          </p:nvPr>
+        </p:nvSpPr>
+        <p:spPr>
+          <a:xfrm>
+            <a:off x="381000" y="685800"/>
+            <a:ext cx="6096000" cy="3429000"/>
+          </a:xfrm>
+        </p:spPr>
+      </p:sp>
+      <p:sp>
+        <p:nvSpPr>
+          <p:cNvPr id="3" name="Espaço Reservado para Anotações 2"/>
+          <p:cNvSpPr>
+            <a:spLocks noGrp="1"/>
+          </p:cNvSpPr>
+          <p:nvPr>
+            <p:ph type="body" idx="1"/>
+          </p:nvPr>
+        </p:nvSpPr>
+        <p:spPr/>
+        <p:txBody>
+          <a:bodyPr/>
+          <a:lstStyle/>
+          <a:p>
+            <a:endParaRPr lang="pt-BR" dirty="0"/>
+          </a:p>
+        </p:txBody>
+      </p:sp>
+    </p:spTree>
+    <p:extLst>
+      <p:ext uri="{BB962C8B-B14F-4D97-AF65-F5344CB8AC3E}">
+        <p14:creationId xmlns:p14="http://schemas.microsoft.com/office/powerpoint/2010/main" val="739729508"/>
+      </p:ext>
+    </p:extLst>
+  </p:cSld>
+  <p:clrMapOvr>
+    <a:masterClrMapping/>
+  </p:clrMapOvr>
+</p:notes>
+</file>
+
+<file path=ppt/notesSlides/notesSlide22.xml><?xml version="1.0" encoding="utf-8"?>
+<p:notes xmlns:a="http://schemas.openxmlformats.org/drawingml/2006/main" xmlns:r="http://schemas.openxmlformats.org/officeDocument/2006/relationships" xmlns:p="http://schemas.openxmlformats.org/presentationml/2006/main">
+  <p:cSld>
+    <p:spTree>
+      <p:nvGrpSpPr>
+        <p:cNvPr id="1" name=""/>
+        <p:cNvGrpSpPr/>
+        <p:nvPr/>
+      </p:nvGrpSpPr>
+      <p:grpSpPr>
+        <a:xfrm>
+          <a:off x="0" y="0"/>
+          <a:ext cx="0" cy="0"/>
+          <a:chOff x="0" y="0"/>
+          <a:chExt cx="0" cy="0"/>
+        </a:xfrm>
+      </p:grpSpPr>
+      <p:sp>
+        <p:nvSpPr>
+          <p:cNvPr id="2" name="Espaço Reservado para Imagem de Slide 1"/>
+          <p:cNvSpPr>
+            <a:spLocks noGrp="1" noRot="1" noChangeAspect="1"/>
+          </p:cNvSpPr>
+          <p:nvPr>
+            <p:ph type="sldImg"/>
+          </p:nvPr>
+        </p:nvSpPr>
+        <p:spPr>
+          <a:xfrm>
+            <a:off x="381000" y="685800"/>
+            <a:ext cx="6096000" cy="3429000"/>
+          </a:xfrm>
+        </p:spPr>
+      </p:sp>
+      <p:sp>
+        <p:nvSpPr>
+          <p:cNvPr id="3" name="Espaço Reservado para Anotações 2"/>
+          <p:cNvSpPr>
+            <a:spLocks noGrp="1"/>
+          </p:cNvSpPr>
+          <p:nvPr>
+            <p:ph type="body" idx="1"/>
+          </p:nvPr>
+        </p:nvSpPr>
+        <p:spPr/>
+        <p:txBody>
+          <a:bodyPr/>
+          <a:lstStyle/>
+          <a:p>
+            <a:endParaRPr lang="pt-BR" dirty="0"/>
+          </a:p>
+        </p:txBody>
+      </p:sp>
+    </p:spTree>
+    <p:extLst>
+      <p:ext uri="{BB962C8B-B14F-4D97-AF65-F5344CB8AC3E}">
+        <p14:creationId xmlns:p14="http://schemas.microsoft.com/office/powerpoint/2010/main" val="949321074"/>
+      </p:ext>
+    </p:extLst>
+  </p:cSld>
+  <p:clrMapOvr>
+    <a:masterClrMapping/>
+  </p:clrMapOvr>
+</p:notes>
+</file>
+
+<file path=ppt/notesSlides/notesSlide23.xml><?xml version="1.0" encoding="utf-8"?>
+<p:notes xmlns:a="http://schemas.openxmlformats.org/drawingml/2006/main" xmlns:r="http://schemas.openxmlformats.org/officeDocument/2006/relationships" xmlns:p="http://schemas.openxmlformats.org/presentationml/2006/main">
+  <p:cSld>
+    <p:spTree>
+      <p:nvGrpSpPr>
+        <p:cNvPr id="1" name=""/>
+        <p:cNvGrpSpPr/>
+        <p:nvPr/>
+      </p:nvGrpSpPr>
+      <p:grpSpPr>
+        <a:xfrm>
+          <a:off x="0" y="0"/>
+          <a:ext cx="0" cy="0"/>
+          <a:chOff x="0" y="0"/>
+          <a:chExt cx="0" cy="0"/>
+        </a:xfrm>
+      </p:grpSpPr>
+      <p:sp>
+        <p:nvSpPr>
+          <p:cNvPr id="2" name="Espaço Reservado para Imagem de Slide 1"/>
+          <p:cNvSpPr>
+            <a:spLocks noGrp="1" noRot="1" noChangeAspect="1"/>
+          </p:cNvSpPr>
+          <p:nvPr>
+            <p:ph type="sldImg"/>
+          </p:nvPr>
+        </p:nvSpPr>
+        <p:spPr>
+          <a:xfrm>
+            <a:off x="381000" y="685800"/>
+            <a:ext cx="6096000" cy="3429000"/>
+          </a:xfrm>
+        </p:spPr>
+      </p:sp>
+      <p:sp>
+        <p:nvSpPr>
+          <p:cNvPr id="3" name="Espaço Reservado para Anotações 2"/>
+          <p:cNvSpPr>
+            <a:spLocks noGrp="1"/>
+          </p:cNvSpPr>
+          <p:nvPr>
+            <p:ph type="body" idx="1"/>
+          </p:nvPr>
+        </p:nvSpPr>
+        <p:spPr/>
+        <p:txBody>
+          <a:bodyPr/>
+          <a:lstStyle/>
+          <a:p>
+            <a:endParaRPr lang="pt-BR" dirty="0"/>
+          </a:p>
+        </p:txBody>
+      </p:sp>
+    </p:spTree>
+    <p:extLst>
+      <p:ext uri="{BB962C8B-B14F-4D97-AF65-F5344CB8AC3E}">
+        <p14:creationId xmlns:p14="http://schemas.microsoft.com/office/powerpoint/2010/main" val="3692214033"/>
+      </p:ext>
+    </p:extLst>
+  </p:cSld>
+  <p:clrMapOvr>
+    <a:masterClrMapping/>
+  </p:clrMapOvr>
+</p:notes>
+</file>
+
+<file path=ppt/notesSlides/notesSlide24.xml><?xml version="1.0" encoding="utf-8"?>
+<p:notes xmlns:a="http://schemas.openxmlformats.org/drawingml/2006/main" xmlns:r="http://schemas.openxmlformats.org/officeDocument/2006/relationships" xmlns:p="http://schemas.openxmlformats.org/presentationml/2006/main">
+  <p:cSld>
+    <p:spTree>
+      <p:nvGrpSpPr>
+        <p:cNvPr id="1" name=""/>
+        <p:cNvGrpSpPr/>
+        <p:nvPr/>
+      </p:nvGrpSpPr>
+      <p:grpSpPr>
+        <a:xfrm>
+          <a:off x="0" y="0"/>
+          <a:ext cx="0" cy="0"/>
+          <a:chOff x="0" y="0"/>
+          <a:chExt cx="0" cy="0"/>
+        </a:xfrm>
+      </p:grpSpPr>
+      <p:sp>
+        <p:nvSpPr>
+          <p:cNvPr id="2" name="Espaço Reservado para Imagem de Slide 1"/>
+          <p:cNvSpPr>
+            <a:spLocks noGrp="1" noRot="1" noChangeAspect="1"/>
+          </p:cNvSpPr>
+          <p:nvPr>
+            <p:ph type="sldImg"/>
+          </p:nvPr>
+        </p:nvSpPr>
+        <p:spPr>
+          <a:xfrm>
+            <a:off x="381000" y="685800"/>
+            <a:ext cx="6096000" cy="3429000"/>
+          </a:xfrm>
+        </p:spPr>
+      </p:sp>
+      <p:sp>
+        <p:nvSpPr>
+          <p:cNvPr id="3" name="Espaço Reservado para Anotações 2"/>
+          <p:cNvSpPr>
+            <a:spLocks noGrp="1"/>
+          </p:cNvSpPr>
+          <p:nvPr>
+            <p:ph type="body" idx="1"/>
+          </p:nvPr>
+        </p:nvSpPr>
+        <p:spPr/>
+        <p:txBody>
+          <a:bodyPr/>
+          <a:lstStyle/>
+          <a:p>
+            <a:endParaRPr lang="pt-BR" dirty="0"/>
+          </a:p>
+        </p:txBody>
+      </p:sp>
+    </p:spTree>
+    <p:extLst>
+      <p:ext uri="{BB962C8B-B14F-4D97-AF65-F5344CB8AC3E}">
+        <p14:creationId xmlns:p14="http://schemas.microsoft.com/office/powerpoint/2010/main" val="4230842989"/>
+      </p:ext>
+    </p:extLst>
+  </p:cSld>
+  <p:clrMapOvr>
+    <a:masterClrMapping/>
+  </p:clrMapOvr>
+</p:notes>
+</file>
+
+<file path=ppt/notesSlides/notesSlide25.xml><?xml version="1.0" encoding="utf-8"?>
+<p:notes xmlns:a="http://schemas.openxmlformats.org/drawingml/2006/main" xmlns:r="http://schemas.openxmlformats.org/officeDocument/2006/relationships" xmlns:p="http://schemas.openxmlformats.org/presentationml/2006/main">
+  <p:cSld>
+    <p:spTree>
+      <p:nvGrpSpPr>
+        <p:cNvPr id="1" name=""/>
+        <p:cNvGrpSpPr/>
+        <p:nvPr/>
+      </p:nvGrpSpPr>
+      <p:grpSpPr>
+        <a:xfrm>
+          <a:off x="0" y="0"/>
+          <a:ext cx="0" cy="0"/>
+          <a:chOff x="0" y="0"/>
+          <a:chExt cx="0" cy="0"/>
+        </a:xfrm>
+      </p:grpSpPr>
+      <p:sp>
+        <p:nvSpPr>
+          <p:cNvPr id="2" name="Espaço Reservado para Imagem de Slide 1"/>
+          <p:cNvSpPr>
+            <a:spLocks noGrp="1" noRot="1" noChangeAspect="1"/>
+          </p:cNvSpPr>
+          <p:nvPr>
+            <p:ph type="sldImg"/>
+          </p:nvPr>
+        </p:nvSpPr>
+        <p:spPr>
+          <a:xfrm>
+            <a:off x="381000" y="685800"/>
+            <a:ext cx="6096000" cy="3429000"/>
+          </a:xfrm>
+        </p:spPr>
+      </p:sp>
+      <p:sp>
+        <p:nvSpPr>
+          <p:cNvPr id="3" name="Espaço Reservado para Anotações 2"/>
+          <p:cNvSpPr>
+            <a:spLocks noGrp="1"/>
+          </p:cNvSpPr>
+          <p:nvPr>
+            <p:ph type="body" idx="1"/>
+          </p:nvPr>
+        </p:nvSpPr>
+        <p:spPr/>
+        <p:txBody>
+          <a:bodyPr/>
+          <a:lstStyle/>
+          <a:p>
+            <a:endParaRPr lang="pt-BR" dirty="0"/>
+          </a:p>
+        </p:txBody>
+      </p:sp>
+    </p:spTree>
+    <p:extLst>
+      <p:ext uri="{BB962C8B-B14F-4D97-AF65-F5344CB8AC3E}">
+        <p14:creationId xmlns:p14="http://schemas.microsoft.com/office/powerpoint/2010/main" val="2076218858"/>
+      </p:ext>
+    </p:extLst>
+  </p:cSld>
+  <p:clrMapOvr>
+    <a:masterClrMapping/>
+  </p:clrMapOvr>
+</p:notes>
+</file>
+
+<file path=ppt/notesSlides/notesSlide26.xml><?xml version="1.0" encoding="utf-8"?>
+<p:notes xmlns:a="http://schemas.openxmlformats.org/drawingml/2006/main" xmlns:r="http://schemas.openxmlformats.org/officeDocument/2006/relationships" xmlns:p="http://schemas.openxmlformats.org/presentationml/2006/main">
+  <p:cSld>
+    <p:spTree>
+      <p:nvGrpSpPr>
+        <p:cNvPr id="1" name=""/>
+        <p:cNvGrpSpPr/>
+        <p:nvPr/>
+      </p:nvGrpSpPr>
+      <p:grpSpPr>
+        <a:xfrm>
+          <a:off x="0" y="0"/>
+          <a:ext cx="0" cy="0"/>
+          <a:chOff x="0" y="0"/>
+          <a:chExt cx="0" cy="0"/>
+        </a:xfrm>
+      </p:grpSpPr>
+      <p:sp>
+        <p:nvSpPr>
+          <p:cNvPr id="2" name="Espaço Reservado para Imagem de Slide 1"/>
+          <p:cNvSpPr>
+            <a:spLocks noGrp="1" noRot="1" noChangeAspect="1"/>
+          </p:cNvSpPr>
+          <p:nvPr>
+            <p:ph type="sldImg"/>
+          </p:nvPr>
+        </p:nvSpPr>
+        <p:spPr>
+          <a:xfrm>
+            <a:off x="381000" y="685800"/>
+            <a:ext cx="6096000" cy="3429000"/>
+          </a:xfrm>
+        </p:spPr>
+      </p:sp>
+      <p:sp>
+        <p:nvSpPr>
+          <p:cNvPr id="3" name="Espaço Reservado para Anotações 2"/>
+          <p:cNvSpPr>
+            <a:spLocks noGrp="1"/>
+          </p:cNvSpPr>
+          <p:nvPr>
+            <p:ph type="body" idx="1"/>
+          </p:nvPr>
+        </p:nvSpPr>
+        <p:spPr/>
+        <p:txBody>
+          <a:bodyPr/>
+          <a:lstStyle/>
+          <a:p>
+            <a:endParaRPr lang="pt-BR" dirty="0"/>
+          </a:p>
+        </p:txBody>
+      </p:sp>
+    </p:spTree>
+    <p:extLst>
+      <p:ext uri="{BB962C8B-B14F-4D97-AF65-F5344CB8AC3E}">
+        <p14:creationId xmlns:p14="http://schemas.microsoft.com/office/powerpoint/2010/main" val="3389750308"/>
+      </p:ext>
+    </p:extLst>
+  </p:cSld>
+  <p:clrMapOvr>
+    <a:masterClrMapping/>
+  </p:clrMapOvr>
+</p:notes>
+</file>
+
+<file path=ppt/notesSlides/notesSlide27.xml><?xml version="1.0" encoding="utf-8"?>
+<p:notes xmlns:a="http://schemas.openxmlformats.org/drawingml/2006/main" xmlns:r="http://schemas.openxmlformats.org/officeDocument/2006/relationships" xmlns:p="http://schemas.openxmlformats.org/presentationml/2006/main">
+  <p:cSld>
+    <p:spTree>
+      <p:nvGrpSpPr>
+        <p:cNvPr id="1" name=""/>
+        <p:cNvGrpSpPr/>
+        <p:nvPr/>
+      </p:nvGrpSpPr>
+      <p:grpSpPr>
+        <a:xfrm>
+          <a:off x="0" y="0"/>
+          <a:ext cx="0" cy="0"/>
+          <a:chOff x="0" y="0"/>
+          <a:chExt cx="0" cy="0"/>
+        </a:xfrm>
+      </p:grpSpPr>
+      <p:sp>
+        <p:nvSpPr>
+          <p:cNvPr id="2" name="Espaço Reservado para Imagem de Slide 1"/>
+          <p:cNvSpPr>
+            <a:spLocks noGrp="1" noRot="1" noChangeAspect="1"/>
+          </p:cNvSpPr>
+          <p:nvPr>
+            <p:ph type="sldImg"/>
+          </p:nvPr>
+        </p:nvSpPr>
+        <p:spPr>
+          <a:xfrm>
+            <a:off x="381000" y="685800"/>
+            <a:ext cx="6096000" cy="3429000"/>
+          </a:xfrm>
+        </p:spPr>
+      </p:sp>
+      <p:sp>
+        <p:nvSpPr>
+          <p:cNvPr id="3" name="Espaço Reservado para Anotações 2"/>
+          <p:cNvSpPr>
+            <a:spLocks noGrp="1"/>
+          </p:cNvSpPr>
+          <p:nvPr>
+            <p:ph type="body" idx="1"/>
+          </p:nvPr>
+        </p:nvSpPr>
+        <p:spPr/>
+        <p:txBody>
+          <a:bodyPr/>
+          <a:lstStyle/>
+          <a:p>
+            <a:endParaRPr lang="pt-BR" dirty="0"/>
+          </a:p>
+        </p:txBody>
+      </p:sp>
+    </p:spTree>
+    <p:extLst>
+      <p:ext uri="{BB962C8B-B14F-4D97-AF65-F5344CB8AC3E}">
+        <p14:creationId xmlns:p14="http://schemas.microsoft.com/office/powerpoint/2010/main" val="3277603103"/>
+      </p:ext>
+    </p:extLst>
+  </p:cSld>
+  <p:clrMapOvr>
+    <a:masterClrMapping/>
+  </p:clrMapOvr>
+</p:notes>
+</file>
+
+<file path=ppt/notesSlides/notesSlide28.xml><?xml version="1.0" encoding="utf-8"?>
+<p:notes xmlns:a="http://schemas.openxmlformats.org/drawingml/2006/main" xmlns:r="http://schemas.openxmlformats.org/officeDocument/2006/relationships" xmlns:p="http://schemas.openxmlformats.org/presentationml/2006/main">
+  <p:cSld>
+    <p:spTree>
+      <p:nvGrpSpPr>
+        <p:cNvPr id="1" name=""/>
+        <p:cNvGrpSpPr/>
+        <p:nvPr/>
+      </p:nvGrpSpPr>
+      <p:grpSpPr>
+        <a:xfrm>
+          <a:off x="0" y="0"/>
+          <a:ext cx="0" cy="0"/>
+          <a:chOff x="0" y="0"/>
+          <a:chExt cx="0" cy="0"/>
+        </a:xfrm>
+      </p:grpSpPr>
+      <p:sp>
+        <p:nvSpPr>
+          <p:cNvPr id="2" name="Espaço Reservado para Imagem de Slide 1"/>
+          <p:cNvSpPr>
+            <a:spLocks noGrp="1" noRot="1" noChangeAspect="1"/>
+          </p:cNvSpPr>
+          <p:nvPr>
+            <p:ph type="sldImg"/>
+          </p:nvPr>
+        </p:nvSpPr>
+        <p:spPr>
+          <a:xfrm>
+            <a:off x="381000" y="685800"/>
+            <a:ext cx="6096000" cy="3429000"/>
+          </a:xfrm>
+        </p:spPr>
+      </p:sp>
+      <p:sp>
+        <p:nvSpPr>
+          <p:cNvPr id="3" name="Espaço Reservado para Anotações 2"/>
+          <p:cNvSpPr>
+            <a:spLocks noGrp="1"/>
+          </p:cNvSpPr>
+          <p:nvPr>
+            <p:ph type="body" idx="1"/>
+          </p:nvPr>
+        </p:nvSpPr>
+        <p:spPr/>
+        <p:txBody>
+          <a:bodyPr/>
+          <a:lstStyle/>
+          <a:p>
+            <a:endParaRPr lang="pt-BR" dirty="0"/>
+          </a:p>
+        </p:txBody>
+      </p:sp>
+    </p:spTree>
+    <p:extLst>
+      <p:ext uri="{BB962C8B-B14F-4D97-AF65-F5344CB8AC3E}">
+        <p14:creationId xmlns:p14="http://schemas.microsoft.com/office/powerpoint/2010/main" val="3603767268"/>
+      </p:ext>
+    </p:extLst>
+  </p:cSld>
+  <p:clrMapOvr>
+    <a:masterClrMapping/>
+  </p:clrMapOvr>
+</p:notes>
+</file>
+
+<file path=ppt/notesSlides/notesSlide29.xml><?xml version="1.0" encoding="utf-8"?>
+<p:notes xmlns:a="http://schemas.openxmlformats.org/drawingml/2006/main" xmlns:r="http://schemas.openxmlformats.org/officeDocument/2006/relationships" xmlns:p="http://schemas.openxmlformats.org/presentationml/2006/main">
+  <p:cSld>
+    <p:spTree>
+      <p:nvGrpSpPr>
+        <p:cNvPr id="1" name=""/>
+        <p:cNvGrpSpPr/>
+        <p:nvPr/>
+      </p:nvGrpSpPr>
+      <p:grpSpPr>
+        <a:xfrm>
+          <a:off x="0" y="0"/>
+          <a:ext cx="0" cy="0"/>
+          <a:chOff x="0" y="0"/>
+          <a:chExt cx="0" cy="0"/>
+        </a:xfrm>
+      </p:grpSpPr>
+      <p:sp>
+        <p:nvSpPr>
+          <p:cNvPr id="2" name="Espaço Reservado para Imagem de Slide 1"/>
+          <p:cNvSpPr>
+            <a:spLocks noGrp="1" noRot="1" noChangeAspect="1"/>
+          </p:cNvSpPr>
+          <p:nvPr>
+            <p:ph type="sldImg"/>
+          </p:nvPr>
+        </p:nvSpPr>
+        <p:spPr>
+          <a:xfrm>
+            <a:off x="381000" y="685800"/>
+            <a:ext cx="6096000" cy="3429000"/>
+          </a:xfrm>
+        </p:spPr>
+      </p:sp>
+      <p:sp>
+        <p:nvSpPr>
+          <p:cNvPr id="3" name="Espaço Reservado para Anotações 2"/>
+          <p:cNvSpPr>
+            <a:spLocks noGrp="1"/>
+          </p:cNvSpPr>
+          <p:nvPr>
+            <p:ph type="body" idx="1"/>
+          </p:nvPr>
+        </p:nvSpPr>
+        <p:spPr/>
+        <p:txBody>
+          <a:bodyPr/>
+          <a:lstStyle/>
+          <a:p>
+            <a:endParaRPr lang="pt-BR" dirty="0"/>
+          </a:p>
+        </p:txBody>
+      </p:sp>
+    </p:spTree>
+    <p:extLst>
+      <p:ext uri="{BB962C8B-B14F-4D97-AF65-F5344CB8AC3E}">
+        <p14:creationId xmlns:p14="http://schemas.microsoft.com/office/powerpoint/2010/main" val="585304384"/>
+      </p:ext>
+    </p:extLst>
+  </p:cSld>
+  <p:clrMapOvr>
+    <a:masterClrMapping/>
+  </p:clrMapOvr>
+</p:notes>
+</file>
+
 <file path=ppt/notesSlides/notesSlide3.xml><?xml version="1.0" encoding="utf-8"?>
 <p:notes xmlns:a="http://schemas.openxmlformats.org/drawingml/2006/main" xmlns:r="http://schemas.openxmlformats.org/officeDocument/2006/relationships" xmlns:p="http://schemas.openxmlformats.org/presentationml/2006/main">
   <p:cSld>
@@ -1157,6 +2031,204 @@
     <p:extLst>
       <p:ext uri="{BB962C8B-B14F-4D97-AF65-F5344CB8AC3E}">
         <p14:creationId xmlns:p14="http://schemas.microsoft.com/office/powerpoint/2010/main" val="2067456143"/>
+      </p:ext>
+    </p:extLst>
+  </p:cSld>
+  <p:clrMapOvr>
+    <a:masterClrMapping/>
+  </p:clrMapOvr>
+</p:notes>
+</file>
+
+<file path=ppt/notesSlides/notesSlide30.xml><?xml version="1.0" encoding="utf-8"?>
+<p:notes xmlns:a="http://schemas.openxmlformats.org/drawingml/2006/main" xmlns:r="http://schemas.openxmlformats.org/officeDocument/2006/relationships" xmlns:p="http://schemas.openxmlformats.org/presentationml/2006/main">
+  <p:cSld>
+    <p:spTree>
+      <p:nvGrpSpPr>
+        <p:cNvPr id="1" name=""/>
+        <p:cNvGrpSpPr/>
+        <p:nvPr/>
+      </p:nvGrpSpPr>
+      <p:grpSpPr>
+        <a:xfrm>
+          <a:off x="0" y="0"/>
+          <a:ext cx="0" cy="0"/>
+          <a:chOff x="0" y="0"/>
+          <a:chExt cx="0" cy="0"/>
+        </a:xfrm>
+      </p:grpSpPr>
+      <p:sp>
+        <p:nvSpPr>
+          <p:cNvPr id="2" name="Espaço Reservado para Imagem de Slide 1"/>
+          <p:cNvSpPr>
+            <a:spLocks noGrp="1" noRot="1" noChangeAspect="1"/>
+          </p:cNvSpPr>
+          <p:nvPr>
+            <p:ph type="sldImg"/>
+          </p:nvPr>
+        </p:nvSpPr>
+        <p:spPr>
+          <a:xfrm>
+            <a:off x="381000" y="685800"/>
+            <a:ext cx="6096000" cy="3429000"/>
+          </a:xfrm>
+        </p:spPr>
+      </p:sp>
+      <p:sp>
+        <p:nvSpPr>
+          <p:cNvPr id="3" name="Espaço Reservado para Anotações 2"/>
+          <p:cNvSpPr>
+            <a:spLocks noGrp="1"/>
+          </p:cNvSpPr>
+          <p:nvPr>
+            <p:ph type="body" idx="1"/>
+          </p:nvPr>
+        </p:nvSpPr>
+        <p:spPr/>
+        <p:txBody>
+          <a:bodyPr/>
+          <a:lstStyle/>
+          <a:p>
+            <a:endParaRPr lang="pt-BR" dirty="0"/>
+          </a:p>
+        </p:txBody>
+      </p:sp>
+    </p:spTree>
+    <p:extLst>
+      <p:ext uri="{BB962C8B-B14F-4D97-AF65-F5344CB8AC3E}">
+        <p14:creationId xmlns:p14="http://schemas.microsoft.com/office/powerpoint/2010/main" val="2709569597"/>
+      </p:ext>
+    </p:extLst>
+  </p:cSld>
+  <p:clrMapOvr>
+    <a:masterClrMapping/>
+  </p:clrMapOvr>
+</p:notes>
+</file>
+
+<file path=ppt/notesSlides/notesSlide31.xml><?xml version="1.0" encoding="utf-8"?>
+<p:notes xmlns:a="http://schemas.openxmlformats.org/drawingml/2006/main" xmlns:r="http://schemas.openxmlformats.org/officeDocument/2006/relationships" xmlns:p="http://schemas.openxmlformats.org/presentationml/2006/main">
+  <p:cSld>
+    <p:spTree>
+      <p:nvGrpSpPr>
+        <p:cNvPr id="1" name=""/>
+        <p:cNvGrpSpPr/>
+        <p:nvPr/>
+      </p:nvGrpSpPr>
+      <p:grpSpPr>
+        <a:xfrm>
+          <a:off x="0" y="0"/>
+          <a:ext cx="0" cy="0"/>
+          <a:chOff x="0" y="0"/>
+          <a:chExt cx="0" cy="0"/>
+        </a:xfrm>
+      </p:grpSpPr>
+      <p:sp>
+        <p:nvSpPr>
+          <p:cNvPr id="2" name="Espaço Reservado para Imagem de Slide 1"/>
+          <p:cNvSpPr>
+            <a:spLocks noGrp="1" noRot="1" noChangeAspect="1"/>
+          </p:cNvSpPr>
+          <p:nvPr>
+            <p:ph type="sldImg"/>
+          </p:nvPr>
+        </p:nvSpPr>
+        <p:spPr>
+          <a:xfrm>
+            <a:off x="381000" y="685800"/>
+            <a:ext cx="6096000" cy="3429000"/>
+          </a:xfrm>
+        </p:spPr>
+      </p:sp>
+      <p:sp>
+        <p:nvSpPr>
+          <p:cNvPr id="3" name="Espaço Reservado para Anotações 2"/>
+          <p:cNvSpPr>
+            <a:spLocks noGrp="1"/>
+          </p:cNvSpPr>
+          <p:nvPr>
+            <p:ph type="body" idx="1"/>
+          </p:nvPr>
+        </p:nvSpPr>
+        <p:spPr/>
+        <p:txBody>
+          <a:bodyPr/>
+          <a:lstStyle/>
+          <a:p>
+            <a:endParaRPr lang="pt-BR" dirty="0"/>
+          </a:p>
+        </p:txBody>
+      </p:sp>
+    </p:spTree>
+    <p:extLst>
+      <p:ext uri="{BB962C8B-B14F-4D97-AF65-F5344CB8AC3E}">
+        <p14:creationId xmlns:p14="http://schemas.microsoft.com/office/powerpoint/2010/main" val="2296249050"/>
+      </p:ext>
+    </p:extLst>
+  </p:cSld>
+  <p:clrMapOvr>
+    <a:masterClrMapping/>
+  </p:clrMapOvr>
+</p:notes>
+</file>
+
+<file path=ppt/notesSlides/notesSlide32.xml><?xml version="1.0" encoding="utf-8"?>
+<p:notes xmlns:a="http://schemas.openxmlformats.org/drawingml/2006/main" xmlns:r="http://schemas.openxmlformats.org/officeDocument/2006/relationships" xmlns:p="http://schemas.openxmlformats.org/presentationml/2006/main">
+  <p:cSld>
+    <p:spTree>
+      <p:nvGrpSpPr>
+        <p:cNvPr id="1" name=""/>
+        <p:cNvGrpSpPr/>
+        <p:nvPr/>
+      </p:nvGrpSpPr>
+      <p:grpSpPr>
+        <a:xfrm>
+          <a:off x="0" y="0"/>
+          <a:ext cx="0" cy="0"/>
+          <a:chOff x="0" y="0"/>
+          <a:chExt cx="0" cy="0"/>
+        </a:xfrm>
+      </p:grpSpPr>
+      <p:sp>
+        <p:nvSpPr>
+          <p:cNvPr id="2" name="Espaço Reservado para Imagem de Slide 1"/>
+          <p:cNvSpPr>
+            <a:spLocks noGrp="1" noRot="1" noChangeAspect="1"/>
+          </p:cNvSpPr>
+          <p:nvPr>
+            <p:ph type="sldImg"/>
+          </p:nvPr>
+        </p:nvSpPr>
+        <p:spPr>
+          <a:xfrm>
+            <a:off x="381000" y="685800"/>
+            <a:ext cx="6096000" cy="3429000"/>
+          </a:xfrm>
+        </p:spPr>
+      </p:sp>
+      <p:sp>
+        <p:nvSpPr>
+          <p:cNvPr id="3" name="Espaço Reservado para Anotações 2"/>
+          <p:cNvSpPr>
+            <a:spLocks noGrp="1"/>
+          </p:cNvSpPr>
+          <p:nvPr>
+            <p:ph type="body" idx="1"/>
+          </p:nvPr>
+        </p:nvSpPr>
+        <p:spPr/>
+        <p:txBody>
+          <a:bodyPr/>
+          <a:lstStyle/>
+          <a:p>
+            <a:endParaRPr lang="pt-BR" dirty="0"/>
+          </a:p>
+        </p:txBody>
+      </p:sp>
+    </p:spTree>
+    <p:extLst>
+      <p:ext uri="{BB962C8B-B14F-4D97-AF65-F5344CB8AC3E}">
+        <p14:creationId xmlns:p14="http://schemas.microsoft.com/office/powerpoint/2010/main" val="4290351292"/>
       </p:ext>
     </p:extLst>
   </p:cSld>
@@ -4651,12 +5723,42 @@
                 <a:latin typeface="Times New Roman" panose="02020603050405020304" pitchFamily="18" charset="0"/>
                 <a:cs typeface="Times New Roman" panose="02020603050405020304" pitchFamily="18" charset="0"/>
               </a:rPr>
-              <a:t>O código de programação é escrito em uma linguagem de programação, como C, C++, </a:t>
-            </a:r>
-            <a:r>
-              <a:rPr lang="pt-BR" sz="2000" dirty="0" err="1">
-                <a:solidFill>
-                  <a:schemeClr val="tx1"/>
+              <a:t>O código de programação é escrito em uma linguagem de programação, como </a:t>
+            </a:r>
+            <a:r>
+              <a:rPr lang="pt-BR" sz="2000" b="1" dirty="0">
+                <a:solidFill>
+                  <a:srgbClr val="FF0000"/>
+                </a:solidFill>
+                <a:latin typeface="Times New Roman" panose="02020603050405020304" pitchFamily="18" charset="0"/>
+                <a:cs typeface="Times New Roman" panose="02020603050405020304" pitchFamily="18" charset="0"/>
+              </a:rPr>
+              <a:t>C</a:t>
+            </a:r>
+            <a:r>
+              <a:rPr lang="pt-BR" sz="2000" dirty="0">
+                <a:solidFill>
+                  <a:schemeClr val="tx1"/>
+                </a:solidFill>
+                <a:latin typeface="Times New Roman" panose="02020603050405020304" pitchFamily="18" charset="0"/>
+                <a:cs typeface="Times New Roman" panose="02020603050405020304" pitchFamily="18" charset="0"/>
+              </a:rPr>
+              <a:t>, </a:t>
+            </a:r>
+            <a:r>
+              <a:rPr lang="pt-BR" sz="2000" b="1" dirty="0">
+                <a:solidFill>
+                  <a:srgbClr val="FF0000"/>
+                </a:solidFill>
+                <a:latin typeface="Times New Roman" panose="02020603050405020304" pitchFamily="18" charset="0"/>
+                <a:cs typeface="Times New Roman" panose="02020603050405020304" pitchFamily="18" charset="0"/>
+              </a:rPr>
+              <a:t>C++, </a:t>
+            </a:r>
+            <a:r>
+              <a:rPr lang="pt-BR" sz="2000" b="1" dirty="0" err="1">
+                <a:solidFill>
+                  <a:srgbClr val="FF0000"/>
                 </a:solidFill>
                 <a:latin typeface="Times New Roman" panose="02020603050405020304" pitchFamily="18" charset="0"/>
                 <a:cs typeface="Times New Roman" panose="02020603050405020304" pitchFamily="18" charset="0"/>
@@ -4664,27 +5766,25 @@
               <a:t>python</a:t>
             </a:r>
             <a:r>
-              <a:rPr lang="pt-BR" sz="2000" dirty="0">
-                <a:solidFill>
-                  <a:schemeClr val="tx1"/>
-                </a:solidFill>
-                <a:latin typeface="Times New Roman" panose="02020603050405020304" pitchFamily="18" charset="0"/>
-                <a:cs typeface="Times New Roman" panose="02020603050405020304" pitchFamily="18" charset="0"/>
-              </a:rPr>
-              <a:t> ou Assembly, sendo carregado no microcontrolador do sistema embarcado para ser executado.</a:t>
-            </a:r>
-          </a:p>
-          <a:p>
-            <a:pPr marL="0" indent="0" algn="just">
-              <a:buNone/>
-            </a:pPr>
-            <a:endParaRPr lang="pt-BR" sz="2000">
-              <a:solidFill>
-                <a:schemeClr val="tx1"/>
-              </a:solidFill>
-              <a:latin typeface="Times New Roman" panose="02020603050405020304" pitchFamily="18" charset="0"/>
-              <a:cs typeface="Times New Roman" panose="02020603050405020304" pitchFamily="18" charset="0"/>
-            </a:endParaRPr>
+              <a:rPr lang="pt-BR" sz="2000" b="1" dirty="0">
+                <a:solidFill>
+                  <a:srgbClr val="FF0000"/>
+                </a:solidFill>
+                <a:latin typeface="Times New Roman" panose="02020603050405020304" pitchFamily="18" charset="0"/>
+                <a:cs typeface="Times New Roman" panose="02020603050405020304" pitchFamily="18" charset="0"/>
+              </a:rPr>
+              <a:t> ou Assembly</a:t>
+            </a:r>
+            <a:r>
+              <a:rPr lang="pt-BR" sz="2000" dirty="0">
+                <a:solidFill>
+                  <a:schemeClr val="tx1"/>
+                </a:solidFill>
+                <a:latin typeface="Times New Roman" panose="02020603050405020304" pitchFamily="18" charset="0"/>
+                <a:cs typeface="Times New Roman" panose="02020603050405020304" pitchFamily="18" charset="0"/>
+              </a:rPr>
+              <a:t>, sendo carregado no microcontrolador do sistema embarcado para ser executado.</a:t>
+            </a:r>
           </a:p>
           <a:p>
             <a:pPr marL="0" indent="0" algn="just">
@@ -4703,16 +5803,130 @@
               <a:buNone/>
             </a:pPr>
             <a:r>
-              <a:rPr lang="pt-BR" sz="2000" dirty="0">
-                <a:solidFill>
-                  <a:schemeClr val="tx1"/>
-                </a:solidFill>
-                <a:latin typeface="Times New Roman" panose="02020603050405020304" pitchFamily="18" charset="0"/>
-                <a:cs typeface="Times New Roman" panose="02020603050405020304" pitchFamily="18" charset="0"/>
-                <a:hlinkClick r:id="rId3"/>
-              </a:rPr>
-              <a:t>https://embarcados.com.br/tag/linguagem-c/</a:t>
-            </a:r>
+              <a:rPr lang="pt-BR" sz="2000" b="1" dirty="0">
+                <a:solidFill>
+                  <a:schemeClr val="tx1"/>
+                </a:solidFill>
+                <a:latin typeface="Times New Roman" panose="02020603050405020304" pitchFamily="18" charset="0"/>
+                <a:cs typeface="Times New Roman" panose="02020603050405020304" pitchFamily="18" charset="0"/>
+              </a:rPr>
+              <a:t>Assembly</a:t>
+            </a:r>
+            <a:r>
+              <a:rPr lang="pt-BR" sz="2000" dirty="0">
+                <a:solidFill>
+                  <a:schemeClr val="tx1"/>
+                </a:solidFill>
+                <a:latin typeface="Times New Roman" panose="02020603050405020304" pitchFamily="18" charset="0"/>
+                <a:cs typeface="Times New Roman" panose="02020603050405020304" pitchFamily="18" charset="0"/>
+              </a:rPr>
+              <a:t> =&gt; </a:t>
+            </a:r>
+            <a:r>
+              <a:rPr lang="pt-BR" sz="2000" b="1" dirty="0">
+                <a:solidFill>
+                  <a:srgbClr val="FF0000"/>
+                </a:solidFill>
+                <a:latin typeface="Times New Roman" panose="02020603050405020304" pitchFamily="18" charset="0"/>
+                <a:cs typeface="Times New Roman" panose="02020603050405020304" pitchFamily="18" charset="0"/>
+              </a:rPr>
+              <a:t>C/C++ </a:t>
+            </a:r>
+            <a:r>
+              <a:rPr lang="pt-BR" sz="2000" dirty="0">
+                <a:solidFill>
+                  <a:schemeClr val="tx1"/>
+                </a:solidFill>
+                <a:latin typeface="Times New Roman" panose="02020603050405020304" pitchFamily="18" charset="0"/>
+                <a:cs typeface="Times New Roman" panose="02020603050405020304" pitchFamily="18" charset="0"/>
+              </a:rPr>
+              <a:t>(C, utiliza seções cruciais </a:t>
+            </a:r>
+            <a:r>
+              <a:rPr lang="pt-BR" sz="2000" dirty="0" err="1">
+                <a:solidFill>
+                  <a:schemeClr val="tx1"/>
+                </a:solidFill>
+                <a:latin typeface="Times New Roman" panose="02020603050405020304" pitchFamily="18" charset="0"/>
+                <a:cs typeface="Times New Roman" panose="02020603050405020304" pitchFamily="18" charset="0"/>
+              </a:rPr>
+              <a:t>assembly</a:t>
+            </a:r>
+            <a:r>
+              <a:rPr lang="pt-BR" sz="2000" dirty="0">
+                <a:solidFill>
+                  <a:schemeClr val="tx1"/>
+                </a:solidFill>
+                <a:latin typeface="Times New Roman" panose="02020603050405020304" pitchFamily="18" charset="0"/>
+                <a:cs typeface="Times New Roman" panose="02020603050405020304" pitchFamily="18" charset="0"/>
+              </a:rPr>
+              <a:t> (</a:t>
+            </a:r>
+            <a:r>
+              <a:rPr lang="pt-BR" sz="2000" b="1" dirty="0">
+                <a:solidFill>
+                  <a:schemeClr val="tx1"/>
+                </a:solidFill>
+                <a:latin typeface="Times New Roman" panose="02020603050405020304" pitchFamily="18" charset="0"/>
+                <a:cs typeface="Times New Roman" panose="02020603050405020304" pitchFamily="18" charset="0"/>
+              </a:rPr>
+              <a:t>desempenho</a:t>
+            </a:r>
+            <a:r>
+              <a:rPr lang="pt-BR" sz="2000" dirty="0">
+                <a:solidFill>
+                  <a:schemeClr val="tx1"/>
+                </a:solidFill>
+                <a:latin typeface="Times New Roman" panose="02020603050405020304" pitchFamily="18" charset="0"/>
+                <a:cs typeface="Times New Roman" panose="02020603050405020304" pitchFamily="18" charset="0"/>
+              </a:rPr>
+              <a:t>) =&gt; </a:t>
+            </a:r>
+            <a:r>
+              <a:rPr lang="pt-BR" sz="2000" b="1" dirty="0">
+                <a:solidFill>
+                  <a:schemeClr val="tx1"/>
+                </a:solidFill>
+                <a:latin typeface="Times New Roman" panose="02020603050405020304" pitchFamily="18" charset="0"/>
+                <a:cs typeface="Times New Roman" panose="02020603050405020304" pitchFamily="18" charset="0"/>
+              </a:rPr>
+              <a:t>Python</a:t>
+            </a:r>
+            <a:r>
+              <a:rPr lang="pt-BR" sz="2000" dirty="0">
+                <a:solidFill>
+                  <a:schemeClr val="tx1"/>
+                </a:solidFill>
+                <a:latin typeface="Times New Roman" panose="02020603050405020304" pitchFamily="18" charset="0"/>
+                <a:cs typeface="Times New Roman" panose="02020603050405020304" pitchFamily="18" charset="0"/>
+              </a:rPr>
+              <a:t>. </a:t>
+            </a:r>
+            <a:r>
+              <a:rPr lang="pt-BR" sz="2000" b="1" dirty="0">
+                <a:solidFill>
+                  <a:srgbClr val="FF0000"/>
+                </a:solidFill>
+                <a:latin typeface="Times New Roman" panose="02020603050405020304" pitchFamily="18" charset="0"/>
+                <a:cs typeface="Times New Roman" panose="02020603050405020304" pitchFamily="18" charset="0"/>
+              </a:rPr>
+              <a:t>Python e C</a:t>
+            </a:r>
+            <a:r>
+              <a:rPr lang="pt-BR" sz="2000" dirty="0">
+                <a:solidFill>
+                  <a:schemeClr val="tx1"/>
+                </a:solidFill>
+                <a:latin typeface="Times New Roman" panose="02020603050405020304" pitchFamily="18" charset="0"/>
+                <a:cs typeface="Times New Roman" panose="02020603050405020304" pitchFamily="18" charset="0"/>
+              </a:rPr>
+              <a:t>, podem trabalhar juntos.</a:t>
+            </a:r>
+          </a:p>
+          <a:p>
+            <a:pPr marL="0" indent="0" algn="just">
+              <a:buNone/>
+            </a:pPr>
             <a:endParaRPr lang="pt-BR" sz="2000" dirty="0">
               <a:solidFill>
                 <a:schemeClr val="tx1"/>
@@ -4720,6 +5934,61 @@
               <a:latin typeface="Times New Roman" panose="02020603050405020304" pitchFamily="18" charset="0"/>
               <a:cs typeface="Times New Roman" panose="02020603050405020304" pitchFamily="18" charset="0"/>
             </a:endParaRPr>
+          </a:p>
+          <a:p>
+            <a:pPr marL="0" indent="0" algn="just">
+              <a:buNone/>
+            </a:pPr>
+            <a:r>
+              <a:rPr lang="pt-BR" sz="2000" b="1" dirty="0" err="1">
+                <a:solidFill>
+                  <a:schemeClr val="tx1"/>
+                </a:solidFill>
+                <a:latin typeface="Times New Roman" panose="02020603050405020304" pitchFamily="18" charset="0"/>
+                <a:cs typeface="Times New Roman" panose="02020603050405020304" pitchFamily="18" charset="0"/>
+              </a:rPr>
+              <a:t>PyMite</a:t>
+            </a:r>
+            <a:r>
+              <a:rPr lang="pt-BR" sz="2000" b="1" dirty="0">
+                <a:solidFill>
+                  <a:schemeClr val="tx1"/>
+                </a:solidFill>
+                <a:latin typeface="Times New Roman" panose="02020603050405020304" pitchFamily="18" charset="0"/>
+                <a:cs typeface="Times New Roman" panose="02020603050405020304" pitchFamily="18" charset="0"/>
+              </a:rPr>
+              <a:t> e </a:t>
+            </a:r>
+            <a:r>
+              <a:rPr lang="pt-BR" sz="2000" b="1" dirty="0" err="1">
+                <a:solidFill>
+                  <a:schemeClr val="tx1"/>
+                </a:solidFill>
+                <a:latin typeface="Times New Roman" panose="02020603050405020304" pitchFamily="18" charset="0"/>
+                <a:cs typeface="Times New Roman" panose="02020603050405020304" pitchFamily="18" charset="0"/>
+              </a:rPr>
+              <a:t>Tiny</a:t>
+            </a:r>
+            <a:r>
+              <a:rPr lang="pt-BR" sz="2000" b="1" dirty="0">
+                <a:solidFill>
+                  <a:schemeClr val="tx1"/>
+                </a:solidFill>
+                <a:latin typeface="Times New Roman" panose="02020603050405020304" pitchFamily="18" charset="0"/>
+                <a:cs typeface="Times New Roman" panose="02020603050405020304" pitchFamily="18" charset="0"/>
+              </a:rPr>
+              <a:t> Python</a:t>
+            </a:r>
+            <a:r>
+              <a:rPr lang="pt-BR" sz="2000" dirty="0">
+                <a:solidFill>
+                  <a:schemeClr val="tx1"/>
+                </a:solidFill>
+                <a:latin typeface="Times New Roman" panose="02020603050405020304" pitchFamily="18" charset="0"/>
+                <a:cs typeface="Times New Roman" panose="02020603050405020304" pitchFamily="18" charset="0"/>
+              </a:rPr>
+              <a:t> estiveram entre as primeiras tentativas de desenvolver implementações para execução em microcontroladores.</a:t>
+            </a:r>
           </a:p>
           <a:p>
             <a:pPr marL="0" indent="0" algn="just">
@@ -4789,12 +6058,20 @@
           <a:lstStyle/>
           <a:p>
             <a:r>
+              <a:rPr lang="en-US" b="1" dirty="0" err="1">
+                <a:solidFill>
+                  <a:srgbClr val="0070C0"/>
+                </a:solidFill>
+              </a:rPr>
+              <a:t>Linguagem</a:t>
+            </a:r>
+            <a:r>
               <a:rPr lang="en-US" b="1" dirty="0">
                 <a:solidFill>
                   <a:srgbClr val="0070C0"/>
                 </a:solidFill>
               </a:rPr>
-              <a:t>Ferramentas de </a:t>
+              <a:t> C </a:t>
             </a:r>
             <a:r>
               <a:rPr lang="en-US" b="1" dirty="0" err="1">
@@ -4802,7 +6079,7 @@
                   <a:srgbClr val="0070C0"/>
                 </a:solidFill>
               </a:rPr>
-              <a:t>Desenvolvimento</a:t>
+              <a:t>na</a:t>
             </a:r>
             <a:r>
               <a:rPr lang="en-US" b="1" dirty="0">
@@ -4810,7 +6087,23 @@
                   <a:srgbClr val="0070C0"/>
                 </a:solidFill>
               </a:rPr>
-              <a:t> de Software para </a:t>
+              <a:t> </a:t>
+            </a:r>
+            <a:r>
+              <a:rPr lang="en-US" b="1" dirty="0" err="1">
+                <a:solidFill>
+                  <a:srgbClr val="0070C0"/>
+                </a:solidFill>
+              </a:rPr>
+              <a:t>Programação</a:t>
+            </a:r>
+            <a:r>
+              <a:rPr lang="en-US" b="1" dirty="0">
+                <a:solidFill>
+                  <a:srgbClr val="0070C0"/>
+                </a:solidFill>
+              </a:rPr>
+              <a:t> de </a:t>
             </a:r>
             <a:r>
               <a:rPr lang="en-US" b="1" dirty="0" err="1">
@@ -4870,14 +6163,54 @@
               <a:buNone/>
             </a:pPr>
             <a:r>
-              <a:rPr lang="pt-BR" sz="2000" dirty="0">
-                <a:solidFill>
-                  <a:schemeClr val="tx1"/>
-                </a:solidFill>
-                <a:latin typeface="Times New Roman" panose="02020603050405020304" pitchFamily="18" charset="0"/>
-                <a:cs typeface="Times New Roman" panose="02020603050405020304" pitchFamily="18" charset="0"/>
-              </a:rPr>
-              <a:t>C</a:t>
+              <a:rPr lang="pt-BR" sz="2000" b="1" dirty="0" err="1">
+                <a:solidFill>
+                  <a:schemeClr val="tx1"/>
+                </a:solidFill>
+                <a:latin typeface="Times New Roman" panose="02020603050405020304" pitchFamily="18" charset="0"/>
+                <a:cs typeface="Times New Roman" panose="02020603050405020304" pitchFamily="18" charset="0"/>
+              </a:rPr>
+              <a:t>MicroPython</a:t>
+            </a:r>
+            <a:r>
+              <a:rPr lang="pt-BR" sz="2000" b="1" dirty="0">
+                <a:solidFill>
+                  <a:schemeClr val="tx1"/>
+                </a:solidFill>
+                <a:latin typeface="Times New Roman" panose="02020603050405020304" pitchFamily="18" charset="0"/>
+                <a:cs typeface="Times New Roman" panose="02020603050405020304" pitchFamily="18" charset="0"/>
+              </a:rPr>
+              <a:t>, </a:t>
+            </a:r>
+            <a:r>
+              <a:rPr lang="pt-BR" sz="2000" b="1" dirty="0" err="1">
+                <a:solidFill>
+                  <a:srgbClr val="FF0000"/>
+                </a:solidFill>
+                <a:latin typeface="Times New Roman" panose="02020603050405020304" pitchFamily="18" charset="0"/>
+                <a:cs typeface="Times New Roman" panose="02020603050405020304" pitchFamily="18" charset="0"/>
+              </a:rPr>
+              <a:t>opensource</a:t>
+            </a:r>
+            <a:r>
+              <a:rPr lang="pt-BR" sz="2000" b="1" dirty="0">
+                <a:solidFill>
+                  <a:schemeClr val="tx1"/>
+                </a:solidFill>
+                <a:latin typeface="Times New Roman" panose="02020603050405020304" pitchFamily="18" charset="0"/>
+                <a:cs typeface="Times New Roman" panose="02020603050405020304" pitchFamily="18" charset="0"/>
+              </a:rPr>
+              <a:t>,</a:t>
+            </a:r>
+            <a:r>
+              <a:rPr lang="pt-BR" sz="2000" dirty="0">
+                <a:solidFill>
+                  <a:schemeClr val="tx1"/>
+                </a:solidFill>
+                <a:latin typeface="Times New Roman" panose="02020603050405020304" pitchFamily="18" charset="0"/>
+                <a:cs typeface="Times New Roman" panose="02020603050405020304" pitchFamily="18" charset="0"/>
+              </a:rPr>
+              <a:t> é uma alternativa interessante para a linguagem de programação C para desenvolvimento embarcado. </a:t>
             </a:r>
           </a:p>
           <a:p>
@@ -4892,12 +6225,198 @@
               <a:cs typeface="Times New Roman" panose="02020603050405020304" pitchFamily="18" charset="0"/>
             </a:endParaRPr>
           </a:p>
+          <a:p>
+            <a:pPr marL="0" indent="0" algn="just">
+              <a:buNone/>
+            </a:pPr>
+            <a:r>
+              <a:rPr lang="pt-BR" sz="2000" dirty="0">
+                <a:solidFill>
+                  <a:schemeClr val="tx1"/>
+                </a:solidFill>
+                <a:latin typeface="Times New Roman" panose="02020603050405020304" pitchFamily="18" charset="0"/>
+                <a:cs typeface="Times New Roman" panose="02020603050405020304" pitchFamily="18" charset="0"/>
+              </a:rPr>
+              <a:t>Ele traz vários recursos populares da linguagem </a:t>
+            </a:r>
+            <a:r>
+              <a:rPr lang="pt-BR" sz="2000" b="1" dirty="0" err="1">
+                <a:solidFill>
+                  <a:srgbClr val="FF0000"/>
+                </a:solidFill>
+                <a:latin typeface="Times New Roman" panose="02020603050405020304" pitchFamily="18" charset="0"/>
+                <a:cs typeface="Times New Roman" panose="02020603050405020304" pitchFamily="18" charset="0"/>
+              </a:rPr>
+              <a:t>CPython</a:t>
+            </a:r>
+            <a:r>
+              <a:rPr lang="pt-BR" sz="2000" dirty="0">
+                <a:solidFill>
+                  <a:schemeClr val="tx1"/>
+                </a:solidFill>
+                <a:latin typeface="Times New Roman" panose="02020603050405020304" pitchFamily="18" charset="0"/>
+                <a:cs typeface="Times New Roman" panose="02020603050405020304" pitchFamily="18" charset="0"/>
+              </a:rPr>
+              <a:t> baseada em desktop para várias arquiteturas de microcontroladores populares, incluindo placas:</a:t>
+            </a:r>
+          </a:p>
+          <a:p>
+            <a:pPr marL="0" indent="0" algn="just">
+              <a:buNone/>
+            </a:pPr>
+            <a:endParaRPr lang="pt-BR" sz="2000" dirty="0">
+              <a:solidFill>
+                <a:schemeClr val="tx1"/>
+              </a:solidFill>
+              <a:latin typeface="Times New Roman" panose="02020603050405020304" pitchFamily="18" charset="0"/>
+              <a:cs typeface="Times New Roman" panose="02020603050405020304" pitchFamily="18" charset="0"/>
+            </a:endParaRPr>
+          </a:p>
+          <a:p>
+            <a:pPr marL="0" indent="0" algn="just">
+              <a:buNone/>
+            </a:pPr>
+            <a:r>
+              <a:rPr lang="pt-BR" sz="2000" dirty="0">
+                <a:solidFill>
+                  <a:schemeClr val="tx1"/>
+                </a:solidFill>
+                <a:latin typeface="Times New Roman" panose="02020603050405020304" pitchFamily="18" charset="0"/>
+                <a:cs typeface="Times New Roman" panose="02020603050405020304" pitchFamily="18" charset="0"/>
+              </a:rPr>
+              <a:t>=&gt; STM32, TI CC3200 / </a:t>
+            </a:r>
+            <a:r>
+              <a:rPr lang="pt-BR" sz="2000" dirty="0" err="1">
+                <a:solidFill>
+                  <a:schemeClr val="tx1"/>
+                </a:solidFill>
+                <a:latin typeface="Times New Roman" panose="02020603050405020304" pitchFamily="18" charset="0"/>
+                <a:cs typeface="Times New Roman" panose="02020603050405020304" pitchFamily="18" charset="0"/>
+              </a:rPr>
+              <a:t>WiPy</a:t>
+            </a:r>
+            <a:r>
+              <a:rPr lang="pt-BR" sz="2000" dirty="0">
+                <a:solidFill>
+                  <a:schemeClr val="tx1"/>
+                </a:solidFill>
+                <a:latin typeface="Times New Roman" panose="02020603050405020304" pitchFamily="18" charset="0"/>
+                <a:cs typeface="Times New Roman" panose="02020603050405020304" pitchFamily="18" charset="0"/>
+              </a:rPr>
+              <a:t>, placas </a:t>
+            </a:r>
+            <a:r>
+              <a:rPr lang="pt-BR" sz="2000" dirty="0" err="1">
+                <a:solidFill>
+                  <a:schemeClr val="tx1"/>
+                </a:solidFill>
+                <a:latin typeface="Times New Roman" panose="02020603050405020304" pitchFamily="18" charset="0"/>
+                <a:cs typeface="Times New Roman" panose="02020603050405020304" pitchFamily="18" charset="0"/>
+              </a:rPr>
+              <a:t>Teensy</a:t>
+            </a:r>
+            <a:r>
+              <a:rPr lang="pt-BR" sz="2000" dirty="0">
+                <a:solidFill>
+                  <a:schemeClr val="tx1"/>
+                </a:solidFill>
+                <a:latin typeface="Times New Roman" panose="02020603050405020304" pitchFamily="18" charset="0"/>
+                <a:cs typeface="Times New Roman" panose="02020603050405020304" pitchFamily="18" charset="0"/>
+              </a:rPr>
+              <a:t>, série </a:t>
+            </a:r>
+            <a:r>
+              <a:rPr lang="pt-BR" sz="2000" dirty="0" err="1">
+                <a:solidFill>
+                  <a:schemeClr val="tx1"/>
+                </a:solidFill>
+                <a:latin typeface="Times New Roman" panose="02020603050405020304" pitchFamily="18" charset="0"/>
+                <a:cs typeface="Times New Roman" panose="02020603050405020304" pitchFamily="18" charset="0"/>
+              </a:rPr>
+              <a:t>Nordic</a:t>
+            </a:r>
+            <a:r>
+              <a:rPr lang="pt-BR" sz="2000" dirty="0">
+                <a:solidFill>
+                  <a:schemeClr val="tx1"/>
+                </a:solidFill>
+                <a:latin typeface="Times New Roman" panose="02020603050405020304" pitchFamily="18" charset="0"/>
+                <a:cs typeface="Times New Roman" panose="02020603050405020304" pitchFamily="18" charset="0"/>
+              </a:rPr>
+              <a:t> </a:t>
+            </a:r>
+            <a:r>
+              <a:rPr lang="pt-BR" sz="2000" dirty="0" err="1">
+                <a:solidFill>
+                  <a:schemeClr val="tx1"/>
+                </a:solidFill>
+                <a:latin typeface="Times New Roman" panose="02020603050405020304" pitchFamily="18" charset="0"/>
+                <a:cs typeface="Times New Roman" panose="02020603050405020304" pitchFamily="18" charset="0"/>
+              </a:rPr>
+              <a:t>nRF</a:t>
+            </a:r>
+            <a:r>
+              <a:rPr lang="pt-BR" sz="2000" dirty="0">
+                <a:solidFill>
+                  <a:schemeClr val="tx1"/>
+                </a:solidFill>
+                <a:latin typeface="Times New Roman" panose="02020603050405020304" pitchFamily="18" charset="0"/>
+                <a:cs typeface="Times New Roman" panose="02020603050405020304" pitchFamily="18" charset="0"/>
+              </a:rPr>
+              <a:t>, SAMD21, SAMD51, ESP8266, ESP32, RISC-V e até mesmo o Lego Plataforma </a:t>
+            </a:r>
+            <a:r>
+              <a:rPr lang="pt-BR" sz="2000" dirty="0" err="1">
+                <a:solidFill>
+                  <a:schemeClr val="tx1"/>
+                </a:solidFill>
+                <a:latin typeface="Times New Roman" panose="02020603050405020304" pitchFamily="18" charset="0"/>
+                <a:cs typeface="Times New Roman" panose="02020603050405020304" pitchFamily="18" charset="0"/>
+              </a:rPr>
+              <a:t>Mindstorms</a:t>
+            </a:r>
+            <a:r>
+              <a:rPr lang="pt-BR" sz="2000" dirty="0">
+                <a:solidFill>
+                  <a:schemeClr val="tx1"/>
+                </a:solidFill>
+                <a:latin typeface="Times New Roman" panose="02020603050405020304" pitchFamily="18" charset="0"/>
+                <a:cs typeface="Times New Roman" panose="02020603050405020304" pitchFamily="18" charset="0"/>
+              </a:rPr>
+              <a:t> EV3.</a:t>
+            </a:r>
+          </a:p>
+          <a:p>
+            <a:pPr marL="0" indent="0" algn="just">
+              <a:buNone/>
+            </a:pPr>
+            <a:endParaRPr lang="pt-BR" sz="2000" dirty="0">
+              <a:solidFill>
+                <a:schemeClr val="tx1"/>
+              </a:solidFill>
+              <a:latin typeface="Times New Roman" panose="02020603050405020304" pitchFamily="18" charset="0"/>
+              <a:cs typeface="Times New Roman" panose="02020603050405020304" pitchFamily="18" charset="0"/>
+            </a:endParaRPr>
+          </a:p>
+          <a:p>
+            <a:pPr marL="0" indent="0" algn="just">
+              <a:buNone/>
+            </a:pPr>
+            <a:endParaRPr lang="pt-BR" sz="2000" dirty="0">
+              <a:solidFill>
+                <a:schemeClr val="tx1"/>
+              </a:solidFill>
+              <a:latin typeface="Times New Roman" panose="02020603050405020304" pitchFamily="18" charset="0"/>
+              <a:cs typeface="Times New Roman" panose="02020603050405020304" pitchFamily="18" charset="0"/>
+            </a:endParaRPr>
+          </a:p>
         </p:txBody>
       </p:sp>
     </p:spTree>
     <p:extLst>
       <p:ext uri="{BB962C8B-B14F-4D97-AF65-F5344CB8AC3E}">
-        <p14:creationId xmlns:p14="http://schemas.microsoft.com/office/powerpoint/2010/main" val="3150742256"/>
+        <p14:creationId xmlns:p14="http://schemas.microsoft.com/office/powerpoint/2010/main" val="2450777452"/>
       </p:ext>
     </p:extLst>
   </p:cSld>
@@ -4953,7 +6472,7 @@
                   <a:srgbClr val="0070C0"/>
                 </a:solidFill>
               </a:rPr>
-              <a:t>Módulo</a:t>
+              <a:t>Linguagem</a:t>
             </a:r>
             <a:r>
               <a:rPr lang="en-US" b="1" dirty="0">
@@ -4961,6 +6480,22 @@
                   <a:srgbClr val="0070C0"/>
                 </a:solidFill>
               </a:rPr>
+              <a:t> C </a:t>
+            </a:r>
+            <a:r>
+              <a:rPr lang="en-US" b="1" dirty="0" err="1">
+                <a:solidFill>
+                  <a:srgbClr val="0070C0"/>
+                </a:solidFill>
+              </a:rPr>
+              <a:t>na</a:t>
+            </a:r>
+            <a:r>
+              <a:rPr lang="en-US" b="1" dirty="0">
+                <a:solidFill>
+                  <a:srgbClr val="0070C0"/>
+                </a:solidFill>
+              </a:rPr>
               <a:t> </a:t>
             </a:r>
             <a:r>
@@ -4969,7 +6504,7 @@
                   <a:srgbClr val="0070C0"/>
                 </a:solidFill>
               </a:rPr>
-              <a:t>Simulador</a:t>
+              <a:t>Programação</a:t>
             </a:r>
             <a:r>
               <a:rPr lang="en-US" b="1" dirty="0">
@@ -4977,7 +6512,7 @@
                   <a:srgbClr val="0070C0"/>
                 </a:solidFill>
               </a:rPr>
-              <a:t> da Plataforma </a:t>
+              <a:t> de </a:t>
             </a:r>
             <a:r>
               <a:rPr lang="en-US" b="1" dirty="0" err="1">
@@ -4985,7 +6520,7 @@
                   <a:srgbClr val="0070C0"/>
                 </a:solidFill>
               </a:rPr>
-              <a:t>Arduíno</a:t>
+              <a:t>Sistemas</a:t>
             </a:r>
             <a:r>
               <a:rPr lang="en-US" b="1" dirty="0">
@@ -4993,7 +6528,7 @@
                   <a:srgbClr val="0070C0"/>
                 </a:solidFill>
               </a:rPr>
-              <a:t> e CI da Tool </a:t>
+              <a:t> </a:t>
             </a:r>
             <a:r>
               <a:rPr lang="en-US" b="1" dirty="0" err="1">
@@ -5001,7 +6536,7 @@
                   <a:srgbClr val="0070C0"/>
                 </a:solidFill>
               </a:rPr>
-              <a:t>Tinkercad</a:t>
+              <a:t>Embarcados</a:t>
             </a:r>
             <a:endParaRPr lang="en-US" b="1" dirty="0">
               <a:solidFill>
@@ -5037,14 +6572,64 @@
               <a:buNone/>
             </a:pPr>
             <a:r>
-              <a:rPr lang="pt-BR" sz="2000" dirty="0">
-                <a:solidFill>
-                  <a:schemeClr val="tx1"/>
-                </a:solidFill>
-                <a:latin typeface="Times New Roman" panose="02020603050405020304" pitchFamily="18" charset="0"/>
-                <a:cs typeface="Times New Roman" panose="02020603050405020304" pitchFamily="18" charset="0"/>
-              </a:rPr>
-              <a:t>C</a:t>
+              <a:rPr lang="pt-BR" sz="2000" b="1" dirty="0" err="1">
+                <a:solidFill>
+                  <a:schemeClr val="tx1"/>
+                </a:solidFill>
+                <a:latin typeface="Times New Roman" panose="02020603050405020304" pitchFamily="18" charset="0"/>
+                <a:cs typeface="Times New Roman" panose="02020603050405020304" pitchFamily="18" charset="0"/>
+              </a:rPr>
+              <a:t>CircuitPython</a:t>
+            </a:r>
+            <a:r>
+              <a:rPr lang="pt-BR" sz="2000" dirty="0">
+                <a:solidFill>
+                  <a:schemeClr val="tx1"/>
+                </a:solidFill>
+                <a:latin typeface="Times New Roman" panose="02020603050405020304" pitchFamily="18" charset="0"/>
+                <a:cs typeface="Times New Roman" panose="02020603050405020304" pitchFamily="18" charset="0"/>
+              </a:rPr>
+              <a:t> é uma implementação Python educacional e amigável para o criador e, por si só, um </a:t>
+            </a:r>
+            <a:r>
+              <a:rPr lang="pt-BR" sz="2000" dirty="0" err="1">
+                <a:solidFill>
+                  <a:schemeClr val="tx1"/>
+                </a:solidFill>
+                <a:latin typeface="Times New Roman" panose="02020603050405020304" pitchFamily="18" charset="0"/>
+                <a:cs typeface="Times New Roman" panose="02020603050405020304" pitchFamily="18" charset="0"/>
+              </a:rPr>
+              <a:t>fork</a:t>
+            </a:r>
+            <a:r>
+              <a:rPr lang="pt-BR" sz="2000" dirty="0">
+                <a:solidFill>
+                  <a:schemeClr val="tx1"/>
+                </a:solidFill>
+                <a:latin typeface="Times New Roman" panose="02020603050405020304" pitchFamily="18" charset="0"/>
+                <a:cs typeface="Times New Roman" panose="02020603050405020304" pitchFamily="18" charset="0"/>
+              </a:rPr>
+              <a:t> do </a:t>
+            </a:r>
+            <a:r>
+              <a:rPr lang="pt-BR" sz="2000" dirty="0" err="1">
+                <a:solidFill>
+                  <a:schemeClr val="tx1"/>
+                </a:solidFill>
+                <a:latin typeface="Times New Roman" panose="02020603050405020304" pitchFamily="18" charset="0"/>
+                <a:cs typeface="Times New Roman" panose="02020603050405020304" pitchFamily="18" charset="0"/>
+              </a:rPr>
+              <a:t>MicroPython</a:t>
+            </a:r>
+            <a:r>
+              <a:rPr lang="pt-BR" sz="2000" dirty="0">
+                <a:solidFill>
+                  <a:schemeClr val="tx1"/>
+                </a:solidFill>
+                <a:latin typeface="Times New Roman" panose="02020603050405020304" pitchFamily="18" charset="0"/>
+                <a:cs typeface="Times New Roman" panose="02020603050405020304" pitchFamily="18" charset="0"/>
+              </a:rPr>
+              <a:t>, compatível também com a família Microchip.</a:t>
             </a:r>
           </a:p>
           <a:p>
@@ -5064,14 +6649,74 @@
               <a:buNone/>
             </a:pPr>
             <a:r>
-              <a:rPr lang="pt-BR" sz="2000" dirty="0">
-                <a:solidFill>
-                  <a:schemeClr val="tx1"/>
-                </a:solidFill>
-                <a:latin typeface="Times New Roman" panose="02020603050405020304" pitchFamily="18" charset="0"/>
-                <a:cs typeface="Times New Roman" panose="02020603050405020304" pitchFamily="18" charset="0"/>
-              </a:rPr>
-              <a:t>2.3 principais funções do módulo simulador da plataforma </a:t>
+              <a:rPr lang="pt-BR" sz="2000" b="1" dirty="0" err="1">
+                <a:solidFill>
+                  <a:schemeClr val="tx1"/>
+                </a:solidFill>
+                <a:latin typeface="Times New Roman" panose="02020603050405020304" pitchFamily="18" charset="0"/>
+                <a:cs typeface="Times New Roman" panose="02020603050405020304" pitchFamily="18" charset="0"/>
+              </a:rPr>
+              <a:t>CPython</a:t>
+            </a:r>
+            <a:r>
+              <a:rPr lang="pt-BR" sz="2000" dirty="0">
+                <a:solidFill>
+                  <a:schemeClr val="tx1"/>
+                </a:solidFill>
+                <a:latin typeface="Times New Roman" panose="02020603050405020304" pitchFamily="18" charset="0"/>
+                <a:cs typeface="Times New Roman" panose="02020603050405020304" pitchFamily="18" charset="0"/>
+              </a:rPr>
+              <a:t>. Computadores de placa única (</a:t>
+            </a:r>
+            <a:r>
+              <a:rPr lang="pt-BR" sz="2000" b="1" dirty="0">
+                <a:solidFill>
+                  <a:srgbClr val="FF0000"/>
+                </a:solidFill>
+                <a:latin typeface="Times New Roman" panose="02020603050405020304" pitchFamily="18" charset="0"/>
+                <a:cs typeface="Times New Roman" panose="02020603050405020304" pitchFamily="18" charset="0"/>
+              </a:rPr>
+              <a:t>Single Board </a:t>
+            </a:r>
+            <a:r>
+              <a:rPr lang="pt-BR" sz="2000" b="1" dirty="0" err="1">
+                <a:solidFill>
+                  <a:srgbClr val="FF0000"/>
+                </a:solidFill>
+                <a:latin typeface="Times New Roman" panose="02020603050405020304" pitchFamily="18" charset="0"/>
+                <a:cs typeface="Times New Roman" panose="02020603050405020304" pitchFamily="18" charset="0"/>
+              </a:rPr>
+              <a:t>Computers</a:t>
+            </a:r>
+            <a:r>
+              <a:rPr lang="pt-BR" sz="2000" b="1" dirty="0">
+                <a:solidFill>
+                  <a:srgbClr val="FF0000"/>
+                </a:solidFill>
+                <a:latin typeface="Times New Roman" panose="02020603050405020304" pitchFamily="18" charset="0"/>
+                <a:cs typeface="Times New Roman" panose="02020603050405020304" pitchFamily="18" charset="0"/>
+              </a:rPr>
+              <a:t> – </a:t>
+            </a:r>
+            <a:r>
+              <a:rPr lang="pt-BR" sz="2000" b="1" dirty="0" err="1">
+                <a:solidFill>
+                  <a:srgbClr val="FF0000"/>
+                </a:solidFill>
+                <a:latin typeface="Times New Roman" panose="02020603050405020304" pitchFamily="18" charset="0"/>
+                <a:cs typeface="Times New Roman" panose="02020603050405020304" pitchFamily="18" charset="0"/>
+              </a:rPr>
+              <a:t>SBCs</a:t>
+            </a:r>
+            <a:r>
+              <a:rPr lang="pt-BR" sz="2000" dirty="0">
+                <a:solidFill>
+                  <a:schemeClr val="tx1"/>
+                </a:solidFill>
+                <a:latin typeface="Times New Roman" panose="02020603050405020304" pitchFamily="18" charset="0"/>
+                <a:cs typeface="Times New Roman" panose="02020603050405020304" pitchFamily="18" charset="0"/>
+              </a:rPr>
+              <a:t>), implementações, como o Python para arquiteturas ARM Linux </a:t>
             </a:r>
             <a:r>
               <a:rPr lang="pt-BR" sz="2000" dirty="0" err="1">
@@ -5081,32 +6726,57 @@
                 <a:latin typeface="Times New Roman" panose="02020603050405020304" pitchFamily="18" charset="0"/>
                 <a:cs typeface="Times New Roman" panose="02020603050405020304" pitchFamily="18" charset="0"/>
               </a:rPr>
-              <a:t>arduino</a:t>
-            </a:r>
-            <a:r>
-              <a:rPr lang="pt-BR" sz="2000" dirty="0">
-                <a:solidFill>
-                  <a:schemeClr val="tx1"/>
-                </a:solidFill>
-                <a:latin typeface="Times New Roman" panose="02020603050405020304" pitchFamily="18" charset="0"/>
-                <a:cs typeface="Times New Roman" panose="02020603050405020304" pitchFamily="18" charset="0"/>
-              </a:rPr>
-              <a:t> e</a:t>
-            </a:r>
-          </a:p>
-          <a:p>
-            <a:pPr marL="0" indent="0" algn="just">
-              <a:buNone/>
-            </a:pPr>
-            <a:r>
-              <a:rPr lang="pt-BR" sz="2000" dirty="0">
-                <a:solidFill>
-                  <a:schemeClr val="tx1"/>
-                </a:solidFill>
-                <a:latin typeface="Times New Roman" panose="02020603050405020304" pitchFamily="18" charset="0"/>
-                <a:cs typeface="Times New Roman" panose="02020603050405020304" pitchFamily="18" charset="0"/>
-              </a:rPr>
-              <a:t>Circuitos eletrônicos da ferramenta </a:t>
+              <a:t>vs</a:t>
+            </a:r>
+            <a:r>
+              <a:rPr lang="pt-BR" sz="2000" dirty="0">
+                <a:solidFill>
+                  <a:schemeClr val="tx1"/>
+                </a:solidFill>
+                <a:latin typeface="Times New Roman" panose="02020603050405020304" pitchFamily="18" charset="0"/>
+                <a:cs typeface="Times New Roman" panose="02020603050405020304" pitchFamily="18" charset="0"/>
+              </a:rPr>
+              <a:t> arquiteturas x86/x64, implementações adicionais como </a:t>
+            </a:r>
+            <a:r>
+              <a:rPr lang="pt-BR" sz="2000" b="1" dirty="0" err="1">
+                <a:solidFill>
+                  <a:schemeClr val="tx1"/>
+                </a:solidFill>
+                <a:latin typeface="Times New Roman" panose="02020603050405020304" pitchFamily="18" charset="0"/>
+                <a:cs typeface="Times New Roman" panose="02020603050405020304" pitchFamily="18" charset="0"/>
+              </a:rPr>
+              <a:t>PyPy</a:t>
+            </a:r>
+            <a:r>
+              <a:rPr lang="pt-BR" sz="2000" dirty="0">
+                <a:solidFill>
+                  <a:schemeClr val="tx1"/>
+                </a:solidFill>
+                <a:latin typeface="Times New Roman" panose="02020603050405020304" pitchFamily="18" charset="0"/>
+                <a:cs typeface="Times New Roman" panose="02020603050405020304" pitchFamily="18" charset="0"/>
+              </a:rPr>
+              <a:t> – com base em um </a:t>
+            </a:r>
+            <a:r>
+              <a:rPr lang="pt-BR" sz="2000" b="1" dirty="0">
+                <a:solidFill>
+                  <a:schemeClr val="tx1"/>
+                </a:solidFill>
+                <a:latin typeface="Times New Roman" panose="02020603050405020304" pitchFamily="18" charset="0"/>
+                <a:cs typeface="Times New Roman" panose="02020603050405020304" pitchFamily="18" charset="0"/>
+              </a:rPr>
+              <a:t>compilador Just-In-Time</a:t>
+            </a:r>
+            <a:r>
+              <a:rPr lang="pt-BR" sz="2000" dirty="0">
+                <a:solidFill>
+                  <a:schemeClr val="tx1"/>
+                </a:solidFill>
+                <a:latin typeface="Times New Roman" panose="02020603050405020304" pitchFamily="18" charset="0"/>
+                <a:cs typeface="Times New Roman" panose="02020603050405020304" pitchFamily="18" charset="0"/>
+              </a:rPr>
+              <a:t> versus o interpretador de </a:t>
             </a:r>
             <a:r>
               <a:rPr lang="pt-BR" sz="2000" dirty="0" err="1">
@@ -5116,22 +6786,75 @@
                 <a:latin typeface="Times New Roman" panose="02020603050405020304" pitchFamily="18" charset="0"/>
                 <a:cs typeface="Times New Roman" panose="02020603050405020304" pitchFamily="18" charset="0"/>
               </a:rPr>
-              <a:t>tinkercad</a:t>
-            </a:r>
-            <a:endParaRPr lang="pt-BR" sz="2000" dirty="0">
-              <a:solidFill>
-                <a:schemeClr val="tx1"/>
-              </a:solidFill>
-              <a:latin typeface="Times New Roman" panose="02020603050405020304" pitchFamily="18" charset="0"/>
-              <a:cs typeface="Times New Roman" panose="02020603050405020304" pitchFamily="18" charset="0"/>
-            </a:endParaRPr>
+              <a:t>CPython</a:t>
+            </a:r>
+            <a:r>
+              <a:rPr lang="pt-BR" sz="2000" dirty="0">
+                <a:solidFill>
+                  <a:schemeClr val="tx1"/>
+                </a:solidFill>
+                <a:latin typeface="Times New Roman" panose="02020603050405020304" pitchFamily="18" charset="0"/>
+                <a:cs typeface="Times New Roman" panose="02020603050405020304" pitchFamily="18" charset="0"/>
+              </a:rPr>
+              <a:t> – foram portadas para </a:t>
+            </a:r>
+            <a:r>
+              <a:rPr lang="pt-BR" sz="2000" b="1" dirty="0" err="1">
+                <a:solidFill>
+                  <a:srgbClr val="FF0000"/>
+                </a:solidFill>
+                <a:latin typeface="Times New Roman" panose="02020603050405020304" pitchFamily="18" charset="0"/>
+                <a:cs typeface="Times New Roman" panose="02020603050405020304" pitchFamily="18" charset="0"/>
+              </a:rPr>
+              <a:t>Raspberry</a:t>
+            </a:r>
+            <a:r>
+              <a:rPr lang="pt-BR" sz="2000" b="1" dirty="0">
+                <a:solidFill>
+                  <a:srgbClr val="FF0000"/>
+                </a:solidFill>
+                <a:latin typeface="Times New Roman" panose="02020603050405020304" pitchFamily="18" charset="0"/>
+                <a:cs typeface="Times New Roman" panose="02020603050405020304" pitchFamily="18" charset="0"/>
+              </a:rPr>
+              <a:t> Pi</a:t>
+            </a:r>
+            <a:r>
+              <a:rPr lang="pt-BR" sz="2000" dirty="0">
+                <a:solidFill>
+                  <a:schemeClr val="tx1"/>
+                </a:solidFill>
+                <a:latin typeface="Times New Roman" panose="02020603050405020304" pitchFamily="18" charset="0"/>
+                <a:cs typeface="Times New Roman" panose="02020603050405020304" pitchFamily="18" charset="0"/>
+              </a:rPr>
+              <a:t> e oferecem melhorias, como melhor </a:t>
+            </a:r>
+            <a:r>
+              <a:rPr lang="pt-BR" sz="2000" b="1" dirty="0">
+                <a:solidFill>
+                  <a:schemeClr val="tx1"/>
+                </a:solidFill>
+                <a:latin typeface="Times New Roman" panose="02020603050405020304" pitchFamily="18" charset="0"/>
+                <a:cs typeface="Times New Roman" panose="02020603050405020304" pitchFamily="18" charset="0"/>
+              </a:rPr>
+              <a:t>desempenho de velocidade</a:t>
+            </a:r>
+            <a:r>
+              <a:rPr lang="pt-BR" sz="2000" dirty="0">
+                <a:solidFill>
+                  <a:schemeClr val="tx1"/>
+                </a:solidFill>
+                <a:latin typeface="Times New Roman" panose="02020603050405020304" pitchFamily="18" charset="0"/>
+                <a:cs typeface="Times New Roman" panose="02020603050405020304" pitchFamily="18" charset="0"/>
+              </a:rPr>
+              <a:t>. </a:t>
+            </a:r>
           </a:p>
         </p:txBody>
       </p:sp>
     </p:spTree>
     <p:extLst>
       <p:ext uri="{BB962C8B-B14F-4D97-AF65-F5344CB8AC3E}">
-        <p14:creationId xmlns:p14="http://schemas.microsoft.com/office/powerpoint/2010/main" val="1610113958"/>
+        <p14:creationId xmlns:p14="http://schemas.microsoft.com/office/powerpoint/2010/main" val="2967710713"/>
       </p:ext>
     </p:extLst>
   </p:cSld>
@@ -5187,7 +6910,7 @@
                   <a:srgbClr val="0070C0"/>
                 </a:solidFill>
               </a:rPr>
-              <a:t>Características</a:t>
+              <a:t>Linguagem</a:t>
             </a:r>
             <a:r>
               <a:rPr lang="en-US" b="1" dirty="0">
@@ -5195,7 +6918,7 @@
                   <a:srgbClr val="0070C0"/>
                 </a:solidFill>
               </a:rPr>
-              <a:t> da Ferramenta de </a:t>
+              <a:t> C </a:t>
             </a:r>
             <a:r>
               <a:rPr lang="en-US" b="1" dirty="0" err="1">
@@ -5203,7 +6926,7 @@
                   <a:srgbClr val="0070C0"/>
                 </a:solidFill>
               </a:rPr>
-              <a:t>Simulação</a:t>
+              <a:t>na</a:t>
             </a:r>
             <a:r>
               <a:rPr lang="en-US" b="1" dirty="0">
@@ -5219,7 +6942,7 @@
                   <a:srgbClr val="0070C0"/>
                 </a:solidFill>
               </a:rPr>
-              <a:t>PICSimLab</a:t>
+              <a:t>Programação</a:t>
             </a:r>
             <a:r>
               <a:rPr lang="en-US" b="1" dirty="0">
@@ -5227,8 +6950,37 @@
                   <a:srgbClr val="0070C0"/>
                 </a:solidFill>
               </a:rPr>
-              <a:t> CI PIC</a:t>
-            </a:r>
+              <a:t> de </a:t>
+            </a:r>
+            <a:r>
+              <a:rPr lang="en-US" b="1" dirty="0" err="1">
+                <a:solidFill>
+                  <a:srgbClr val="0070C0"/>
+                </a:solidFill>
+              </a:rPr>
+              <a:t>Sistemas</a:t>
+            </a:r>
+            <a:r>
+              <a:rPr lang="en-US" b="1" dirty="0">
+                <a:solidFill>
+                  <a:srgbClr val="0070C0"/>
+                </a:solidFill>
+              </a:rPr>
+              <a:t> </a:t>
+            </a:r>
+            <a:r>
+              <a:rPr lang="en-US" b="1" dirty="0" err="1">
+                <a:solidFill>
+                  <a:srgbClr val="0070C0"/>
+                </a:solidFill>
+              </a:rPr>
+              <a:t>Embarcados</a:t>
+            </a:r>
+            <a:endParaRPr lang="en-US" b="1" dirty="0">
+              <a:solidFill>
+                <a:srgbClr val="0070C0"/>
+              </a:solidFill>
+            </a:endParaRPr>
           </a:p>
         </p:txBody>
       </p:sp>
@@ -5258,14 +7010,44 @@
               <a:buNone/>
             </a:pPr>
             <a:r>
-              <a:rPr lang="pt-BR" sz="2000" dirty="0">
-                <a:solidFill>
-                  <a:schemeClr val="tx1"/>
-                </a:solidFill>
-                <a:latin typeface="Times New Roman" panose="02020603050405020304" pitchFamily="18" charset="0"/>
-                <a:cs typeface="Times New Roman" panose="02020603050405020304" pitchFamily="18" charset="0"/>
-              </a:rPr>
-              <a:t>C</a:t>
+              <a:rPr lang="pt-BR" sz="2000" b="1" dirty="0" err="1">
+                <a:solidFill>
+                  <a:schemeClr val="tx1"/>
+                </a:solidFill>
+                <a:latin typeface="Times New Roman" panose="02020603050405020304" pitchFamily="18" charset="0"/>
+                <a:cs typeface="Times New Roman" panose="02020603050405020304" pitchFamily="18" charset="0"/>
+              </a:rPr>
+              <a:t>Zerynth</a:t>
+            </a:r>
+            <a:r>
+              <a:rPr lang="pt-BR" sz="2000" dirty="0">
+                <a:solidFill>
+                  <a:schemeClr val="tx1"/>
+                </a:solidFill>
+                <a:latin typeface="Times New Roman" panose="02020603050405020304" pitchFamily="18" charset="0"/>
+                <a:cs typeface="Times New Roman" panose="02020603050405020304" pitchFamily="18" charset="0"/>
+              </a:rPr>
+              <a:t> é um conjunto de ferramentas contidas em um Kit de Desenvolvimento de Software (</a:t>
+            </a:r>
+            <a:r>
+              <a:rPr lang="pt-BR" sz="2000" b="1" dirty="0">
+                <a:solidFill>
+                  <a:srgbClr val="FF0000"/>
+                </a:solidFill>
+                <a:latin typeface="Times New Roman" panose="02020603050405020304" pitchFamily="18" charset="0"/>
+                <a:cs typeface="Times New Roman" panose="02020603050405020304" pitchFamily="18" charset="0"/>
+              </a:rPr>
+              <a:t>SDK</a:t>
+            </a:r>
+            <a:r>
+              <a:rPr lang="pt-BR" sz="2000" dirty="0">
+                <a:solidFill>
+                  <a:schemeClr val="tx1"/>
+                </a:solidFill>
+                <a:latin typeface="Times New Roman" panose="02020603050405020304" pitchFamily="18" charset="0"/>
+                <a:cs typeface="Times New Roman" panose="02020603050405020304" pitchFamily="18" charset="0"/>
+              </a:rPr>
+              <a:t>), tais como: </a:t>
             </a:r>
           </a:p>
           <a:p>
@@ -5281,19 +7063,10 @@
             </a:endParaRPr>
           </a:p>
           <a:p>
-            <a:pPr marL="0" indent="0" algn="just">
-              <a:buNone/>
-            </a:pPr>
-            <a:r>
-              <a:rPr lang="pt-BR" sz="2000" dirty="0">
-                <a:solidFill>
-                  <a:schemeClr val="tx1"/>
-                </a:solidFill>
-                <a:latin typeface="Times New Roman" panose="02020603050405020304" pitchFamily="18" charset="0"/>
-                <a:cs typeface="Times New Roman" panose="02020603050405020304" pitchFamily="18" charset="0"/>
-              </a:rPr>
-              <a:t>2.4 características da ferramenta de simulação </a:t>
-            </a:r>
+            <a:pPr algn="just">
+              <a:buFont typeface="Wingdings" panose="05000000000000000000" pitchFamily="2" charset="2"/>
+              <a:buChar char="§"/>
+            </a:pPr>
             <a:r>
               <a:rPr lang="pt-BR" sz="2000" dirty="0" err="1">
                 <a:solidFill>
@@ -5302,32 +7075,17 @@
                 <a:latin typeface="Times New Roman" panose="02020603050405020304" pitchFamily="18" charset="0"/>
                 <a:cs typeface="Times New Roman" panose="02020603050405020304" pitchFamily="18" charset="0"/>
               </a:rPr>
-              <a:t>picsimlab</a:t>
-            </a:r>
-            <a:r>
-              <a:rPr lang="pt-BR" sz="2000" dirty="0">
-                <a:solidFill>
-                  <a:schemeClr val="tx1"/>
-                </a:solidFill>
-                <a:latin typeface="Times New Roman" panose="02020603050405020304" pitchFamily="18" charset="0"/>
-                <a:cs typeface="Times New Roman" panose="02020603050405020304" pitchFamily="18" charset="0"/>
-              </a:rPr>
-              <a:t> para</a:t>
-            </a:r>
-          </a:p>
-          <a:p>
-            <a:pPr marL="0" indent="0" algn="just">
-              <a:buNone/>
-            </a:pPr>
-            <a:r>
-              <a:rPr lang="pt-BR" sz="2000" dirty="0">
-                <a:solidFill>
-                  <a:schemeClr val="tx1"/>
-                </a:solidFill>
-                <a:latin typeface="Times New Roman" panose="02020603050405020304" pitchFamily="18" charset="0"/>
-                <a:cs typeface="Times New Roman" panose="02020603050405020304" pitchFamily="18" charset="0"/>
-              </a:rPr>
-              <a:t>Microcontroladores </a:t>
+              <a:t>Zerynth</a:t>
+            </a:r>
+            <a:r>
+              <a:rPr lang="pt-BR" sz="2000" dirty="0">
+                <a:solidFill>
+                  <a:schemeClr val="tx1"/>
+                </a:solidFill>
+                <a:latin typeface="Times New Roman" panose="02020603050405020304" pitchFamily="18" charset="0"/>
+                <a:cs typeface="Times New Roman" panose="02020603050405020304" pitchFamily="18" charset="0"/>
+              </a:rPr>
+              <a:t> Studio </a:t>
             </a:r>
             <a:r>
               <a:rPr lang="pt-BR" sz="2000" dirty="0" err="1">
@@ -5337,8 +7095,135 @@
                 <a:latin typeface="Times New Roman" panose="02020603050405020304" pitchFamily="18" charset="0"/>
                 <a:cs typeface="Times New Roman" panose="02020603050405020304" pitchFamily="18" charset="0"/>
               </a:rPr>
-              <a:t>pic</a:t>
-            </a:r>
+              <a:t>Integrated</a:t>
+            </a:r>
+            <a:r>
+              <a:rPr lang="pt-BR" sz="2000" dirty="0">
+                <a:solidFill>
+                  <a:schemeClr val="tx1"/>
+                </a:solidFill>
+                <a:latin typeface="Times New Roman" panose="02020603050405020304" pitchFamily="18" charset="0"/>
+                <a:cs typeface="Times New Roman" panose="02020603050405020304" pitchFamily="18" charset="0"/>
+              </a:rPr>
+              <a:t> </a:t>
+            </a:r>
+            <a:r>
+              <a:rPr lang="pt-BR" sz="2000" dirty="0" err="1">
+                <a:solidFill>
+                  <a:schemeClr val="tx1"/>
+                </a:solidFill>
+                <a:latin typeface="Times New Roman" panose="02020603050405020304" pitchFamily="18" charset="0"/>
+                <a:cs typeface="Times New Roman" panose="02020603050405020304" pitchFamily="18" charset="0"/>
+              </a:rPr>
+              <a:t>Development</a:t>
+            </a:r>
+            <a:r>
+              <a:rPr lang="pt-BR" sz="2000" dirty="0">
+                <a:solidFill>
+                  <a:schemeClr val="tx1"/>
+                </a:solidFill>
+                <a:latin typeface="Times New Roman" panose="02020603050405020304" pitchFamily="18" charset="0"/>
+                <a:cs typeface="Times New Roman" panose="02020603050405020304" pitchFamily="18" charset="0"/>
+              </a:rPr>
+              <a:t> </a:t>
+            </a:r>
+            <a:r>
+              <a:rPr lang="pt-BR" sz="2000" dirty="0" err="1">
+                <a:solidFill>
+                  <a:schemeClr val="tx1"/>
+                </a:solidFill>
+                <a:latin typeface="Times New Roman" panose="02020603050405020304" pitchFamily="18" charset="0"/>
+                <a:cs typeface="Times New Roman" panose="02020603050405020304" pitchFamily="18" charset="0"/>
+              </a:rPr>
+              <a:t>Environment</a:t>
+            </a:r>
+            <a:r>
+              <a:rPr lang="pt-BR" sz="2000" dirty="0">
+                <a:solidFill>
+                  <a:schemeClr val="tx1"/>
+                </a:solidFill>
+                <a:latin typeface="Times New Roman" panose="02020603050405020304" pitchFamily="18" charset="0"/>
+                <a:cs typeface="Times New Roman" panose="02020603050405020304" pitchFamily="18" charset="0"/>
+              </a:rPr>
+              <a:t> (IDE), </a:t>
+            </a:r>
+          </a:p>
+          <a:p>
+            <a:pPr algn="just">
+              <a:buFont typeface="Wingdings" panose="05000000000000000000" pitchFamily="2" charset="2"/>
+              <a:buChar char="§"/>
+            </a:pPr>
+            <a:r>
+              <a:rPr lang="pt-BR" sz="2000" dirty="0" err="1">
+                <a:solidFill>
+                  <a:schemeClr val="tx1"/>
+                </a:solidFill>
+                <a:latin typeface="Times New Roman" panose="02020603050405020304" pitchFamily="18" charset="0"/>
+                <a:cs typeface="Times New Roman" panose="02020603050405020304" pitchFamily="18" charset="0"/>
+              </a:rPr>
+              <a:t>Zerynth</a:t>
+            </a:r>
+            <a:r>
+              <a:rPr lang="pt-BR" sz="2000" dirty="0">
+                <a:solidFill>
+                  <a:schemeClr val="tx1"/>
+                </a:solidFill>
+                <a:latin typeface="Times New Roman" panose="02020603050405020304" pitchFamily="18" charset="0"/>
+                <a:cs typeface="Times New Roman" panose="02020603050405020304" pitchFamily="18" charset="0"/>
+              </a:rPr>
+              <a:t> </a:t>
+            </a:r>
+            <a:r>
+              <a:rPr lang="pt-BR" sz="2000" dirty="0" err="1">
+                <a:solidFill>
+                  <a:schemeClr val="tx1"/>
+                </a:solidFill>
+                <a:latin typeface="Times New Roman" panose="02020603050405020304" pitchFamily="18" charset="0"/>
+                <a:cs typeface="Times New Roman" panose="02020603050405020304" pitchFamily="18" charset="0"/>
+              </a:rPr>
+              <a:t>Operating</a:t>
+            </a:r>
+            <a:r>
+              <a:rPr lang="pt-BR" sz="2000" dirty="0">
+                <a:solidFill>
+                  <a:schemeClr val="tx1"/>
+                </a:solidFill>
+                <a:latin typeface="Times New Roman" panose="02020603050405020304" pitchFamily="18" charset="0"/>
+                <a:cs typeface="Times New Roman" panose="02020603050405020304" pitchFamily="18" charset="0"/>
+              </a:rPr>
+              <a:t> System (OS) </a:t>
+            </a:r>
+          </a:p>
+          <a:p>
+            <a:pPr algn="just">
+              <a:buFont typeface="Wingdings" panose="05000000000000000000" pitchFamily="2" charset="2"/>
+              <a:buChar char="§"/>
+            </a:pPr>
+            <a:r>
+              <a:rPr lang="pt-BR" sz="2000" dirty="0" err="1">
+                <a:solidFill>
+                  <a:schemeClr val="tx1"/>
+                </a:solidFill>
+                <a:latin typeface="Times New Roman" panose="02020603050405020304" pitchFamily="18" charset="0"/>
+                <a:cs typeface="Times New Roman" panose="02020603050405020304" pitchFamily="18" charset="0"/>
+              </a:rPr>
+              <a:t>Zerynth</a:t>
+            </a:r>
+            <a:r>
+              <a:rPr lang="pt-BR" sz="2000" dirty="0">
+                <a:solidFill>
+                  <a:schemeClr val="tx1"/>
+                </a:solidFill>
+                <a:latin typeface="Times New Roman" panose="02020603050405020304" pitchFamily="18" charset="0"/>
+                <a:cs typeface="Times New Roman" panose="02020603050405020304" pitchFamily="18" charset="0"/>
+              </a:rPr>
+              <a:t> Device Manager</a:t>
+            </a:r>
+          </a:p>
+          <a:p>
+            <a:pPr marL="0" indent="0" algn="just">
+              <a:buNone/>
+            </a:pPr>
             <a:endParaRPr lang="pt-BR" sz="2000" dirty="0">
               <a:solidFill>
                 <a:schemeClr val="tx1"/>
@@ -5347,12 +7232,129 @@
               <a:cs typeface="Times New Roman" panose="02020603050405020304" pitchFamily="18" charset="0"/>
             </a:endParaRPr>
           </a:p>
+          <a:p>
+            <a:pPr marL="0" indent="0" algn="just">
+              <a:buNone/>
+            </a:pPr>
+            <a:r>
+              <a:rPr lang="pt-BR" sz="2000" dirty="0">
+                <a:solidFill>
+                  <a:schemeClr val="tx1"/>
+                </a:solidFill>
+                <a:latin typeface="Times New Roman" panose="02020603050405020304" pitchFamily="18" charset="0"/>
+                <a:cs typeface="Times New Roman" panose="02020603050405020304" pitchFamily="18" charset="0"/>
+              </a:rPr>
+              <a:t>Todos disponíveis para Windows, Mac OS e Linux), voltado para desenvolvedores de produtos da </a:t>
+            </a:r>
+            <a:r>
+              <a:rPr lang="pt-BR" sz="2000" b="1" dirty="0">
+                <a:solidFill>
+                  <a:srgbClr val="FF0000"/>
+                </a:solidFill>
+                <a:latin typeface="Times New Roman" panose="02020603050405020304" pitchFamily="18" charset="0"/>
+                <a:cs typeface="Times New Roman" panose="02020603050405020304" pitchFamily="18" charset="0"/>
+              </a:rPr>
+              <a:t>Internet das Coisas (</a:t>
+            </a:r>
+            <a:r>
+              <a:rPr lang="pt-BR" sz="2000" b="1" dirty="0" err="1">
+                <a:solidFill>
+                  <a:srgbClr val="FF0000"/>
+                </a:solidFill>
+                <a:latin typeface="Times New Roman" panose="02020603050405020304" pitchFamily="18" charset="0"/>
+                <a:cs typeface="Times New Roman" panose="02020603050405020304" pitchFamily="18" charset="0"/>
+              </a:rPr>
+              <a:t>IoT</a:t>
+            </a:r>
+            <a:r>
+              <a:rPr lang="pt-BR" sz="2000" b="1" dirty="0">
+                <a:solidFill>
+                  <a:srgbClr val="FF0000"/>
+                </a:solidFill>
+                <a:latin typeface="Times New Roman" panose="02020603050405020304" pitchFamily="18" charset="0"/>
+                <a:cs typeface="Times New Roman" panose="02020603050405020304" pitchFamily="18" charset="0"/>
+              </a:rPr>
+              <a:t>)</a:t>
+            </a:r>
+            <a:r>
+              <a:rPr lang="pt-BR" sz="2000" dirty="0">
+                <a:solidFill>
+                  <a:schemeClr val="tx1"/>
+                </a:solidFill>
+                <a:latin typeface="Times New Roman" panose="02020603050405020304" pitchFamily="18" charset="0"/>
+                <a:cs typeface="Times New Roman" panose="02020603050405020304" pitchFamily="18" charset="0"/>
+              </a:rPr>
+              <a:t>, compatível com a </a:t>
+            </a:r>
+            <a:r>
+              <a:rPr lang="pt-BR" sz="2000" b="1" dirty="0">
+                <a:solidFill>
+                  <a:schemeClr val="tx1"/>
+                </a:solidFill>
+                <a:latin typeface="Times New Roman" panose="02020603050405020304" pitchFamily="18" charset="0"/>
+                <a:cs typeface="Times New Roman" panose="02020603050405020304" pitchFamily="18" charset="0"/>
+              </a:rPr>
+              <a:t>família ESP e ARM</a:t>
+            </a:r>
+            <a:r>
+              <a:rPr lang="pt-BR" sz="2000" dirty="0">
+                <a:solidFill>
+                  <a:schemeClr val="tx1"/>
+                </a:solidFill>
+                <a:latin typeface="Times New Roman" panose="02020603050405020304" pitchFamily="18" charset="0"/>
+                <a:cs typeface="Times New Roman" panose="02020603050405020304" pitchFamily="18" charset="0"/>
+              </a:rPr>
+              <a:t> de microcontroladores e </a:t>
+            </a:r>
+            <a:r>
+              <a:rPr lang="pt-BR" sz="2000" b="1" dirty="0">
+                <a:solidFill>
+                  <a:schemeClr val="tx1"/>
+                </a:solidFill>
+                <a:latin typeface="Times New Roman" panose="02020603050405020304" pitchFamily="18" charset="0"/>
+                <a:cs typeface="Times New Roman" panose="02020603050405020304" pitchFamily="18" charset="0"/>
+              </a:rPr>
+              <a:t>provedores de serviços Cloud </a:t>
+            </a:r>
+            <a:r>
+              <a:rPr lang="pt-BR" sz="2000" b="1" dirty="0" err="1">
+                <a:solidFill>
+                  <a:schemeClr val="tx1"/>
+                </a:solidFill>
+                <a:latin typeface="Times New Roman" panose="02020603050405020304" pitchFamily="18" charset="0"/>
+                <a:cs typeface="Times New Roman" panose="02020603050405020304" pitchFamily="18" charset="0"/>
+              </a:rPr>
+              <a:t>IoT</a:t>
+            </a:r>
+            <a:r>
+              <a:rPr lang="pt-BR" sz="2000" dirty="0">
+                <a:solidFill>
+                  <a:schemeClr val="tx1"/>
+                </a:solidFill>
+                <a:latin typeface="Times New Roman" panose="02020603050405020304" pitchFamily="18" charset="0"/>
+                <a:cs typeface="Times New Roman" panose="02020603050405020304" pitchFamily="18" charset="0"/>
+              </a:rPr>
+              <a:t>.</a:t>
+            </a:r>
+          </a:p>
+          <a:p>
+            <a:pPr marL="0" indent="0" algn="just">
+              <a:buNone/>
+            </a:pPr>
+            <a:endParaRPr lang="pt-BR" sz="2000" dirty="0">
+              <a:solidFill>
+                <a:schemeClr val="tx1"/>
+              </a:solidFill>
+              <a:latin typeface="Times New Roman" panose="02020603050405020304" pitchFamily="18" charset="0"/>
+              <a:cs typeface="Times New Roman" panose="02020603050405020304" pitchFamily="18" charset="0"/>
+            </a:endParaRPr>
+          </a:p>
         </p:txBody>
       </p:sp>
     </p:spTree>
     <p:extLst>
       <p:ext uri="{BB962C8B-B14F-4D97-AF65-F5344CB8AC3E}">
-        <p14:creationId xmlns:p14="http://schemas.microsoft.com/office/powerpoint/2010/main" val="2791554997"/>
+        <p14:creationId xmlns:p14="http://schemas.microsoft.com/office/powerpoint/2010/main" val="3951773405"/>
       </p:ext>
     </p:extLst>
   </p:cSld>
@@ -5398,7 +7400,7 @@
         </p:spPr>
         <p:txBody>
           <a:bodyPr>
-            <a:normAutofit/>
+            <a:normAutofit fontScale="90000"/>
           </a:bodyPr>
           <a:lstStyle/>
           <a:p>
@@ -5408,7 +7410,7 @@
                   <a:srgbClr val="0070C0"/>
                 </a:solidFill>
               </a:rPr>
-              <a:t>Leitura</a:t>
+              <a:t>Linguagem</a:t>
             </a:r>
             <a:r>
               <a:rPr lang="en-US" b="1" dirty="0">
@@ -5416,6 +7418,22 @@
                   <a:srgbClr val="0070C0"/>
                 </a:solidFill>
               </a:rPr>
+              <a:t> C </a:t>
+            </a:r>
+            <a:r>
+              <a:rPr lang="en-US" b="1" dirty="0" err="1">
+                <a:solidFill>
+                  <a:srgbClr val="0070C0"/>
+                </a:solidFill>
+              </a:rPr>
+              <a:t>na</a:t>
+            </a:r>
+            <a:r>
+              <a:rPr lang="en-US" b="1" dirty="0">
+                <a:solidFill>
+                  <a:srgbClr val="0070C0"/>
+                </a:solidFill>
+              </a:rPr>
               <a:t> </a:t>
             </a:r>
             <a:r>
@@ -5424,7 +7442,39 @@
                   <a:srgbClr val="0070C0"/>
                 </a:solidFill>
               </a:rPr>
-              <a:t>Específica</a:t>
+              <a:t>Programação</a:t>
+            </a:r>
+            <a:r>
+              <a:rPr lang="en-US" b="1" dirty="0">
+                <a:solidFill>
+                  <a:srgbClr val="0070C0"/>
+                </a:solidFill>
+              </a:rPr>
+              <a:t> de </a:t>
+            </a:r>
+            <a:r>
+              <a:rPr lang="en-US" b="1" dirty="0" err="1">
+                <a:solidFill>
+                  <a:srgbClr val="0070C0"/>
+                </a:solidFill>
+              </a:rPr>
+              <a:t>Sistemas</a:t>
+            </a:r>
+            <a:r>
+              <a:rPr lang="en-US" b="1" dirty="0">
+                <a:solidFill>
+                  <a:srgbClr val="0070C0"/>
+                </a:solidFill>
+              </a:rPr>
+              <a:t> </a:t>
+            </a:r>
+            <a:r>
+              <a:rPr lang="en-US" b="1" dirty="0" err="1">
+                <a:solidFill>
+                  <a:srgbClr val="0070C0"/>
+                </a:solidFill>
+              </a:rPr>
+              <a:t>Embarcados</a:t>
             </a:r>
             <a:endParaRPr lang="en-US" b="1" dirty="0">
               <a:solidFill>
@@ -5447,7 +7497,7 @@
         <p:spPr>
           <a:xfrm>
             <a:off x="142865" y="1200150"/>
-            <a:ext cx="8865056" cy="3737369"/>
+            <a:ext cx="8865056" cy="3737370"/>
           </a:xfrm>
         </p:spPr>
         <p:txBody>
@@ -5461,35 +7511,63 @@
             </a:pPr>
             <a:r>
               <a:rPr lang="pt-BR" sz="2000" dirty="0">
-                <a:latin typeface="Times New Roman" panose="02020603050405020304" pitchFamily="18" charset="0"/>
-                <a:cs typeface="Times New Roman" panose="02020603050405020304" pitchFamily="18" charset="0"/>
-              </a:rPr>
-              <a:t>[1] Programação Microcontroladores.</a:t>
-            </a:r>
-          </a:p>
-          <a:p>
-            <a:pPr marL="0" indent="0" algn="just">
-              <a:buNone/>
-            </a:pPr>
+                <a:solidFill>
+                  <a:schemeClr val="tx1"/>
+                </a:solidFill>
+                <a:latin typeface="Times New Roman" panose="02020603050405020304" pitchFamily="18" charset="0"/>
+                <a:cs typeface="Times New Roman" panose="02020603050405020304" pitchFamily="18" charset="0"/>
+              </a:rPr>
+              <a:t>Desenvolvedores de aplicações embarcadas podem escrever código de alto nível sem se preocupar com cada </a:t>
+            </a:r>
             <a:r>
               <a:rPr lang="pt-BR" sz="2000" b="1" dirty="0">
                 <a:solidFill>
-                  <a:srgbClr val="FF0000"/>
-                </a:solidFill>
-                <a:latin typeface="Times New Roman" panose="02020603050405020304" pitchFamily="18" charset="0"/>
-                <a:cs typeface="Times New Roman" panose="02020603050405020304" pitchFamily="18" charset="0"/>
-              </a:rPr>
-              <a:t>Disponível em: </a:t>
-            </a:r>
-            <a:r>
-              <a:rPr lang="pt-BR" sz="2000" dirty="0">
-                <a:latin typeface="Times New Roman" panose="02020603050405020304" pitchFamily="18" charset="0"/>
-                <a:cs typeface="Times New Roman" panose="02020603050405020304" pitchFamily="18" charset="0"/>
-                <a:hlinkClick r:id="rId3"/>
-              </a:rPr>
-              <a:t>https://books.google.com.br/books?hl=pt-BR&amp;lr=&amp;id=ODenKGOHMRkC&amp;oi=fnd&amp;pg=PA9&amp;dq=microcontrolador+&amp;ots=unvT_d386z&amp;sig=nKrTAprr4r1gR94lsFX_g0NKC7o#v=onepage&amp;q=microcontrolador&amp;f=false</a:t>
-            </a:r>
+                  <a:schemeClr val="tx1"/>
+                </a:solidFill>
+                <a:latin typeface="Times New Roman" panose="02020603050405020304" pitchFamily="18" charset="0"/>
+                <a:cs typeface="Times New Roman" panose="02020603050405020304" pitchFamily="18" charset="0"/>
+              </a:rPr>
+              <a:t>ciclo de </a:t>
+            </a:r>
+            <a:r>
+              <a:rPr lang="pt-BR" sz="2000" b="1" dirty="0" err="1">
+                <a:solidFill>
+                  <a:schemeClr val="tx1"/>
+                </a:solidFill>
+                <a:latin typeface="Times New Roman" panose="02020603050405020304" pitchFamily="18" charset="0"/>
+                <a:cs typeface="Times New Roman" panose="02020603050405020304" pitchFamily="18" charset="0"/>
+              </a:rPr>
+              <a:t>clock</a:t>
+            </a:r>
+            <a:r>
+              <a:rPr lang="pt-BR" sz="2000" b="1" dirty="0">
+                <a:solidFill>
+                  <a:schemeClr val="tx1"/>
+                </a:solidFill>
+                <a:latin typeface="Times New Roman" panose="02020603050405020304" pitchFamily="18" charset="0"/>
+                <a:cs typeface="Times New Roman" panose="02020603050405020304" pitchFamily="18" charset="0"/>
+              </a:rPr>
+              <a:t> ou byte de memória,</a:t>
+            </a:r>
+            <a:r>
+              <a:rPr lang="pt-BR" sz="2000" dirty="0">
+                <a:solidFill>
+                  <a:schemeClr val="tx1"/>
+                </a:solidFill>
+                <a:latin typeface="Times New Roman" panose="02020603050405020304" pitchFamily="18" charset="0"/>
+                <a:cs typeface="Times New Roman" panose="02020603050405020304" pitchFamily="18" charset="0"/>
+              </a:rPr>
+              <a:t> produzindo produtos responsivos e de alta qualidade.</a:t>
+            </a:r>
+          </a:p>
+          <a:p>
+            <a:pPr marL="0" indent="0" algn="just">
+              <a:buNone/>
+            </a:pPr>
             <a:endParaRPr lang="pt-BR" sz="2000" dirty="0">
+              <a:solidFill>
+                <a:schemeClr val="tx1"/>
+              </a:solidFill>
               <a:latin typeface="Times New Roman" panose="02020603050405020304" pitchFamily="18" charset="0"/>
               <a:cs typeface="Times New Roman" panose="02020603050405020304" pitchFamily="18" charset="0"/>
             </a:endParaRPr>
@@ -5498,7 +7576,65 @@
             <a:pPr marL="0" indent="0" algn="just">
               <a:buNone/>
             </a:pPr>
+            <a:r>
+              <a:rPr lang="pt-BR" sz="2000" dirty="0">
+                <a:solidFill>
+                  <a:schemeClr val="tx1"/>
+                </a:solidFill>
+                <a:latin typeface="Times New Roman" panose="02020603050405020304" pitchFamily="18" charset="0"/>
+                <a:cs typeface="Times New Roman" panose="02020603050405020304" pitchFamily="18" charset="0"/>
+              </a:rPr>
+              <a:t>Em virtude, dos </a:t>
+            </a:r>
+            <a:r>
+              <a:rPr lang="pt-BR" sz="2000" b="1" dirty="0">
+                <a:solidFill>
+                  <a:schemeClr val="tx1"/>
+                </a:solidFill>
+                <a:latin typeface="Times New Roman" panose="02020603050405020304" pitchFamily="18" charset="0"/>
+                <a:cs typeface="Times New Roman" panose="02020603050405020304" pitchFamily="18" charset="0"/>
+              </a:rPr>
+              <a:t>microcontroladores/microprocessadores </a:t>
+            </a:r>
+            <a:r>
+              <a:rPr lang="pt-BR" sz="2000" dirty="0">
+                <a:solidFill>
+                  <a:schemeClr val="tx1"/>
+                </a:solidFill>
+                <a:latin typeface="Times New Roman" panose="02020603050405020304" pitchFamily="18" charset="0"/>
+                <a:cs typeface="Times New Roman" panose="02020603050405020304" pitchFamily="18" charset="0"/>
+              </a:rPr>
+              <a:t>terem mais </a:t>
+            </a:r>
+            <a:r>
+              <a:rPr lang="pt-BR" sz="2000" b="1" dirty="0">
+                <a:solidFill>
+                  <a:schemeClr val="tx1"/>
+                </a:solidFill>
+                <a:latin typeface="Times New Roman" panose="02020603050405020304" pitchFamily="18" charset="0"/>
+                <a:cs typeface="Times New Roman" panose="02020603050405020304" pitchFamily="18" charset="0"/>
+              </a:rPr>
+              <a:t>poder de processamento</a:t>
+            </a:r>
+            <a:r>
+              <a:rPr lang="pt-BR" sz="2000" dirty="0">
+                <a:solidFill>
+                  <a:schemeClr val="tx1"/>
+                </a:solidFill>
+                <a:latin typeface="Times New Roman" panose="02020603050405020304" pitchFamily="18" charset="0"/>
+                <a:cs typeface="Times New Roman" panose="02020603050405020304" pitchFamily="18" charset="0"/>
+              </a:rPr>
+              <a:t> do que os micros de dez ou vinte anos atrás. </a:t>
+            </a:r>
+          </a:p>
+          <a:p>
+            <a:pPr marL="0" indent="0" algn="just">
+              <a:buNone/>
+            </a:pPr>
             <a:endParaRPr lang="pt-BR" sz="2000" dirty="0">
+              <a:solidFill>
+                <a:schemeClr val="tx1"/>
+              </a:solidFill>
               <a:latin typeface="Times New Roman" panose="02020603050405020304" pitchFamily="18" charset="0"/>
               <a:cs typeface="Times New Roman" panose="02020603050405020304" pitchFamily="18" charset="0"/>
             </a:endParaRPr>
@@ -5509,35 +7645,83 @@
             </a:pPr>
             <a:r>
               <a:rPr lang="pt-BR" sz="2000" dirty="0">
-                <a:latin typeface="Times New Roman" panose="02020603050405020304" pitchFamily="18" charset="0"/>
-                <a:cs typeface="Times New Roman" panose="02020603050405020304" pitchFamily="18" charset="0"/>
-              </a:rPr>
-              <a:t>[2] Programação Microcontroladores. </a:t>
-            </a:r>
-          </a:p>
-          <a:p>
-            <a:pPr marL="0" indent="0" algn="just">
-              <a:buNone/>
-            </a:pPr>
+                <a:solidFill>
+                  <a:schemeClr val="tx1"/>
+                </a:solidFill>
+                <a:latin typeface="Times New Roman" panose="02020603050405020304" pitchFamily="18" charset="0"/>
+                <a:cs typeface="Times New Roman" panose="02020603050405020304" pitchFamily="18" charset="0"/>
+              </a:rPr>
+              <a:t>Os </a:t>
+            </a:r>
             <a:r>
               <a:rPr lang="pt-BR" sz="2000" b="1" dirty="0">
                 <a:solidFill>
-                  <a:srgbClr val="FF0000"/>
-                </a:solidFill>
-                <a:latin typeface="Times New Roman" panose="02020603050405020304" pitchFamily="18" charset="0"/>
-                <a:cs typeface="Times New Roman" panose="02020603050405020304" pitchFamily="18" charset="0"/>
-              </a:rPr>
-              <a:t>Disponível em: </a:t>
-            </a:r>
-            <a:r>
-              <a:rPr lang="pt-BR" sz="2000" dirty="0">
-                <a:latin typeface="Times New Roman" panose="02020603050405020304" pitchFamily="18" charset="0"/>
-                <a:cs typeface="Times New Roman" panose="02020603050405020304" pitchFamily="18" charset="0"/>
-                <a:hlinkClick r:id="rId4"/>
-              </a:rPr>
-              <a:t>https://books.google.com.br/books?hl=pt-BR&amp;lr=&amp;id=fnTvx-_qwucC&amp;oi=fnd&amp;pg=PA20&amp;dq=microcontrolador+&amp;ots=HiESGOvggU&amp;sig=NYk0RDRRJaZYtzvsjlidzdAdudU#v=onepage&amp;q=microcontrolador&amp;f=false</a:t>
-            </a:r>
+                  <a:schemeClr val="tx1"/>
+                </a:solidFill>
+                <a:latin typeface="Times New Roman" panose="02020603050405020304" pitchFamily="18" charset="0"/>
+                <a:cs typeface="Times New Roman" panose="02020603050405020304" pitchFamily="18" charset="0"/>
+              </a:rPr>
+              <a:t>ciclos do relógio</a:t>
+            </a:r>
+            <a:r>
+              <a:rPr lang="pt-BR" sz="2000" dirty="0">
+                <a:solidFill>
+                  <a:schemeClr val="tx1"/>
+                </a:solidFill>
+                <a:latin typeface="Times New Roman" panose="02020603050405020304" pitchFamily="18" charset="0"/>
+                <a:cs typeface="Times New Roman" panose="02020603050405020304" pitchFamily="18" charset="0"/>
+              </a:rPr>
+              <a:t> passaram de poucos </a:t>
+            </a:r>
+            <a:r>
+              <a:rPr lang="pt-BR" sz="2000" dirty="0" err="1">
+                <a:solidFill>
+                  <a:schemeClr val="tx1"/>
+                </a:solidFill>
+                <a:latin typeface="Times New Roman" panose="02020603050405020304" pitchFamily="18" charset="0"/>
+                <a:cs typeface="Times New Roman" panose="02020603050405020304" pitchFamily="18" charset="0"/>
+              </a:rPr>
+              <a:t>megahertz</a:t>
+            </a:r>
+            <a:r>
+              <a:rPr lang="pt-BR" sz="2000" dirty="0">
+                <a:solidFill>
+                  <a:schemeClr val="tx1"/>
+                </a:solidFill>
+                <a:latin typeface="Times New Roman" panose="02020603050405020304" pitchFamily="18" charset="0"/>
+                <a:cs typeface="Times New Roman" panose="02020603050405020304" pitchFamily="18" charset="0"/>
+              </a:rPr>
+              <a:t> a mais de um </a:t>
+            </a:r>
+            <a:r>
+              <a:rPr lang="pt-BR" sz="2000" b="1" dirty="0" err="1">
+                <a:solidFill>
+                  <a:schemeClr val="tx1"/>
+                </a:solidFill>
+                <a:latin typeface="Times New Roman" panose="02020603050405020304" pitchFamily="18" charset="0"/>
+                <a:cs typeface="Times New Roman" panose="02020603050405020304" pitchFamily="18" charset="0"/>
+              </a:rPr>
+              <a:t>gigahertz</a:t>
+            </a:r>
+            <a:r>
+              <a:rPr lang="pt-BR" sz="2000" dirty="0">
+                <a:solidFill>
+                  <a:schemeClr val="tx1"/>
+                </a:solidFill>
+                <a:latin typeface="Times New Roman" panose="02020603050405020304" pitchFamily="18" charset="0"/>
+                <a:cs typeface="Times New Roman" panose="02020603050405020304" pitchFamily="18" charset="0"/>
+              </a:rPr>
+              <a:t>. </a:t>
+            </a:r>
+          </a:p>
+          <a:p>
+            <a:pPr marL="0" indent="0" algn="just">
+              <a:buNone/>
+            </a:pPr>
             <a:endParaRPr lang="pt-BR" sz="2000" dirty="0">
+              <a:solidFill>
+                <a:schemeClr val="tx1"/>
+              </a:solidFill>
               <a:latin typeface="Times New Roman" panose="02020603050405020304" pitchFamily="18" charset="0"/>
               <a:cs typeface="Times New Roman" panose="02020603050405020304" pitchFamily="18" charset="0"/>
             </a:endParaRPr>
@@ -5546,43 +7730,83 @@
             <a:pPr marL="0" indent="0" algn="just">
               <a:buNone/>
             </a:pPr>
-            <a:endParaRPr lang="pt-BR" sz="2000" dirty="0">
-              <a:latin typeface="Times New Roman" panose="02020603050405020304" pitchFamily="18" charset="0"/>
-              <a:cs typeface="Times New Roman" panose="02020603050405020304" pitchFamily="18" charset="0"/>
-            </a:endParaRPr>
-          </a:p>
-          <a:p>
-            <a:pPr marL="0" indent="0" algn="just">
-              <a:buNone/>
-            </a:pPr>
-            <a:endParaRPr lang="pt-BR" sz="2000" dirty="0">
-              <a:latin typeface="Times New Roman" panose="02020603050405020304" pitchFamily="18" charset="0"/>
-              <a:cs typeface="Times New Roman" panose="02020603050405020304" pitchFamily="18" charset="0"/>
-            </a:endParaRPr>
-          </a:p>
-          <a:p>
-            <a:pPr marL="0" indent="0" algn="just">
-              <a:buNone/>
-            </a:pPr>
-            <a:endParaRPr lang="pt-BR" sz="2000" dirty="0">
-              <a:latin typeface="Times New Roman" panose="02020603050405020304" pitchFamily="18" charset="0"/>
-              <a:cs typeface="Times New Roman" panose="02020603050405020304" pitchFamily="18" charset="0"/>
-            </a:endParaRPr>
-          </a:p>
-          <a:p>
-            <a:pPr marL="0" indent="0" algn="just">
-              <a:buNone/>
-            </a:pPr>
-            <a:endParaRPr lang="pt-BR" sz="2000" dirty="0">
-              <a:latin typeface="Calibri" panose="020F0502020204030204" pitchFamily="34" charset="0"/>
-            </a:endParaRPr>
+            <a:r>
+              <a:rPr lang="pt-BR" sz="2000" dirty="0">
+                <a:solidFill>
+                  <a:schemeClr val="tx1"/>
+                </a:solidFill>
+                <a:latin typeface="Times New Roman" panose="02020603050405020304" pitchFamily="18" charset="0"/>
+                <a:cs typeface="Times New Roman" panose="02020603050405020304" pitchFamily="18" charset="0"/>
+              </a:rPr>
+              <a:t>A </a:t>
+            </a:r>
+            <a:r>
+              <a:rPr lang="pt-BR" sz="2000" b="1" dirty="0">
+                <a:solidFill>
+                  <a:schemeClr val="tx1"/>
+                </a:solidFill>
+                <a:latin typeface="Times New Roman" panose="02020603050405020304" pitchFamily="18" charset="0"/>
+                <a:cs typeface="Times New Roman" panose="02020603050405020304" pitchFamily="18" charset="0"/>
+              </a:rPr>
+              <a:t>memória flash</a:t>
+            </a:r>
+            <a:r>
+              <a:rPr lang="pt-BR" sz="2000" dirty="0">
+                <a:solidFill>
+                  <a:schemeClr val="tx1"/>
+                </a:solidFill>
+                <a:latin typeface="Times New Roman" panose="02020603050405020304" pitchFamily="18" charset="0"/>
+                <a:cs typeface="Times New Roman" panose="02020603050405020304" pitchFamily="18" charset="0"/>
+              </a:rPr>
+              <a:t>, antes medida em dezenas de </a:t>
+            </a:r>
+            <a:r>
+              <a:rPr lang="pt-BR" sz="2000" dirty="0" err="1">
+                <a:solidFill>
+                  <a:schemeClr val="tx1"/>
+                </a:solidFill>
+                <a:latin typeface="Times New Roman" panose="02020603050405020304" pitchFamily="18" charset="0"/>
+                <a:cs typeface="Times New Roman" panose="02020603050405020304" pitchFamily="18" charset="0"/>
+              </a:rPr>
+              <a:t>kilobytes</a:t>
+            </a:r>
+            <a:r>
+              <a:rPr lang="pt-BR" sz="2000" dirty="0">
+                <a:solidFill>
+                  <a:schemeClr val="tx1"/>
+                </a:solidFill>
+                <a:latin typeface="Times New Roman" panose="02020603050405020304" pitchFamily="18" charset="0"/>
+                <a:cs typeface="Times New Roman" panose="02020603050405020304" pitchFamily="18" charset="0"/>
+              </a:rPr>
+              <a:t>, agora é medida em vários </a:t>
+            </a:r>
+            <a:r>
+              <a:rPr lang="pt-BR" sz="2000" b="1" dirty="0">
+                <a:solidFill>
+                  <a:srgbClr val="FF0000"/>
+                </a:solidFill>
+                <a:latin typeface="Times New Roman" panose="02020603050405020304" pitchFamily="18" charset="0"/>
+                <a:cs typeface="Times New Roman" panose="02020603050405020304" pitchFamily="18" charset="0"/>
+              </a:rPr>
+              <a:t>megabytes</a:t>
+            </a:r>
+            <a:r>
+              <a:rPr lang="pt-BR" sz="2000" dirty="0">
+                <a:solidFill>
+                  <a:schemeClr val="tx1"/>
+                </a:solidFill>
+                <a:latin typeface="Times New Roman" panose="02020603050405020304" pitchFamily="18" charset="0"/>
+                <a:cs typeface="Times New Roman" panose="02020603050405020304" pitchFamily="18" charset="0"/>
+              </a:rPr>
+              <a:t>. </a:t>
+            </a:r>
           </a:p>
         </p:txBody>
       </p:sp>
     </p:spTree>
     <p:extLst>
       <p:ext uri="{BB962C8B-B14F-4D97-AF65-F5344CB8AC3E}">
-        <p14:creationId xmlns:p14="http://schemas.microsoft.com/office/powerpoint/2010/main" val="3680270425"/>
+        <p14:creationId xmlns:p14="http://schemas.microsoft.com/office/powerpoint/2010/main" val="3100580546"/>
       </p:ext>
     </p:extLst>
   </p:cSld>
@@ -5628,7 +7852,7 @@
         </p:spPr>
         <p:txBody>
           <a:bodyPr>
-            <a:normAutofit/>
+            <a:normAutofit fontScale="90000"/>
           </a:bodyPr>
           <a:lstStyle/>
           <a:p>
@@ -5638,7 +7862,7 @@
                   <a:srgbClr val="0070C0"/>
                 </a:solidFill>
               </a:rPr>
-              <a:t>Aprenda</a:t>
+              <a:t>Linguagem</a:t>
             </a:r>
             <a:r>
               <a:rPr lang="en-US" b="1" dirty="0">
@@ -5646,8 +7870,69 @@
                   <a:srgbClr val="0070C0"/>
                 </a:solidFill>
               </a:rPr>
-              <a:t>+</a:t>
-            </a:r>
+              <a:t> C </a:t>
+            </a:r>
+            <a:r>
+              <a:rPr lang="en-US" b="1" dirty="0" err="1">
+                <a:solidFill>
+                  <a:srgbClr val="0070C0"/>
+                </a:solidFill>
+              </a:rPr>
+              <a:t>na</a:t>
+            </a:r>
+            <a:r>
+              <a:rPr lang="en-US" b="1" dirty="0">
+                <a:solidFill>
+                  <a:srgbClr val="0070C0"/>
+                </a:solidFill>
+              </a:rPr>
+              <a:t> </a:t>
+            </a:r>
+            <a:r>
+              <a:rPr lang="en-US" b="1" dirty="0" err="1">
+                <a:solidFill>
+                  <a:srgbClr val="0070C0"/>
+                </a:solidFill>
+              </a:rPr>
+              <a:t>Programação</a:t>
+            </a:r>
+            <a:r>
+              <a:rPr lang="en-US" b="1" dirty="0">
+                <a:solidFill>
+                  <a:srgbClr val="0070C0"/>
+                </a:solidFill>
+              </a:rPr>
+              <a:t> de </a:t>
+            </a:r>
+            <a:r>
+              <a:rPr lang="en-US" b="1" dirty="0" err="1">
+                <a:solidFill>
+                  <a:srgbClr val="0070C0"/>
+                </a:solidFill>
+              </a:rPr>
+              <a:t>Sistemas</a:t>
+            </a:r>
+            <a:r>
+              <a:rPr lang="en-US" b="1" dirty="0">
+                <a:solidFill>
+                  <a:srgbClr val="0070C0"/>
+                </a:solidFill>
+              </a:rPr>
+              <a:t> </a:t>
+            </a:r>
+            <a:r>
+              <a:rPr lang="en-US" b="1" dirty="0" err="1">
+                <a:solidFill>
+                  <a:srgbClr val="0070C0"/>
+                </a:solidFill>
+              </a:rPr>
+              <a:t>Embarcados</a:t>
+            </a:r>
+            <a:endParaRPr lang="en-US" b="1" dirty="0">
+              <a:solidFill>
+                <a:srgbClr val="0070C0"/>
+              </a:solidFill>
+            </a:endParaRPr>
           </a:p>
         </p:txBody>
       </p:sp>
@@ -5677,36 +7962,24 @@
               <a:buNone/>
             </a:pPr>
             <a:r>
-              <a:rPr lang="pt-BR" sz="2400" dirty="0">
-                <a:latin typeface="Times New Roman" panose="02020603050405020304" pitchFamily="18" charset="0"/>
-                <a:cs typeface="Times New Roman" panose="02020603050405020304" pitchFamily="18" charset="0"/>
-              </a:rPr>
-              <a:t>[1] Programação Microcontroladores</a:t>
-            </a:r>
-          </a:p>
-          <a:p>
-            <a:pPr marL="0" indent="0" algn="just">
-              <a:buNone/>
-            </a:pPr>
-            <a:r>
-              <a:rPr lang="pt-BR" sz="2400" b="1" dirty="0">
-                <a:solidFill>
-                  <a:srgbClr val="FF0000"/>
-                </a:solidFill>
-                <a:latin typeface="Times New Roman" panose="02020603050405020304" pitchFamily="18" charset="0"/>
-                <a:cs typeface="Times New Roman" panose="02020603050405020304" pitchFamily="18" charset="0"/>
-              </a:rPr>
-              <a:t>Disponível em: </a:t>
-            </a:r>
-            <a:r>
-              <a:rPr lang="pt-BR" sz="2400" dirty="0">
-                <a:latin typeface="Times New Roman" panose="02020603050405020304" pitchFamily="18" charset="0"/>
-                <a:cs typeface="Times New Roman" panose="02020603050405020304" pitchFamily="18" charset="0"/>
-                <a:hlinkClick r:id="rId3"/>
-              </a:rPr>
-              <a:t>https://youtu.be/EeRXSKfaYjA</a:t>
-            </a:r>
-            <a:endParaRPr lang="pt-BR" sz="2400" dirty="0">
+              <a:rPr lang="pt-BR" sz="2000" dirty="0">
+                <a:solidFill>
+                  <a:schemeClr val="tx1"/>
+                </a:solidFill>
+                <a:latin typeface="Times New Roman" panose="02020603050405020304" pitchFamily="18" charset="0"/>
+                <a:cs typeface="Times New Roman" panose="02020603050405020304" pitchFamily="18" charset="0"/>
+              </a:rPr>
+              <a:t>Em todo o mundo, linguagens de programação de código aberto acessíveis e plataformas embarcadas permitem que as comunidades locais criem ferramentas específicas para suas necessidades, econômicas e sustentáveis. </a:t>
+            </a:r>
+          </a:p>
+          <a:p>
+            <a:pPr marL="0" indent="0" algn="just">
+              <a:buNone/>
+            </a:pPr>
+            <a:endParaRPr lang="pt-BR" sz="2000" dirty="0">
+              <a:solidFill>
+                <a:schemeClr val="tx1"/>
+              </a:solidFill>
               <a:latin typeface="Times New Roman" panose="02020603050405020304" pitchFamily="18" charset="0"/>
               <a:cs typeface="Times New Roman" panose="02020603050405020304" pitchFamily="18" charset="0"/>
             </a:endParaRPr>
@@ -5715,79 +7988,103 @@
             <a:pPr marL="0" indent="0" algn="just">
               <a:buNone/>
             </a:pPr>
-            <a:endParaRPr lang="pt-BR" sz="2400" dirty="0">
-              <a:latin typeface="Times New Roman" panose="02020603050405020304" pitchFamily="18" charset="0"/>
-              <a:cs typeface="Times New Roman" panose="02020603050405020304" pitchFamily="18" charset="0"/>
-            </a:endParaRPr>
-          </a:p>
-          <a:p>
-            <a:pPr marL="0" indent="0" algn="just">
-              <a:buNone/>
-            </a:pPr>
-            <a:r>
-              <a:rPr lang="pt-BR" sz="2400" dirty="0">
-                <a:latin typeface="Times New Roman" panose="02020603050405020304" pitchFamily="18" charset="0"/>
-                <a:cs typeface="Times New Roman" panose="02020603050405020304" pitchFamily="18" charset="0"/>
-              </a:rPr>
-              <a:t>[2] </a:t>
-            </a:r>
-            <a:r>
-              <a:rPr lang="pt-BR" sz="2400" dirty="0" err="1">
-                <a:latin typeface="Times New Roman" panose="02020603050405020304" pitchFamily="18" charset="0"/>
-                <a:cs typeface="Times New Roman" panose="02020603050405020304" pitchFamily="18" charset="0"/>
-              </a:rPr>
-              <a:t>How</a:t>
-            </a:r>
-            <a:r>
-              <a:rPr lang="pt-BR" sz="2400" dirty="0">
-                <a:latin typeface="Times New Roman" panose="02020603050405020304" pitchFamily="18" charset="0"/>
-                <a:cs typeface="Times New Roman" panose="02020603050405020304" pitchFamily="18" charset="0"/>
-              </a:rPr>
-              <a:t> a CPU Works </a:t>
-            </a:r>
-          </a:p>
-          <a:p>
-            <a:pPr marL="0" indent="0" algn="just">
-              <a:buNone/>
-            </a:pPr>
-            <a:r>
-              <a:rPr lang="pt-BR" sz="2400" b="1" dirty="0">
+            <a:r>
+              <a:rPr lang="pt-BR" sz="2000" dirty="0">
+                <a:solidFill>
+                  <a:schemeClr val="tx1"/>
+                </a:solidFill>
+                <a:latin typeface="Times New Roman" panose="02020603050405020304" pitchFamily="18" charset="0"/>
+                <a:cs typeface="Times New Roman" panose="02020603050405020304" pitchFamily="18" charset="0"/>
+              </a:rPr>
+              <a:t>Quando combinadas com algum </a:t>
+            </a:r>
+            <a:r>
+              <a:rPr lang="pt-BR" sz="2000" b="1" dirty="0">
+                <a:solidFill>
+                  <a:schemeClr val="tx1"/>
+                </a:solidFill>
+                <a:latin typeface="Times New Roman" panose="02020603050405020304" pitchFamily="18" charset="0"/>
+                <a:cs typeface="Times New Roman" panose="02020603050405020304" pitchFamily="18" charset="0"/>
+              </a:rPr>
+              <a:t>conhecimento básico de hardware eletrônico</a:t>
+            </a:r>
+            <a:r>
+              <a:rPr lang="pt-BR" sz="2000" dirty="0">
+                <a:solidFill>
+                  <a:schemeClr val="tx1"/>
+                </a:solidFill>
+                <a:latin typeface="Times New Roman" panose="02020603050405020304" pitchFamily="18" charset="0"/>
+                <a:cs typeface="Times New Roman" panose="02020603050405020304" pitchFamily="18" charset="0"/>
+              </a:rPr>
+              <a:t>, as linguagens </a:t>
+            </a:r>
+            <a:r>
+              <a:rPr lang="pt-BR" sz="2000" b="1" dirty="0">
                 <a:solidFill>
                   <a:srgbClr val="FF0000"/>
                 </a:solidFill>
                 <a:latin typeface="Times New Roman" panose="02020603050405020304" pitchFamily="18" charset="0"/>
                 <a:cs typeface="Times New Roman" panose="02020603050405020304" pitchFamily="18" charset="0"/>
               </a:rPr>
-              <a:t>Disponível em: </a:t>
-            </a:r>
-            <a:r>
-              <a:rPr lang="pt-BR" sz="2400" dirty="0">
-                <a:latin typeface="Times New Roman" panose="02020603050405020304" pitchFamily="18" charset="0"/>
-                <a:cs typeface="Times New Roman" panose="02020603050405020304" pitchFamily="18" charset="0"/>
-                <a:hlinkClick r:id="rId4"/>
-              </a:rPr>
-              <a:t>https://youtu.be/cNN_tTXABUA</a:t>
-            </a:r>
-            <a:endParaRPr lang="pt-BR" sz="2400" dirty="0">
-              <a:latin typeface="Times New Roman" panose="02020603050405020304" pitchFamily="18" charset="0"/>
-              <a:cs typeface="Times New Roman" panose="02020603050405020304" pitchFamily="18" charset="0"/>
-            </a:endParaRPr>
-          </a:p>
-          <a:p>
-            <a:pPr marL="0" indent="0" algn="just">
-              <a:buNone/>
-            </a:pPr>
-            <a:endParaRPr lang="pt-BR" sz="2400" dirty="0">
-              <a:latin typeface="Times New Roman" panose="02020603050405020304" pitchFamily="18" charset="0"/>
-              <a:cs typeface="Times New Roman" panose="02020603050405020304" pitchFamily="18" charset="0"/>
-            </a:endParaRPr>
+              <a:t>Lua/Python/C/C++/Assembly</a:t>
+            </a:r>
+            <a:r>
+              <a:rPr lang="pt-BR" sz="2000" dirty="0">
+                <a:solidFill>
+                  <a:schemeClr val="tx1"/>
+                </a:solidFill>
+                <a:latin typeface="Times New Roman" panose="02020603050405020304" pitchFamily="18" charset="0"/>
+                <a:cs typeface="Times New Roman" panose="02020603050405020304" pitchFamily="18" charset="0"/>
+              </a:rPr>
+              <a:t> </a:t>
+            </a:r>
+            <a:r>
+              <a:rPr lang="pt-BR" sz="2000" b="1" dirty="0">
+                <a:solidFill>
+                  <a:schemeClr val="tx1"/>
+                </a:solidFill>
+                <a:latin typeface="Times New Roman" panose="02020603050405020304" pitchFamily="18" charset="0"/>
+                <a:cs typeface="Times New Roman" panose="02020603050405020304" pitchFamily="18" charset="0"/>
+              </a:rPr>
+              <a:t>embarcado</a:t>
+            </a:r>
+            <a:r>
+              <a:rPr lang="pt-BR" sz="2000" dirty="0">
+                <a:solidFill>
+                  <a:schemeClr val="tx1"/>
+                </a:solidFill>
+                <a:latin typeface="Times New Roman" panose="02020603050405020304" pitchFamily="18" charset="0"/>
+                <a:cs typeface="Times New Roman" panose="02020603050405020304" pitchFamily="18" charset="0"/>
+              </a:rPr>
+              <a:t> permitem que as pessoas, independentemente do nível de habilidade, </a:t>
+            </a:r>
+            <a:r>
+              <a:rPr lang="pt-BR" sz="2000" b="1" dirty="0">
+                <a:solidFill>
+                  <a:srgbClr val="FF0000"/>
+                </a:solidFill>
+                <a:latin typeface="Times New Roman" panose="02020603050405020304" pitchFamily="18" charset="0"/>
+                <a:cs typeface="Times New Roman" panose="02020603050405020304" pitchFamily="18" charset="0"/>
+              </a:rPr>
+              <a:t>misturem o físico e o digital</a:t>
+            </a:r>
+            <a:r>
+              <a:rPr lang="pt-BR" sz="2000" dirty="0">
+                <a:solidFill>
+                  <a:schemeClr val="tx1"/>
+                </a:solidFill>
+                <a:latin typeface="Times New Roman" panose="02020603050405020304" pitchFamily="18" charset="0"/>
+                <a:cs typeface="Times New Roman" panose="02020603050405020304" pitchFamily="18" charset="0"/>
+              </a:rPr>
+              <a:t>.</a:t>
+            </a:r>
           </a:p>
         </p:txBody>
       </p:sp>
     </p:spTree>
     <p:extLst>
       <p:ext uri="{BB962C8B-B14F-4D97-AF65-F5344CB8AC3E}">
-        <p14:creationId xmlns:p14="http://schemas.microsoft.com/office/powerpoint/2010/main" val="2747596967"/>
+        <p14:creationId xmlns:p14="http://schemas.microsoft.com/office/powerpoint/2010/main" val="2169165571"/>
       </p:ext>
     </p:extLst>
   </p:cSld>
@@ -5833,7 +8130,7 @@
         </p:spPr>
         <p:txBody>
           <a:bodyPr>
-            <a:normAutofit/>
+            <a:normAutofit fontScale="90000"/>
           </a:bodyPr>
           <a:lstStyle/>
           <a:p>
@@ -5843,7 +8140,7 @@
                   <a:srgbClr val="0070C0"/>
                 </a:solidFill>
               </a:rPr>
-              <a:t>Dinâmica</a:t>
+              <a:t>Exemplo</a:t>
             </a:r>
             <a:r>
               <a:rPr lang="en-US" b="1" dirty="0">
@@ -5851,7 +8148,7 @@
                   <a:srgbClr val="0070C0"/>
                 </a:solidFill>
               </a:rPr>
-              <a:t>/</a:t>
+              <a:t> </a:t>
             </a:r>
             <a:r>
               <a:rPr lang="en-US" b="1" dirty="0" err="1">
@@ -5859,7 +8156,39 @@
                   <a:srgbClr val="0070C0"/>
                 </a:solidFill>
               </a:rPr>
-              <a:t>Atividades</a:t>
+              <a:t>Arquitetura</a:t>
+            </a:r>
+            <a:r>
+              <a:rPr lang="en-US" b="1" dirty="0">
+                <a:solidFill>
+                  <a:srgbClr val="0070C0"/>
+                </a:solidFill>
+              </a:rPr>
+              <a:t> de Software para </a:t>
+            </a:r>
+            <a:r>
+              <a:rPr lang="en-US" b="1" dirty="0" err="1">
+                <a:solidFill>
+                  <a:srgbClr val="0070C0"/>
+                </a:solidFill>
+              </a:rPr>
+              <a:t>Sistemas</a:t>
+            </a:r>
+            <a:r>
+              <a:rPr lang="en-US" b="1" dirty="0">
+                <a:solidFill>
+                  <a:srgbClr val="0070C0"/>
+                </a:solidFill>
+              </a:rPr>
+              <a:t> </a:t>
+            </a:r>
+            <a:r>
+              <a:rPr lang="en-US" b="1" dirty="0" err="1">
+                <a:solidFill>
+                  <a:srgbClr val="0070C0"/>
+                </a:solidFill>
+              </a:rPr>
+              <a:t>Embarcados</a:t>
             </a:r>
             <a:endParaRPr lang="en-US" b="1" dirty="0">
               <a:solidFill>
@@ -5881,8 +8210,8 @@
         </p:nvSpPr>
         <p:spPr>
           <a:xfrm>
-            <a:off x="139472" y="1063230"/>
-            <a:ext cx="8865056" cy="3606305"/>
+            <a:off x="142865" y="1200150"/>
+            <a:ext cx="8865056" cy="3737370"/>
           </a:xfrm>
         </p:spPr>
         <p:txBody>
@@ -5894,56 +8223,22 @@
             <a:pPr marL="0" indent="0" algn="just">
               <a:buNone/>
             </a:pPr>
-            <a:endParaRPr lang="pt-BR" dirty="0">
+            <a:endParaRPr lang="pt-BR" sz="2000" dirty="0">
+              <a:solidFill>
+                <a:schemeClr val="tx1"/>
+              </a:solidFill>
               <a:latin typeface="Times New Roman" panose="02020603050405020304" pitchFamily="18" charset="0"/>
               <a:cs typeface="Times New Roman" panose="02020603050405020304" pitchFamily="18" charset="0"/>
             </a:endParaRPr>
           </a:p>
           <a:p>
-            <a:pPr algn="just">
-              <a:buFont typeface="Wingdings" panose="05000000000000000000" pitchFamily="2" charset="2"/>
-              <a:buChar char="§"/>
-            </a:pPr>
-            <a:r>
-              <a:rPr lang="pt-BR" dirty="0">
-                <a:latin typeface="Times New Roman" panose="02020603050405020304" pitchFamily="18" charset="0"/>
-                <a:cs typeface="Times New Roman" panose="02020603050405020304" pitchFamily="18" charset="0"/>
-              </a:rPr>
-              <a:t>	Exercícios (Atividade Verificadora de Aprendizagem)</a:t>
-            </a:r>
-          </a:p>
-          <a:p>
-            <a:pPr marL="0" indent="0" algn="just">
-              <a:buNone/>
-            </a:pPr>
-            <a:r>
-              <a:rPr lang="pt-BR" dirty="0">
-                <a:latin typeface="Times New Roman" panose="02020603050405020304" pitchFamily="18" charset="0"/>
-                <a:cs typeface="Times New Roman" panose="02020603050405020304" pitchFamily="18" charset="0"/>
-              </a:rPr>
-              <a:t> </a:t>
-            </a:r>
-            <a:r>
-              <a:rPr lang="pt-BR" sz="2400" dirty="0">
-                <a:latin typeface="Times New Roman" panose="02020603050405020304" pitchFamily="18" charset="0"/>
-                <a:cs typeface="Times New Roman" panose="02020603050405020304" pitchFamily="18" charset="0"/>
-              </a:rPr>
-              <a:t>	</a:t>
-            </a:r>
-          </a:p>
-          <a:p>
-            <a:pPr marL="0" indent="0" algn="just">
-              <a:buNone/>
-            </a:pPr>
-            <a:r>
-              <a:rPr lang="pt-BR" sz="2000" dirty="0">
-                <a:latin typeface="Times New Roman" panose="02020603050405020304" pitchFamily="18" charset="0"/>
-                <a:cs typeface="Times New Roman" panose="02020603050405020304" pitchFamily="18" charset="0"/>
-                <a:hlinkClick r:id="rId3"/>
-              </a:rPr>
-              <a:t>https://quizizz.com/admin/quiz/6087762e9c806b001c65dc74/microcontrolador</a:t>
-            </a:r>
+            <a:pPr marL="0" indent="0" algn="just">
+              <a:buNone/>
+            </a:pPr>
             <a:endParaRPr lang="pt-BR" sz="2000" dirty="0">
+              <a:solidFill>
+                <a:schemeClr val="tx1"/>
+              </a:solidFill>
               <a:latin typeface="Times New Roman" panose="02020603050405020304" pitchFamily="18" charset="0"/>
               <a:cs typeface="Times New Roman" panose="02020603050405020304" pitchFamily="18" charset="0"/>
             </a:endParaRPr>
@@ -5953,6 +8248,9 @@
               <a:buNone/>
             </a:pPr>
             <a:endParaRPr lang="pt-BR" sz="2000" dirty="0">
+              <a:solidFill>
+                <a:schemeClr val="tx1"/>
+              </a:solidFill>
               <a:latin typeface="Times New Roman" panose="02020603050405020304" pitchFamily="18" charset="0"/>
               <a:cs typeface="Times New Roman" panose="02020603050405020304" pitchFamily="18" charset="0"/>
             </a:endParaRPr>
@@ -5961,24 +8259,161 @@
             <a:pPr marL="0" indent="0" algn="just">
               <a:buNone/>
             </a:pPr>
-            <a:r>
-              <a:rPr lang="pt-BR" sz="2000" dirty="0">
-                <a:latin typeface="Times New Roman" panose="02020603050405020304" pitchFamily="18" charset="0"/>
-                <a:cs typeface="Times New Roman" panose="02020603050405020304" pitchFamily="18" charset="0"/>
-                <a:hlinkClick r:id="rId4"/>
-              </a:rPr>
-              <a:t>https://quizizz.com/admin/quiz/5aa686b4bc8374001abc8e88/sistemas-embarcados-e-microcontroladores</a:t>
-            </a:r>
             <a:endParaRPr lang="pt-BR" sz="2000" dirty="0">
-              <a:latin typeface="Calibri" panose="020F0502020204030204" pitchFamily="34" charset="0"/>
+              <a:solidFill>
+                <a:schemeClr val="tx1"/>
+              </a:solidFill>
+              <a:latin typeface="Times New Roman" panose="02020603050405020304" pitchFamily="18" charset="0"/>
+              <a:cs typeface="Times New Roman" panose="02020603050405020304" pitchFamily="18" charset="0"/>
+            </a:endParaRPr>
+          </a:p>
+          <a:p>
+            <a:pPr marL="0" indent="0" algn="just">
+              <a:buNone/>
+            </a:pPr>
+            <a:endParaRPr lang="pt-BR" sz="2000" dirty="0">
+              <a:solidFill>
+                <a:schemeClr val="tx1"/>
+              </a:solidFill>
+              <a:latin typeface="Times New Roman" panose="02020603050405020304" pitchFamily="18" charset="0"/>
+              <a:cs typeface="Times New Roman" panose="02020603050405020304" pitchFamily="18" charset="0"/>
+            </a:endParaRPr>
+          </a:p>
+          <a:p>
+            <a:pPr marL="0" indent="0" algn="just">
+              <a:buNone/>
+            </a:pPr>
+            <a:endParaRPr lang="pt-BR" sz="2000" dirty="0">
+              <a:solidFill>
+                <a:schemeClr val="tx1"/>
+              </a:solidFill>
+              <a:latin typeface="Times New Roman" panose="02020603050405020304" pitchFamily="18" charset="0"/>
+              <a:cs typeface="Times New Roman" panose="02020603050405020304" pitchFamily="18" charset="0"/>
+            </a:endParaRPr>
+          </a:p>
+          <a:p>
+            <a:pPr marL="0" indent="0" algn="just">
+              <a:buNone/>
+            </a:pPr>
+            <a:endParaRPr lang="pt-BR" sz="2000" dirty="0">
+              <a:solidFill>
+                <a:schemeClr val="tx1"/>
+              </a:solidFill>
+              <a:latin typeface="Times New Roman" panose="02020603050405020304" pitchFamily="18" charset="0"/>
+              <a:cs typeface="Times New Roman" panose="02020603050405020304" pitchFamily="18" charset="0"/>
+            </a:endParaRPr>
+          </a:p>
+          <a:p>
+            <a:pPr marL="0" indent="0" algn="just">
+              <a:buNone/>
+            </a:pPr>
+            <a:endParaRPr lang="pt-BR" sz="2000" dirty="0">
+              <a:solidFill>
+                <a:schemeClr val="tx1"/>
+              </a:solidFill>
+              <a:latin typeface="Times New Roman" panose="02020603050405020304" pitchFamily="18" charset="0"/>
+              <a:cs typeface="Times New Roman" panose="02020603050405020304" pitchFamily="18" charset="0"/>
+            </a:endParaRPr>
+          </a:p>
+          <a:p>
+            <a:pPr marL="0" indent="0" algn="just">
+              <a:buNone/>
+            </a:pPr>
+            <a:r>
+              <a:rPr lang="pt-BR" sz="1400" b="1" dirty="0">
+                <a:solidFill>
+                  <a:schemeClr val="tx1"/>
+                </a:solidFill>
+                <a:latin typeface="Times New Roman" panose="02020603050405020304" pitchFamily="18" charset="0"/>
+                <a:cs typeface="Times New Roman" panose="02020603050405020304" pitchFamily="18" charset="0"/>
+              </a:rPr>
+              <a:t>Fonte</a:t>
+            </a:r>
+            <a:r>
+              <a:rPr lang="pt-BR" sz="1400" dirty="0">
+                <a:solidFill>
+                  <a:schemeClr val="tx1"/>
+                </a:solidFill>
+                <a:latin typeface="Times New Roman" panose="02020603050405020304" pitchFamily="18" charset="0"/>
+                <a:cs typeface="Times New Roman" panose="02020603050405020304" pitchFamily="18" charset="0"/>
+              </a:rPr>
+              <a:t>: Arquitetura de Software para Sistemas Embarcados, Adaptada (</a:t>
+            </a:r>
+            <a:r>
+              <a:rPr lang="pt-BR" sz="1400" b="1" dirty="0">
+                <a:solidFill>
+                  <a:schemeClr val="tx1"/>
+                </a:solidFill>
+                <a:latin typeface="Times New Roman" panose="02020603050405020304" pitchFamily="18" charset="0"/>
+                <a:cs typeface="Times New Roman" panose="02020603050405020304" pitchFamily="18" charset="0"/>
+              </a:rPr>
+              <a:t>Eder Andrade</a:t>
+            </a:r>
+            <a:r>
+              <a:rPr lang="pt-BR" sz="1400" dirty="0">
+                <a:solidFill>
+                  <a:schemeClr val="tx1"/>
+                </a:solidFill>
+                <a:latin typeface="Times New Roman" panose="02020603050405020304" pitchFamily="18" charset="0"/>
+                <a:cs typeface="Times New Roman" panose="02020603050405020304" pitchFamily="18" charset="0"/>
+              </a:rPr>
+              <a:t>)</a:t>
+            </a:r>
+          </a:p>
+          <a:p>
+            <a:pPr marL="0" indent="0" algn="just">
+              <a:buNone/>
+            </a:pPr>
+            <a:endParaRPr lang="pt-BR" sz="2000" dirty="0">
+              <a:solidFill>
+                <a:schemeClr val="tx1"/>
+              </a:solidFill>
+              <a:latin typeface="Times New Roman" panose="02020603050405020304" pitchFamily="18" charset="0"/>
+              <a:cs typeface="Times New Roman" panose="02020603050405020304" pitchFamily="18" charset="0"/>
             </a:endParaRPr>
           </a:p>
         </p:txBody>
       </p:sp>
+      <p:pic>
+        <p:nvPicPr>
+          <p:cNvPr id="11" name="Imagem 10" descr="Interface gráfica do usuário, Texto, Aplicativo, chat ou mensagem de texto&#10;&#10;Descrição gerada automaticamente">
+            <a:extLst>
+              <a:ext uri="{FF2B5EF4-FFF2-40B4-BE49-F238E27FC236}">
+                <a16:creationId xmlns:a16="http://schemas.microsoft.com/office/drawing/2014/main" id="{40386CDA-332D-15BC-2551-166B4DDB3EA9}"/>
+              </a:ext>
+            </a:extLst>
+          </p:cNvPr>
+          <p:cNvPicPr>
+            <a:picLocks noChangeAspect="1"/>
+          </p:cNvPicPr>
+          <p:nvPr/>
+        </p:nvPicPr>
+        <p:blipFill>
+          <a:blip r:embed="rId3">
+            <a:extLst>
+              <a:ext uri="{28A0092B-C50C-407E-A947-70E740481C1C}">
+                <a14:useLocalDpi xmlns:a14="http://schemas.microsoft.com/office/drawing/2010/main" val="0"/>
+              </a:ext>
+            </a:extLst>
+          </a:blip>
+          <a:stretch>
+            <a:fillRect/>
+          </a:stretch>
+        </p:blipFill>
+        <p:spPr>
+          <a:xfrm>
+            <a:off x="136079" y="1218872"/>
+            <a:ext cx="8823309" cy="2998363"/>
+          </a:xfrm>
+          <a:prstGeom prst="rect">
+            <a:avLst/>
+          </a:prstGeom>
+        </p:spPr>
+      </p:pic>
     </p:spTree>
     <p:extLst>
       <p:ext uri="{BB962C8B-B14F-4D97-AF65-F5344CB8AC3E}">
-        <p14:creationId xmlns:p14="http://schemas.microsoft.com/office/powerpoint/2010/main" val="2470652989"/>
+        <p14:creationId xmlns:p14="http://schemas.microsoft.com/office/powerpoint/2010/main" val="3150742256"/>
       </p:ext>
     </p:extLst>
   </p:cSld>
@@ -6024,7 +8459,7 @@
         </p:spPr>
         <p:txBody>
           <a:bodyPr>
-            <a:normAutofit/>
+            <a:normAutofit fontScale="90000"/>
           </a:bodyPr>
           <a:lstStyle/>
           <a:p>
@@ -6034,7 +8469,7 @@
                   <a:srgbClr val="0070C0"/>
                 </a:solidFill>
               </a:rPr>
-              <a:t>Referências</a:t>
+              <a:t>Arquitetura</a:t>
             </a:r>
             <a:r>
               <a:rPr lang="en-US" b="1" dirty="0">
@@ -6042,7 +8477,7 @@
                   <a:srgbClr val="0070C0"/>
                 </a:solidFill>
               </a:rPr>
-              <a:t> </a:t>
+              <a:t> de Software </a:t>
             </a:r>
             <a:r>
               <a:rPr lang="en-US" b="1" dirty="0" err="1">
@@ -6050,7 +8485,7 @@
                   <a:srgbClr val="0070C0"/>
                 </a:solidFill>
               </a:rPr>
-              <a:t>Bibliográficas</a:t>
+              <a:t>Embarcado</a:t>
             </a:r>
             <a:endParaRPr lang="en-US" b="1" dirty="0">
               <a:solidFill>
@@ -6072,8 +8507,8 @@
         </p:nvSpPr>
         <p:spPr>
           <a:xfrm>
-            <a:off x="142865" y="1200151"/>
-            <a:ext cx="8865056" cy="3394472"/>
+            <a:off x="142865" y="1200150"/>
+            <a:ext cx="8865056" cy="3737370"/>
           </a:xfrm>
         </p:spPr>
         <p:txBody>
@@ -6086,71 +8521,34 @@
               <a:buNone/>
             </a:pPr>
             <a:r>
-              <a:rPr lang="pt-BR" sz="1800" dirty="0">
-                <a:latin typeface="Calibri" panose="020F0502020204030204" pitchFamily="34" charset="0"/>
-              </a:rPr>
-              <a:t>[1] PEREIRA, Fábio. Microcontroladores PIC: programação em C. Saraiva Educação SA, 2007.</a:t>
-            </a:r>
-          </a:p>
-          <a:p>
-            <a:pPr marL="0" indent="0" algn="just">
-              <a:buNone/>
-            </a:pPr>
-            <a:endParaRPr lang="pt-BR" sz="1800" dirty="0">
-              <a:latin typeface="Calibri" panose="020F0502020204030204" pitchFamily="34" charset="0"/>
-            </a:endParaRPr>
-          </a:p>
-          <a:p>
-            <a:pPr marL="0" indent="0" algn="just">
-              <a:buNone/>
-            </a:pPr>
-            <a:r>
-              <a:rPr lang="pt-BR" sz="1800" dirty="0">
-                <a:latin typeface="Calibri" panose="020F0502020204030204" pitchFamily="34" charset="0"/>
-              </a:rPr>
-              <a:t>[2] </a:t>
-            </a:r>
-            <a:r>
-              <a:rPr lang="pt-BR" sz="1800" dirty="0" err="1">
-                <a:latin typeface="Calibri" panose="020F0502020204030204" pitchFamily="34" charset="0"/>
-              </a:rPr>
-              <a:t>Eletrogate</a:t>
-            </a:r>
-            <a:r>
-              <a:rPr lang="pt-BR" sz="1800" dirty="0">
-                <a:latin typeface="Calibri" panose="020F0502020204030204" pitchFamily="34" charset="0"/>
-              </a:rPr>
-              <a:t>, </a:t>
-            </a:r>
-            <a:r>
-              <a:rPr lang="pt-BR" sz="1800" dirty="0">
-                <a:latin typeface="Times New Roman" panose="02020603050405020304" pitchFamily="18" charset="0"/>
-                <a:cs typeface="Times New Roman" panose="02020603050405020304" pitchFamily="18" charset="0"/>
-              </a:rPr>
-              <a:t>Disponível em: </a:t>
-            </a:r>
-            <a:r>
-              <a:rPr lang="pt-BR" sz="1800" dirty="0">
-                <a:latin typeface="Calibri" panose="020F0502020204030204" pitchFamily="34" charset="0"/>
-              </a:rPr>
-              <a:t>https://blog.eletrogate.com/introducao-aos-microcontroladores-pic-parte-1/</a:t>
-            </a:r>
-            <a:r>
-              <a:rPr lang="pt-BR" sz="1800" dirty="0">
-                <a:latin typeface="Times New Roman" panose="02020603050405020304" pitchFamily="18" charset="0"/>
-                <a:cs typeface="Times New Roman" panose="02020603050405020304" pitchFamily="18" charset="0"/>
-              </a:rPr>
-              <a:t> , acessado em 07/03/2023.</a:t>
-            </a:r>
-            <a:endParaRPr lang="pt-BR" sz="1800" dirty="0">
-              <a:latin typeface="Calibri" panose="020F0502020204030204" pitchFamily="34" charset="0"/>
-            </a:endParaRPr>
-          </a:p>
-          <a:p>
-            <a:pPr marL="0" indent="0" algn="just">
-              <a:buNone/>
-            </a:pPr>
-            <a:endParaRPr lang="pt-BR" sz="1800" dirty="0">
+              <a:rPr lang="pt-BR" sz="2000" b="1" dirty="0">
+                <a:solidFill>
+                  <a:schemeClr val="tx1"/>
+                </a:solidFill>
+                <a:latin typeface="Times New Roman" panose="02020603050405020304" pitchFamily="18" charset="0"/>
+                <a:cs typeface="Times New Roman" panose="02020603050405020304" pitchFamily="18" charset="0"/>
+              </a:rPr>
+              <a:t>Camada de aplicação </a:t>
+            </a:r>
+            <a:r>
+              <a:rPr lang="pt-BR" sz="2000" dirty="0">
+                <a:solidFill>
+                  <a:schemeClr val="tx1"/>
+                </a:solidFill>
+                <a:latin typeface="Times New Roman" panose="02020603050405020304" pitchFamily="18" charset="0"/>
+                <a:cs typeface="Times New Roman" panose="02020603050405020304" pitchFamily="18" charset="0"/>
+              </a:rPr>
+              <a:t>(APP), voltada para as regras de negócios do produto.</a:t>
+            </a:r>
+          </a:p>
+          <a:p>
+            <a:pPr marL="0" indent="0" algn="just">
+              <a:buNone/>
+            </a:pPr>
+            <a:endParaRPr lang="pt-BR" sz="2000" dirty="0">
+              <a:solidFill>
+                <a:schemeClr val="tx1"/>
+              </a:solidFill>
               <a:latin typeface="Times New Roman" panose="02020603050405020304" pitchFamily="18" charset="0"/>
               <a:cs typeface="Times New Roman" panose="02020603050405020304" pitchFamily="18" charset="0"/>
             </a:endParaRPr>
@@ -6160,61 +8558,24 @@
               <a:buNone/>
             </a:pPr>
             <a:r>
-              <a:rPr lang="pt-BR" sz="1800" dirty="0">
-                <a:latin typeface="Times New Roman" panose="02020603050405020304" pitchFamily="18" charset="0"/>
-                <a:cs typeface="Times New Roman" panose="02020603050405020304" pitchFamily="18" charset="0"/>
-              </a:rPr>
-              <a:t>[3] </a:t>
-            </a:r>
-            <a:r>
-              <a:rPr lang="pt-BR" sz="1800" dirty="0" err="1">
-                <a:latin typeface="Times New Roman" panose="02020603050405020304" pitchFamily="18" charset="0"/>
-                <a:cs typeface="Times New Roman" panose="02020603050405020304" pitchFamily="18" charset="0"/>
-              </a:rPr>
-              <a:t>Subham</a:t>
-            </a:r>
-            <a:r>
-              <a:rPr lang="pt-BR" sz="1800" dirty="0">
-                <a:latin typeface="Times New Roman" panose="02020603050405020304" pitchFamily="18" charset="0"/>
-                <a:cs typeface="Times New Roman" panose="02020603050405020304" pitchFamily="18" charset="0"/>
-              </a:rPr>
-              <a:t> </a:t>
-            </a:r>
-            <a:r>
-              <a:rPr lang="pt-BR" sz="1800" dirty="0" err="1">
-                <a:latin typeface="Times New Roman" panose="02020603050405020304" pitchFamily="18" charset="0"/>
-                <a:cs typeface="Times New Roman" panose="02020603050405020304" pitchFamily="18" charset="0"/>
-              </a:rPr>
-              <a:t>Dutta</a:t>
-            </a:r>
-            <a:r>
-              <a:rPr lang="pt-BR" sz="1800" dirty="0">
-                <a:latin typeface="Times New Roman" panose="02020603050405020304" pitchFamily="18" charset="0"/>
-                <a:cs typeface="Times New Roman" panose="02020603050405020304" pitchFamily="18" charset="0"/>
-              </a:rPr>
-              <a:t>, Disponível em: </a:t>
-            </a:r>
-            <a:r>
-              <a:rPr lang="pt-BR" sz="1800" dirty="0">
-                <a:latin typeface="Times New Roman" panose="02020603050405020304" pitchFamily="18" charset="0"/>
-                <a:cs typeface="Times New Roman" panose="02020603050405020304" pitchFamily="18" charset="0"/>
-                <a:hlinkClick r:id="rId3"/>
-              </a:rPr>
-              <a:t>https://www.nbcafe.in/comparison-between-different-pic-families/</a:t>
-            </a:r>
-            <a:r>
-              <a:rPr lang="pt-BR" sz="1800" dirty="0">
-                <a:latin typeface="Times New Roman" panose="02020603050405020304" pitchFamily="18" charset="0"/>
-                <a:cs typeface="Times New Roman" panose="02020603050405020304" pitchFamily="18" charset="0"/>
-              </a:rPr>
-              <a:t> , acessado em 07/03/2023.</a:t>
-            </a:r>
-          </a:p>
-          <a:p>
-            <a:pPr marL="0" indent="0" algn="just">
-              <a:buNone/>
-            </a:pPr>
-            <a:endParaRPr lang="pt-BR" sz="1800" dirty="0">
+              <a:rPr lang="pt-BR" sz="2000" dirty="0">
+                <a:solidFill>
+                  <a:schemeClr val="tx1"/>
+                </a:solidFill>
+                <a:latin typeface="Times New Roman" panose="02020603050405020304" pitchFamily="18" charset="0"/>
+                <a:cs typeface="Times New Roman" panose="02020603050405020304" pitchFamily="18" charset="0"/>
+              </a:rPr>
+              <a:t>É a solução para o funcionamento da aplicação atendendo toda a regra de negócio.</a:t>
+            </a:r>
+          </a:p>
+          <a:p>
+            <a:pPr marL="0" indent="0" algn="just">
+              <a:buNone/>
+            </a:pPr>
+            <a:endParaRPr lang="pt-BR" sz="2000" dirty="0">
+              <a:solidFill>
+                <a:schemeClr val="tx1"/>
+              </a:solidFill>
               <a:latin typeface="Times New Roman" panose="02020603050405020304" pitchFamily="18" charset="0"/>
               <a:cs typeface="Times New Roman" panose="02020603050405020304" pitchFamily="18" charset="0"/>
             </a:endParaRPr>
@@ -6224,59 +8585,196 @@
               <a:buNone/>
             </a:pPr>
             <a:r>
-              <a:rPr lang="pt-BR" sz="1800" dirty="0">
-                <a:latin typeface="Times New Roman" panose="02020603050405020304" pitchFamily="18" charset="0"/>
-                <a:cs typeface="Times New Roman" panose="02020603050405020304" pitchFamily="18" charset="0"/>
-              </a:rPr>
-              <a:t>[4] Steve </a:t>
-            </a:r>
-            <a:r>
-              <a:rPr lang="pt-BR" sz="1800" dirty="0" err="1">
-                <a:latin typeface="Times New Roman" panose="02020603050405020304" pitchFamily="18" charset="0"/>
-                <a:cs typeface="Times New Roman" panose="02020603050405020304" pitchFamily="18" charset="0"/>
-              </a:rPr>
-              <a:t>Aycock</a:t>
-            </a:r>
-            <a:r>
-              <a:rPr lang="pt-BR" sz="1800" dirty="0">
-                <a:latin typeface="Times New Roman" panose="02020603050405020304" pitchFamily="18" charset="0"/>
-                <a:cs typeface="Times New Roman" panose="02020603050405020304" pitchFamily="18" charset="0"/>
-              </a:rPr>
-              <a:t>, Disponível em: </a:t>
-            </a:r>
-            <a:r>
-              <a:rPr lang="pt-BR" sz="1800" dirty="0">
-                <a:latin typeface="Times New Roman" panose="02020603050405020304" pitchFamily="18" charset="0"/>
-                <a:cs typeface="Times New Roman" panose="02020603050405020304" pitchFamily="18" charset="0"/>
-                <a:hlinkClick r:id="rId4"/>
-              </a:rPr>
-              <a:t>https://www.ehow.com.br/historia-microcontroladores-info_42970/</a:t>
-            </a:r>
-            <a:r>
-              <a:rPr lang="pt-BR" sz="1800" dirty="0">
-                <a:latin typeface="Times New Roman" panose="02020603050405020304" pitchFamily="18" charset="0"/>
-                <a:cs typeface="Times New Roman" panose="02020603050405020304" pitchFamily="18" charset="0"/>
-              </a:rPr>
-              <a:t> , acessado em 07/03/2023.</a:t>
-            </a:r>
-            <a:endParaRPr lang="pt-BR" sz="1800" dirty="0">
-              <a:latin typeface="Calibri" panose="020F0502020204030204" pitchFamily="34" charset="0"/>
+              <a:rPr lang="pt-BR" sz="2000" dirty="0">
+                <a:solidFill>
+                  <a:schemeClr val="tx1"/>
+                </a:solidFill>
+                <a:latin typeface="Times New Roman" panose="02020603050405020304" pitchFamily="18" charset="0"/>
+                <a:cs typeface="Times New Roman" panose="02020603050405020304" pitchFamily="18" charset="0"/>
+              </a:rPr>
+              <a:t>Apresenta a </a:t>
+            </a:r>
+            <a:r>
+              <a:rPr lang="pt-BR" sz="2000" b="1" dirty="0" err="1">
+                <a:solidFill>
+                  <a:srgbClr val="FF0000"/>
+                </a:solidFill>
+                <a:latin typeface="Times New Roman" panose="02020603050405020304" pitchFamily="18" charset="0"/>
+                <a:cs typeface="Times New Roman" panose="02020603050405020304" pitchFamily="18" charset="0"/>
+              </a:rPr>
+              <a:t>view</a:t>
+            </a:r>
+            <a:r>
+              <a:rPr lang="pt-BR" sz="2000" dirty="0">
+                <a:solidFill>
+                  <a:schemeClr val="tx1"/>
+                </a:solidFill>
+                <a:latin typeface="Times New Roman" panose="02020603050405020304" pitchFamily="18" charset="0"/>
+                <a:cs typeface="Times New Roman" panose="02020603050405020304" pitchFamily="18" charset="0"/>
+              </a:rPr>
+              <a:t> do produto.</a:t>
+            </a:r>
+          </a:p>
+          <a:p>
+            <a:pPr marL="0" indent="0" algn="just">
+              <a:buNone/>
+            </a:pPr>
+            <a:endParaRPr lang="pt-BR" sz="2000" dirty="0">
+              <a:solidFill>
+                <a:schemeClr val="tx1"/>
+              </a:solidFill>
+              <a:latin typeface="Times New Roman" panose="02020603050405020304" pitchFamily="18" charset="0"/>
+              <a:cs typeface="Times New Roman" panose="02020603050405020304" pitchFamily="18" charset="0"/>
             </a:endParaRPr>
           </a:p>
           <a:p>
             <a:pPr marL="0" indent="0" algn="just">
               <a:buNone/>
             </a:pPr>
-            <a:endParaRPr lang="pt-BR" sz="1800" dirty="0">
-              <a:latin typeface="Calibri" panose="020F0502020204030204" pitchFamily="34" charset="0"/>
+            <a:r>
+              <a:rPr lang="pt-BR" sz="2000" dirty="0">
+                <a:solidFill>
+                  <a:schemeClr val="tx1"/>
+                </a:solidFill>
+                <a:latin typeface="Times New Roman" panose="02020603050405020304" pitchFamily="18" charset="0"/>
+                <a:cs typeface="Times New Roman" panose="02020603050405020304" pitchFamily="18" charset="0"/>
+              </a:rPr>
+              <a:t>Invoca as </a:t>
+            </a:r>
+            <a:r>
+              <a:rPr lang="pt-BR" sz="2000" b="1" dirty="0">
+                <a:solidFill>
+                  <a:srgbClr val="FF0000"/>
+                </a:solidFill>
+                <a:latin typeface="Times New Roman" panose="02020603050405020304" pitchFamily="18" charset="0"/>
+                <a:cs typeface="Times New Roman" panose="02020603050405020304" pitchFamily="18" charset="0"/>
+              </a:rPr>
+              <a:t>rotinas da API </a:t>
+            </a:r>
+            <a:r>
+              <a:rPr lang="pt-BR" sz="2000" dirty="0">
+                <a:solidFill>
+                  <a:schemeClr val="tx1"/>
+                </a:solidFill>
+                <a:latin typeface="Times New Roman" panose="02020603050405020304" pitchFamily="18" charset="0"/>
+                <a:cs typeface="Times New Roman" panose="02020603050405020304" pitchFamily="18" charset="0"/>
+              </a:rPr>
+              <a:t>do projeto. Ex.: </a:t>
+            </a:r>
+            <a:r>
+              <a:rPr lang="pt-BR" sz="2000" dirty="0" err="1">
+                <a:solidFill>
+                  <a:schemeClr val="tx1"/>
+                </a:solidFill>
+                <a:latin typeface="Times New Roman" panose="02020603050405020304" pitchFamily="18" charset="0"/>
+                <a:cs typeface="Times New Roman" panose="02020603050405020304" pitchFamily="18" charset="0"/>
+              </a:rPr>
+              <a:t>empresa_camada_função</a:t>
+            </a:r>
+            <a:r>
+              <a:rPr lang="pt-BR" sz="2000" dirty="0">
+                <a:solidFill>
+                  <a:schemeClr val="tx1"/>
+                </a:solidFill>
+                <a:latin typeface="Times New Roman" panose="02020603050405020304" pitchFamily="18" charset="0"/>
+                <a:cs typeface="Times New Roman" panose="02020603050405020304" pitchFamily="18" charset="0"/>
+              </a:rPr>
+              <a:t>; </a:t>
+            </a:r>
+            <a:r>
+              <a:rPr lang="pt-BR" sz="2000" b="1" dirty="0" err="1">
+                <a:solidFill>
+                  <a:schemeClr val="tx1"/>
+                </a:solidFill>
+                <a:latin typeface="Times New Roman" panose="02020603050405020304" pitchFamily="18" charset="0"/>
+                <a:cs typeface="Times New Roman" panose="02020603050405020304" pitchFamily="18" charset="0"/>
+              </a:rPr>
+              <a:t>ce_app_log</a:t>
+            </a:r>
+            <a:r>
+              <a:rPr lang="pt-BR" sz="2000" b="1" dirty="0">
+                <a:solidFill>
+                  <a:schemeClr val="tx1"/>
+                </a:solidFill>
+                <a:latin typeface="Times New Roman" panose="02020603050405020304" pitchFamily="18" charset="0"/>
+                <a:cs typeface="Times New Roman" panose="02020603050405020304" pitchFamily="18" charset="0"/>
+              </a:rPr>
+              <a:t>()</a:t>
+            </a:r>
+            <a:r>
+              <a:rPr lang="pt-BR" sz="2000" dirty="0">
+                <a:solidFill>
+                  <a:schemeClr val="tx1"/>
+                </a:solidFill>
+                <a:latin typeface="Times New Roman" panose="02020603050405020304" pitchFamily="18" charset="0"/>
+                <a:cs typeface="Times New Roman" panose="02020603050405020304" pitchFamily="18" charset="0"/>
+              </a:rPr>
+              <a:t>;</a:t>
+            </a:r>
+          </a:p>
+          <a:p>
+            <a:pPr marL="0" indent="0" algn="just">
+              <a:buNone/>
+            </a:pPr>
+            <a:endParaRPr lang="pt-BR" sz="2000" dirty="0">
+              <a:solidFill>
+                <a:schemeClr val="tx1"/>
+              </a:solidFill>
+              <a:latin typeface="Times New Roman" panose="02020603050405020304" pitchFamily="18" charset="0"/>
+              <a:cs typeface="Times New Roman" panose="02020603050405020304" pitchFamily="18" charset="0"/>
             </a:endParaRPr>
+          </a:p>
+          <a:p>
+            <a:pPr marL="0" indent="0" algn="just">
+              <a:buNone/>
+            </a:pPr>
+            <a:r>
+              <a:rPr lang="pt-BR" sz="2000" b="1" dirty="0">
+                <a:solidFill>
+                  <a:schemeClr val="tx1"/>
+                </a:solidFill>
+                <a:latin typeface="Times New Roman" panose="02020603050405020304" pitchFamily="18" charset="0"/>
+                <a:cs typeface="Times New Roman" panose="02020603050405020304" pitchFamily="18" charset="0"/>
+              </a:rPr>
+              <a:t>Nota</a:t>
+            </a:r>
+            <a:r>
+              <a:rPr lang="pt-BR" sz="2000" dirty="0">
+                <a:solidFill>
+                  <a:schemeClr val="tx1"/>
+                </a:solidFill>
+                <a:latin typeface="Times New Roman" panose="02020603050405020304" pitchFamily="18" charset="0"/>
+                <a:cs typeface="Times New Roman" panose="02020603050405020304" pitchFamily="18" charset="0"/>
+              </a:rPr>
+              <a:t>: </a:t>
+            </a:r>
+            <a:r>
+              <a:rPr lang="pt-BR" sz="2000" b="1" dirty="0">
+                <a:solidFill>
+                  <a:srgbClr val="FF0000"/>
+                </a:solidFill>
+                <a:latin typeface="Times New Roman" panose="02020603050405020304" pitchFamily="18" charset="0"/>
+                <a:cs typeface="Times New Roman" panose="02020603050405020304" pitchFamily="18" charset="0"/>
+              </a:rPr>
+              <a:t>Não possui qualquer referência com o microcontrolador</a:t>
+            </a:r>
+            <a:r>
+              <a:rPr lang="pt-BR" sz="2000" dirty="0">
+                <a:solidFill>
+                  <a:schemeClr val="tx1"/>
+                </a:solidFill>
+                <a:latin typeface="Times New Roman" panose="02020603050405020304" pitchFamily="18" charset="0"/>
+                <a:cs typeface="Times New Roman" panose="02020603050405020304" pitchFamily="18" charset="0"/>
+              </a:rPr>
+              <a:t>.</a:t>
+            </a:r>
           </a:p>
         </p:txBody>
       </p:sp>
     </p:spTree>
     <p:extLst>
       <p:ext uri="{BB962C8B-B14F-4D97-AF65-F5344CB8AC3E}">
-        <p14:creationId xmlns:p14="http://schemas.microsoft.com/office/powerpoint/2010/main" val="1115311843"/>
+        <p14:creationId xmlns:p14="http://schemas.microsoft.com/office/powerpoint/2010/main" val="215510808"/>
       </p:ext>
     </p:extLst>
   </p:cSld>
@@ -6304,67 +8802,9 @@
           <a:chExt cx="0" cy="0"/>
         </a:xfrm>
       </p:grpSpPr>
-      <p:pic>
-        <p:nvPicPr>
-          <p:cNvPr id="112" name="Picture 6" descr="Picture 6"/>
-          <p:cNvPicPr>
-            <a:picLocks noChangeAspect="1"/>
-          </p:cNvPicPr>
-          <p:nvPr/>
-        </p:nvPicPr>
-        <p:blipFill>
-          <a:blip r:embed="rId2"/>
-          <a:stretch>
-            <a:fillRect/>
-          </a:stretch>
-        </p:blipFill>
-        <p:spPr>
-          <a:xfrm>
-            <a:off x="0" y="0"/>
-            <a:ext cx="9144000" cy="5143500"/>
-          </a:xfrm>
-          <a:prstGeom prst="rect">
-            <a:avLst/>
-          </a:prstGeom>
-          <a:ln w="12700">
-            <a:miter lim="400000"/>
-            <a:headEnd/>
-            <a:tailEnd/>
-          </a:ln>
-        </p:spPr>
-      </p:pic>
-      <p:pic>
-        <p:nvPicPr>
-          <p:cNvPr id="114" name="Picture 5" descr="Picture 5"/>
-          <p:cNvPicPr>
-            <a:picLocks noChangeAspect="1"/>
-          </p:cNvPicPr>
-          <p:nvPr/>
-        </p:nvPicPr>
-        <p:blipFill>
-          <a:blip r:embed="rId3"/>
-          <a:stretch>
-            <a:fillRect/>
-          </a:stretch>
-        </p:blipFill>
-        <p:spPr>
-          <a:xfrm>
-            <a:off x="469900" y="0"/>
-            <a:ext cx="4391984" cy="171450"/>
-          </a:xfrm>
-          <a:prstGeom prst="rect">
-            <a:avLst/>
-          </a:prstGeom>
-          <a:ln w="12700">
-            <a:miter lim="400000"/>
-            <a:headEnd/>
-            <a:tailEnd/>
-          </a:ln>
-        </p:spPr>
-      </p:pic>
       <p:sp>
         <p:nvSpPr>
-          <p:cNvPr id="3" name="Título 2"/>
+          <p:cNvPr id="6" name="Title 1"/>
           <p:cNvSpPr>
             <a:spLocks noGrp="1"/>
           </p:cNvSpPr>
@@ -6374,8 +8814,62 @@
         </p:nvSpPr>
         <p:spPr>
           <a:xfrm>
-            <a:off x="285751" y="2386770"/>
-            <a:ext cx="8615364" cy="1102519"/>
+            <a:off x="457200" y="205980"/>
+            <a:ext cx="8229600" cy="857251"/>
+          </a:xfrm>
+        </p:spPr>
+        <p:txBody>
+          <a:bodyPr>
+            <a:normAutofit fontScale="90000"/>
+          </a:bodyPr>
+          <a:lstStyle/>
+          <a:p>
+            <a:r>
+              <a:rPr lang="en-US" b="1" dirty="0" err="1">
+                <a:solidFill>
+                  <a:srgbClr val="0070C0"/>
+                </a:solidFill>
+              </a:rPr>
+              <a:t>Arquitetura</a:t>
+            </a:r>
+            <a:r>
+              <a:rPr lang="en-US" b="1" dirty="0">
+                <a:solidFill>
+                  <a:srgbClr val="0070C0"/>
+                </a:solidFill>
+              </a:rPr>
+              <a:t> de Software </a:t>
+            </a:r>
+            <a:r>
+              <a:rPr lang="en-US" b="1" dirty="0" err="1">
+                <a:solidFill>
+                  <a:srgbClr val="0070C0"/>
+                </a:solidFill>
+              </a:rPr>
+              <a:t>Embarcado</a:t>
+            </a:r>
+            <a:endParaRPr lang="en-US" b="1" dirty="0">
+              <a:solidFill>
+                <a:srgbClr val="0070C0"/>
+              </a:solidFill>
+            </a:endParaRPr>
+          </a:p>
+        </p:txBody>
+      </p:sp>
+      <p:sp>
+        <p:nvSpPr>
+          <p:cNvPr id="8" name="Text Placeholder 2"/>
+          <p:cNvSpPr>
+            <a:spLocks noGrp="1"/>
+          </p:cNvSpPr>
+          <p:nvPr>
+            <p:ph type="body" sz="half" idx="1"/>
+          </p:nvPr>
+        </p:nvSpPr>
+        <p:spPr>
+          <a:xfrm>
+            <a:off x="142865" y="1200150"/>
+            <a:ext cx="8865056" cy="3737370"/>
           </a:xfrm>
         </p:spPr>
         <p:txBody>
@@ -6384,356 +8878,493 @@
           </a:bodyPr>
           <a:lstStyle/>
           <a:p>
-            <a:r>
-              <a:rPr lang="pt-BR" sz="4800" b="1" dirty="0">
-                <a:solidFill>
-                  <a:schemeClr val="bg1"/>
-                </a:solidFill>
-              </a:rPr>
-              <a:t>Programação Microcontroladores</a:t>
-            </a:r>
+            <a:pPr marL="0" indent="0" algn="just">
+              <a:buNone/>
+            </a:pPr>
+            <a:r>
+              <a:rPr lang="pt-BR" sz="2000" b="1" dirty="0">
+                <a:solidFill>
+                  <a:schemeClr val="tx1"/>
+                </a:solidFill>
+                <a:latin typeface="Times New Roman" panose="02020603050405020304" pitchFamily="18" charset="0"/>
+                <a:cs typeface="Times New Roman" panose="02020603050405020304" pitchFamily="18" charset="0"/>
+              </a:rPr>
+              <a:t>Camada de Interface de Programação da Aplicação </a:t>
+            </a:r>
+            <a:r>
+              <a:rPr lang="pt-BR" sz="2000" dirty="0">
+                <a:solidFill>
+                  <a:schemeClr val="tx1"/>
+                </a:solidFill>
+                <a:latin typeface="Times New Roman" panose="02020603050405020304" pitchFamily="18" charset="0"/>
+                <a:cs typeface="Times New Roman" panose="02020603050405020304" pitchFamily="18" charset="0"/>
+              </a:rPr>
+              <a:t>(API).</a:t>
+            </a:r>
+          </a:p>
+          <a:p>
+            <a:pPr marL="0" indent="0" algn="just">
+              <a:buNone/>
+            </a:pPr>
+            <a:endParaRPr lang="pt-BR" sz="2000" dirty="0">
+              <a:solidFill>
+                <a:schemeClr val="tx1"/>
+              </a:solidFill>
+              <a:latin typeface="Times New Roman" panose="02020603050405020304" pitchFamily="18" charset="0"/>
+              <a:cs typeface="Times New Roman" panose="02020603050405020304" pitchFamily="18" charset="0"/>
+            </a:endParaRPr>
+          </a:p>
+          <a:p>
+            <a:pPr marL="0" indent="0" algn="just">
+              <a:buNone/>
+            </a:pPr>
+            <a:r>
+              <a:rPr lang="pt-BR" sz="2000" dirty="0">
+                <a:solidFill>
+                  <a:schemeClr val="tx1"/>
+                </a:solidFill>
+                <a:latin typeface="Times New Roman" panose="02020603050405020304" pitchFamily="18" charset="0"/>
+                <a:cs typeface="Times New Roman" panose="02020603050405020304" pitchFamily="18" charset="0"/>
+              </a:rPr>
+              <a:t>Destinada à construção da aplicação por meio de rotinas e/ou funções </a:t>
+            </a:r>
+            <a:r>
+              <a:rPr lang="pt-BR" sz="2000" dirty="0" err="1">
+                <a:solidFill>
+                  <a:schemeClr val="tx1"/>
+                </a:solidFill>
+                <a:latin typeface="Times New Roman" panose="02020603050405020304" pitchFamily="18" charset="0"/>
+                <a:cs typeface="Times New Roman" panose="02020603050405020304" pitchFamily="18" charset="0"/>
+              </a:rPr>
+              <a:t>pré</a:t>
+            </a:r>
+            <a:r>
+              <a:rPr lang="pt-BR" sz="2000" dirty="0">
+                <a:solidFill>
+                  <a:schemeClr val="tx1"/>
+                </a:solidFill>
+                <a:latin typeface="Times New Roman" panose="02020603050405020304" pitchFamily="18" charset="0"/>
+                <a:cs typeface="Times New Roman" panose="02020603050405020304" pitchFamily="18" charset="0"/>
+              </a:rPr>
+              <a:t>-construídas.</a:t>
+            </a:r>
+          </a:p>
+          <a:p>
+            <a:pPr marL="0" indent="0" algn="just">
+              <a:buNone/>
+            </a:pPr>
+            <a:endParaRPr lang="pt-BR" sz="2000" dirty="0">
+              <a:solidFill>
+                <a:schemeClr val="tx1"/>
+              </a:solidFill>
+              <a:latin typeface="Times New Roman" panose="02020603050405020304" pitchFamily="18" charset="0"/>
+              <a:cs typeface="Times New Roman" panose="02020603050405020304" pitchFamily="18" charset="0"/>
+            </a:endParaRPr>
+          </a:p>
+          <a:p>
+            <a:pPr marL="0" indent="0" algn="just">
+              <a:buNone/>
+            </a:pPr>
+            <a:r>
+              <a:rPr lang="pt-BR" sz="2000" dirty="0">
+                <a:solidFill>
+                  <a:schemeClr val="tx1"/>
+                </a:solidFill>
+                <a:latin typeface="Times New Roman" panose="02020603050405020304" pitchFamily="18" charset="0"/>
+                <a:cs typeface="Times New Roman" panose="02020603050405020304" pitchFamily="18" charset="0"/>
+              </a:rPr>
+              <a:t>Camada relacionada as funcionalidades disponíveis e a abstração do baixo nível.</a:t>
+            </a:r>
+          </a:p>
+          <a:p>
+            <a:pPr marL="0" indent="0" algn="just">
+              <a:buNone/>
+            </a:pPr>
+            <a:endParaRPr lang="pt-BR" sz="2000" dirty="0">
+              <a:solidFill>
+                <a:schemeClr val="tx1"/>
+              </a:solidFill>
+              <a:latin typeface="Times New Roman" panose="02020603050405020304" pitchFamily="18" charset="0"/>
+              <a:cs typeface="Times New Roman" panose="02020603050405020304" pitchFamily="18" charset="0"/>
+            </a:endParaRPr>
+          </a:p>
+          <a:p>
+            <a:pPr marL="0" indent="0" algn="just">
+              <a:buNone/>
+            </a:pPr>
+            <a:r>
+              <a:rPr lang="pt-BR" sz="2000" dirty="0">
+                <a:solidFill>
+                  <a:schemeClr val="tx1"/>
+                </a:solidFill>
+                <a:latin typeface="Times New Roman" panose="02020603050405020304" pitchFamily="18" charset="0"/>
+                <a:cs typeface="Times New Roman" panose="02020603050405020304" pitchFamily="18" charset="0"/>
+              </a:rPr>
+              <a:t>Invoca as </a:t>
+            </a:r>
+            <a:r>
+              <a:rPr lang="pt-BR" sz="2000" b="1" dirty="0">
+                <a:solidFill>
+                  <a:srgbClr val="FF0000"/>
+                </a:solidFill>
+                <a:latin typeface="Times New Roman" panose="02020603050405020304" pitchFamily="18" charset="0"/>
+                <a:cs typeface="Times New Roman" panose="02020603050405020304" pitchFamily="18" charset="0"/>
+              </a:rPr>
+              <a:t>rotinas do Driver </a:t>
+            </a:r>
+            <a:r>
+              <a:rPr lang="pt-BR" sz="2000" dirty="0">
+                <a:solidFill>
+                  <a:schemeClr val="tx1"/>
+                </a:solidFill>
+                <a:latin typeface="Times New Roman" panose="02020603050405020304" pitchFamily="18" charset="0"/>
+                <a:cs typeface="Times New Roman" panose="02020603050405020304" pitchFamily="18" charset="0"/>
+              </a:rPr>
+              <a:t>do projeto. Ex.: </a:t>
+            </a:r>
+            <a:r>
+              <a:rPr lang="pt-BR" sz="2000" b="1" dirty="0" err="1">
+                <a:solidFill>
+                  <a:schemeClr val="tx1"/>
+                </a:solidFill>
+                <a:latin typeface="Times New Roman" panose="02020603050405020304" pitchFamily="18" charset="0"/>
+                <a:cs typeface="Times New Roman" panose="02020603050405020304" pitchFamily="18" charset="0"/>
+              </a:rPr>
+              <a:t>ce_api_battery_value</a:t>
+            </a:r>
+            <a:r>
+              <a:rPr lang="pt-BR" sz="2000" b="1" dirty="0">
+                <a:solidFill>
+                  <a:schemeClr val="tx1"/>
+                </a:solidFill>
+                <a:latin typeface="Times New Roman" panose="02020603050405020304" pitchFamily="18" charset="0"/>
+                <a:cs typeface="Times New Roman" panose="02020603050405020304" pitchFamily="18" charset="0"/>
+              </a:rPr>
+              <a:t>()</a:t>
+            </a:r>
+            <a:r>
+              <a:rPr lang="pt-BR" sz="2000" dirty="0">
+                <a:solidFill>
+                  <a:schemeClr val="tx1"/>
+                </a:solidFill>
+                <a:latin typeface="Times New Roman" panose="02020603050405020304" pitchFamily="18" charset="0"/>
+                <a:cs typeface="Times New Roman" panose="02020603050405020304" pitchFamily="18" charset="0"/>
+              </a:rPr>
+              <a:t>;</a:t>
+            </a:r>
+          </a:p>
+        </p:txBody>
+      </p:sp>
+    </p:spTree>
+    <p:extLst>
+      <p:ext uri="{BB962C8B-B14F-4D97-AF65-F5344CB8AC3E}">
+        <p14:creationId xmlns:p14="http://schemas.microsoft.com/office/powerpoint/2010/main" val="1602999238"/>
+      </p:ext>
+    </p:extLst>
+  </p:cSld>
+  <p:clrMapOvr>
+    <a:masterClrMapping/>
+  </p:clrMapOvr>
+  <p:transition spd="med"/>
+</p:sld>
+</file>
+
+<file path=ppt/slides/slide19.xml><?xml version="1.0" encoding="utf-8"?>
+<p:sld xmlns:a="http://schemas.openxmlformats.org/drawingml/2006/main" xmlns:r="http://schemas.openxmlformats.org/officeDocument/2006/relationships" xmlns:p="http://schemas.openxmlformats.org/presentationml/2006/main">
+  <p:cSld>
+    <p:spTree>
+      <p:nvGrpSpPr>
+        <p:cNvPr id="1" name=""/>
+        <p:cNvGrpSpPr/>
+        <p:nvPr/>
+      </p:nvGrpSpPr>
+      <p:grpSpPr>
+        <a:xfrm>
+          <a:off x="0" y="0"/>
+          <a:ext cx="0" cy="0"/>
+          <a:chOff x="0" y="0"/>
+          <a:chExt cx="0" cy="0"/>
+        </a:xfrm>
+      </p:grpSpPr>
+      <p:sp>
+        <p:nvSpPr>
+          <p:cNvPr id="6" name="Title 1"/>
+          <p:cNvSpPr>
+            <a:spLocks noGrp="1"/>
+          </p:cNvSpPr>
+          <p:nvPr>
+            <p:ph type="title"/>
+          </p:nvPr>
+        </p:nvSpPr>
+        <p:spPr>
+          <a:xfrm>
+            <a:off x="457200" y="205980"/>
+            <a:ext cx="8229600" cy="857251"/>
+          </a:xfrm>
+        </p:spPr>
+        <p:txBody>
+          <a:bodyPr>
+            <a:normAutofit fontScale="90000"/>
+          </a:bodyPr>
+          <a:lstStyle/>
+          <a:p>
+            <a:r>
+              <a:rPr lang="en-US" b="1" dirty="0" err="1">
+                <a:solidFill>
+                  <a:srgbClr val="0070C0"/>
+                </a:solidFill>
+              </a:rPr>
+              <a:t>Arquitetura</a:t>
+            </a:r>
+            <a:r>
+              <a:rPr lang="en-US" b="1" dirty="0">
+                <a:solidFill>
+                  <a:srgbClr val="0070C0"/>
+                </a:solidFill>
+              </a:rPr>
+              <a:t> de Software </a:t>
+            </a:r>
+            <a:r>
+              <a:rPr lang="en-US" b="1" dirty="0" err="1">
+                <a:solidFill>
+                  <a:srgbClr val="0070C0"/>
+                </a:solidFill>
+              </a:rPr>
+              <a:t>Embarcado</a:t>
+            </a:r>
+            <a:endParaRPr lang="en-US" b="1" dirty="0">
+              <a:solidFill>
+                <a:srgbClr val="0070C0"/>
+              </a:solidFill>
+            </a:endParaRPr>
           </a:p>
         </p:txBody>
       </p:sp>
       <p:sp>
         <p:nvSpPr>
-          <p:cNvPr id="6" name="Título 2"/>
-          <p:cNvSpPr txBox="1"/>
-          <p:nvPr/>
+          <p:cNvPr id="8" name="Text Placeholder 2"/>
+          <p:cNvSpPr>
+            <a:spLocks noGrp="1"/>
+          </p:cNvSpPr>
+          <p:nvPr>
+            <p:ph type="body" sz="half" idx="1"/>
+          </p:nvPr>
         </p:nvSpPr>
         <p:spPr>
           <a:xfrm>
-            <a:off x="975683" y="3866663"/>
-            <a:ext cx="7772400" cy="1102519"/>
+            <a:off x="142865" y="1200150"/>
+            <a:ext cx="8865056" cy="3737370"/>
           </a:xfrm>
-          <a:prstGeom prst="rect">
-            <a:avLst/>
-          </a:prstGeom>
-          <a:ln w="12700">
-            <a:miter lim="400000"/>
-          </a:ln>
         </p:spPr>
         <p:txBody>
-          <a:bodyPr lIns="45718" tIns="45718" rIns="45718" bIns="45718" anchor="ctr">
+          <a:bodyPr>
             <a:noAutofit/>
           </a:bodyPr>
-          <a:lstStyle>
-            <a:lvl1pPr marL="0" marR="0" indent="0" algn="ctr" defTabSz="457200" rtl="0" latinLnBrk="0">
-              <a:lnSpc>
-                <a:spcPct val="100000"/>
-              </a:lnSpc>
-              <a:spcBef>
-                <a:spcPts val="0"/>
-              </a:spcBef>
-              <a:spcAft>
-                <a:spcPts val="0"/>
-              </a:spcAft>
-              <a:buClrTx/>
-              <a:buSzTx/>
-              <a:buFontTx/>
-              <a:buNone/>
-              <a:defRPr sz="4400" b="0" i="0" u="none" strike="noStrike" cap="none" spc="0" baseline="0">
-                <a:ln>
-                  <a:noFill/>
-                </a:ln>
-                <a:solidFill>
-                  <a:srgbClr val="000000"/>
-                </a:solidFill>
-                <a:uFillTx/>
-                <a:latin typeface="+mj-lt"/>
-                <a:ea typeface="+mj-ea"/>
-                <a:cs typeface="+mj-cs"/>
-                <a:sym typeface="Calibri"/>
-              </a:defRPr>
-            </a:lvl1pPr>
-            <a:lvl2pPr marL="0" marR="0" indent="0" algn="ctr" defTabSz="457200" rtl="0" latinLnBrk="0">
-              <a:lnSpc>
-                <a:spcPct val="100000"/>
-              </a:lnSpc>
-              <a:spcBef>
-                <a:spcPts val="0"/>
-              </a:spcBef>
-              <a:spcAft>
-                <a:spcPts val="0"/>
-              </a:spcAft>
-              <a:buClrTx/>
-              <a:buSzTx/>
-              <a:buFontTx/>
-              <a:buNone/>
-              <a:defRPr sz="4400" b="0" i="0" u="none" strike="noStrike" cap="none" spc="0" baseline="0">
-                <a:ln>
-                  <a:noFill/>
-                </a:ln>
-                <a:solidFill>
-                  <a:srgbClr val="000000"/>
-                </a:solidFill>
-                <a:uFillTx/>
-                <a:latin typeface="+mj-lt"/>
-                <a:ea typeface="+mj-ea"/>
-                <a:cs typeface="+mj-cs"/>
-                <a:sym typeface="Calibri"/>
-              </a:defRPr>
-            </a:lvl2pPr>
-            <a:lvl3pPr marL="0" marR="0" indent="0" algn="ctr" defTabSz="457200" rtl="0" latinLnBrk="0">
-              <a:lnSpc>
-                <a:spcPct val="100000"/>
-              </a:lnSpc>
-              <a:spcBef>
-                <a:spcPts val="0"/>
-              </a:spcBef>
-              <a:spcAft>
-                <a:spcPts val="0"/>
-              </a:spcAft>
-              <a:buClrTx/>
-              <a:buSzTx/>
-              <a:buFontTx/>
-              <a:buNone/>
-              <a:defRPr sz="4400" b="0" i="0" u="none" strike="noStrike" cap="none" spc="0" baseline="0">
-                <a:ln>
-                  <a:noFill/>
-                </a:ln>
-                <a:solidFill>
-                  <a:srgbClr val="000000"/>
-                </a:solidFill>
-                <a:uFillTx/>
-                <a:latin typeface="+mj-lt"/>
-                <a:ea typeface="+mj-ea"/>
-                <a:cs typeface="+mj-cs"/>
-                <a:sym typeface="Calibri"/>
-              </a:defRPr>
-            </a:lvl3pPr>
-            <a:lvl4pPr marL="0" marR="0" indent="0" algn="ctr" defTabSz="457200" rtl="0" latinLnBrk="0">
-              <a:lnSpc>
-                <a:spcPct val="100000"/>
-              </a:lnSpc>
-              <a:spcBef>
-                <a:spcPts val="0"/>
-              </a:spcBef>
-              <a:spcAft>
-                <a:spcPts val="0"/>
-              </a:spcAft>
-              <a:buClrTx/>
-              <a:buSzTx/>
-              <a:buFontTx/>
-              <a:buNone/>
-              <a:defRPr sz="4400" b="0" i="0" u="none" strike="noStrike" cap="none" spc="0" baseline="0">
-                <a:ln>
-                  <a:noFill/>
-                </a:ln>
-                <a:solidFill>
-                  <a:srgbClr val="000000"/>
-                </a:solidFill>
-                <a:uFillTx/>
-                <a:latin typeface="+mj-lt"/>
-                <a:ea typeface="+mj-ea"/>
-                <a:cs typeface="+mj-cs"/>
-                <a:sym typeface="Calibri"/>
-              </a:defRPr>
-            </a:lvl4pPr>
-            <a:lvl5pPr marL="0" marR="0" indent="0" algn="ctr" defTabSz="457200" rtl="0" latinLnBrk="0">
-              <a:lnSpc>
-                <a:spcPct val="100000"/>
-              </a:lnSpc>
-              <a:spcBef>
-                <a:spcPts val="0"/>
-              </a:spcBef>
-              <a:spcAft>
-                <a:spcPts val="0"/>
-              </a:spcAft>
-              <a:buClrTx/>
-              <a:buSzTx/>
-              <a:buFontTx/>
-              <a:buNone/>
-              <a:defRPr sz="4400" b="0" i="0" u="none" strike="noStrike" cap="none" spc="0" baseline="0">
-                <a:ln>
-                  <a:noFill/>
-                </a:ln>
-                <a:solidFill>
-                  <a:srgbClr val="000000"/>
-                </a:solidFill>
-                <a:uFillTx/>
-                <a:latin typeface="+mj-lt"/>
-                <a:ea typeface="+mj-ea"/>
-                <a:cs typeface="+mj-cs"/>
-                <a:sym typeface="Calibri"/>
-              </a:defRPr>
-            </a:lvl5pPr>
-            <a:lvl6pPr marL="0" marR="0" indent="0" algn="ctr" defTabSz="457200" rtl="0" latinLnBrk="0">
-              <a:lnSpc>
-                <a:spcPct val="100000"/>
-              </a:lnSpc>
-              <a:spcBef>
-                <a:spcPts val="0"/>
-              </a:spcBef>
-              <a:spcAft>
-                <a:spcPts val="0"/>
-              </a:spcAft>
-              <a:buClrTx/>
-              <a:buSzTx/>
-              <a:buFontTx/>
-              <a:buNone/>
-              <a:defRPr sz="4400" b="0" i="0" u="none" strike="noStrike" cap="none" spc="0" baseline="0">
-                <a:ln>
-                  <a:noFill/>
-                </a:ln>
-                <a:solidFill>
-                  <a:srgbClr val="000000"/>
-                </a:solidFill>
-                <a:uFillTx/>
-                <a:latin typeface="+mj-lt"/>
-                <a:ea typeface="+mj-ea"/>
-                <a:cs typeface="+mj-cs"/>
-                <a:sym typeface="Calibri"/>
-              </a:defRPr>
-            </a:lvl6pPr>
-            <a:lvl7pPr marL="0" marR="0" indent="0" algn="ctr" defTabSz="457200" rtl="0" latinLnBrk="0">
-              <a:lnSpc>
-                <a:spcPct val="100000"/>
-              </a:lnSpc>
-              <a:spcBef>
-                <a:spcPts val="0"/>
-              </a:spcBef>
-              <a:spcAft>
-                <a:spcPts val="0"/>
-              </a:spcAft>
-              <a:buClrTx/>
-              <a:buSzTx/>
-              <a:buFontTx/>
-              <a:buNone/>
-              <a:defRPr sz="4400" b="0" i="0" u="none" strike="noStrike" cap="none" spc="0" baseline="0">
-                <a:ln>
-                  <a:noFill/>
-                </a:ln>
-                <a:solidFill>
-                  <a:srgbClr val="000000"/>
-                </a:solidFill>
-                <a:uFillTx/>
-                <a:latin typeface="+mj-lt"/>
-                <a:ea typeface="+mj-ea"/>
-                <a:cs typeface="+mj-cs"/>
-                <a:sym typeface="Calibri"/>
-              </a:defRPr>
-            </a:lvl7pPr>
-            <a:lvl8pPr marL="0" marR="0" indent="0" algn="ctr" defTabSz="457200" rtl="0" latinLnBrk="0">
-              <a:lnSpc>
-                <a:spcPct val="100000"/>
-              </a:lnSpc>
-              <a:spcBef>
-                <a:spcPts val="0"/>
-              </a:spcBef>
-              <a:spcAft>
-                <a:spcPts val="0"/>
-              </a:spcAft>
-              <a:buClrTx/>
-              <a:buSzTx/>
-              <a:buFontTx/>
-              <a:buNone/>
-              <a:defRPr sz="4400" b="0" i="0" u="none" strike="noStrike" cap="none" spc="0" baseline="0">
-                <a:ln>
-                  <a:noFill/>
-                </a:ln>
-                <a:solidFill>
-                  <a:srgbClr val="000000"/>
-                </a:solidFill>
-                <a:uFillTx/>
-                <a:latin typeface="+mj-lt"/>
-                <a:ea typeface="+mj-ea"/>
-                <a:cs typeface="+mj-cs"/>
-                <a:sym typeface="Calibri"/>
-              </a:defRPr>
-            </a:lvl8pPr>
-            <a:lvl9pPr marL="0" marR="0" indent="0" algn="ctr" defTabSz="457200" rtl="0" latinLnBrk="0">
-              <a:lnSpc>
-                <a:spcPct val="100000"/>
-              </a:lnSpc>
-              <a:spcBef>
-                <a:spcPts val="0"/>
-              </a:spcBef>
-              <a:spcAft>
-                <a:spcPts val="0"/>
-              </a:spcAft>
-              <a:buClrTx/>
-              <a:buSzTx/>
-              <a:buFontTx/>
-              <a:buNone/>
-              <a:defRPr sz="4400" b="0" i="0" u="none" strike="noStrike" cap="none" spc="0" baseline="0">
-                <a:ln>
-                  <a:noFill/>
-                </a:ln>
-                <a:solidFill>
-                  <a:srgbClr val="000000"/>
-                </a:solidFill>
-                <a:uFillTx/>
-                <a:latin typeface="+mj-lt"/>
-                <a:ea typeface="+mj-ea"/>
-                <a:cs typeface="+mj-cs"/>
-                <a:sym typeface="Calibri"/>
-              </a:defRPr>
-            </a:lvl9pPr>
-          </a:lstStyle>
-          <a:p>
-            <a:pPr algn="r" hangingPunct="1"/>
+          <a:lstStyle/>
+          <a:p>
+            <a:pPr marL="0" indent="0" algn="just">
+              <a:buNone/>
+            </a:pPr>
             <a:r>
               <a:rPr lang="pt-BR" sz="2000" b="1" dirty="0">
                 <a:solidFill>
-                  <a:schemeClr val="bg1"/>
-                </a:solidFill>
-              </a:rPr>
-              <a:t>Professor </a:t>
-            </a:r>
-            <a:r>
-              <a:rPr lang="pt-BR" sz="2000" b="1">
-                <a:solidFill>
-                  <a:schemeClr val="bg1"/>
-                </a:solidFill>
-              </a:rPr>
-              <a:t>M.Sc</a:t>
+                  <a:schemeClr val="tx1"/>
+                </a:solidFill>
+                <a:latin typeface="Times New Roman" panose="02020603050405020304" pitchFamily="18" charset="0"/>
+                <a:cs typeface="Times New Roman" panose="02020603050405020304" pitchFamily="18" charset="0"/>
+              </a:rPr>
+              <a:t>Driver</a:t>
+            </a:r>
+            <a:r>
+              <a:rPr lang="pt-BR" sz="2000" dirty="0">
+                <a:solidFill>
+                  <a:schemeClr val="tx1"/>
+                </a:solidFill>
+                <a:latin typeface="Times New Roman" panose="02020603050405020304" pitchFamily="18" charset="0"/>
+                <a:cs typeface="Times New Roman" panose="02020603050405020304" pitchFamily="18" charset="0"/>
+              </a:rPr>
+              <a:t>.</a:t>
+            </a:r>
+          </a:p>
+          <a:p>
+            <a:pPr marL="0" indent="0" algn="just">
+              <a:buNone/>
+            </a:pPr>
+            <a:endParaRPr lang="pt-BR" sz="2000" dirty="0">
+              <a:solidFill>
+                <a:schemeClr val="tx1"/>
+              </a:solidFill>
+              <a:latin typeface="Times New Roman" panose="02020603050405020304" pitchFamily="18" charset="0"/>
+              <a:cs typeface="Times New Roman" panose="02020603050405020304" pitchFamily="18" charset="0"/>
+            </a:endParaRPr>
+          </a:p>
+          <a:p>
+            <a:pPr marL="0" indent="0" algn="just">
+              <a:buNone/>
+            </a:pPr>
+            <a:r>
+              <a:rPr lang="pt-BR" sz="2000" dirty="0">
+                <a:solidFill>
+                  <a:schemeClr val="tx1"/>
+                </a:solidFill>
+                <a:latin typeface="Times New Roman" panose="02020603050405020304" pitchFamily="18" charset="0"/>
+                <a:cs typeface="Times New Roman" panose="02020603050405020304" pitchFamily="18" charset="0"/>
+              </a:rPr>
+              <a:t>Destinada à construção de uma interface que controlará os periféricos I/O necessários para o projeto.</a:t>
+            </a:r>
+          </a:p>
+          <a:p>
+            <a:pPr marL="0" indent="0" algn="just">
+              <a:buNone/>
+            </a:pPr>
+            <a:endParaRPr lang="pt-BR" sz="2000" dirty="0">
+              <a:solidFill>
+                <a:schemeClr val="tx1"/>
+              </a:solidFill>
+              <a:latin typeface="Times New Roman" panose="02020603050405020304" pitchFamily="18" charset="0"/>
+              <a:cs typeface="Times New Roman" panose="02020603050405020304" pitchFamily="18" charset="0"/>
+            </a:endParaRPr>
+          </a:p>
+          <a:p>
+            <a:pPr marL="0" indent="0" algn="just">
+              <a:buNone/>
+            </a:pPr>
+            <a:r>
+              <a:rPr lang="pt-BR" sz="2000" dirty="0">
+                <a:solidFill>
+                  <a:schemeClr val="tx1"/>
+                </a:solidFill>
+                <a:latin typeface="Times New Roman" panose="02020603050405020304" pitchFamily="18" charset="0"/>
+                <a:cs typeface="Times New Roman" panose="02020603050405020304" pitchFamily="18" charset="0"/>
+              </a:rPr>
+              <a:t>Possui OBJETO para cada periférico concentrando dados e funções relacionadas.</a:t>
+            </a:r>
+          </a:p>
+          <a:p>
+            <a:pPr marL="0" indent="0" algn="just">
+              <a:buNone/>
+            </a:pPr>
+            <a:endParaRPr lang="pt-BR" sz="2000" dirty="0">
+              <a:solidFill>
+                <a:schemeClr val="tx1"/>
+              </a:solidFill>
+              <a:latin typeface="Times New Roman" panose="02020603050405020304" pitchFamily="18" charset="0"/>
+              <a:cs typeface="Times New Roman" panose="02020603050405020304" pitchFamily="18" charset="0"/>
+            </a:endParaRPr>
+          </a:p>
+          <a:p>
+            <a:pPr marL="0" indent="0" algn="just">
+              <a:buNone/>
+            </a:pPr>
+            <a:r>
+              <a:rPr lang="pt-BR" sz="2000" dirty="0">
+                <a:solidFill>
+                  <a:schemeClr val="tx1"/>
+                </a:solidFill>
+                <a:latin typeface="Times New Roman" panose="02020603050405020304" pitchFamily="18" charset="0"/>
+                <a:cs typeface="Times New Roman" panose="02020603050405020304" pitchFamily="18" charset="0"/>
+              </a:rPr>
+              <a:t>Invoca as </a:t>
             </a:r>
             <a:r>
               <a:rPr lang="pt-BR" sz="2000" b="1" dirty="0">
                 <a:solidFill>
-                  <a:schemeClr val="bg1"/>
-                </a:solidFill>
-              </a:rPr>
-              <a:t>. Heleno Cardoso</a:t>
+                  <a:srgbClr val="FF0000"/>
+                </a:solidFill>
+                <a:latin typeface="Times New Roman" panose="02020603050405020304" pitchFamily="18" charset="0"/>
+                <a:cs typeface="Times New Roman" panose="02020603050405020304" pitchFamily="18" charset="0"/>
+              </a:rPr>
+              <a:t>rotinas do HAL </a:t>
+            </a:r>
+            <a:r>
+              <a:rPr lang="pt-BR" sz="2000" dirty="0">
+                <a:solidFill>
+                  <a:schemeClr val="tx1"/>
+                </a:solidFill>
+                <a:latin typeface="Times New Roman" panose="02020603050405020304" pitchFamily="18" charset="0"/>
+                <a:cs typeface="Times New Roman" panose="02020603050405020304" pitchFamily="18" charset="0"/>
+              </a:rPr>
+              <a:t>do projeto. Ex.: </a:t>
+            </a:r>
+            <a:r>
+              <a:rPr lang="pt-BR" sz="2000" b="1" dirty="0" err="1">
+                <a:solidFill>
+                  <a:schemeClr val="tx1"/>
+                </a:solidFill>
+                <a:latin typeface="Times New Roman" panose="02020603050405020304" pitchFamily="18" charset="0"/>
+                <a:cs typeface="Times New Roman" panose="02020603050405020304" pitchFamily="18" charset="0"/>
+              </a:rPr>
+              <a:t>ce_driver_função</a:t>
+            </a:r>
+            <a:r>
+              <a:rPr lang="pt-BR" sz="2000" b="1" dirty="0">
+                <a:solidFill>
+                  <a:schemeClr val="tx1"/>
+                </a:solidFill>
+                <a:latin typeface="Times New Roman" panose="02020603050405020304" pitchFamily="18" charset="0"/>
+                <a:cs typeface="Times New Roman" panose="02020603050405020304" pitchFamily="18" charset="0"/>
+              </a:rPr>
+              <a:t>()</a:t>
+            </a:r>
+            <a:r>
+              <a:rPr lang="pt-BR" sz="2000" dirty="0">
+                <a:solidFill>
+                  <a:schemeClr val="tx1"/>
+                </a:solidFill>
+                <a:latin typeface="Times New Roman" panose="02020603050405020304" pitchFamily="18" charset="0"/>
+                <a:cs typeface="Times New Roman" panose="02020603050405020304" pitchFamily="18" charset="0"/>
+              </a:rPr>
+              <a:t>; </a:t>
+            </a:r>
+            <a:r>
+              <a:rPr lang="pt-BR" sz="2000" dirty="0" err="1">
+                <a:solidFill>
+                  <a:schemeClr val="tx1"/>
+                </a:solidFill>
+                <a:latin typeface="Times New Roman" panose="02020603050405020304" pitchFamily="18" charset="0"/>
+                <a:cs typeface="Times New Roman" panose="02020603050405020304" pitchFamily="18" charset="0"/>
+              </a:rPr>
+              <a:t>ce_</a:t>
+            </a:r>
+            <a:r>
+              <a:rPr lang="pt-BR" sz="2000" b="1" dirty="0" err="1">
+                <a:solidFill>
+                  <a:schemeClr val="tx1"/>
+                </a:solidFill>
+                <a:latin typeface="Times New Roman" panose="02020603050405020304" pitchFamily="18" charset="0"/>
+                <a:cs typeface="Times New Roman" panose="02020603050405020304" pitchFamily="18" charset="0"/>
+              </a:rPr>
+              <a:t>gpio</a:t>
+            </a:r>
+            <a:r>
+              <a:rPr lang="pt-BR" sz="2000" dirty="0" err="1">
+                <a:solidFill>
+                  <a:schemeClr val="tx1"/>
+                </a:solidFill>
+                <a:latin typeface="Times New Roman" panose="02020603050405020304" pitchFamily="18" charset="0"/>
+                <a:cs typeface="Times New Roman" panose="02020603050405020304" pitchFamily="18" charset="0"/>
+              </a:rPr>
+              <a:t>_write</a:t>
+            </a:r>
+            <a:r>
+              <a:rPr lang="pt-BR" sz="2000" dirty="0">
+                <a:solidFill>
+                  <a:schemeClr val="tx1"/>
+                </a:solidFill>
+                <a:latin typeface="Times New Roman" panose="02020603050405020304" pitchFamily="18" charset="0"/>
+                <a:cs typeface="Times New Roman" panose="02020603050405020304" pitchFamily="18" charset="0"/>
+              </a:rPr>
+              <a:t>();</a:t>
             </a:r>
           </a:p>
         </p:txBody>
       </p:sp>
-      <p:pic>
-        <p:nvPicPr>
-          <p:cNvPr id="2" name="Google Shape;62;p1" descr="Imagem">
-            <a:extLst>
-              <a:ext uri="{FF2B5EF4-FFF2-40B4-BE49-F238E27FC236}">
-                <a16:creationId xmlns:a16="http://schemas.microsoft.com/office/drawing/2014/main" id="{9C895622-2963-024D-634E-EA58F5381D06}"/>
-              </a:ext>
-            </a:extLst>
-          </p:cNvPr>
-          <p:cNvPicPr preferRelativeResize="0"/>
-          <p:nvPr/>
-        </p:nvPicPr>
-        <p:blipFill rotWithShape="1">
-          <a:blip r:embed="rId4">
-            <a:alphaModFix/>
-          </a:blip>
-          <a:srcRect/>
-          <a:stretch/>
-        </p:blipFill>
-        <p:spPr>
-          <a:xfrm>
-            <a:off x="469898" y="343798"/>
-            <a:ext cx="2858518" cy="1338697"/>
-          </a:xfrm>
-          <a:prstGeom prst="rect">
-            <a:avLst/>
-          </a:prstGeom>
-          <a:noFill/>
-          <a:ln>
-            <a:noFill/>
-          </a:ln>
-        </p:spPr>
-      </p:pic>
     </p:spTree>
+    <p:extLst>
+      <p:ext uri="{BB962C8B-B14F-4D97-AF65-F5344CB8AC3E}">
+        <p14:creationId xmlns:p14="http://schemas.microsoft.com/office/powerpoint/2010/main" val="2744726105"/>
+      </p:ext>
+    </p:extLst>
   </p:cSld>
   <p:clrMapOvr>
     <a:masterClrMapping/>
@@ -7228,6 +9859,3076 @@
 </p:sld>
 </file>
 
+<file path=ppt/slides/slide20.xml><?xml version="1.0" encoding="utf-8"?>
+<p:sld xmlns:a="http://schemas.openxmlformats.org/drawingml/2006/main" xmlns:r="http://schemas.openxmlformats.org/officeDocument/2006/relationships" xmlns:p="http://schemas.openxmlformats.org/presentationml/2006/main">
+  <p:cSld>
+    <p:spTree>
+      <p:nvGrpSpPr>
+        <p:cNvPr id="1" name=""/>
+        <p:cNvGrpSpPr/>
+        <p:nvPr/>
+      </p:nvGrpSpPr>
+      <p:grpSpPr>
+        <a:xfrm>
+          <a:off x="0" y="0"/>
+          <a:ext cx="0" cy="0"/>
+          <a:chOff x="0" y="0"/>
+          <a:chExt cx="0" cy="0"/>
+        </a:xfrm>
+      </p:grpSpPr>
+      <p:sp>
+        <p:nvSpPr>
+          <p:cNvPr id="6" name="Title 1"/>
+          <p:cNvSpPr>
+            <a:spLocks noGrp="1"/>
+          </p:cNvSpPr>
+          <p:nvPr>
+            <p:ph type="title"/>
+          </p:nvPr>
+        </p:nvSpPr>
+        <p:spPr>
+          <a:xfrm>
+            <a:off x="457200" y="205980"/>
+            <a:ext cx="8229600" cy="857251"/>
+          </a:xfrm>
+        </p:spPr>
+        <p:txBody>
+          <a:bodyPr>
+            <a:normAutofit fontScale="90000"/>
+          </a:bodyPr>
+          <a:lstStyle/>
+          <a:p>
+            <a:r>
+              <a:rPr lang="en-US" b="1" dirty="0" err="1">
+                <a:solidFill>
+                  <a:srgbClr val="0070C0"/>
+                </a:solidFill>
+              </a:rPr>
+              <a:t>Arquitetura</a:t>
+            </a:r>
+            <a:r>
+              <a:rPr lang="en-US" b="1" dirty="0">
+                <a:solidFill>
+                  <a:srgbClr val="0070C0"/>
+                </a:solidFill>
+              </a:rPr>
+              <a:t> de Software </a:t>
+            </a:r>
+            <a:r>
+              <a:rPr lang="en-US" b="1" dirty="0" err="1">
+                <a:solidFill>
+                  <a:srgbClr val="0070C0"/>
+                </a:solidFill>
+              </a:rPr>
+              <a:t>Embarcado</a:t>
+            </a:r>
+            <a:endParaRPr lang="en-US" b="1" dirty="0">
+              <a:solidFill>
+                <a:srgbClr val="0070C0"/>
+              </a:solidFill>
+            </a:endParaRPr>
+          </a:p>
+        </p:txBody>
+      </p:sp>
+      <p:sp>
+        <p:nvSpPr>
+          <p:cNvPr id="8" name="Text Placeholder 2"/>
+          <p:cNvSpPr>
+            <a:spLocks noGrp="1"/>
+          </p:cNvSpPr>
+          <p:nvPr>
+            <p:ph type="body" sz="half" idx="1"/>
+          </p:nvPr>
+        </p:nvSpPr>
+        <p:spPr>
+          <a:xfrm>
+            <a:off x="142865" y="1200150"/>
+            <a:ext cx="8865056" cy="3737370"/>
+          </a:xfrm>
+        </p:spPr>
+        <p:txBody>
+          <a:bodyPr>
+            <a:noAutofit/>
+          </a:bodyPr>
+          <a:lstStyle/>
+          <a:p>
+            <a:pPr marL="0" indent="0" algn="just">
+              <a:buNone/>
+            </a:pPr>
+            <a:r>
+              <a:rPr lang="pt-BR" sz="2000" b="1" dirty="0">
+                <a:solidFill>
+                  <a:schemeClr val="tx1"/>
+                </a:solidFill>
+                <a:latin typeface="Times New Roman" panose="02020603050405020304" pitchFamily="18" charset="0"/>
+                <a:cs typeface="Times New Roman" panose="02020603050405020304" pitchFamily="18" charset="0"/>
+              </a:rPr>
+              <a:t>Hardware </a:t>
+            </a:r>
+            <a:r>
+              <a:rPr lang="pt-BR" sz="2000" b="1" dirty="0" err="1">
+                <a:solidFill>
+                  <a:schemeClr val="tx1"/>
+                </a:solidFill>
+                <a:latin typeface="Times New Roman" panose="02020603050405020304" pitchFamily="18" charset="0"/>
+                <a:cs typeface="Times New Roman" panose="02020603050405020304" pitchFamily="18" charset="0"/>
+              </a:rPr>
+              <a:t>Abstraction</a:t>
+            </a:r>
+            <a:r>
+              <a:rPr lang="pt-BR" sz="2000" b="1" dirty="0">
+                <a:solidFill>
+                  <a:schemeClr val="tx1"/>
+                </a:solidFill>
+                <a:latin typeface="Times New Roman" panose="02020603050405020304" pitchFamily="18" charset="0"/>
+                <a:cs typeface="Times New Roman" panose="02020603050405020304" pitchFamily="18" charset="0"/>
+              </a:rPr>
+              <a:t> </a:t>
+            </a:r>
+            <a:r>
+              <a:rPr lang="pt-BR" sz="2000" b="1" dirty="0" err="1">
+                <a:solidFill>
+                  <a:schemeClr val="tx1"/>
+                </a:solidFill>
+                <a:latin typeface="Times New Roman" panose="02020603050405020304" pitchFamily="18" charset="0"/>
+                <a:cs typeface="Times New Roman" panose="02020603050405020304" pitchFamily="18" charset="0"/>
+              </a:rPr>
+              <a:t>Layer</a:t>
+            </a:r>
+            <a:r>
+              <a:rPr lang="pt-BR" sz="2000" b="1" dirty="0">
+                <a:solidFill>
+                  <a:schemeClr val="tx1"/>
+                </a:solidFill>
+                <a:latin typeface="Times New Roman" panose="02020603050405020304" pitchFamily="18" charset="0"/>
+                <a:cs typeface="Times New Roman" panose="02020603050405020304" pitchFamily="18" charset="0"/>
+              </a:rPr>
+              <a:t> (HAL)</a:t>
+            </a:r>
+            <a:r>
+              <a:rPr lang="pt-BR" sz="2000" dirty="0">
+                <a:solidFill>
+                  <a:schemeClr val="tx1"/>
+                </a:solidFill>
+                <a:latin typeface="Times New Roman" panose="02020603050405020304" pitchFamily="18" charset="0"/>
+                <a:cs typeface="Times New Roman" panose="02020603050405020304" pitchFamily="18" charset="0"/>
+              </a:rPr>
+              <a:t>.</a:t>
+            </a:r>
+          </a:p>
+          <a:p>
+            <a:pPr marL="0" indent="0" algn="just">
+              <a:buNone/>
+            </a:pPr>
+            <a:endParaRPr lang="pt-BR" sz="2000" dirty="0">
+              <a:solidFill>
+                <a:schemeClr val="tx1"/>
+              </a:solidFill>
+              <a:latin typeface="Times New Roman" panose="02020603050405020304" pitchFamily="18" charset="0"/>
+              <a:cs typeface="Times New Roman" panose="02020603050405020304" pitchFamily="18" charset="0"/>
+            </a:endParaRPr>
+          </a:p>
+          <a:p>
+            <a:pPr marL="0" indent="0" algn="just">
+              <a:buNone/>
+            </a:pPr>
+            <a:r>
+              <a:rPr lang="pt-BR" sz="2000" dirty="0">
+                <a:solidFill>
+                  <a:schemeClr val="tx1"/>
+                </a:solidFill>
+                <a:latin typeface="Times New Roman" panose="02020603050405020304" pitchFamily="18" charset="0"/>
+                <a:cs typeface="Times New Roman" panose="02020603050405020304" pitchFamily="18" charset="0"/>
+              </a:rPr>
+              <a:t>Camada de interface amigável para configuração, uso e controle de periféricos do microcontrolador.</a:t>
+            </a:r>
+          </a:p>
+          <a:p>
+            <a:pPr marL="0" indent="0" algn="just">
+              <a:buNone/>
+            </a:pPr>
+            <a:endParaRPr lang="pt-BR" sz="2000" dirty="0">
+              <a:solidFill>
+                <a:schemeClr val="tx1"/>
+              </a:solidFill>
+              <a:latin typeface="Times New Roman" panose="02020603050405020304" pitchFamily="18" charset="0"/>
+              <a:cs typeface="Times New Roman" panose="02020603050405020304" pitchFamily="18" charset="0"/>
+            </a:endParaRPr>
+          </a:p>
+          <a:p>
+            <a:pPr marL="0" indent="0" algn="just">
+              <a:buNone/>
+            </a:pPr>
+            <a:r>
+              <a:rPr lang="pt-BR" sz="2000" dirty="0">
+                <a:solidFill>
+                  <a:schemeClr val="tx1"/>
+                </a:solidFill>
+                <a:latin typeface="Times New Roman" panose="02020603050405020304" pitchFamily="18" charset="0"/>
+                <a:cs typeface="Times New Roman" panose="02020603050405020304" pitchFamily="18" charset="0"/>
+              </a:rPr>
+              <a:t>Camada de acesso direto ao hardware. Pode ser projetada pelo </a:t>
+            </a:r>
+            <a:r>
+              <a:rPr lang="pt-BR" sz="2000" b="1" dirty="0">
+                <a:solidFill>
+                  <a:srgbClr val="FF0000"/>
+                </a:solidFill>
+                <a:latin typeface="Times New Roman" panose="02020603050405020304" pitchFamily="18" charset="0"/>
+                <a:cs typeface="Times New Roman" panose="02020603050405020304" pitchFamily="18" charset="0"/>
+              </a:rPr>
+              <a:t>DEV</a:t>
+            </a:r>
+            <a:r>
+              <a:rPr lang="pt-BR" sz="2000" dirty="0">
+                <a:solidFill>
+                  <a:schemeClr val="tx1"/>
+                </a:solidFill>
+                <a:latin typeface="Times New Roman" panose="02020603050405020304" pitchFamily="18" charset="0"/>
+                <a:cs typeface="Times New Roman" panose="02020603050405020304" pitchFamily="18" charset="0"/>
+              </a:rPr>
+              <a:t> ou gerada por uma GUI (</a:t>
+            </a:r>
+            <a:r>
+              <a:rPr lang="pt-BR" sz="2000" b="1" dirty="0" err="1">
+                <a:solidFill>
+                  <a:schemeClr val="tx1"/>
+                </a:solidFill>
+                <a:latin typeface="Times New Roman" panose="02020603050405020304" pitchFamily="18" charset="0"/>
+                <a:cs typeface="Times New Roman" panose="02020603050405020304" pitchFamily="18" charset="0"/>
+              </a:rPr>
+              <a:t>Graphical</a:t>
+            </a:r>
+            <a:r>
+              <a:rPr lang="pt-BR" sz="2000" b="1" dirty="0">
+                <a:solidFill>
+                  <a:schemeClr val="tx1"/>
+                </a:solidFill>
+                <a:latin typeface="Times New Roman" panose="02020603050405020304" pitchFamily="18" charset="0"/>
+                <a:cs typeface="Times New Roman" panose="02020603050405020304" pitchFamily="18" charset="0"/>
+              </a:rPr>
+              <a:t> </a:t>
+            </a:r>
+            <a:r>
+              <a:rPr lang="pt-BR" sz="2000" b="1" dirty="0" err="1">
+                <a:solidFill>
+                  <a:schemeClr val="tx1"/>
+                </a:solidFill>
+                <a:latin typeface="Times New Roman" panose="02020603050405020304" pitchFamily="18" charset="0"/>
+                <a:cs typeface="Times New Roman" panose="02020603050405020304" pitchFamily="18" charset="0"/>
+              </a:rPr>
+              <a:t>User</a:t>
+            </a:r>
+            <a:r>
+              <a:rPr lang="pt-BR" sz="2000" b="1" dirty="0">
+                <a:solidFill>
+                  <a:schemeClr val="tx1"/>
+                </a:solidFill>
+                <a:latin typeface="Times New Roman" panose="02020603050405020304" pitchFamily="18" charset="0"/>
+                <a:cs typeface="Times New Roman" panose="02020603050405020304" pitchFamily="18" charset="0"/>
+              </a:rPr>
+              <a:t> interface</a:t>
+            </a:r>
+            <a:r>
+              <a:rPr lang="pt-BR" sz="2000" dirty="0">
+                <a:solidFill>
+                  <a:schemeClr val="tx1"/>
+                </a:solidFill>
+                <a:latin typeface="Times New Roman" panose="02020603050405020304" pitchFamily="18" charset="0"/>
+                <a:cs typeface="Times New Roman" panose="02020603050405020304" pitchFamily="18" charset="0"/>
+              </a:rPr>
+              <a:t>). Biblioteca desenvolvida pelo fabricante normalmente interface gerada por </a:t>
+            </a:r>
+            <a:r>
+              <a:rPr lang="pt-BR" sz="2000" b="1" dirty="0">
+                <a:solidFill>
+                  <a:srgbClr val="FF0000"/>
+                </a:solidFill>
+                <a:latin typeface="Times New Roman" panose="02020603050405020304" pitchFamily="18" charset="0"/>
+                <a:cs typeface="Times New Roman" panose="02020603050405020304" pitchFamily="18" charset="0"/>
+              </a:rPr>
+              <a:t>ferramenta gráfica</a:t>
+            </a:r>
+            <a:r>
+              <a:rPr lang="pt-BR" sz="2000" dirty="0">
+                <a:solidFill>
+                  <a:schemeClr val="tx1"/>
+                </a:solidFill>
+                <a:latin typeface="Times New Roman" panose="02020603050405020304" pitchFamily="18" charset="0"/>
+                <a:cs typeface="Times New Roman" panose="02020603050405020304" pitchFamily="18" charset="0"/>
+              </a:rPr>
+              <a:t>, como </a:t>
+            </a:r>
+            <a:r>
+              <a:rPr lang="pt-BR" sz="2000" b="1" dirty="0">
+                <a:solidFill>
+                  <a:schemeClr val="tx1"/>
+                </a:solidFill>
+                <a:latin typeface="Times New Roman" panose="02020603050405020304" pitchFamily="18" charset="0"/>
+                <a:cs typeface="Times New Roman" panose="02020603050405020304" pitchFamily="18" charset="0"/>
+              </a:rPr>
+              <a:t>ESP32.</a:t>
+            </a:r>
+            <a:endParaRPr lang="pt-BR" sz="2000" dirty="0">
+              <a:solidFill>
+                <a:schemeClr val="tx1"/>
+              </a:solidFill>
+              <a:latin typeface="Times New Roman" panose="02020603050405020304" pitchFamily="18" charset="0"/>
+              <a:cs typeface="Times New Roman" panose="02020603050405020304" pitchFamily="18" charset="0"/>
+            </a:endParaRPr>
+          </a:p>
+          <a:p>
+            <a:pPr marL="0" indent="0" algn="just">
+              <a:buNone/>
+            </a:pPr>
+            <a:endParaRPr lang="pt-BR" sz="2000" dirty="0">
+              <a:solidFill>
+                <a:schemeClr val="tx1"/>
+              </a:solidFill>
+              <a:latin typeface="Times New Roman" panose="02020603050405020304" pitchFamily="18" charset="0"/>
+              <a:cs typeface="Times New Roman" panose="02020603050405020304" pitchFamily="18" charset="0"/>
+            </a:endParaRPr>
+          </a:p>
+          <a:p>
+            <a:pPr marL="0" indent="0" algn="just">
+              <a:buNone/>
+            </a:pPr>
+            <a:r>
+              <a:rPr lang="pt-BR" sz="2000" dirty="0">
+                <a:solidFill>
+                  <a:schemeClr val="tx1"/>
+                </a:solidFill>
+                <a:latin typeface="Times New Roman" panose="02020603050405020304" pitchFamily="18" charset="0"/>
+                <a:cs typeface="Times New Roman" panose="02020603050405020304" pitchFamily="18" charset="0"/>
+              </a:rPr>
+              <a:t>Ex.: </a:t>
+            </a:r>
+            <a:r>
+              <a:rPr lang="pt-BR" sz="2000" b="1" dirty="0" err="1">
+                <a:solidFill>
+                  <a:schemeClr val="tx1"/>
+                </a:solidFill>
+                <a:latin typeface="Times New Roman" panose="02020603050405020304" pitchFamily="18" charset="0"/>
+                <a:cs typeface="Times New Roman" panose="02020603050405020304" pitchFamily="18" charset="0"/>
+              </a:rPr>
+              <a:t>hal_gpio_WritePin</a:t>
+            </a:r>
+            <a:r>
+              <a:rPr lang="pt-BR" sz="2000" b="1" dirty="0">
+                <a:solidFill>
+                  <a:schemeClr val="tx1"/>
+                </a:solidFill>
+                <a:latin typeface="Times New Roman" panose="02020603050405020304" pitchFamily="18" charset="0"/>
+                <a:cs typeface="Times New Roman" panose="02020603050405020304" pitchFamily="18" charset="0"/>
+              </a:rPr>
+              <a:t>()</a:t>
+            </a:r>
+            <a:r>
+              <a:rPr lang="pt-BR" sz="2000" dirty="0">
+                <a:solidFill>
+                  <a:schemeClr val="tx1"/>
+                </a:solidFill>
+                <a:latin typeface="Times New Roman" panose="02020603050405020304" pitchFamily="18" charset="0"/>
+                <a:cs typeface="Times New Roman" panose="02020603050405020304" pitchFamily="18" charset="0"/>
+              </a:rPr>
+              <a:t>;</a:t>
+            </a:r>
+          </a:p>
+        </p:txBody>
+      </p:sp>
+    </p:spTree>
+    <p:extLst>
+      <p:ext uri="{BB962C8B-B14F-4D97-AF65-F5344CB8AC3E}">
+        <p14:creationId xmlns:p14="http://schemas.microsoft.com/office/powerpoint/2010/main" val="2188023590"/>
+      </p:ext>
+    </p:extLst>
+  </p:cSld>
+  <p:clrMapOvr>
+    <a:masterClrMapping/>
+  </p:clrMapOvr>
+  <p:transition spd="med"/>
+</p:sld>
+</file>
+
+<file path=ppt/slides/slide21.xml><?xml version="1.0" encoding="utf-8"?>
+<p:sld xmlns:a="http://schemas.openxmlformats.org/drawingml/2006/main" xmlns:r="http://schemas.openxmlformats.org/officeDocument/2006/relationships" xmlns:p="http://schemas.openxmlformats.org/presentationml/2006/main">
+  <p:cSld>
+    <p:spTree>
+      <p:nvGrpSpPr>
+        <p:cNvPr id="1" name=""/>
+        <p:cNvGrpSpPr/>
+        <p:nvPr/>
+      </p:nvGrpSpPr>
+      <p:grpSpPr>
+        <a:xfrm>
+          <a:off x="0" y="0"/>
+          <a:ext cx="0" cy="0"/>
+          <a:chOff x="0" y="0"/>
+          <a:chExt cx="0" cy="0"/>
+        </a:xfrm>
+      </p:grpSpPr>
+      <p:sp>
+        <p:nvSpPr>
+          <p:cNvPr id="6" name="Title 1"/>
+          <p:cNvSpPr>
+            <a:spLocks noGrp="1"/>
+          </p:cNvSpPr>
+          <p:nvPr>
+            <p:ph type="title"/>
+          </p:nvPr>
+        </p:nvSpPr>
+        <p:spPr>
+          <a:xfrm>
+            <a:off x="457200" y="205980"/>
+            <a:ext cx="8229600" cy="857251"/>
+          </a:xfrm>
+        </p:spPr>
+        <p:txBody>
+          <a:bodyPr>
+            <a:normAutofit fontScale="90000"/>
+          </a:bodyPr>
+          <a:lstStyle/>
+          <a:p>
+            <a:r>
+              <a:rPr lang="en-US" b="1" dirty="0" err="1">
+                <a:solidFill>
+                  <a:srgbClr val="0070C0"/>
+                </a:solidFill>
+              </a:rPr>
+              <a:t>Arquitetura</a:t>
+            </a:r>
+            <a:r>
+              <a:rPr lang="en-US" b="1" dirty="0">
+                <a:solidFill>
+                  <a:srgbClr val="0070C0"/>
+                </a:solidFill>
+              </a:rPr>
+              <a:t> de Software </a:t>
+            </a:r>
+            <a:r>
+              <a:rPr lang="en-US" b="1" dirty="0" err="1">
+                <a:solidFill>
+                  <a:srgbClr val="0070C0"/>
+                </a:solidFill>
+              </a:rPr>
+              <a:t>Embarcado</a:t>
+            </a:r>
+            <a:endParaRPr lang="en-US" b="1" dirty="0">
+              <a:solidFill>
+                <a:srgbClr val="0070C0"/>
+              </a:solidFill>
+            </a:endParaRPr>
+          </a:p>
+        </p:txBody>
+      </p:sp>
+      <p:sp>
+        <p:nvSpPr>
+          <p:cNvPr id="8" name="Text Placeholder 2"/>
+          <p:cNvSpPr>
+            <a:spLocks noGrp="1"/>
+          </p:cNvSpPr>
+          <p:nvPr>
+            <p:ph type="body" sz="half" idx="1"/>
+          </p:nvPr>
+        </p:nvSpPr>
+        <p:spPr>
+          <a:xfrm>
+            <a:off x="142865" y="1200150"/>
+            <a:ext cx="8865056" cy="3737370"/>
+          </a:xfrm>
+        </p:spPr>
+        <p:txBody>
+          <a:bodyPr>
+            <a:noAutofit/>
+          </a:bodyPr>
+          <a:lstStyle/>
+          <a:p>
+            <a:pPr marL="0" indent="0" algn="just">
+              <a:buNone/>
+            </a:pPr>
+            <a:r>
+              <a:rPr lang="pt-BR" sz="2000" b="1" dirty="0">
+                <a:solidFill>
+                  <a:schemeClr val="tx1"/>
+                </a:solidFill>
+                <a:latin typeface="Times New Roman" panose="02020603050405020304" pitchFamily="18" charset="0"/>
+                <a:cs typeface="Times New Roman" panose="02020603050405020304" pitchFamily="18" charset="0"/>
+              </a:rPr>
+              <a:t>Microcontrolador</a:t>
+            </a:r>
+            <a:r>
+              <a:rPr lang="pt-BR" sz="2000" dirty="0">
+                <a:solidFill>
+                  <a:schemeClr val="tx1"/>
+                </a:solidFill>
+                <a:latin typeface="Times New Roman" panose="02020603050405020304" pitchFamily="18" charset="0"/>
+                <a:cs typeface="Times New Roman" panose="02020603050405020304" pitchFamily="18" charset="0"/>
+              </a:rPr>
+              <a:t>.</a:t>
+            </a:r>
+          </a:p>
+          <a:p>
+            <a:pPr marL="0" indent="0" algn="just">
+              <a:buNone/>
+            </a:pPr>
+            <a:endParaRPr lang="pt-BR" sz="2000" dirty="0">
+              <a:solidFill>
+                <a:schemeClr val="tx1"/>
+              </a:solidFill>
+              <a:latin typeface="Times New Roman" panose="02020603050405020304" pitchFamily="18" charset="0"/>
+              <a:cs typeface="Times New Roman" panose="02020603050405020304" pitchFamily="18" charset="0"/>
+            </a:endParaRPr>
+          </a:p>
+          <a:p>
+            <a:pPr marL="0" indent="0" algn="just">
+              <a:buNone/>
+            </a:pPr>
+            <a:r>
+              <a:rPr lang="pt-BR" sz="2000" dirty="0">
+                <a:solidFill>
+                  <a:schemeClr val="tx1"/>
+                </a:solidFill>
+                <a:latin typeface="Times New Roman" panose="02020603050405020304" pitchFamily="18" charset="0"/>
+                <a:cs typeface="Times New Roman" panose="02020603050405020304" pitchFamily="18" charset="0"/>
+              </a:rPr>
+              <a:t>Arquivos (</a:t>
+            </a:r>
+            <a:r>
+              <a:rPr lang="pt-BR" sz="2000" b="1" dirty="0">
+                <a:solidFill>
+                  <a:srgbClr val="FF0000"/>
+                </a:solidFill>
+                <a:latin typeface="Times New Roman" panose="02020603050405020304" pitchFamily="18" charset="0"/>
+                <a:cs typeface="Times New Roman" panose="02020603050405020304" pitchFamily="18" charset="0"/>
+              </a:rPr>
+              <a:t>.c e .h</a:t>
+            </a:r>
+            <a:r>
+              <a:rPr lang="pt-BR" sz="2000" dirty="0">
+                <a:solidFill>
+                  <a:schemeClr val="tx1"/>
+                </a:solidFill>
+                <a:latin typeface="Times New Roman" panose="02020603050405020304" pitchFamily="18" charset="0"/>
+                <a:cs typeface="Times New Roman" panose="02020603050405020304" pitchFamily="18" charset="0"/>
+              </a:rPr>
+              <a:t>) </a:t>
+            </a:r>
+            <a:r>
+              <a:rPr lang="pt-BR" sz="2000" b="1" dirty="0">
+                <a:solidFill>
+                  <a:schemeClr val="tx1"/>
+                </a:solidFill>
+                <a:latin typeface="Times New Roman" panose="02020603050405020304" pitchFamily="18" charset="0"/>
+                <a:cs typeface="Times New Roman" panose="02020603050405020304" pitchFamily="18" charset="0"/>
+              </a:rPr>
+              <a:t>contendo</a:t>
+            </a:r>
+            <a:r>
+              <a:rPr lang="pt-BR" sz="2000" dirty="0">
+                <a:solidFill>
+                  <a:schemeClr val="tx1"/>
+                </a:solidFill>
+                <a:latin typeface="Times New Roman" panose="02020603050405020304" pitchFamily="18" charset="0"/>
+                <a:cs typeface="Times New Roman" panose="02020603050405020304" pitchFamily="18" charset="0"/>
+              </a:rPr>
+              <a:t>: estruturas, macros e funções para configuração, uso e controle de periféricos.  </a:t>
+            </a:r>
+            <a:r>
+              <a:rPr lang="pt-BR" sz="2000" dirty="0" err="1">
+                <a:solidFill>
+                  <a:schemeClr val="tx1"/>
+                </a:solidFill>
+                <a:latin typeface="Times New Roman" panose="02020603050405020304" pitchFamily="18" charset="0"/>
+                <a:cs typeface="Times New Roman" panose="02020603050405020304" pitchFamily="18" charset="0"/>
+              </a:rPr>
+              <a:t>GPIOx</a:t>
+            </a:r>
+            <a:r>
+              <a:rPr lang="pt-BR" sz="2000" dirty="0">
+                <a:solidFill>
+                  <a:schemeClr val="tx1"/>
+                </a:solidFill>
+                <a:latin typeface="Times New Roman" panose="02020603050405020304" pitchFamily="18" charset="0"/>
+                <a:cs typeface="Times New Roman" panose="02020603050405020304" pitchFamily="18" charset="0"/>
+              </a:rPr>
+              <a:t> -&gt; BSRR = </a:t>
+            </a:r>
+            <a:r>
+              <a:rPr lang="pt-BR" sz="2000" dirty="0" err="1">
+                <a:solidFill>
+                  <a:schemeClr val="tx1"/>
+                </a:solidFill>
+                <a:latin typeface="Times New Roman" panose="02020603050405020304" pitchFamily="18" charset="0"/>
+                <a:cs typeface="Times New Roman" panose="02020603050405020304" pitchFamily="18" charset="0"/>
+              </a:rPr>
+              <a:t>GPIO_Pin</a:t>
+            </a:r>
+            <a:r>
+              <a:rPr lang="pt-BR" sz="2000" dirty="0">
+                <a:solidFill>
+                  <a:schemeClr val="tx1"/>
+                </a:solidFill>
+                <a:latin typeface="Times New Roman" panose="02020603050405020304" pitchFamily="18" charset="0"/>
+                <a:cs typeface="Times New Roman" panose="02020603050405020304" pitchFamily="18" charset="0"/>
+              </a:rPr>
+              <a:t>;</a:t>
+            </a:r>
+          </a:p>
+          <a:p>
+            <a:pPr marL="0" indent="0" algn="just">
+              <a:buNone/>
+            </a:pPr>
+            <a:endParaRPr lang="pt-BR" sz="2000" dirty="0">
+              <a:solidFill>
+                <a:schemeClr val="tx1"/>
+              </a:solidFill>
+              <a:latin typeface="Times New Roman" panose="02020603050405020304" pitchFamily="18" charset="0"/>
+              <a:cs typeface="Times New Roman" panose="02020603050405020304" pitchFamily="18" charset="0"/>
+            </a:endParaRPr>
+          </a:p>
+          <a:p>
+            <a:pPr marL="0" indent="0" algn="just">
+              <a:buNone/>
+            </a:pPr>
+            <a:r>
+              <a:rPr lang="pt-BR" sz="2000" dirty="0">
+                <a:solidFill>
+                  <a:schemeClr val="tx1"/>
+                </a:solidFill>
+                <a:latin typeface="Times New Roman" panose="02020603050405020304" pitchFamily="18" charset="0"/>
+                <a:cs typeface="Times New Roman" panose="02020603050405020304" pitchFamily="18" charset="0"/>
+              </a:rPr>
+              <a:t>Fornecidos em </a:t>
+            </a:r>
+            <a:r>
+              <a:rPr lang="pt-BR" sz="2000" b="1" dirty="0">
+                <a:solidFill>
+                  <a:schemeClr val="tx1"/>
+                </a:solidFill>
+                <a:latin typeface="Times New Roman" panose="02020603050405020304" pitchFamily="18" charset="0"/>
+                <a:cs typeface="Times New Roman" panose="02020603050405020304" pitchFamily="18" charset="0"/>
+              </a:rPr>
+              <a:t>pacotes (.zip) </a:t>
+            </a:r>
+            <a:r>
+              <a:rPr lang="pt-BR" sz="2000" dirty="0">
+                <a:solidFill>
+                  <a:schemeClr val="tx1"/>
+                </a:solidFill>
+                <a:latin typeface="Times New Roman" panose="02020603050405020304" pitchFamily="18" charset="0"/>
+                <a:cs typeface="Times New Roman" panose="02020603050405020304" pitchFamily="18" charset="0"/>
+              </a:rPr>
+              <a:t>ou através de ferramentas gráficas as quais já fornecem toda a árvore do projeto já com os periféricos configurados e os respectivos arquivos.</a:t>
+            </a:r>
+          </a:p>
+          <a:p>
+            <a:pPr marL="0" indent="0" algn="just">
+              <a:buNone/>
+            </a:pPr>
+            <a:endParaRPr lang="pt-BR" sz="2000" dirty="0">
+              <a:solidFill>
+                <a:schemeClr val="tx1"/>
+              </a:solidFill>
+              <a:latin typeface="Times New Roman" panose="02020603050405020304" pitchFamily="18" charset="0"/>
+              <a:cs typeface="Times New Roman" panose="02020603050405020304" pitchFamily="18" charset="0"/>
+            </a:endParaRPr>
+          </a:p>
+          <a:p>
+            <a:pPr marL="0" indent="0" algn="just">
+              <a:buNone/>
+            </a:pPr>
+            <a:r>
+              <a:rPr lang="pt-BR" sz="2000" dirty="0">
+                <a:solidFill>
+                  <a:schemeClr val="tx1"/>
+                </a:solidFill>
+                <a:latin typeface="Times New Roman" panose="02020603050405020304" pitchFamily="18" charset="0"/>
+                <a:cs typeface="Times New Roman" panose="02020603050405020304" pitchFamily="18" charset="0"/>
+              </a:rPr>
+              <a:t>É  a camada de </a:t>
+            </a:r>
+            <a:r>
+              <a:rPr lang="pt-BR" sz="2000" b="1" dirty="0">
+                <a:solidFill>
+                  <a:srgbClr val="FF0000"/>
+                </a:solidFill>
+                <a:latin typeface="Times New Roman" panose="02020603050405020304" pitchFamily="18" charset="0"/>
+                <a:cs typeface="Times New Roman" panose="02020603050405020304" pitchFamily="18" charset="0"/>
+              </a:rPr>
+              <a:t>mais baixo nível </a:t>
+            </a:r>
+            <a:r>
+              <a:rPr lang="pt-BR" sz="2000" dirty="0">
+                <a:solidFill>
+                  <a:schemeClr val="tx1"/>
+                </a:solidFill>
+                <a:latin typeface="Times New Roman" panose="02020603050405020304" pitchFamily="18" charset="0"/>
+                <a:cs typeface="Times New Roman" panose="02020603050405020304" pitchFamily="18" charset="0"/>
+              </a:rPr>
+              <a:t>considerando esta arquitetura de software e a linguagem C.</a:t>
+            </a:r>
+          </a:p>
+        </p:txBody>
+      </p:sp>
+    </p:spTree>
+    <p:extLst>
+      <p:ext uri="{BB962C8B-B14F-4D97-AF65-F5344CB8AC3E}">
+        <p14:creationId xmlns:p14="http://schemas.microsoft.com/office/powerpoint/2010/main" val="1179214956"/>
+      </p:ext>
+    </p:extLst>
+  </p:cSld>
+  <p:clrMapOvr>
+    <a:masterClrMapping/>
+  </p:clrMapOvr>
+  <p:transition spd="med"/>
+</p:sld>
+</file>
+
+<file path=ppt/slides/slide22.xml><?xml version="1.0" encoding="utf-8"?>
+<p:sld xmlns:a="http://schemas.openxmlformats.org/drawingml/2006/main" xmlns:r="http://schemas.openxmlformats.org/officeDocument/2006/relationships" xmlns:p="http://schemas.openxmlformats.org/presentationml/2006/main">
+  <p:cSld>
+    <p:spTree>
+      <p:nvGrpSpPr>
+        <p:cNvPr id="1" name=""/>
+        <p:cNvGrpSpPr/>
+        <p:nvPr/>
+      </p:nvGrpSpPr>
+      <p:grpSpPr>
+        <a:xfrm>
+          <a:off x="0" y="0"/>
+          <a:ext cx="0" cy="0"/>
+          <a:chOff x="0" y="0"/>
+          <a:chExt cx="0" cy="0"/>
+        </a:xfrm>
+      </p:grpSpPr>
+      <p:sp>
+        <p:nvSpPr>
+          <p:cNvPr id="6" name="Title 1"/>
+          <p:cNvSpPr>
+            <a:spLocks noGrp="1"/>
+          </p:cNvSpPr>
+          <p:nvPr>
+            <p:ph type="title"/>
+          </p:nvPr>
+        </p:nvSpPr>
+        <p:spPr>
+          <a:xfrm>
+            <a:off x="457200" y="205980"/>
+            <a:ext cx="8229600" cy="857251"/>
+          </a:xfrm>
+        </p:spPr>
+        <p:txBody>
+          <a:bodyPr>
+            <a:normAutofit fontScale="90000"/>
+          </a:bodyPr>
+          <a:lstStyle/>
+          <a:p>
+            <a:r>
+              <a:rPr lang="en-US" b="1" dirty="0" err="1">
+                <a:solidFill>
+                  <a:srgbClr val="0070C0"/>
+                </a:solidFill>
+              </a:rPr>
+              <a:t>Exemplo</a:t>
+            </a:r>
+            <a:r>
+              <a:rPr lang="en-US" b="1" dirty="0">
+                <a:solidFill>
+                  <a:srgbClr val="0070C0"/>
+                </a:solidFill>
+              </a:rPr>
+              <a:t> - </a:t>
+            </a:r>
+            <a:r>
+              <a:rPr lang="en-US" b="1" dirty="0" err="1">
+                <a:solidFill>
+                  <a:srgbClr val="0070C0"/>
+                </a:solidFill>
+              </a:rPr>
+              <a:t>Arquitetura</a:t>
+            </a:r>
+            <a:r>
+              <a:rPr lang="en-US" b="1" dirty="0">
+                <a:solidFill>
+                  <a:srgbClr val="0070C0"/>
+                </a:solidFill>
+              </a:rPr>
+              <a:t> de Software para </a:t>
+            </a:r>
+            <a:r>
+              <a:rPr lang="en-US" b="1" dirty="0" err="1">
+                <a:solidFill>
+                  <a:srgbClr val="0070C0"/>
+                </a:solidFill>
+              </a:rPr>
+              <a:t>Sistemas</a:t>
+            </a:r>
+            <a:r>
+              <a:rPr lang="en-US" b="1" dirty="0">
+                <a:solidFill>
+                  <a:srgbClr val="0070C0"/>
+                </a:solidFill>
+              </a:rPr>
+              <a:t> </a:t>
+            </a:r>
+            <a:r>
+              <a:rPr lang="en-US" b="1" dirty="0" err="1">
+                <a:solidFill>
+                  <a:srgbClr val="0070C0"/>
+                </a:solidFill>
+              </a:rPr>
+              <a:t>Embarcado</a:t>
+            </a:r>
+            <a:endParaRPr lang="en-US" b="1" dirty="0">
+              <a:solidFill>
+                <a:srgbClr val="0070C0"/>
+              </a:solidFill>
+            </a:endParaRPr>
+          </a:p>
+        </p:txBody>
+      </p:sp>
+      <p:sp>
+        <p:nvSpPr>
+          <p:cNvPr id="8" name="Text Placeholder 2"/>
+          <p:cNvSpPr>
+            <a:spLocks noGrp="1"/>
+          </p:cNvSpPr>
+          <p:nvPr>
+            <p:ph type="body" sz="half" idx="1"/>
+          </p:nvPr>
+        </p:nvSpPr>
+        <p:spPr>
+          <a:xfrm>
+            <a:off x="142865" y="1200150"/>
+            <a:ext cx="8865056" cy="3737370"/>
+          </a:xfrm>
+        </p:spPr>
+        <p:txBody>
+          <a:bodyPr>
+            <a:noAutofit/>
+          </a:bodyPr>
+          <a:lstStyle/>
+          <a:p>
+            <a:pPr marL="0" indent="0" algn="just">
+              <a:buNone/>
+            </a:pPr>
+            <a:endParaRPr lang="pt-BR" sz="2400" dirty="0">
+              <a:solidFill>
+                <a:schemeClr val="tx1"/>
+              </a:solidFill>
+              <a:latin typeface="Times New Roman" panose="02020603050405020304" pitchFamily="18" charset="0"/>
+              <a:cs typeface="Times New Roman" panose="02020603050405020304" pitchFamily="18" charset="0"/>
+            </a:endParaRPr>
+          </a:p>
+          <a:p>
+            <a:pPr marL="0" indent="0" algn="just">
+              <a:buNone/>
+            </a:pPr>
+            <a:endParaRPr lang="pt-BR" sz="2400" dirty="0">
+              <a:solidFill>
+                <a:schemeClr val="tx1"/>
+              </a:solidFill>
+              <a:latin typeface="Times New Roman" panose="02020603050405020304" pitchFamily="18" charset="0"/>
+              <a:cs typeface="Times New Roman" panose="02020603050405020304" pitchFamily="18" charset="0"/>
+            </a:endParaRPr>
+          </a:p>
+          <a:p>
+            <a:pPr marL="0" indent="0" algn="just">
+              <a:buNone/>
+            </a:pPr>
+            <a:endParaRPr lang="pt-BR" sz="2400" dirty="0">
+              <a:solidFill>
+                <a:schemeClr val="tx1"/>
+              </a:solidFill>
+              <a:latin typeface="Times New Roman" panose="02020603050405020304" pitchFamily="18" charset="0"/>
+              <a:cs typeface="Times New Roman" panose="02020603050405020304" pitchFamily="18" charset="0"/>
+            </a:endParaRPr>
+          </a:p>
+          <a:p>
+            <a:pPr marL="0" indent="0" algn="just">
+              <a:buNone/>
+            </a:pPr>
+            <a:r>
+              <a:rPr lang="pt-BR" sz="2400" dirty="0">
+                <a:solidFill>
+                  <a:schemeClr val="tx1"/>
+                </a:solidFill>
+                <a:latin typeface="Times New Roman" panose="02020603050405020304" pitchFamily="18" charset="0"/>
+                <a:cs typeface="Times New Roman" panose="02020603050405020304" pitchFamily="18" charset="0"/>
+                <a:hlinkClick r:id="rId3"/>
+              </a:rPr>
+              <a:t>https://github.com/ThrowTheSwitch/CeedlingExample_Microchip/tree/master/src</a:t>
+            </a:r>
+            <a:endParaRPr lang="pt-BR" sz="2400" dirty="0">
+              <a:solidFill>
+                <a:schemeClr val="tx1"/>
+              </a:solidFill>
+              <a:latin typeface="Times New Roman" panose="02020603050405020304" pitchFamily="18" charset="0"/>
+              <a:cs typeface="Times New Roman" panose="02020603050405020304" pitchFamily="18" charset="0"/>
+            </a:endParaRPr>
+          </a:p>
+          <a:p>
+            <a:pPr marL="0" indent="0" algn="just">
+              <a:buNone/>
+            </a:pPr>
+            <a:endParaRPr lang="pt-BR" sz="2400" dirty="0">
+              <a:solidFill>
+                <a:schemeClr val="tx1"/>
+              </a:solidFill>
+              <a:latin typeface="Times New Roman" panose="02020603050405020304" pitchFamily="18" charset="0"/>
+              <a:cs typeface="Times New Roman" panose="02020603050405020304" pitchFamily="18" charset="0"/>
+            </a:endParaRPr>
+          </a:p>
+        </p:txBody>
+      </p:sp>
+    </p:spTree>
+    <p:extLst>
+      <p:ext uri="{BB962C8B-B14F-4D97-AF65-F5344CB8AC3E}">
+        <p14:creationId xmlns:p14="http://schemas.microsoft.com/office/powerpoint/2010/main" val="3036970116"/>
+      </p:ext>
+    </p:extLst>
+  </p:cSld>
+  <p:clrMapOvr>
+    <a:masterClrMapping/>
+  </p:clrMapOvr>
+  <p:transition spd="med"/>
+</p:sld>
+</file>
+
+<file path=ppt/slides/slide23.xml><?xml version="1.0" encoding="utf-8"?>
+<p:sld xmlns:a="http://schemas.openxmlformats.org/drawingml/2006/main" xmlns:r="http://schemas.openxmlformats.org/officeDocument/2006/relationships" xmlns:p="http://schemas.openxmlformats.org/presentationml/2006/main">
+  <p:cSld>
+    <p:spTree>
+      <p:nvGrpSpPr>
+        <p:cNvPr id="1" name=""/>
+        <p:cNvGrpSpPr/>
+        <p:nvPr/>
+      </p:nvGrpSpPr>
+      <p:grpSpPr>
+        <a:xfrm>
+          <a:off x="0" y="0"/>
+          <a:ext cx="0" cy="0"/>
+          <a:chOff x="0" y="0"/>
+          <a:chExt cx="0" cy="0"/>
+        </a:xfrm>
+      </p:grpSpPr>
+      <p:sp>
+        <p:nvSpPr>
+          <p:cNvPr id="6" name="Title 1"/>
+          <p:cNvSpPr>
+            <a:spLocks noGrp="1"/>
+          </p:cNvSpPr>
+          <p:nvPr>
+            <p:ph type="title"/>
+          </p:nvPr>
+        </p:nvSpPr>
+        <p:spPr>
+          <a:xfrm>
+            <a:off x="457200" y="205980"/>
+            <a:ext cx="8229600" cy="857251"/>
+          </a:xfrm>
+        </p:spPr>
+        <p:txBody>
+          <a:bodyPr>
+            <a:normAutofit fontScale="90000"/>
+          </a:bodyPr>
+          <a:lstStyle/>
+          <a:p>
+            <a:r>
+              <a:rPr lang="en-US" b="1" dirty="0">
+                <a:solidFill>
+                  <a:srgbClr val="0070C0"/>
+                </a:solidFill>
+              </a:rPr>
+              <a:t>Ferramentas de </a:t>
+            </a:r>
+            <a:r>
+              <a:rPr lang="en-US" b="1" dirty="0" err="1">
+                <a:solidFill>
+                  <a:srgbClr val="0070C0"/>
+                </a:solidFill>
+              </a:rPr>
+              <a:t>Desenvolvimento</a:t>
+            </a:r>
+            <a:r>
+              <a:rPr lang="en-US" b="1" dirty="0">
+                <a:solidFill>
+                  <a:srgbClr val="0070C0"/>
+                </a:solidFill>
+              </a:rPr>
+              <a:t> de Software para </a:t>
+            </a:r>
+            <a:r>
+              <a:rPr lang="en-US" b="1" dirty="0" err="1">
+                <a:solidFill>
+                  <a:srgbClr val="0070C0"/>
+                </a:solidFill>
+              </a:rPr>
+              <a:t>Sistemas</a:t>
+            </a:r>
+            <a:r>
+              <a:rPr lang="en-US" b="1" dirty="0">
+                <a:solidFill>
+                  <a:srgbClr val="0070C0"/>
+                </a:solidFill>
+              </a:rPr>
+              <a:t> </a:t>
+            </a:r>
+            <a:r>
+              <a:rPr lang="en-US" b="1" dirty="0" err="1">
+                <a:solidFill>
+                  <a:srgbClr val="0070C0"/>
+                </a:solidFill>
+              </a:rPr>
+              <a:t>Embarcados</a:t>
+            </a:r>
+            <a:endParaRPr lang="en-US" b="1" dirty="0">
+              <a:solidFill>
+                <a:srgbClr val="0070C0"/>
+              </a:solidFill>
+            </a:endParaRPr>
+          </a:p>
+        </p:txBody>
+      </p:sp>
+      <p:sp>
+        <p:nvSpPr>
+          <p:cNvPr id="8" name="Text Placeholder 2"/>
+          <p:cNvSpPr>
+            <a:spLocks noGrp="1"/>
+          </p:cNvSpPr>
+          <p:nvPr>
+            <p:ph type="body" sz="half" idx="1"/>
+          </p:nvPr>
+        </p:nvSpPr>
+        <p:spPr>
+          <a:xfrm>
+            <a:off x="142865" y="1200150"/>
+            <a:ext cx="8865056" cy="3737370"/>
+          </a:xfrm>
+        </p:spPr>
+        <p:txBody>
+          <a:bodyPr>
+            <a:noAutofit/>
+          </a:bodyPr>
+          <a:lstStyle/>
+          <a:p>
+            <a:pPr marL="0" indent="0" algn="just">
+              <a:buNone/>
+            </a:pPr>
+            <a:r>
+              <a:rPr lang="pt-BR" sz="2000" dirty="0">
+                <a:solidFill>
+                  <a:schemeClr val="tx1"/>
+                </a:solidFill>
+                <a:latin typeface="Times New Roman" panose="02020603050405020304" pitchFamily="18" charset="0"/>
+                <a:cs typeface="Times New Roman" panose="02020603050405020304" pitchFamily="18" charset="0"/>
+              </a:rPr>
+              <a:t>Ferramentas de programação utilizada para auxiliar os desenvolvedores, como IDE, compiladores, depuradores e assim por diante. </a:t>
+            </a:r>
+          </a:p>
+          <a:p>
+            <a:pPr marL="0" indent="0" algn="just">
+              <a:buNone/>
+            </a:pPr>
+            <a:endParaRPr lang="pt-BR" sz="2000" dirty="0">
+              <a:solidFill>
+                <a:schemeClr val="tx1"/>
+              </a:solidFill>
+              <a:latin typeface="Times New Roman" panose="02020603050405020304" pitchFamily="18" charset="0"/>
+              <a:cs typeface="Times New Roman" panose="02020603050405020304" pitchFamily="18" charset="0"/>
+            </a:endParaRPr>
+          </a:p>
+          <a:p>
+            <a:pPr marL="0" indent="0" algn="just">
+              <a:buNone/>
+            </a:pPr>
+            <a:r>
+              <a:rPr lang="pt-BR" sz="2000" dirty="0">
+                <a:solidFill>
+                  <a:schemeClr val="tx1"/>
+                </a:solidFill>
+                <a:latin typeface="Times New Roman" panose="02020603050405020304" pitchFamily="18" charset="0"/>
+                <a:cs typeface="Times New Roman" panose="02020603050405020304" pitchFamily="18" charset="0"/>
+              </a:rPr>
+              <a:t>Devem ser integradas ao ambiente de modelagem e ao ambiente de teste. </a:t>
+            </a:r>
+          </a:p>
+          <a:p>
+            <a:pPr marL="0" indent="0" algn="just">
+              <a:buNone/>
+            </a:pPr>
+            <a:endParaRPr lang="pt-BR" sz="2000" dirty="0">
+              <a:solidFill>
+                <a:schemeClr val="tx1"/>
+              </a:solidFill>
+              <a:latin typeface="Times New Roman" panose="02020603050405020304" pitchFamily="18" charset="0"/>
+              <a:cs typeface="Times New Roman" panose="02020603050405020304" pitchFamily="18" charset="0"/>
+            </a:endParaRPr>
+          </a:p>
+          <a:p>
+            <a:pPr marL="0" indent="0" algn="just">
+              <a:buNone/>
+            </a:pPr>
+            <a:r>
+              <a:rPr lang="pt-BR" sz="2000" dirty="0">
+                <a:solidFill>
+                  <a:schemeClr val="tx1"/>
+                </a:solidFill>
+                <a:latin typeface="Times New Roman" panose="02020603050405020304" pitchFamily="18" charset="0"/>
+                <a:cs typeface="Times New Roman" panose="02020603050405020304" pitchFamily="18" charset="0"/>
+              </a:rPr>
+              <a:t>Em um processo de desenvolvimento iterativo, você realiza os testes durante todo o ciclo de vida.</a:t>
+            </a:r>
+          </a:p>
+        </p:txBody>
+      </p:sp>
+    </p:spTree>
+    <p:extLst>
+      <p:ext uri="{BB962C8B-B14F-4D97-AF65-F5344CB8AC3E}">
+        <p14:creationId xmlns:p14="http://schemas.microsoft.com/office/powerpoint/2010/main" val="2349553948"/>
+      </p:ext>
+    </p:extLst>
+  </p:cSld>
+  <p:clrMapOvr>
+    <a:masterClrMapping/>
+  </p:clrMapOvr>
+  <p:transition spd="med"/>
+</p:sld>
+</file>
+
+<file path=ppt/slides/slide24.xml><?xml version="1.0" encoding="utf-8"?>
+<p:sld xmlns:a="http://schemas.openxmlformats.org/drawingml/2006/main" xmlns:r="http://schemas.openxmlformats.org/officeDocument/2006/relationships" xmlns:p="http://schemas.openxmlformats.org/presentationml/2006/main">
+  <p:cSld>
+    <p:spTree>
+      <p:nvGrpSpPr>
+        <p:cNvPr id="1" name=""/>
+        <p:cNvGrpSpPr/>
+        <p:nvPr/>
+      </p:nvGrpSpPr>
+      <p:grpSpPr>
+        <a:xfrm>
+          <a:off x="0" y="0"/>
+          <a:ext cx="0" cy="0"/>
+          <a:chOff x="0" y="0"/>
+          <a:chExt cx="0" cy="0"/>
+        </a:xfrm>
+      </p:grpSpPr>
+      <p:sp>
+        <p:nvSpPr>
+          <p:cNvPr id="6" name="Title 1"/>
+          <p:cNvSpPr>
+            <a:spLocks noGrp="1"/>
+          </p:cNvSpPr>
+          <p:nvPr>
+            <p:ph type="title"/>
+          </p:nvPr>
+        </p:nvSpPr>
+        <p:spPr>
+          <a:xfrm>
+            <a:off x="457200" y="205980"/>
+            <a:ext cx="8229600" cy="857251"/>
+          </a:xfrm>
+        </p:spPr>
+        <p:txBody>
+          <a:bodyPr>
+            <a:normAutofit fontScale="90000"/>
+          </a:bodyPr>
+          <a:lstStyle/>
+          <a:p>
+            <a:r>
+              <a:rPr lang="en-US" b="1" dirty="0">
+                <a:solidFill>
+                  <a:srgbClr val="0070C0"/>
+                </a:solidFill>
+              </a:rPr>
+              <a:t>Ferramentas de </a:t>
+            </a:r>
+            <a:r>
+              <a:rPr lang="en-US" b="1" dirty="0" err="1">
+                <a:solidFill>
+                  <a:srgbClr val="0070C0"/>
+                </a:solidFill>
+              </a:rPr>
+              <a:t>Desenvolvimento</a:t>
+            </a:r>
+            <a:r>
+              <a:rPr lang="en-US" b="1" dirty="0">
+                <a:solidFill>
+                  <a:srgbClr val="0070C0"/>
+                </a:solidFill>
+              </a:rPr>
+              <a:t> de Software para </a:t>
+            </a:r>
+            <a:r>
+              <a:rPr lang="en-US" b="1" dirty="0" err="1">
+                <a:solidFill>
+                  <a:srgbClr val="0070C0"/>
+                </a:solidFill>
+              </a:rPr>
+              <a:t>Sistemas</a:t>
+            </a:r>
+            <a:r>
+              <a:rPr lang="en-US" b="1" dirty="0">
+                <a:solidFill>
+                  <a:srgbClr val="0070C0"/>
+                </a:solidFill>
+              </a:rPr>
+              <a:t> </a:t>
+            </a:r>
+            <a:r>
+              <a:rPr lang="en-US" b="1" dirty="0" err="1">
+                <a:solidFill>
+                  <a:srgbClr val="0070C0"/>
+                </a:solidFill>
+              </a:rPr>
+              <a:t>Embarcados</a:t>
+            </a:r>
+            <a:endParaRPr lang="en-US" b="1" dirty="0">
+              <a:solidFill>
+                <a:srgbClr val="0070C0"/>
+              </a:solidFill>
+            </a:endParaRPr>
+          </a:p>
+        </p:txBody>
+      </p:sp>
+      <p:sp>
+        <p:nvSpPr>
+          <p:cNvPr id="8" name="Text Placeholder 2"/>
+          <p:cNvSpPr>
+            <a:spLocks noGrp="1"/>
+          </p:cNvSpPr>
+          <p:nvPr>
+            <p:ph type="body" sz="half" idx="1"/>
+          </p:nvPr>
+        </p:nvSpPr>
+        <p:spPr>
+          <a:xfrm>
+            <a:off x="142865" y="1200150"/>
+            <a:ext cx="8865056" cy="3737370"/>
+          </a:xfrm>
+        </p:spPr>
+        <p:txBody>
+          <a:bodyPr>
+            <a:noAutofit/>
+          </a:bodyPr>
+          <a:lstStyle/>
+          <a:p>
+            <a:pPr marL="0" indent="0" algn="just">
+              <a:buNone/>
+            </a:pPr>
+            <a:r>
+              <a:rPr lang="pt-BR" sz="2000" dirty="0">
+                <a:solidFill>
+                  <a:schemeClr val="tx1"/>
+                </a:solidFill>
+                <a:latin typeface="Times New Roman" panose="02020603050405020304" pitchFamily="18" charset="0"/>
+                <a:cs typeface="Times New Roman" panose="02020603050405020304" pitchFamily="18" charset="0"/>
+              </a:rPr>
+              <a:t>As ferramentas de desenvolvimento da aplicação de sistemas embarcados permitem-lhe criar soluções para a </a:t>
+            </a:r>
+            <a:r>
+              <a:rPr lang="pt-BR" sz="2000" dirty="0" err="1">
+                <a:solidFill>
+                  <a:schemeClr val="tx1"/>
+                </a:solidFill>
+                <a:latin typeface="Times New Roman" panose="02020603050405020304" pitchFamily="18" charset="0"/>
+                <a:cs typeface="Times New Roman" panose="02020603050405020304" pitchFamily="18" charset="0"/>
+              </a:rPr>
+              <a:t>IoT</a:t>
+            </a:r>
+            <a:r>
+              <a:rPr lang="pt-BR" sz="2000" dirty="0">
+                <a:solidFill>
+                  <a:schemeClr val="tx1"/>
+                </a:solidFill>
+                <a:latin typeface="Times New Roman" panose="02020603050405020304" pitchFamily="18" charset="0"/>
+                <a:cs typeface="Times New Roman" panose="02020603050405020304" pitchFamily="18" charset="0"/>
+              </a:rPr>
+              <a:t>.	</a:t>
+            </a:r>
+          </a:p>
+          <a:p>
+            <a:pPr marL="0" indent="0" algn="just">
+              <a:buNone/>
+            </a:pPr>
+            <a:endParaRPr lang="pt-BR" sz="2000" dirty="0">
+              <a:solidFill>
+                <a:schemeClr val="tx1"/>
+              </a:solidFill>
+              <a:latin typeface="Times New Roman" panose="02020603050405020304" pitchFamily="18" charset="0"/>
+              <a:cs typeface="Times New Roman" panose="02020603050405020304" pitchFamily="18" charset="0"/>
+            </a:endParaRPr>
+          </a:p>
+          <a:p>
+            <a:pPr marL="0" indent="0" algn="just">
+              <a:buNone/>
+            </a:pPr>
+            <a:r>
+              <a:rPr lang="pt-BR" sz="2000" dirty="0">
+                <a:solidFill>
+                  <a:schemeClr val="tx1"/>
+                </a:solidFill>
+                <a:latin typeface="Times New Roman" panose="02020603050405020304" pitchFamily="18" charset="0"/>
+                <a:cs typeface="Times New Roman" panose="02020603050405020304" pitchFamily="18" charset="0"/>
+              </a:rPr>
+              <a:t>Desenvolver, depurar e testar software para sistemas embarcados em Linux. </a:t>
+            </a:r>
+          </a:p>
+          <a:p>
+            <a:pPr marL="0" indent="0" algn="just">
+              <a:buNone/>
+            </a:pPr>
+            <a:endParaRPr lang="pt-BR" sz="2000" dirty="0">
+              <a:solidFill>
+                <a:schemeClr val="tx1"/>
+              </a:solidFill>
+              <a:latin typeface="Times New Roman" panose="02020603050405020304" pitchFamily="18" charset="0"/>
+              <a:cs typeface="Times New Roman" panose="02020603050405020304" pitchFamily="18" charset="0"/>
+            </a:endParaRPr>
+          </a:p>
+          <a:p>
+            <a:pPr marL="0" indent="0" algn="just">
+              <a:buNone/>
+            </a:pPr>
+            <a:r>
+              <a:rPr lang="pt-BR" sz="2000" dirty="0">
+                <a:solidFill>
+                  <a:schemeClr val="tx1"/>
+                </a:solidFill>
+                <a:latin typeface="Times New Roman" panose="02020603050405020304" pitchFamily="18" charset="0"/>
+                <a:cs typeface="Times New Roman" panose="02020603050405020304" pitchFamily="18" charset="0"/>
+              </a:rPr>
+              <a:t>Elaborar e automatizar testes de software, escrever documentação técnica relacionada e outras correlatas.</a:t>
+            </a:r>
+          </a:p>
+          <a:p>
+            <a:pPr marL="0" indent="0" algn="just">
+              <a:buNone/>
+            </a:pPr>
+            <a:endParaRPr lang="pt-BR" sz="2000" dirty="0">
+              <a:solidFill>
+                <a:schemeClr val="tx1"/>
+              </a:solidFill>
+              <a:latin typeface="Times New Roman" panose="02020603050405020304" pitchFamily="18" charset="0"/>
+              <a:cs typeface="Times New Roman" panose="02020603050405020304" pitchFamily="18" charset="0"/>
+            </a:endParaRPr>
+          </a:p>
+          <a:p>
+            <a:pPr marL="0" indent="0" algn="just">
+              <a:buNone/>
+            </a:pPr>
+            <a:r>
+              <a:rPr lang="pt-BR" sz="2000" dirty="0">
+                <a:solidFill>
+                  <a:schemeClr val="tx1"/>
+                </a:solidFill>
+                <a:latin typeface="Times New Roman" panose="02020603050405020304" pitchFamily="18" charset="0"/>
+                <a:cs typeface="Times New Roman" panose="02020603050405020304" pitchFamily="18" charset="0"/>
+                <a:hlinkClick r:id="rId3"/>
+              </a:rPr>
+              <a:t>https://embarcados.com.br/tag/ferramentas-de-desenvolvimento/</a:t>
+            </a:r>
+            <a:endParaRPr lang="pt-BR" sz="2000" dirty="0">
+              <a:solidFill>
+                <a:schemeClr val="tx1"/>
+              </a:solidFill>
+              <a:latin typeface="Times New Roman" panose="02020603050405020304" pitchFamily="18" charset="0"/>
+              <a:cs typeface="Times New Roman" panose="02020603050405020304" pitchFamily="18" charset="0"/>
+            </a:endParaRPr>
+          </a:p>
+        </p:txBody>
+      </p:sp>
+    </p:spTree>
+    <p:extLst>
+      <p:ext uri="{BB962C8B-B14F-4D97-AF65-F5344CB8AC3E}">
+        <p14:creationId xmlns:p14="http://schemas.microsoft.com/office/powerpoint/2010/main" val="1310258585"/>
+      </p:ext>
+    </p:extLst>
+  </p:cSld>
+  <p:clrMapOvr>
+    <a:masterClrMapping/>
+  </p:clrMapOvr>
+  <p:transition spd="med"/>
+</p:sld>
+</file>
+
+<file path=ppt/slides/slide25.xml><?xml version="1.0" encoding="utf-8"?>
+<p:sld xmlns:a="http://schemas.openxmlformats.org/drawingml/2006/main" xmlns:r="http://schemas.openxmlformats.org/officeDocument/2006/relationships" xmlns:p="http://schemas.openxmlformats.org/presentationml/2006/main">
+  <p:cSld>
+    <p:spTree>
+      <p:nvGrpSpPr>
+        <p:cNvPr id="1" name=""/>
+        <p:cNvGrpSpPr/>
+        <p:nvPr/>
+      </p:nvGrpSpPr>
+      <p:grpSpPr>
+        <a:xfrm>
+          <a:off x="0" y="0"/>
+          <a:ext cx="0" cy="0"/>
+          <a:chOff x="0" y="0"/>
+          <a:chExt cx="0" cy="0"/>
+        </a:xfrm>
+      </p:grpSpPr>
+      <p:sp>
+        <p:nvSpPr>
+          <p:cNvPr id="6" name="Title 1"/>
+          <p:cNvSpPr>
+            <a:spLocks noGrp="1"/>
+          </p:cNvSpPr>
+          <p:nvPr>
+            <p:ph type="title"/>
+          </p:nvPr>
+        </p:nvSpPr>
+        <p:spPr>
+          <a:xfrm>
+            <a:off x="457200" y="205980"/>
+            <a:ext cx="8229600" cy="857251"/>
+          </a:xfrm>
+        </p:spPr>
+        <p:txBody>
+          <a:bodyPr>
+            <a:normAutofit fontScale="90000"/>
+          </a:bodyPr>
+          <a:lstStyle/>
+          <a:p>
+            <a:r>
+              <a:rPr lang="en-US" b="1" dirty="0" err="1">
+                <a:solidFill>
+                  <a:srgbClr val="0070C0"/>
+                </a:solidFill>
+              </a:rPr>
+              <a:t>Sistemas</a:t>
+            </a:r>
+            <a:r>
+              <a:rPr lang="en-US" b="1" dirty="0">
+                <a:solidFill>
+                  <a:srgbClr val="0070C0"/>
+                </a:solidFill>
+              </a:rPr>
+              <a:t> </a:t>
+            </a:r>
+            <a:r>
+              <a:rPr lang="en-US" b="1" dirty="0" err="1">
+                <a:solidFill>
+                  <a:srgbClr val="0070C0"/>
+                </a:solidFill>
+              </a:rPr>
+              <a:t>Operacionais</a:t>
+            </a:r>
+            <a:r>
+              <a:rPr lang="en-US" b="1" dirty="0">
+                <a:solidFill>
+                  <a:srgbClr val="0070C0"/>
+                </a:solidFill>
+              </a:rPr>
+              <a:t> </a:t>
+            </a:r>
+            <a:r>
+              <a:rPr lang="en-US" b="1" dirty="0" err="1">
+                <a:solidFill>
+                  <a:srgbClr val="0070C0"/>
+                </a:solidFill>
+              </a:rPr>
+              <a:t>Embarcados</a:t>
+            </a:r>
+            <a:endParaRPr lang="en-US" b="1" dirty="0">
+              <a:solidFill>
+                <a:srgbClr val="0070C0"/>
+              </a:solidFill>
+            </a:endParaRPr>
+          </a:p>
+        </p:txBody>
+      </p:sp>
+      <p:sp>
+        <p:nvSpPr>
+          <p:cNvPr id="8" name="Text Placeholder 2"/>
+          <p:cNvSpPr>
+            <a:spLocks noGrp="1"/>
+          </p:cNvSpPr>
+          <p:nvPr>
+            <p:ph type="body" sz="half" idx="1"/>
+          </p:nvPr>
+        </p:nvSpPr>
+        <p:spPr>
+          <a:xfrm>
+            <a:off x="142865" y="1200150"/>
+            <a:ext cx="8865056" cy="3737370"/>
+          </a:xfrm>
+        </p:spPr>
+        <p:txBody>
+          <a:bodyPr>
+            <a:noAutofit/>
+          </a:bodyPr>
+          <a:lstStyle/>
+          <a:p>
+            <a:pPr marL="0" indent="0" algn="just">
+              <a:buNone/>
+            </a:pPr>
+            <a:r>
+              <a:rPr lang="pt-BR" sz="2000" dirty="0">
+                <a:solidFill>
+                  <a:schemeClr val="tx1"/>
+                </a:solidFill>
+                <a:latin typeface="Times New Roman" panose="02020603050405020304" pitchFamily="18" charset="0"/>
+                <a:cs typeface="Times New Roman" panose="02020603050405020304" pitchFamily="18" charset="0"/>
+              </a:rPr>
+              <a:t>Um </a:t>
+            </a:r>
+            <a:r>
+              <a:rPr lang="pt-BR" sz="2000" b="1" dirty="0" err="1">
+                <a:solidFill>
+                  <a:srgbClr val="FF0000"/>
+                </a:solidFill>
+                <a:latin typeface="Times New Roman" panose="02020603050405020304" pitchFamily="18" charset="0"/>
+                <a:cs typeface="Times New Roman" panose="02020603050405020304" pitchFamily="18" charset="0"/>
+              </a:rPr>
+              <a:t>embedded</a:t>
+            </a:r>
+            <a:r>
+              <a:rPr lang="pt-BR" sz="2000" b="1" dirty="0">
+                <a:solidFill>
+                  <a:srgbClr val="FF0000"/>
+                </a:solidFill>
+                <a:latin typeface="Times New Roman" panose="02020603050405020304" pitchFamily="18" charset="0"/>
+                <a:cs typeface="Times New Roman" panose="02020603050405020304" pitchFamily="18" charset="0"/>
+              </a:rPr>
+              <a:t> system</a:t>
+            </a:r>
+            <a:r>
+              <a:rPr lang="pt-BR" sz="2000" dirty="0">
+                <a:solidFill>
+                  <a:schemeClr val="tx1"/>
+                </a:solidFill>
+                <a:latin typeface="Times New Roman" panose="02020603050405020304" pitchFamily="18" charset="0"/>
+                <a:cs typeface="Times New Roman" panose="02020603050405020304" pitchFamily="18" charset="0"/>
+              </a:rPr>
+              <a:t> é um sistema computacional, conjunto de hardware e software, projetado para executar uma tarefa específica em um sistema maior.</a:t>
+            </a:r>
+          </a:p>
+          <a:p>
+            <a:pPr marL="0" indent="0" algn="just">
+              <a:buNone/>
+            </a:pPr>
+            <a:endParaRPr lang="pt-BR" sz="2000" dirty="0">
+              <a:solidFill>
+                <a:schemeClr val="tx1"/>
+              </a:solidFill>
+              <a:latin typeface="Times New Roman" panose="02020603050405020304" pitchFamily="18" charset="0"/>
+              <a:cs typeface="Times New Roman" panose="02020603050405020304" pitchFamily="18" charset="0"/>
+            </a:endParaRPr>
+          </a:p>
+          <a:p>
+            <a:pPr marL="0" indent="0" algn="just">
+              <a:buNone/>
+            </a:pPr>
+            <a:r>
+              <a:rPr lang="pt-BR" sz="2000" dirty="0">
+                <a:solidFill>
+                  <a:schemeClr val="tx1"/>
+                </a:solidFill>
+                <a:latin typeface="Times New Roman" panose="02020603050405020304" pitchFamily="18" charset="0"/>
+                <a:cs typeface="Times New Roman" panose="02020603050405020304" pitchFamily="18" charset="0"/>
+              </a:rPr>
+              <a:t>Um </a:t>
+            </a:r>
+            <a:r>
+              <a:rPr lang="pt-BR" sz="2000" b="1" dirty="0">
+                <a:solidFill>
+                  <a:srgbClr val="FF0000"/>
+                </a:solidFill>
+                <a:latin typeface="Times New Roman" panose="02020603050405020304" pitchFamily="18" charset="0"/>
+                <a:cs typeface="Times New Roman" panose="02020603050405020304" pitchFamily="18" charset="0"/>
+              </a:rPr>
+              <a:t>sistema operacional </a:t>
+            </a:r>
+            <a:r>
+              <a:rPr lang="pt-BR" sz="2000" dirty="0">
+                <a:solidFill>
+                  <a:schemeClr val="tx1"/>
+                </a:solidFill>
+                <a:latin typeface="Times New Roman" panose="02020603050405020304" pitchFamily="18" charset="0"/>
+                <a:cs typeface="Times New Roman" panose="02020603050405020304" pitchFamily="18" charset="0"/>
+              </a:rPr>
+              <a:t>é dito embarcado ou embutido quando é construído para operar sobre um hardware com poucos recursos de processamento, armazenamento e energia.</a:t>
+            </a:r>
+          </a:p>
+          <a:p>
+            <a:pPr marL="0" indent="0" algn="just">
+              <a:buNone/>
+            </a:pPr>
+            <a:endParaRPr lang="pt-BR" sz="2000" dirty="0">
+              <a:solidFill>
+                <a:schemeClr val="tx1"/>
+              </a:solidFill>
+              <a:latin typeface="Times New Roman" panose="02020603050405020304" pitchFamily="18" charset="0"/>
+              <a:cs typeface="Times New Roman" panose="02020603050405020304" pitchFamily="18" charset="0"/>
+            </a:endParaRPr>
+          </a:p>
+          <a:p>
+            <a:pPr algn="just">
+              <a:buFont typeface="Wingdings" panose="05000000000000000000" pitchFamily="2" charset="2"/>
+              <a:buChar char="§"/>
+            </a:pPr>
+            <a:r>
+              <a:rPr lang="pt-BR" sz="2000" dirty="0" err="1">
+                <a:solidFill>
+                  <a:schemeClr val="tx1"/>
+                </a:solidFill>
+                <a:latin typeface="Times New Roman" panose="02020603050405020304" pitchFamily="18" charset="0"/>
+                <a:cs typeface="Times New Roman" panose="02020603050405020304" pitchFamily="18" charset="0"/>
+              </a:rPr>
+              <a:t>TinyOS</a:t>
+            </a:r>
+            <a:r>
+              <a:rPr lang="pt-BR" sz="2000" dirty="0">
+                <a:solidFill>
+                  <a:schemeClr val="tx1"/>
+                </a:solidFill>
+                <a:latin typeface="Times New Roman" panose="02020603050405020304" pitchFamily="18" charset="0"/>
+                <a:cs typeface="Times New Roman" panose="02020603050405020304" pitchFamily="18" charset="0"/>
+              </a:rPr>
+              <a:t>; 	</a:t>
+            </a:r>
+            <a:r>
+              <a:rPr lang="pt-BR" sz="2000" dirty="0" err="1">
+                <a:solidFill>
+                  <a:schemeClr val="tx1"/>
+                </a:solidFill>
+                <a:latin typeface="Times New Roman" panose="02020603050405020304" pitchFamily="18" charset="0"/>
+                <a:cs typeface="Times New Roman" panose="02020603050405020304" pitchFamily="18" charset="0"/>
+              </a:rPr>
+              <a:t>Contiki</a:t>
+            </a:r>
+            <a:r>
+              <a:rPr lang="pt-BR" sz="2000" dirty="0">
+                <a:solidFill>
+                  <a:schemeClr val="tx1"/>
+                </a:solidFill>
+                <a:latin typeface="Times New Roman" panose="02020603050405020304" pitchFamily="18" charset="0"/>
+                <a:cs typeface="Times New Roman" panose="02020603050405020304" pitchFamily="18" charset="0"/>
+              </a:rPr>
+              <a:t>; </a:t>
+            </a:r>
+            <a:r>
+              <a:rPr lang="pt-BR" sz="2000" dirty="0" err="1">
+                <a:solidFill>
+                  <a:schemeClr val="tx1"/>
+                </a:solidFill>
+                <a:latin typeface="Times New Roman" panose="02020603050405020304" pitchFamily="18" charset="0"/>
+                <a:cs typeface="Times New Roman" panose="02020603050405020304" pitchFamily="18" charset="0"/>
+              </a:rPr>
+              <a:t>VirtuOS</a:t>
+            </a:r>
+            <a:r>
+              <a:rPr lang="pt-BR" sz="2000" dirty="0">
+                <a:solidFill>
+                  <a:schemeClr val="tx1"/>
+                </a:solidFill>
+                <a:latin typeface="Times New Roman" panose="02020603050405020304" pitchFamily="18" charset="0"/>
+                <a:cs typeface="Times New Roman" panose="02020603050405020304" pitchFamily="18" charset="0"/>
+              </a:rPr>
+              <a:t>; QNX;</a:t>
+            </a:r>
+          </a:p>
+          <a:p>
+            <a:pPr algn="just">
+              <a:buFont typeface="Wingdings" panose="05000000000000000000" pitchFamily="2" charset="2"/>
+              <a:buChar char="§"/>
+            </a:pPr>
+            <a:r>
+              <a:rPr lang="pt-BR" sz="2000" dirty="0">
+                <a:solidFill>
+                  <a:schemeClr val="tx1"/>
+                </a:solidFill>
+                <a:latin typeface="Times New Roman" panose="02020603050405020304" pitchFamily="18" charset="0"/>
+                <a:cs typeface="Times New Roman" panose="02020603050405020304" pitchFamily="18" charset="0"/>
+              </a:rPr>
+              <a:t>Windows; Linux</a:t>
+            </a:r>
+          </a:p>
+          <a:p>
+            <a:pPr marL="0" indent="0" algn="just">
+              <a:buNone/>
+            </a:pPr>
+            <a:r>
+              <a:rPr lang="pt-BR" sz="1800" dirty="0">
+                <a:solidFill>
+                  <a:schemeClr val="tx1"/>
+                </a:solidFill>
+                <a:latin typeface="Times New Roman" panose="02020603050405020304" pitchFamily="18" charset="0"/>
+                <a:cs typeface="Times New Roman" panose="02020603050405020304" pitchFamily="18" charset="0"/>
+                <a:hlinkClick r:id="rId3"/>
+              </a:rPr>
+              <a:t>https://medium.com/@suellensantos2209/sistemas-operacionais-embarcados-8e4e025853b1</a:t>
+            </a:r>
+            <a:endParaRPr lang="pt-BR" sz="1800" dirty="0">
+              <a:solidFill>
+                <a:schemeClr val="tx1"/>
+              </a:solidFill>
+              <a:latin typeface="Times New Roman" panose="02020603050405020304" pitchFamily="18" charset="0"/>
+              <a:cs typeface="Times New Roman" panose="02020603050405020304" pitchFamily="18" charset="0"/>
+            </a:endParaRPr>
+          </a:p>
+        </p:txBody>
+      </p:sp>
+    </p:spTree>
+    <p:extLst>
+      <p:ext uri="{BB962C8B-B14F-4D97-AF65-F5344CB8AC3E}">
+        <p14:creationId xmlns:p14="http://schemas.microsoft.com/office/powerpoint/2010/main" val="2043443617"/>
+      </p:ext>
+    </p:extLst>
+  </p:cSld>
+  <p:clrMapOvr>
+    <a:masterClrMapping/>
+  </p:clrMapOvr>
+  <p:transition spd="med"/>
+</p:sld>
+</file>
+
+<file path=ppt/slides/slide26.xml><?xml version="1.0" encoding="utf-8"?>
+<p:sld xmlns:a="http://schemas.openxmlformats.org/drawingml/2006/main" xmlns:r="http://schemas.openxmlformats.org/officeDocument/2006/relationships" xmlns:p="http://schemas.openxmlformats.org/presentationml/2006/main">
+  <p:cSld>
+    <p:spTree>
+      <p:nvGrpSpPr>
+        <p:cNvPr id="1" name=""/>
+        <p:cNvGrpSpPr/>
+        <p:nvPr/>
+      </p:nvGrpSpPr>
+      <p:grpSpPr>
+        <a:xfrm>
+          <a:off x="0" y="0"/>
+          <a:ext cx="0" cy="0"/>
+          <a:chOff x="0" y="0"/>
+          <a:chExt cx="0" cy="0"/>
+        </a:xfrm>
+      </p:grpSpPr>
+      <p:sp>
+        <p:nvSpPr>
+          <p:cNvPr id="6" name="Title 1"/>
+          <p:cNvSpPr>
+            <a:spLocks noGrp="1"/>
+          </p:cNvSpPr>
+          <p:nvPr>
+            <p:ph type="title"/>
+          </p:nvPr>
+        </p:nvSpPr>
+        <p:spPr>
+          <a:xfrm>
+            <a:off x="457200" y="205980"/>
+            <a:ext cx="8229600" cy="857251"/>
+          </a:xfrm>
+        </p:spPr>
+        <p:txBody>
+          <a:bodyPr>
+            <a:normAutofit fontScale="90000"/>
+          </a:bodyPr>
+          <a:lstStyle/>
+          <a:p>
+            <a:r>
+              <a:rPr lang="en-US" b="1" dirty="0" err="1">
+                <a:solidFill>
+                  <a:srgbClr val="0070C0"/>
+                </a:solidFill>
+              </a:rPr>
+              <a:t>Módulo</a:t>
+            </a:r>
+            <a:r>
+              <a:rPr lang="en-US" b="1" dirty="0">
+                <a:solidFill>
+                  <a:srgbClr val="0070C0"/>
+                </a:solidFill>
+              </a:rPr>
+              <a:t> </a:t>
+            </a:r>
+            <a:r>
+              <a:rPr lang="en-US" b="1" dirty="0" err="1">
+                <a:solidFill>
+                  <a:srgbClr val="0070C0"/>
+                </a:solidFill>
+              </a:rPr>
+              <a:t>Simulador</a:t>
+            </a:r>
+            <a:r>
+              <a:rPr lang="en-US" b="1" dirty="0">
+                <a:solidFill>
+                  <a:srgbClr val="0070C0"/>
+                </a:solidFill>
+              </a:rPr>
+              <a:t> da Plataforma Arduino e CI da Tool </a:t>
+            </a:r>
+            <a:r>
+              <a:rPr lang="en-US" b="1" dirty="0" err="1">
+                <a:solidFill>
+                  <a:srgbClr val="0070C0"/>
+                </a:solidFill>
+              </a:rPr>
+              <a:t>Tinkercad</a:t>
+            </a:r>
+            <a:endParaRPr lang="en-US" b="1" dirty="0">
+              <a:solidFill>
+                <a:srgbClr val="0070C0"/>
+              </a:solidFill>
+            </a:endParaRPr>
+          </a:p>
+        </p:txBody>
+      </p:sp>
+      <p:sp>
+        <p:nvSpPr>
+          <p:cNvPr id="8" name="Text Placeholder 2"/>
+          <p:cNvSpPr>
+            <a:spLocks noGrp="1"/>
+          </p:cNvSpPr>
+          <p:nvPr>
+            <p:ph type="body" sz="half" idx="1"/>
+          </p:nvPr>
+        </p:nvSpPr>
+        <p:spPr>
+          <a:xfrm>
+            <a:off x="142865" y="1395222"/>
+            <a:ext cx="8865056" cy="3542298"/>
+          </a:xfrm>
+        </p:spPr>
+        <p:txBody>
+          <a:bodyPr>
+            <a:noAutofit/>
+          </a:bodyPr>
+          <a:lstStyle/>
+          <a:p>
+            <a:pPr marL="0" indent="0" algn="just">
+              <a:buNone/>
+            </a:pPr>
+            <a:r>
+              <a:rPr lang="pt-BR" sz="2000" dirty="0">
+                <a:solidFill>
+                  <a:schemeClr val="tx1"/>
+                </a:solidFill>
+                <a:latin typeface="Times New Roman" panose="02020603050405020304" pitchFamily="18" charset="0"/>
+                <a:cs typeface="Times New Roman" panose="02020603050405020304" pitchFamily="18" charset="0"/>
+              </a:rPr>
+              <a:t>O </a:t>
+            </a:r>
+            <a:r>
+              <a:rPr lang="pt-BR" sz="2000" b="1" dirty="0">
+                <a:solidFill>
+                  <a:schemeClr val="tx1"/>
+                </a:solidFill>
+                <a:latin typeface="Times New Roman" panose="02020603050405020304" pitchFamily="18" charset="0"/>
+                <a:cs typeface="Times New Roman" panose="02020603050405020304" pitchFamily="18" charset="0"/>
+              </a:rPr>
+              <a:t>Arduino</a:t>
+            </a:r>
+            <a:r>
+              <a:rPr lang="pt-BR" sz="2000" dirty="0">
+                <a:solidFill>
+                  <a:schemeClr val="tx1"/>
+                </a:solidFill>
+                <a:latin typeface="Times New Roman" panose="02020603050405020304" pitchFamily="18" charset="0"/>
+                <a:cs typeface="Times New Roman" panose="02020603050405020304" pitchFamily="18" charset="0"/>
+              </a:rPr>
+              <a:t>, lançado em 2005 na Itália, M. </a:t>
+            </a:r>
+            <a:r>
+              <a:rPr lang="pt-BR" sz="2000" dirty="0" err="1">
+                <a:solidFill>
+                  <a:schemeClr val="tx1"/>
+                </a:solidFill>
+                <a:latin typeface="Times New Roman" panose="02020603050405020304" pitchFamily="18" charset="0"/>
+                <a:cs typeface="Times New Roman" panose="02020603050405020304" pitchFamily="18" charset="0"/>
+              </a:rPr>
+              <a:t>Banzi</a:t>
+            </a:r>
+            <a:r>
+              <a:rPr lang="pt-BR" sz="2000" dirty="0">
+                <a:solidFill>
+                  <a:schemeClr val="tx1"/>
+                </a:solidFill>
+                <a:latin typeface="Times New Roman" panose="02020603050405020304" pitchFamily="18" charset="0"/>
+                <a:cs typeface="Times New Roman" panose="02020603050405020304" pitchFamily="18" charset="0"/>
+              </a:rPr>
+              <a:t> e Davids, é uma </a:t>
+            </a:r>
+            <a:r>
+              <a:rPr lang="pt-BR" sz="2000" b="1" dirty="0">
+                <a:solidFill>
+                  <a:srgbClr val="FF0000"/>
+                </a:solidFill>
+                <a:latin typeface="Times New Roman" panose="02020603050405020304" pitchFamily="18" charset="0"/>
+                <a:cs typeface="Times New Roman" panose="02020603050405020304" pitchFamily="18" charset="0"/>
+              </a:rPr>
+              <a:t>plataforma de DEV</a:t>
+            </a:r>
+            <a:r>
+              <a:rPr lang="pt-BR" sz="2000" dirty="0">
+                <a:solidFill>
+                  <a:schemeClr val="tx1"/>
+                </a:solidFill>
+                <a:latin typeface="Times New Roman" panose="02020603050405020304" pitchFamily="18" charset="0"/>
+                <a:cs typeface="Times New Roman" panose="02020603050405020304" pitchFamily="18" charset="0"/>
+              </a:rPr>
+              <a:t> </a:t>
+            </a:r>
+            <a:r>
+              <a:rPr lang="pt-BR" sz="2000" b="1" dirty="0" err="1">
+                <a:solidFill>
+                  <a:srgbClr val="FF0000"/>
+                </a:solidFill>
+                <a:latin typeface="Times New Roman" panose="02020603050405020304" pitchFamily="18" charset="0"/>
+                <a:cs typeface="Times New Roman" panose="02020603050405020304" pitchFamily="18" charset="0"/>
+              </a:rPr>
+              <a:t>Opensource</a:t>
+            </a:r>
+            <a:r>
+              <a:rPr lang="pt-BR" sz="2000" b="1" dirty="0">
+                <a:solidFill>
+                  <a:srgbClr val="FF0000"/>
+                </a:solidFill>
+                <a:latin typeface="Times New Roman" panose="02020603050405020304" pitchFamily="18" charset="0"/>
+                <a:cs typeface="Times New Roman" panose="02020603050405020304" pitchFamily="18" charset="0"/>
+              </a:rPr>
+              <a:t> </a:t>
+            </a:r>
+            <a:r>
+              <a:rPr lang="pt-BR" sz="2000" dirty="0">
+                <a:solidFill>
+                  <a:schemeClr val="tx1"/>
+                </a:solidFill>
+                <a:latin typeface="Times New Roman" panose="02020603050405020304" pitchFamily="18" charset="0"/>
+                <a:cs typeface="Times New Roman" panose="02020603050405020304" pitchFamily="18" charset="0"/>
+              </a:rPr>
+              <a:t>que engloba </a:t>
+            </a:r>
+            <a:r>
+              <a:rPr lang="pt-BR" sz="2000" b="1" dirty="0">
+                <a:solidFill>
+                  <a:schemeClr val="tx1"/>
+                </a:solidFill>
+                <a:latin typeface="Times New Roman" panose="02020603050405020304" pitchFamily="18" charset="0"/>
+                <a:cs typeface="Times New Roman" panose="02020603050405020304" pitchFamily="18" charset="0"/>
+              </a:rPr>
+              <a:t>hardware e software para </a:t>
+            </a:r>
+            <a:r>
+              <a:rPr lang="pt-BR" sz="2000" b="1" dirty="0" err="1">
+                <a:solidFill>
+                  <a:schemeClr val="tx1"/>
+                </a:solidFill>
+                <a:latin typeface="Times New Roman" panose="02020603050405020304" pitchFamily="18" charset="0"/>
+                <a:cs typeface="Times New Roman" panose="02020603050405020304" pitchFamily="18" charset="0"/>
+              </a:rPr>
+              <a:t>prototipar</a:t>
+            </a:r>
+            <a:r>
+              <a:rPr lang="pt-BR" sz="2000" b="1" dirty="0">
+                <a:solidFill>
+                  <a:schemeClr val="tx1"/>
+                </a:solidFill>
+                <a:latin typeface="Times New Roman" panose="02020603050405020304" pitchFamily="18" charset="0"/>
+                <a:cs typeface="Times New Roman" panose="02020603050405020304" pitchFamily="18" charset="0"/>
+              </a:rPr>
+              <a:t> soluções </a:t>
+            </a:r>
+            <a:r>
+              <a:rPr lang="pt-BR" sz="2000" b="1" dirty="0" err="1">
+                <a:solidFill>
+                  <a:schemeClr val="tx1"/>
+                </a:solidFill>
+                <a:latin typeface="Times New Roman" panose="02020603050405020304" pitchFamily="18" charset="0"/>
+                <a:cs typeface="Times New Roman" panose="02020603050405020304" pitchFamily="18" charset="0"/>
+              </a:rPr>
+              <a:t>IoT</a:t>
+            </a:r>
+            <a:r>
+              <a:rPr lang="pt-BR" sz="2000" dirty="0">
+                <a:solidFill>
+                  <a:schemeClr val="tx1"/>
+                </a:solidFill>
+                <a:latin typeface="Times New Roman" panose="02020603050405020304" pitchFamily="18" charset="0"/>
+                <a:cs typeface="Times New Roman" panose="02020603050405020304" pitchFamily="18" charset="0"/>
+              </a:rPr>
+              <a:t>. </a:t>
+            </a:r>
+          </a:p>
+          <a:p>
+            <a:pPr marL="0" indent="0" algn="just">
+              <a:buNone/>
+            </a:pPr>
+            <a:endParaRPr lang="pt-BR" sz="2000" dirty="0">
+              <a:solidFill>
+                <a:schemeClr val="tx1"/>
+              </a:solidFill>
+              <a:latin typeface="Times New Roman" panose="02020603050405020304" pitchFamily="18" charset="0"/>
+              <a:cs typeface="Times New Roman" panose="02020603050405020304" pitchFamily="18" charset="0"/>
+            </a:endParaRPr>
+          </a:p>
+          <a:p>
+            <a:pPr marL="0" indent="0" algn="just">
+              <a:buNone/>
+            </a:pPr>
+            <a:r>
+              <a:rPr lang="pt-BR" sz="2000" b="1" dirty="0" err="1">
+                <a:solidFill>
+                  <a:srgbClr val="FF0000"/>
+                </a:solidFill>
+                <a:latin typeface="Times New Roman" panose="02020603050405020304" pitchFamily="18" charset="0"/>
+                <a:cs typeface="Times New Roman" panose="02020603050405020304" pitchFamily="18" charset="0"/>
+              </a:rPr>
+              <a:t>Tinkercard</a:t>
+            </a:r>
+            <a:r>
+              <a:rPr lang="pt-BR" sz="2000" b="1" dirty="0">
+                <a:solidFill>
+                  <a:srgbClr val="FF0000"/>
+                </a:solidFill>
+                <a:latin typeface="Times New Roman" panose="02020603050405020304" pitchFamily="18" charset="0"/>
+                <a:cs typeface="Times New Roman" panose="02020603050405020304" pitchFamily="18" charset="0"/>
+              </a:rPr>
+              <a:t> (2010),</a:t>
+            </a:r>
+            <a:r>
+              <a:rPr lang="pt-BR" sz="2000" dirty="0">
+                <a:solidFill>
+                  <a:schemeClr val="tx1"/>
+                </a:solidFill>
+                <a:latin typeface="Times New Roman" panose="02020603050405020304" pitchFamily="18" charset="0"/>
+                <a:cs typeface="Times New Roman" panose="02020603050405020304" pitchFamily="18" charset="0"/>
+              </a:rPr>
+              <a:t> </a:t>
+            </a:r>
+            <a:r>
+              <a:rPr lang="pt-BR" sz="2000" b="1" dirty="0">
+                <a:solidFill>
+                  <a:schemeClr val="tx1"/>
+                </a:solidFill>
+                <a:latin typeface="Times New Roman" panose="02020603050405020304" pitchFamily="18" charset="0"/>
+                <a:cs typeface="Times New Roman" panose="02020603050405020304" pitchFamily="18" charset="0"/>
+              </a:rPr>
+              <a:t>C++</a:t>
+            </a:r>
+            <a:r>
+              <a:rPr lang="pt-BR" sz="2000" dirty="0">
+                <a:solidFill>
+                  <a:schemeClr val="tx1"/>
+                </a:solidFill>
+                <a:latin typeface="Times New Roman" panose="02020603050405020304" pitchFamily="18" charset="0"/>
+                <a:cs typeface="Times New Roman" panose="02020603050405020304" pitchFamily="18" charset="0"/>
+              </a:rPr>
+              <a:t>, tool online de design de modelos 3D e simulação de circuitos elétricos e digitais, fabricante Autodesk. Funções iniciais: </a:t>
+            </a:r>
+            <a:r>
+              <a:rPr lang="pt-BR" sz="2000" b="1" dirty="0">
+                <a:solidFill>
+                  <a:schemeClr val="tx1"/>
+                </a:solidFill>
+                <a:latin typeface="Times New Roman" panose="02020603050405020304" pitchFamily="18" charset="0"/>
+                <a:cs typeface="Times New Roman" panose="02020603050405020304" pitchFamily="18" charset="0"/>
+              </a:rPr>
+              <a:t>setup e loop</a:t>
+            </a:r>
+            <a:r>
+              <a:rPr lang="pt-BR" sz="2000" dirty="0">
+                <a:solidFill>
+                  <a:schemeClr val="tx1"/>
+                </a:solidFill>
+                <a:latin typeface="Times New Roman" panose="02020603050405020304" pitchFamily="18" charset="0"/>
+                <a:cs typeface="Times New Roman" panose="02020603050405020304" pitchFamily="18" charset="0"/>
+              </a:rPr>
+              <a:t>.</a:t>
+            </a:r>
+          </a:p>
+          <a:p>
+            <a:pPr marL="0" indent="0" algn="just">
+              <a:buNone/>
+            </a:pPr>
+            <a:r>
+              <a:rPr lang="pt-BR" sz="2000" dirty="0">
+                <a:solidFill>
+                  <a:schemeClr val="tx1"/>
+                </a:solidFill>
+                <a:latin typeface="Times New Roman" panose="02020603050405020304" pitchFamily="18" charset="0"/>
+                <a:cs typeface="Times New Roman" panose="02020603050405020304" pitchFamily="18" charset="0"/>
+              </a:rPr>
+              <a:t>// </a:t>
+            </a:r>
+            <a:r>
+              <a:rPr lang="pt-BR" sz="2000" b="1" dirty="0">
+                <a:solidFill>
+                  <a:srgbClr val="0070C0"/>
+                </a:solidFill>
+                <a:latin typeface="Times New Roman" panose="02020603050405020304" pitchFamily="18" charset="0"/>
+                <a:cs typeface="Times New Roman" panose="02020603050405020304" pitchFamily="18" charset="0"/>
+              </a:rPr>
+              <a:t>Seção de Configuração - </a:t>
+            </a:r>
+            <a:r>
+              <a:rPr lang="pt-BR" sz="2000" b="1" dirty="0">
+                <a:solidFill>
+                  <a:srgbClr val="FF0000"/>
+                </a:solidFill>
+                <a:latin typeface="Times New Roman" panose="02020603050405020304" pitchFamily="18" charset="0"/>
+                <a:cs typeface="Times New Roman" panose="02020603050405020304" pitchFamily="18" charset="0"/>
+              </a:rPr>
+              <a:t>Arduino Uno R3</a:t>
+            </a:r>
+            <a:endParaRPr lang="pt-BR" sz="2000" b="1" dirty="0">
+              <a:solidFill>
+                <a:srgbClr val="0070C0"/>
+              </a:solidFill>
+              <a:latin typeface="Times New Roman" panose="02020603050405020304" pitchFamily="18" charset="0"/>
+              <a:cs typeface="Times New Roman" panose="02020603050405020304" pitchFamily="18" charset="0"/>
+            </a:endParaRPr>
+          </a:p>
+          <a:p>
+            <a:pPr marL="0" indent="0" algn="just">
+              <a:buNone/>
+            </a:pPr>
+            <a:r>
+              <a:rPr lang="pt-BR" sz="2000" b="1" dirty="0" err="1">
+                <a:solidFill>
+                  <a:schemeClr val="tx1"/>
+                </a:solidFill>
+                <a:latin typeface="Times New Roman" panose="02020603050405020304" pitchFamily="18" charset="0"/>
+                <a:cs typeface="Times New Roman" panose="02020603050405020304" pitchFamily="18" charset="0"/>
+              </a:rPr>
+              <a:t>void</a:t>
+            </a:r>
+            <a:r>
+              <a:rPr lang="pt-BR" sz="2000" b="1" dirty="0">
+                <a:solidFill>
+                  <a:schemeClr val="tx1"/>
+                </a:solidFill>
+                <a:latin typeface="Times New Roman" panose="02020603050405020304" pitchFamily="18" charset="0"/>
+                <a:cs typeface="Times New Roman" panose="02020603050405020304" pitchFamily="18" charset="0"/>
+              </a:rPr>
+              <a:t> </a:t>
+            </a:r>
+            <a:r>
+              <a:rPr lang="pt-BR" sz="2000" b="1" dirty="0">
+                <a:solidFill>
+                  <a:srgbClr val="FF0000"/>
+                </a:solidFill>
+                <a:latin typeface="Times New Roman" panose="02020603050405020304" pitchFamily="18" charset="0"/>
+                <a:cs typeface="Times New Roman" panose="02020603050405020304" pitchFamily="18" charset="0"/>
+              </a:rPr>
+              <a:t>setup</a:t>
+            </a:r>
+            <a:r>
+              <a:rPr lang="pt-BR" sz="2000" dirty="0">
+                <a:solidFill>
+                  <a:schemeClr val="tx1"/>
+                </a:solidFill>
+                <a:latin typeface="Times New Roman" panose="02020603050405020304" pitchFamily="18" charset="0"/>
+                <a:cs typeface="Times New Roman" panose="02020603050405020304" pitchFamily="18" charset="0"/>
+              </a:rPr>
+              <a:t> () </a:t>
+            </a:r>
+            <a:endParaRPr lang="pt-BR" sz="2000" b="1" dirty="0">
+              <a:solidFill>
+                <a:srgbClr val="FF0000"/>
+              </a:solidFill>
+              <a:latin typeface="Times New Roman" panose="02020603050405020304" pitchFamily="18" charset="0"/>
+              <a:cs typeface="Times New Roman" panose="02020603050405020304" pitchFamily="18" charset="0"/>
+            </a:endParaRPr>
+          </a:p>
+          <a:p>
+            <a:pPr marL="0" indent="0" algn="just">
+              <a:buNone/>
+            </a:pPr>
+            <a:r>
+              <a:rPr lang="pt-BR" sz="2000" dirty="0">
+                <a:solidFill>
+                  <a:schemeClr val="tx1"/>
+                </a:solidFill>
+                <a:latin typeface="Times New Roman" panose="02020603050405020304" pitchFamily="18" charset="0"/>
+                <a:cs typeface="Times New Roman" panose="02020603050405020304" pitchFamily="18" charset="0"/>
+              </a:rPr>
+              <a:t>{ </a:t>
+            </a:r>
+          </a:p>
+          <a:p>
+            <a:pPr marL="0" indent="0" algn="just">
+              <a:buNone/>
+            </a:pPr>
+            <a:r>
+              <a:rPr lang="pt-BR" sz="2000" b="1" dirty="0">
+                <a:solidFill>
+                  <a:schemeClr val="tx1"/>
+                </a:solidFill>
+                <a:latin typeface="Times New Roman" panose="02020603050405020304" pitchFamily="18" charset="0"/>
+                <a:cs typeface="Times New Roman" panose="02020603050405020304" pitchFamily="18" charset="0"/>
+              </a:rPr>
+              <a:t>	</a:t>
+            </a:r>
+            <a:r>
+              <a:rPr lang="pt-BR" sz="2000" b="1" dirty="0" err="1">
+                <a:solidFill>
+                  <a:schemeClr val="tx1"/>
+                </a:solidFill>
+                <a:latin typeface="Times New Roman" panose="02020603050405020304" pitchFamily="18" charset="0"/>
+                <a:cs typeface="Times New Roman" panose="02020603050405020304" pitchFamily="18" charset="0"/>
+              </a:rPr>
+              <a:t>pinMode</a:t>
+            </a:r>
+            <a:r>
+              <a:rPr lang="pt-BR" sz="2000" dirty="0">
+                <a:solidFill>
+                  <a:schemeClr val="tx1"/>
+                </a:solidFill>
+                <a:latin typeface="Times New Roman" panose="02020603050405020304" pitchFamily="18" charset="0"/>
+                <a:cs typeface="Times New Roman" panose="02020603050405020304" pitchFamily="18" charset="0"/>
+              </a:rPr>
+              <a:t>(13, OUTPUT); // </a:t>
+            </a:r>
+            <a:r>
+              <a:rPr lang="pt-BR" sz="2000" b="1" dirty="0">
+                <a:solidFill>
+                  <a:schemeClr val="tx1"/>
+                </a:solidFill>
+                <a:latin typeface="Times New Roman" panose="02020603050405020304" pitchFamily="18" charset="0"/>
+                <a:cs typeface="Times New Roman" panose="02020603050405020304" pitchFamily="18" charset="0"/>
+              </a:rPr>
+              <a:t>Saída Digital</a:t>
+            </a:r>
+            <a:endParaRPr lang="pt-BR" sz="2000" dirty="0">
+              <a:solidFill>
+                <a:schemeClr val="tx1"/>
+              </a:solidFill>
+              <a:latin typeface="Times New Roman" panose="02020603050405020304" pitchFamily="18" charset="0"/>
+              <a:cs typeface="Times New Roman" panose="02020603050405020304" pitchFamily="18" charset="0"/>
+            </a:endParaRPr>
+          </a:p>
+          <a:p>
+            <a:pPr marL="0" indent="0" algn="just">
+              <a:buNone/>
+            </a:pPr>
+            <a:r>
+              <a:rPr lang="pt-BR" sz="2000" dirty="0">
+                <a:solidFill>
+                  <a:schemeClr val="tx1"/>
+                </a:solidFill>
+                <a:latin typeface="Times New Roman" panose="02020603050405020304" pitchFamily="18" charset="0"/>
+                <a:cs typeface="Times New Roman" panose="02020603050405020304" pitchFamily="18" charset="0"/>
+              </a:rPr>
+              <a:t>}</a:t>
+            </a:r>
+            <a:endParaRPr lang="pt-BR" sz="2000" b="1" dirty="0">
+              <a:solidFill>
+                <a:schemeClr val="tx1"/>
+              </a:solidFill>
+              <a:latin typeface="Times New Roman" panose="02020603050405020304" pitchFamily="18" charset="0"/>
+              <a:cs typeface="Times New Roman" panose="02020603050405020304" pitchFamily="18" charset="0"/>
+            </a:endParaRPr>
+          </a:p>
+        </p:txBody>
+      </p:sp>
+    </p:spTree>
+    <p:extLst>
+      <p:ext uri="{BB962C8B-B14F-4D97-AF65-F5344CB8AC3E}">
+        <p14:creationId xmlns:p14="http://schemas.microsoft.com/office/powerpoint/2010/main" val="1610113958"/>
+      </p:ext>
+    </p:extLst>
+  </p:cSld>
+  <p:clrMapOvr>
+    <a:masterClrMapping/>
+  </p:clrMapOvr>
+  <p:transition spd="med"/>
+</p:sld>
+</file>
+
+<file path=ppt/slides/slide27.xml><?xml version="1.0" encoding="utf-8"?>
+<p:sld xmlns:a="http://schemas.openxmlformats.org/drawingml/2006/main" xmlns:r="http://schemas.openxmlformats.org/officeDocument/2006/relationships" xmlns:p="http://schemas.openxmlformats.org/presentationml/2006/main">
+  <p:cSld>
+    <p:spTree>
+      <p:nvGrpSpPr>
+        <p:cNvPr id="1" name=""/>
+        <p:cNvGrpSpPr/>
+        <p:nvPr/>
+      </p:nvGrpSpPr>
+      <p:grpSpPr>
+        <a:xfrm>
+          <a:off x="0" y="0"/>
+          <a:ext cx="0" cy="0"/>
+          <a:chOff x="0" y="0"/>
+          <a:chExt cx="0" cy="0"/>
+        </a:xfrm>
+      </p:grpSpPr>
+      <p:sp>
+        <p:nvSpPr>
+          <p:cNvPr id="6" name="Title 1"/>
+          <p:cNvSpPr>
+            <a:spLocks noGrp="1"/>
+          </p:cNvSpPr>
+          <p:nvPr>
+            <p:ph type="title"/>
+          </p:nvPr>
+        </p:nvSpPr>
+        <p:spPr>
+          <a:xfrm>
+            <a:off x="457200" y="205980"/>
+            <a:ext cx="8229600" cy="857251"/>
+          </a:xfrm>
+        </p:spPr>
+        <p:txBody>
+          <a:bodyPr>
+            <a:normAutofit fontScale="90000"/>
+          </a:bodyPr>
+          <a:lstStyle/>
+          <a:p>
+            <a:r>
+              <a:rPr lang="en-US" b="1" dirty="0" err="1">
+                <a:solidFill>
+                  <a:srgbClr val="0070C0"/>
+                </a:solidFill>
+              </a:rPr>
+              <a:t>Módulo</a:t>
+            </a:r>
+            <a:r>
+              <a:rPr lang="en-US" b="1" dirty="0">
+                <a:solidFill>
+                  <a:srgbClr val="0070C0"/>
+                </a:solidFill>
+              </a:rPr>
+              <a:t> </a:t>
+            </a:r>
+            <a:r>
+              <a:rPr lang="en-US" b="1" dirty="0" err="1">
+                <a:solidFill>
+                  <a:srgbClr val="0070C0"/>
+                </a:solidFill>
+              </a:rPr>
+              <a:t>Simulador</a:t>
+            </a:r>
+            <a:r>
+              <a:rPr lang="en-US" b="1" dirty="0">
+                <a:solidFill>
+                  <a:srgbClr val="0070C0"/>
+                </a:solidFill>
+              </a:rPr>
+              <a:t> da Plataforma Arduino e CI da Tool </a:t>
+            </a:r>
+            <a:r>
+              <a:rPr lang="en-US" b="1" dirty="0" err="1">
+                <a:solidFill>
+                  <a:srgbClr val="0070C0"/>
+                </a:solidFill>
+              </a:rPr>
+              <a:t>Tinkercad</a:t>
+            </a:r>
+            <a:endParaRPr lang="en-US" b="1" dirty="0">
+              <a:solidFill>
+                <a:srgbClr val="0070C0"/>
+              </a:solidFill>
+            </a:endParaRPr>
+          </a:p>
+        </p:txBody>
+      </p:sp>
+      <p:sp>
+        <p:nvSpPr>
+          <p:cNvPr id="8" name="Text Placeholder 2"/>
+          <p:cNvSpPr>
+            <a:spLocks noGrp="1"/>
+          </p:cNvSpPr>
+          <p:nvPr>
+            <p:ph type="body" sz="half" idx="1"/>
+          </p:nvPr>
+        </p:nvSpPr>
+        <p:spPr>
+          <a:xfrm>
+            <a:off x="142865" y="1395222"/>
+            <a:ext cx="8865056" cy="3384042"/>
+          </a:xfrm>
+        </p:spPr>
+        <p:txBody>
+          <a:bodyPr>
+            <a:noAutofit/>
+          </a:bodyPr>
+          <a:lstStyle/>
+          <a:p>
+            <a:pPr marL="0" indent="0" algn="just">
+              <a:buNone/>
+            </a:pPr>
+            <a:r>
+              <a:rPr lang="pt-BR" sz="2000" dirty="0">
+                <a:solidFill>
+                  <a:schemeClr val="tx1"/>
+                </a:solidFill>
+                <a:latin typeface="Times New Roman" panose="02020603050405020304" pitchFamily="18" charset="0"/>
+                <a:cs typeface="Times New Roman" panose="02020603050405020304" pitchFamily="18" charset="0"/>
+              </a:rPr>
+              <a:t>// </a:t>
+            </a:r>
+            <a:r>
+              <a:rPr lang="pt-BR" sz="2000" b="1" dirty="0">
+                <a:solidFill>
+                  <a:srgbClr val="0070C0"/>
+                </a:solidFill>
+                <a:latin typeface="Times New Roman" panose="02020603050405020304" pitchFamily="18" charset="0"/>
+                <a:cs typeface="Times New Roman" panose="02020603050405020304" pitchFamily="18" charset="0"/>
+              </a:rPr>
+              <a:t>Seção da Aplicação</a:t>
+            </a:r>
+          </a:p>
+          <a:p>
+            <a:pPr marL="0" indent="0" algn="just">
+              <a:buNone/>
+            </a:pPr>
+            <a:r>
+              <a:rPr lang="pt-BR" sz="2000" b="1" dirty="0" err="1">
+                <a:solidFill>
+                  <a:schemeClr val="tx1"/>
+                </a:solidFill>
+                <a:latin typeface="Times New Roman" panose="02020603050405020304" pitchFamily="18" charset="0"/>
+                <a:cs typeface="Times New Roman" panose="02020603050405020304" pitchFamily="18" charset="0"/>
+              </a:rPr>
+              <a:t>void</a:t>
+            </a:r>
+            <a:r>
+              <a:rPr lang="pt-BR" sz="2000" b="1" dirty="0">
+                <a:solidFill>
+                  <a:schemeClr val="tx1"/>
+                </a:solidFill>
+                <a:latin typeface="Times New Roman" panose="02020603050405020304" pitchFamily="18" charset="0"/>
+                <a:cs typeface="Times New Roman" panose="02020603050405020304" pitchFamily="18" charset="0"/>
+              </a:rPr>
+              <a:t> </a:t>
+            </a:r>
+            <a:r>
+              <a:rPr lang="pt-BR" sz="2000" b="1" dirty="0">
+                <a:solidFill>
+                  <a:srgbClr val="FF0000"/>
+                </a:solidFill>
+                <a:latin typeface="Times New Roman" panose="02020603050405020304" pitchFamily="18" charset="0"/>
+                <a:cs typeface="Times New Roman" panose="02020603050405020304" pitchFamily="18" charset="0"/>
+              </a:rPr>
+              <a:t>loop</a:t>
+            </a:r>
+            <a:r>
+              <a:rPr lang="pt-BR" sz="2000" b="1" dirty="0">
+                <a:solidFill>
+                  <a:schemeClr val="tx1"/>
+                </a:solidFill>
+                <a:latin typeface="Times New Roman" panose="02020603050405020304" pitchFamily="18" charset="0"/>
+                <a:cs typeface="Times New Roman" panose="02020603050405020304" pitchFamily="18" charset="0"/>
+              </a:rPr>
+              <a:t> </a:t>
+            </a:r>
+            <a:r>
+              <a:rPr lang="pt-BR" sz="2000" dirty="0">
+                <a:solidFill>
+                  <a:schemeClr val="tx1"/>
+                </a:solidFill>
+                <a:latin typeface="Times New Roman" panose="02020603050405020304" pitchFamily="18" charset="0"/>
+                <a:cs typeface="Times New Roman" panose="02020603050405020304" pitchFamily="18" charset="0"/>
+              </a:rPr>
+              <a:t>() // </a:t>
+            </a:r>
+            <a:r>
+              <a:rPr lang="pt-BR" sz="2000" b="1" dirty="0">
+                <a:solidFill>
+                  <a:schemeClr val="tx1"/>
+                </a:solidFill>
+                <a:latin typeface="Times New Roman" panose="02020603050405020304" pitchFamily="18" charset="0"/>
+                <a:cs typeface="Times New Roman" panose="02020603050405020304" pitchFamily="18" charset="0"/>
+              </a:rPr>
+              <a:t>Acende e desliga o led ligado ao pino 13, num intervalo de 1s</a:t>
+            </a:r>
+          </a:p>
+          <a:p>
+            <a:pPr marL="0" indent="0" algn="just">
+              <a:buNone/>
+            </a:pPr>
+            <a:r>
+              <a:rPr lang="pt-BR" sz="2000" dirty="0">
+                <a:solidFill>
+                  <a:schemeClr val="tx1"/>
+                </a:solidFill>
+                <a:latin typeface="Times New Roman" panose="02020603050405020304" pitchFamily="18" charset="0"/>
+                <a:cs typeface="Times New Roman" panose="02020603050405020304" pitchFamily="18" charset="0"/>
+              </a:rPr>
+              <a:t>{ </a:t>
+            </a:r>
+          </a:p>
+          <a:p>
+            <a:pPr marL="0" indent="0" algn="just">
+              <a:buNone/>
+            </a:pPr>
+            <a:r>
+              <a:rPr lang="pt-BR" sz="2000" b="1" dirty="0">
+                <a:solidFill>
+                  <a:schemeClr val="tx1"/>
+                </a:solidFill>
+                <a:latin typeface="Times New Roman" panose="02020603050405020304" pitchFamily="18" charset="0"/>
+                <a:cs typeface="Times New Roman" panose="02020603050405020304" pitchFamily="18" charset="0"/>
+              </a:rPr>
+              <a:t>	</a:t>
+            </a:r>
+            <a:r>
+              <a:rPr lang="pt-BR" sz="2000" b="1" dirty="0" err="1">
+                <a:solidFill>
+                  <a:schemeClr val="tx1"/>
+                </a:solidFill>
+                <a:latin typeface="Times New Roman" panose="02020603050405020304" pitchFamily="18" charset="0"/>
+                <a:cs typeface="Times New Roman" panose="02020603050405020304" pitchFamily="18" charset="0"/>
+              </a:rPr>
+              <a:t>digitalWrite</a:t>
+            </a:r>
+            <a:r>
+              <a:rPr lang="pt-BR" sz="2000" dirty="0">
+                <a:solidFill>
+                  <a:schemeClr val="tx1"/>
+                </a:solidFill>
+                <a:latin typeface="Times New Roman" panose="02020603050405020304" pitchFamily="18" charset="0"/>
+                <a:cs typeface="Times New Roman" panose="02020603050405020304" pitchFamily="18" charset="0"/>
+              </a:rPr>
+              <a:t>(13, HIGH); </a:t>
+            </a:r>
+          </a:p>
+          <a:p>
+            <a:pPr marL="0" indent="0" algn="just">
+              <a:buNone/>
+            </a:pPr>
+            <a:r>
+              <a:rPr lang="pt-BR" sz="2000" b="1" dirty="0">
+                <a:solidFill>
+                  <a:schemeClr val="tx1"/>
+                </a:solidFill>
+                <a:latin typeface="Times New Roman" panose="02020603050405020304" pitchFamily="18" charset="0"/>
+                <a:cs typeface="Times New Roman" panose="02020603050405020304" pitchFamily="18" charset="0"/>
+              </a:rPr>
+              <a:t>	delay</a:t>
+            </a:r>
+            <a:r>
+              <a:rPr lang="pt-BR" sz="2000" dirty="0">
+                <a:solidFill>
+                  <a:schemeClr val="tx1"/>
+                </a:solidFill>
+                <a:latin typeface="Times New Roman" panose="02020603050405020304" pitchFamily="18" charset="0"/>
+                <a:cs typeface="Times New Roman" panose="02020603050405020304" pitchFamily="18" charset="0"/>
+              </a:rPr>
+              <a:t>(1000); </a:t>
+            </a:r>
+          </a:p>
+          <a:p>
+            <a:pPr marL="0" indent="0" algn="just">
+              <a:buNone/>
+            </a:pPr>
+            <a:r>
+              <a:rPr lang="pt-BR" sz="2000" b="1" dirty="0">
+                <a:solidFill>
+                  <a:schemeClr val="tx1"/>
+                </a:solidFill>
+                <a:latin typeface="Times New Roman" panose="02020603050405020304" pitchFamily="18" charset="0"/>
+                <a:cs typeface="Times New Roman" panose="02020603050405020304" pitchFamily="18" charset="0"/>
+              </a:rPr>
+              <a:t>	</a:t>
+            </a:r>
+            <a:r>
+              <a:rPr lang="pt-BR" sz="2000" b="1" dirty="0" err="1">
+                <a:solidFill>
+                  <a:schemeClr val="tx1"/>
+                </a:solidFill>
+                <a:latin typeface="Times New Roman" panose="02020603050405020304" pitchFamily="18" charset="0"/>
+                <a:cs typeface="Times New Roman" panose="02020603050405020304" pitchFamily="18" charset="0"/>
+              </a:rPr>
+              <a:t>digitalWrite</a:t>
+            </a:r>
+            <a:r>
+              <a:rPr lang="pt-BR" sz="2000" dirty="0">
+                <a:solidFill>
+                  <a:schemeClr val="tx1"/>
+                </a:solidFill>
+                <a:latin typeface="Times New Roman" panose="02020603050405020304" pitchFamily="18" charset="0"/>
+                <a:cs typeface="Times New Roman" panose="02020603050405020304" pitchFamily="18" charset="0"/>
+              </a:rPr>
+              <a:t>(13, LOW); </a:t>
+            </a:r>
+          </a:p>
+          <a:p>
+            <a:pPr marL="0" indent="0" algn="just">
+              <a:buNone/>
+            </a:pPr>
+            <a:r>
+              <a:rPr lang="pt-BR" sz="2000" b="1" dirty="0">
+                <a:solidFill>
+                  <a:schemeClr val="tx1"/>
+                </a:solidFill>
+                <a:latin typeface="Times New Roman" panose="02020603050405020304" pitchFamily="18" charset="0"/>
+                <a:cs typeface="Times New Roman" panose="02020603050405020304" pitchFamily="18" charset="0"/>
+              </a:rPr>
+              <a:t>	delay</a:t>
+            </a:r>
+            <a:r>
+              <a:rPr lang="pt-BR" sz="2000" dirty="0">
+                <a:solidFill>
+                  <a:schemeClr val="tx1"/>
+                </a:solidFill>
+                <a:latin typeface="Times New Roman" panose="02020603050405020304" pitchFamily="18" charset="0"/>
+                <a:cs typeface="Times New Roman" panose="02020603050405020304" pitchFamily="18" charset="0"/>
+              </a:rPr>
+              <a:t>(1000); </a:t>
+            </a:r>
+          </a:p>
+          <a:p>
+            <a:pPr marL="0" indent="0" algn="just">
+              <a:buNone/>
+            </a:pPr>
+            <a:r>
+              <a:rPr lang="pt-BR" sz="2000" dirty="0">
+                <a:solidFill>
+                  <a:schemeClr val="tx1"/>
+                </a:solidFill>
+                <a:latin typeface="Times New Roman" panose="02020603050405020304" pitchFamily="18" charset="0"/>
+                <a:cs typeface="Times New Roman" panose="02020603050405020304" pitchFamily="18" charset="0"/>
+              </a:rPr>
+              <a:t>}</a:t>
+            </a:r>
+          </a:p>
+        </p:txBody>
+      </p:sp>
+    </p:spTree>
+    <p:extLst>
+      <p:ext uri="{BB962C8B-B14F-4D97-AF65-F5344CB8AC3E}">
+        <p14:creationId xmlns:p14="http://schemas.microsoft.com/office/powerpoint/2010/main" val="3395413864"/>
+      </p:ext>
+    </p:extLst>
+  </p:cSld>
+  <p:clrMapOvr>
+    <a:masterClrMapping/>
+  </p:clrMapOvr>
+  <p:transition spd="med"/>
+</p:sld>
+</file>
+
+<file path=ppt/slides/slide28.xml><?xml version="1.0" encoding="utf-8"?>
+<p:sld xmlns:a="http://schemas.openxmlformats.org/drawingml/2006/main" xmlns:r="http://schemas.openxmlformats.org/officeDocument/2006/relationships" xmlns:p="http://schemas.openxmlformats.org/presentationml/2006/main">
+  <p:cSld>
+    <p:spTree>
+      <p:nvGrpSpPr>
+        <p:cNvPr id="1" name=""/>
+        <p:cNvGrpSpPr/>
+        <p:nvPr/>
+      </p:nvGrpSpPr>
+      <p:grpSpPr>
+        <a:xfrm>
+          <a:off x="0" y="0"/>
+          <a:ext cx="0" cy="0"/>
+          <a:chOff x="0" y="0"/>
+          <a:chExt cx="0" cy="0"/>
+        </a:xfrm>
+      </p:grpSpPr>
+      <p:sp>
+        <p:nvSpPr>
+          <p:cNvPr id="6" name="Title 1"/>
+          <p:cNvSpPr>
+            <a:spLocks noGrp="1"/>
+          </p:cNvSpPr>
+          <p:nvPr>
+            <p:ph type="title"/>
+          </p:nvPr>
+        </p:nvSpPr>
+        <p:spPr>
+          <a:xfrm>
+            <a:off x="457200" y="205980"/>
+            <a:ext cx="8229600" cy="857251"/>
+          </a:xfrm>
+        </p:spPr>
+        <p:txBody>
+          <a:bodyPr>
+            <a:normAutofit fontScale="90000"/>
+          </a:bodyPr>
+          <a:lstStyle/>
+          <a:p>
+            <a:r>
+              <a:rPr lang="en-US" b="1" dirty="0" err="1">
+                <a:solidFill>
+                  <a:srgbClr val="0070C0"/>
+                </a:solidFill>
+              </a:rPr>
+              <a:t>Módulo</a:t>
+            </a:r>
+            <a:r>
+              <a:rPr lang="en-US" b="1" dirty="0">
+                <a:solidFill>
+                  <a:srgbClr val="0070C0"/>
+                </a:solidFill>
+              </a:rPr>
+              <a:t> </a:t>
+            </a:r>
+            <a:r>
+              <a:rPr lang="en-US" b="1" dirty="0" err="1">
+                <a:solidFill>
+                  <a:srgbClr val="0070C0"/>
+                </a:solidFill>
+              </a:rPr>
+              <a:t>Simulador</a:t>
+            </a:r>
+            <a:r>
+              <a:rPr lang="en-US" b="1" dirty="0">
+                <a:solidFill>
+                  <a:srgbClr val="0070C0"/>
+                </a:solidFill>
+              </a:rPr>
+              <a:t> da Plataforma Arduino e CI da Tool </a:t>
+            </a:r>
+            <a:r>
+              <a:rPr lang="en-US" b="1" dirty="0" err="1">
+                <a:solidFill>
+                  <a:srgbClr val="0070C0"/>
+                </a:solidFill>
+              </a:rPr>
+              <a:t>Tinkercad</a:t>
+            </a:r>
+            <a:endParaRPr lang="en-US" b="1" dirty="0">
+              <a:solidFill>
+                <a:srgbClr val="0070C0"/>
+              </a:solidFill>
+            </a:endParaRPr>
+          </a:p>
+        </p:txBody>
+      </p:sp>
+      <p:sp>
+        <p:nvSpPr>
+          <p:cNvPr id="8" name="Text Placeholder 2"/>
+          <p:cNvSpPr>
+            <a:spLocks noGrp="1"/>
+          </p:cNvSpPr>
+          <p:nvPr>
+            <p:ph type="body" sz="half" idx="1"/>
+          </p:nvPr>
+        </p:nvSpPr>
+        <p:spPr>
+          <a:xfrm>
+            <a:off x="142865" y="1395222"/>
+            <a:ext cx="8865056" cy="3384042"/>
+          </a:xfrm>
+        </p:spPr>
+        <p:txBody>
+          <a:bodyPr>
+            <a:noAutofit/>
+          </a:bodyPr>
+          <a:lstStyle/>
+          <a:p>
+            <a:pPr marL="0" indent="0" algn="just">
+              <a:buNone/>
+            </a:pPr>
+            <a:r>
+              <a:rPr lang="pt-BR" sz="2000" dirty="0">
+                <a:solidFill>
+                  <a:schemeClr val="tx1"/>
+                </a:solidFill>
+                <a:latin typeface="Times New Roman" panose="02020603050405020304" pitchFamily="18" charset="0"/>
+                <a:cs typeface="Times New Roman" panose="02020603050405020304" pitchFamily="18" charset="0"/>
+              </a:rPr>
+              <a:t>Funções: </a:t>
+            </a:r>
+            <a:r>
+              <a:rPr lang="pt-BR" sz="2000" b="1" dirty="0">
+                <a:solidFill>
+                  <a:schemeClr val="tx1"/>
+                </a:solidFill>
+                <a:latin typeface="Times New Roman" panose="02020603050405020304" pitchFamily="18" charset="0"/>
+                <a:cs typeface="Times New Roman" panose="02020603050405020304" pitchFamily="18" charset="0"/>
+              </a:rPr>
+              <a:t>Simulação</a:t>
+            </a:r>
+            <a:r>
+              <a:rPr lang="pt-BR" sz="2000" dirty="0">
+                <a:solidFill>
+                  <a:schemeClr val="tx1"/>
+                </a:solidFill>
+                <a:latin typeface="Times New Roman" panose="02020603050405020304" pitchFamily="18" charset="0"/>
+                <a:cs typeface="Times New Roman" panose="02020603050405020304" pitchFamily="18" charset="0"/>
+              </a:rPr>
+              <a:t> </a:t>
+            </a:r>
+            <a:r>
+              <a:rPr lang="pt-BR" sz="2000" b="1" dirty="0">
+                <a:solidFill>
+                  <a:schemeClr val="tx1"/>
+                </a:solidFill>
+                <a:latin typeface="Times New Roman" panose="02020603050405020304" pitchFamily="18" charset="0"/>
+                <a:cs typeface="Times New Roman" panose="02020603050405020304" pitchFamily="18" charset="0"/>
+              </a:rPr>
+              <a:t>de circuitos analógicos e digitais</a:t>
+            </a:r>
+            <a:r>
+              <a:rPr lang="pt-BR" sz="2000" dirty="0">
+                <a:solidFill>
+                  <a:schemeClr val="tx1"/>
+                </a:solidFill>
+                <a:latin typeface="Times New Roman" panose="02020603050405020304" pitchFamily="18" charset="0"/>
+                <a:cs typeface="Times New Roman" panose="02020603050405020304" pitchFamily="18" charset="0"/>
+              </a:rPr>
+              <a:t>, com uma vasta gama de </a:t>
+            </a:r>
+            <a:r>
+              <a:rPr lang="pt-BR" sz="2000" b="1" dirty="0">
+                <a:solidFill>
+                  <a:schemeClr val="tx1"/>
+                </a:solidFill>
+                <a:latin typeface="Times New Roman" panose="02020603050405020304" pitchFamily="18" charset="0"/>
+                <a:cs typeface="Times New Roman" panose="02020603050405020304" pitchFamily="18" charset="0"/>
+              </a:rPr>
+              <a:t>componentes</a:t>
+            </a:r>
+            <a:r>
+              <a:rPr lang="pt-BR" sz="2000" dirty="0">
+                <a:solidFill>
+                  <a:schemeClr val="tx1"/>
+                </a:solidFill>
+                <a:latin typeface="Times New Roman" panose="02020603050405020304" pitchFamily="18" charset="0"/>
+                <a:cs typeface="Times New Roman" panose="02020603050405020304" pitchFamily="18" charset="0"/>
+              </a:rPr>
+              <a:t> (</a:t>
+            </a:r>
+            <a:r>
+              <a:rPr lang="pt-BR" sz="2000" b="1" dirty="0">
+                <a:solidFill>
+                  <a:srgbClr val="FF0000"/>
+                </a:solidFill>
+                <a:latin typeface="Times New Roman" panose="02020603050405020304" pitchFamily="18" charset="0"/>
+                <a:cs typeface="Times New Roman" panose="02020603050405020304" pitchFamily="18" charset="0"/>
+              </a:rPr>
+              <a:t>resistores, displays, atuadores, motores, capacitores, indutores, chaves, botões, potenciômetros, circuitos integrados, protoboard, multímetros, gerador de funções, osciloscópio</a:t>
+            </a:r>
+            <a:r>
+              <a:rPr lang="pt-BR" sz="2000" dirty="0">
+                <a:solidFill>
+                  <a:schemeClr val="tx1"/>
+                </a:solidFill>
+                <a:latin typeface="Times New Roman" panose="02020603050405020304" pitchFamily="18" charset="0"/>
+                <a:cs typeface="Times New Roman" panose="02020603050405020304" pitchFamily="18" charset="0"/>
+              </a:rPr>
+              <a:t>, etc.), portanto podemos montar tanto nossos circuitos elétricos quanto programar os microcontroladores</a:t>
+            </a:r>
+          </a:p>
+          <a:p>
+            <a:pPr marL="0" indent="0" algn="just">
+              <a:buNone/>
+            </a:pPr>
+            <a:endParaRPr lang="pt-BR" sz="2000" dirty="0">
+              <a:solidFill>
+                <a:schemeClr val="tx1"/>
+              </a:solidFill>
+              <a:latin typeface="Times New Roman" panose="02020603050405020304" pitchFamily="18" charset="0"/>
+              <a:cs typeface="Times New Roman" panose="02020603050405020304" pitchFamily="18" charset="0"/>
+            </a:endParaRPr>
+          </a:p>
+          <a:p>
+            <a:pPr marL="0" indent="0" algn="just">
+              <a:buNone/>
+            </a:pPr>
+            <a:r>
+              <a:rPr lang="pt-BR" sz="2000" dirty="0">
+                <a:solidFill>
+                  <a:schemeClr val="tx1"/>
+                </a:solidFill>
+                <a:latin typeface="Times New Roman" panose="02020603050405020304" pitchFamily="18" charset="0"/>
+                <a:cs typeface="Times New Roman" panose="02020603050405020304" pitchFamily="18" charset="0"/>
+                <a:hlinkClick r:id="rId3"/>
+              </a:rPr>
+              <a:t>https://embarcados.com.br/tinkercad/</a:t>
+            </a:r>
+            <a:endParaRPr lang="pt-BR" sz="2000" dirty="0">
+              <a:solidFill>
+                <a:schemeClr val="tx1"/>
+              </a:solidFill>
+              <a:latin typeface="Times New Roman" panose="02020603050405020304" pitchFamily="18" charset="0"/>
+              <a:cs typeface="Times New Roman" panose="02020603050405020304" pitchFamily="18" charset="0"/>
+            </a:endParaRPr>
+          </a:p>
+          <a:p>
+            <a:pPr marL="0" indent="0" algn="just">
+              <a:buNone/>
+            </a:pPr>
+            <a:endParaRPr lang="pt-BR" sz="2000" dirty="0">
+              <a:solidFill>
+                <a:schemeClr val="tx1"/>
+              </a:solidFill>
+              <a:latin typeface="Times New Roman" panose="02020603050405020304" pitchFamily="18" charset="0"/>
+              <a:cs typeface="Times New Roman" panose="02020603050405020304" pitchFamily="18" charset="0"/>
+            </a:endParaRPr>
+          </a:p>
+          <a:p>
+            <a:pPr marL="0" indent="0" algn="just">
+              <a:buNone/>
+            </a:pPr>
+            <a:r>
+              <a:rPr lang="pt-BR" sz="2000" dirty="0">
+                <a:solidFill>
+                  <a:schemeClr val="tx1"/>
+                </a:solidFill>
+                <a:latin typeface="Times New Roman" panose="02020603050405020304" pitchFamily="18" charset="0"/>
+                <a:cs typeface="Times New Roman" panose="02020603050405020304" pitchFamily="18" charset="0"/>
+                <a:hlinkClick r:id="rId4"/>
+              </a:rPr>
+              <a:t>https://www.tinkercad.com/things/k1EfJ3V5nZg-spectacular-snaget/editel?tenant=circuits</a:t>
+            </a:r>
+            <a:endParaRPr lang="pt-BR" sz="2000" dirty="0">
+              <a:solidFill>
+                <a:schemeClr val="tx1"/>
+              </a:solidFill>
+              <a:latin typeface="Times New Roman" panose="02020603050405020304" pitchFamily="18" charset="0"/>
+              <a:cs typeface="Times New Roman" panose="02020603050405020304" pitchFamily="18" charset="0"/>
+            </a:endParaRPr>
+          </a:p>
+        </p:txBody>
+      </p:sp>
+    </p:spTree>
+    <p:extLst>
+      <p:ext uri="{BB962C8B-B14F-4D97-AF65-F5344CB8AC3E}">
+        <p14:creationId xmlns:p14="http://schemas.microsoft.com/office/powerpoint/2010/main" val="1676596581"/>
+      </p:ext>
+    </p:extLst>
+  </p:cSld>
+  <p:clrMapOvr>
+    <a:masterClrMapping/>
+  </p:clrMapOvr>
+  <p:transition spd="med"/>
+</p:sld>
+</file>
+
+<file path=ppt/slides/slide29.xml><?xml version="1.0" encoding="utf-8"?>
+<p:sld xmlns:a="http://schemas.openxmlformats.org/drawingml/2006/main" xmlns:r="http://schemas.openxmlformats.org/officeDocument/2006/relationships" xmlns:p="http://schemas.openxmlformats.org/presentationml/2006/main">
+  <p:cSld>
+    <p:spTree>
+      <p:nvGrpSpPr>
+        <p:cNvPr id="1" name=""/>
+        <p:cNvGrpSpPr/>
+        <p:nvPr/>
+      </p:nvGrpSpPr>
+      <p:grpSpPr>
+        <a:xfrm>
+          <a:off x="0" y="0"/>
+          <a:ext cx="0" cy="0"/>
+          <a:chOff x="0" y="0"/>
+          <a:chExt cx="0" cy="0"/>
+        </a:xfrm>
+      </p:grpSpPr>
+      <p:sp>
+        <p:nvSpPr>
+          <p:cNvPr id="6" name="Title 1"/>
+          <p:cNvSpPr>
+            <a:spLocks noGrp="1"/>
+          </p:cNvSpPr>
+          <p:nvPr>
+            <p:ph type="title"/>
+          </p:nvPr>
+        </p:nvSpPr>
+        <p:spPr>
+          <a:xfrm>
+            <a:off x="457200" y="205980"/>
+            <a:ext cx="8229600" cy="857251"/>
+          </a:xfrm>
+        </p:spPr>
+        <p:txBody>
+          <a:bodyPr>
+            <a:normAutofit fontScale="90000"/>
+          </a:bodyPr>
+          <a:lstStyle/>
+          <a:p>
+            <a:r>
+              <a:rPr lang="en-US" b="1" dirty="0" err="1">
+                <a:solidFill>
+                  <a:srgbClr val="0070C0"/>
+                </a:solidFill>
+              </a:rPr>
+              <a:t>Características</a:t>
+            </a:r>
+            <a:r>
+              <a:rPr lang="en-US" b="1" dirty="0">
+                <a:solidFill>
+                  <a:srgbClr val="0070C0"/>
+                </a:solidFill>
+              </a:rPr>
+              <a:t> da Ferramenta de </a:t>
+            </a:r>
+            <a:r>
+              <a:rPr lang="en-US" b="1" dirty="0" err="1">
+                <a:solidFill>
+                  <a:srgbClr val="0070C0"/>
+                </a:solidFill>
+              </a:rPr>
+              <a:t>Simulação</a:t>
+            </a:r>
+            <a:r>
+              <a:rPr lang="en-US" b="1" dirty="0">
+                <a:solidFill>
+                  <a:srgbClr val="0070C0"/>
+                </a:solidFill>
+              </a:rPr>
+              <a:t> </a:t>
+            </a:r>
+            <a:r>
+              <a:rPr lang="en-US" b="1" dirty="0" err="1">
+                <a:solidFill>
+                  <a:srgbClr val="0070C0"/>
+                </a:solidFill>
+              </a:rPr>
+              <a:t>PICSimLab</a:t>
+            </a:r>
+            <a:r>
+              <a:rPr lang="en-US" b="1" dirty="0">
+                <a:solidFill>
+                  <a:srgbClr val="0070C0"/>
+                </a:solidFill>
+              </a:rPr>
+              <a:t> CI PIC</a:t>
+            </a:r>
+          </a:p>
+        </p:txBody>
+      </p:sp>
+      <p:sp>
+        <p:nvSpPr>
+          <p:cNvPr id="8" name="Text Placeholder 2"/>
+          <p:cNvSpPr>
+            <a:spLocks noGrp="1"/>
+          </p:cNvSpPr>
+          <p:nvPr>
+            <p:ph type="body" sz="half" idx="1"/>
+          </p:nvPr>
+        </p:nvSpPr>
+        <p:spPr>
+          <a:xfrm>
+            <a:off x="142865" y="1200150"/>
+            <a:ext cx="8865056" cy="3737370"/>
+          </a:xfrm>
+        </p:spPr>
+        <p:txBody>
+          <a:bodyPr>
+            <a:noAutofit/>
+          </a:bodyPr>
+          <a:lstStyle/>
+          <a:p>
+            <a:pPr marL="0" indent="0" algn="just">
+              <a:buNone/>
+            </a:pPr>
+            <a:r>
+              <a:rPr lang="pt-BR" sz="2000" dirty="0">
+                <a:solidFill>
+                  <a:schemeClr val="tx1"/>
+                </a:solidFill>
+                <a:latin typeface="Times New Roman" panose="02020603050405020304" pitchFamily="18" charset="0"/>
+                <a:cs typeface="Times New Roman" panose="02020603050405020304" pitchFamily="18" charset="0"/>
+              </a:rPr>
+              <a:t>Características ...</a:t>
+            </a:r>
+          </a:p>
+        </p:txBody>
+      </p:sp>
+    </p:spTree>
+    <p:extLst>
+      <p:ext uri="{BB962C8B-B14F-4D97-AF65-F5344CB8AC3E}">
+        <p14:creationId xmlns:p14="http://schemas.microsoft.com/office/powerpoint/2010/main" val="2791554997"/>
+      </p:ext>
+    </p:extLst>
+  </p:cSld>
+  <p:clrMapOvr>
+    <a:masterClrMapping/>
+  </p:clrMapOvr>
+  <p:transition spd="med"/>
+</p:sld>
+</file>
+
 <file path=ppt/slides/slide3.xml><?xml version="1.0" encoding="utf-8"?>
 <p:sld xmlns:a="http://schemas.openxmlformats.org/drawingml/2006/main" xmlns:r="http://schemas.openxmlformats.org/officeDocument/2006/relationships" xmlns:p="http://schemas.openxmlformats.org/presentationml/2006/main">
   <p:cSld>
@@ -7527,6 +13228,1370 @@
         <p14:creationId xmlns:p14="http://schemas.microsoft.com/office/powerpoint/2010/main" val="1362980025"/>
       </p:ext>
     </p:extLst>
+  </p:cSld>
+  <p:clrMapOvr>
+    <a:masterClrMapping/>
+  </p:clrMapOvr>
+  <p:transition spd="med"/>
+</p:sld>
+</file>
+
+<file path=ppt/slides/slide30.xml><?xml version="1.0" encoding="utf-8"?>
+<p:sld xmlns:a="http://schemas.openxmlformats.org/drawingml/2006/main" xmlns:r="http://schemas.openxmlformats.org/officeDocument/2006/relationships" xmlns:p="http://schemas.openxmlformats.org/presentationml/2006/main">
+  <p:cSld>
+    <p:spTree>
+      <p:nvGrpSpPr>
+        <p:cNvPr id="1" name=""/>
+        <p:cNvGrpSpPr/>
+        <p:nvPr/>
+      </p:nvGrpSpPr>
+      <p:grpSpPr>
+        <a:xfrm>
+          <a:off x="0" y="0"/>
+          <a:ext cx="0" cy="0"/>
+          <a:chOff x="0" y="0"/>
+          <a:chExt cx="0" cy="0"/>
+        </a:xfrm>
+      </p:grpSpPr>
+      <p:sp>
+        <p:nvSpPr>
+          <p:cNvPr id="6" name="Title 1"/>
+          <p:cNvSpPr>
+            <a:spLocks noGrp="1"/>
+          </p:cNvSpPr>
+          <p:nvPr>
+            <p:ph type="title"/>
+          </p:nvPr>
+        </p:nvSpPr>
+        <p:spPr>
+          <a:xfrm>
+            <a:off x="457200" y="205980"/>
+            <a:ext cx="8229600" cy="857251"/>
+          </a:xfrm>
+        </p:spPr>
+        <p:txBody>
+          <a:bodyPr>
+            <a:normAutofit/>
+          </a:bodyPr>
+          <a:lstStyle/>
+          <a:p>
+            <a:r>
+              <a:rPr lang="en-US" b="1" dirty="0" err="1">
+                <a:solidFill>
+                  <a:srgbClr val="0070C0"/>
+                </a:solidFill>
+              </a:rPr>
+              <a:t>Leitura</a:t>
+            </a:r>
+            <a:r>
+              <a:rPr lang="en-US" b="1" dirty="0">
+                <a:solidFill>
+                  <a:srgbClr val="0070C0"/>
+                </a:solidFill>
+              </a:rPr>
+              <a:t> </a:t>
+            </a:r>
+            <a:r>
+              <a:rPr lang="en-US" b="1" dirty="0" err="1">
+                <a:solidFill>
+                  <a:srgbClr val="0070C0"/>
+                </a:solidFill>
+              </a:rPr>
+              <a:t>Específica</a:t>
+            </a:r>
+            <a:endParaRPr lang="en-US" b="1" dirty="0">
+              <a:solidFill>
+                <a:srgbClr val="0070C0"/>
+              </a:solidFill>
+            </a:endParaRPr>
+          </a:p>
+        </p:txBody>
+      </p:sp>
+      <p:sp>
+        <p:nvSpPr>
+          <p:cNvPr id="8" name="Text Placeholder 2"/>
+          <p:cNvSpPr>
+            <a:spLocks noGrp="1"/>
+          </p:cNvSpPr>
+          <p:nvPr>
+            <p:ph type="body" sz="half" idx="1"/>
+          </p:nvPr>
+        </p:nvSpPr>
+        <p:spPr>
+          <a:xfrm>
+            <a:off x="142865" y="1200150"/>
+            <a:ext cx="8865056" cy="3737369"/>
+          </a:xfrm>
+        </p:spPr>
+        <p:txBody>
+          <a:bodyPr>
+            <a:noAutofit/>
+          </a:bodyPr>
+          <a:lstStyle/>
+          <a:p>
+            <a:pPr marL="0" indent="0" algn="just">
+              <a:buNone/>
+            </a:pPr>
+            <a:r>
+              <a:rPr lang="pt-BR" sz="2000" dirty="0">
+                <a:latin typeface="Times New Roman" panose="02020603050405020304" pitchFamily="18" charset="0"/>
+                <a:cs typeface="Times New Roman" panose="02020603050405020304" pitchFamily="18" charset="0"/>
+              </a:rPr>
+              <a:t>[1] Sistemas Embarcados.</a:t>
+            </a:r>
+          </a:p>
+          <a:p>
+            <a:pPr marL="0" indent="0" algn="just">
+              <a:buNone/>
+            </a:pPr>
+            <a:r>
+              <a:rPr lang="pt-BR" sz="2000" b="1" dirty="0">
+                <a:solidFill>
+                  <a:srgbClr val="FF0000"/>
+                </a:solidFill>
+                <a:latin typeface="Times New Roman" panose="02020603050405020304" pitchFamily="18" charset="0"/>
+                <a:cs typeface="Times New Roman" panose="02020603050405020304" pitchFamily="18" charset="0"/>
+              </a:rPr>
+              <a:t>Disponível em: </a:t>
+            </a:r>
+            <a:r>
+              <a:rPr lang="pt-BR" sz="2000" dirty="0">
+                <a:latin typeface="Times New Roman" panose="02020603050405020304" pitchFamily="18" charset="0"/>
+                <a:cs typeface="Times New Roman" panose="02020603050405020304" pitchFamily="18" charset="0"/>
+                <a:hlinkClick r:id="rId3"/>
+              </a:rPr>
+              <a:t>https://files.comunidades.net/mutcom/ARTIGO_SIST_EMB.pdf</a:t>
+            </a:r>
+            <a:endParaRPr lang="pt-BR" sz="2000" dirty="0">
+              <a:latin typeface="Times New Roman" panose="02020603050405020304" pitchFamily="18" charset="0"/>
+              <a:cs typeface="Times New Roman" panose="02020603050405020304" pitchFamily="18" charset="0"/>
+            </a:endParaRPr>
+          </a:p>
+          <a:p>
+            <a:pPr marL="0" indent="0" algn="just">
+              <a:buNone/>
+            </a:pPr>
+            <a:endParaRPr lang="pt-BR" sz="2000" dirty="0">
+              <a:latin typeface="Times New Roman" panose="02020603050405020304" pitchFamily="18" charset="0"/>
+              <a:cs typeface="Times New Roman" panose="02020603050405020304" pitchFamily="18" charset="0"/>
+            </a:endParaRPr>
+          </a:p>
+          <a:p>
+            <a:pPr marL="0" indent="0" algn="just">
+              <a:buNone/>
+            </a:pPr>
+            <a:endParaRPr lang="pt-BR" sz="2000" dirty="0">
+              <a:latin typeface="Times New Roman" panose="02020603050405020304" pitchFamily="18" charset="0"/>
+              <a:cs typeface="Times New Roman" panose="02020603050405020304" pitchFamily="18" charset="0"/>
+            </a:endParaRPr>
+          </a:p>
+          <a:p>
+            <a:pPr marL="0" indent="0" algn="just">
+              <a:buNone/>
+            </a:pPr>
+            <a:r>
+              <a:rPr lang="pt-BR" sz="2000" dirty="0">
+                <a:latin typeface="Times New Roman" panose="02020603050405020304" pitchFamily="18" charset="0"/>
+                <a:cs typeface="Times New Roman" panose="02020603050405020304" pitchFamily="18" charset="0"/>
+              </a:rPr>
+              <a:t>[2] </a:t>
+            </a:r>
+            <a:r>
+              <a:rPr lang="pt-BR" sz="2000" dirty="0" err="1">
+                <a:latin typeface="Times New Roman" panose="02020603050405020304" pitchFamily="18" charset="0"/>
+                <a:cs typeface="Times New Roman" panose="02020603050405020304" pitchFamily="18" charset="0"/>
+              </a:rPr>
+              <a:t>Elicitação</a:t>
+            </a:r>
+            <a:r>
+              <a:rPr lang="pt-BR" sz="2000" dirty="0">
+                <a:latin typeface="Times New Roman" panose="02020603050405020304" pitchFamily="18" charset="0"/>
+                <a:cs typeface="Times New Roman" panose="02020603050405020304" pitchFamily="18" charset="0"/>
+              </a:rPr>
+              <a:t> e Especificação de Requisitos Sistemas Embarcados. </a:t>
+            </a:r>
+          </a:p>
+          <a:p>
+            <a:pPr marL="0" indent="0" algn="just">
+              <a:buNone/>
+            </a:pPr>
+            <a:r>
+              <a:rPr lang="pt-BR" sz="2000" b="1" dirty="0">
+                <a:solidFill>
+                  <a:srgbClr val="FF0000"/>
+                </a:solidFill>
+                <a:latin typeface="Times New Roman" panose="02020603050405020304" pitchFamily="18" charset="0"/>
+                <a:cs typeface="Times New Roman" panose="02020603050405020304" pitchFamily="18" charset="0"/>
+              </a:rPr>
+              <a:t>Disponível em: </a:t>
+            </a:r>
+            <a:r>
+              <a:rPr lang="pt-BR" sz="2000" dirty="0">
+                <a:latin typeface="Times New Roman" panose="02020603050405020304" pitchFamily="18" charset="0"/>
+                <a:cs typeface="Times New Roman" panose="02020603050405020304" pitchFamily="18" charset="0"/>
+                <a:hlinkClick r:id="rId4"/>
+              </a:rPr>
+              <a:t>https://eventos.spc.org.pe/cibse2015/pdfs/07_WER15.pdf</a:t>
+            </a:r>
+            <a:endParaRPr lang="pt-BR" sz="2000" dirty="0">
+              <a:latin typeface="Times New Roman" panose="02020603050405020304" pitchFamily="18" charset="0"/>
+              <a:cs typeface="Times New Roman" panose="02020603050405020304" pitchFamily="18" charset="0"/>
+            </a:endParaRPr>
+          </a:p>
+        </p:txBody>
+      </p:sp>
+    </p:spTree>
+    <p:extLst>
+      <p:ext uri="{BB962C8B-B14F-4D97-AF65-F5344CB8AC3E}">
+        <p14:creationId xmlns:p14="http://schemas.microsoft.com/office/powerpoint/2010/main" val="3680270425"/>
+      </p:ext>
+    </p:extLst>
+  </p:cSld>
+  <p:clrMapOvr>
+    <a:masterClrMapping/>
+  </p:clrMapOvr>
+  <p:transition spd="med"/>
+</p:sld>
+</file>
+
+<file path=ppt/slides/slide31.xml><?xml version="1.0" encoding="utf-8"?>
+<p:sld xmlns:a="http://schemas.openxmlformats.org/drawingml/2006/main" xmlns:r="http://schemas.openxmlformats.org/officeDocument/2006/relationships" xmlns:p="http://schemas.openxmlformats.org/presentationml/2006/main">
+  <p:cSld>
+    <p:spTree>
+      <p:nvGrpSpPr>
+        <p:cNvPr id="1" name=""/>
+        <p:cNvGrpSpPr/>
+        <p:nvPr/>
+      </p:nvGrpSpPr>
+      <p:grpSpPr>
+        <a:xfrm>
+          <a:off x="0" y="0"/>
+          <a:ext cx="0" cy="0"/>
+          <a:chOff x="0" y="0"/>
+          <a:chExt cx="0" cy="0"/>
+        </a:xfrm>
+      </p:grpSpPr>
+      <p:sp>
+        <p:nvSpPr>
+          <p:cNvPr id="6" name="Title 1"/>
+          <p:cNvSpPr>
+            <a:spLocks noGrp="1"/>
+          </p:cNvSpPr>
+          <p:nvPr>
+            <p:ph type="title"/>
+          </p:nvPr>
+        </p:nvSpPr>
+        <p:spPr>
+          <a:xfrm>
+            <a:off x="457200" y="205980"/>
+            <a:ext cx="8229600" cy="857251"/>
+          </a:xfrm>
+        </p:spPr>
+        <p:txBody>
+          <a:bodyPr>
+            <a:normAutofit/>
+          </a:bodyPr>
+          <a:lstStyle/>
+          <a:p>
+            <a:r>
+              <a:rPr lang="en-US" b="1" dirty="0" err="1">
+                <a:solidFill>
+                  <a:srgbClr val="0070C0"/>
+                </a:solidFill>
+              </a:rPr>
+              <a:t>Aprenda</a:t>
+            </a:r>
+            <a:r>
+              <a:rPr lang="en-US" b="1" dirty="0">
+                <a:solidFill>
+                  <a:srgbClr val="0070C0"/>
+                </a:solidFill>
+              </a:rPr>
+              <a:t>+</a:t>
+            </a:r>
+          </a:p>
+        </p:txBody>
+      </p:sp>
+      <p:sp>
+        <p:nvSpPr>
+          <p:cNvPr id="8" name="Text Placeholder 2"/>
+          <p:cNvSpPr>
+            <a:spLocks noGrp="1"/>
+          </p:cNvSpPr>
+          <p:nvPr>
+            <p:ph type="body" sz="half" idx="1"/>
+          </p:nvPr>
+        </p:nvSpPr>
+        <p:spPr>
+          <a:xfrm>
+            <a:off x="142865" y="1200150"/>
+            <a:ext cx="8865056" cy="3737370"/>
+          </a:xfrm>
+        </p:spPr>
+        <p:txBody>
+          <a:bodyPr>
+            <a:noAutofit/>
+          </a:bodyPr>
+          <a:lstStyle/>
+          <a:p>
+            <a:pPr marL="0" indent="0" algn="just">
+              <a:buNone/>
+            </a:pPr>
+            <a:r>
+              <a:rPr lang="pt-BR" sz="2400" dirty="0">
+                <a:latin typeface="Times New Roman" panose="02020603050405020304" pitchFamily="18" charset="0"/>
+                <a:cs typeface="Times New Roman" panose="02020603050405020304" pitchFamily="18" charset="0"/>
+              </a:rPr>
+              <a:t>[1] Cursos Sistemas Embarcados - Microcontroladores</a:t>
+            </a:r>
+          </a:p>
+          <a:p>
+            <a:pPr marL="0" indent="0" algn="just">
+              <a:buNone/>
+            </a:pPr>
+            <a:r>
+              <a:rPr lang="pt-BR" sz="2400" b="1" dirty="0">
+                <a:solidFill>
+                  <a:srgbClr val="FF0000"/>
+                </a:solidFill>
+                <a:latin typeface="Times New Roman" panose="02020603050405020304" pitchFamily="18" charset="0"/>
+                <a:cs typeface="Times New Roman" panose="02020603050405020304" pitchFamily="18" charset="0"/>
+              </a:rPr>
+              <a:t>Disponível em: </a:t>
+            </a:r>
+            <a:r>
+              <a:rPr lang="pt-BR" sz="2400" dirty="0">
+                <a:latin typeface="Times New Roman" panose="02020603050405020304" pitchFamily="18" charset="0"/>
+                <a:cs typeface="Times New Roman" panose="02020603050405020304" pitchFamily="18" charset="0"/>
+                <a:hlinkClick r:id="rId3"/>
+              </a:rPr>
+              <a:t>https://embarcados.com.br/cursos/</a:t>
+            </a:r>
+            <a:endParaRPr lang="pt-BR" sz="2400" dirty="0">
+              <a:latin typeface="Times New Roman" panose="02020603050405020304" pitchFamily="18" charset="0"/>
+              <a:cs typeface="Times New Roman" panose="02020603050405020304" pitchFamily="18" charset="0"/>
+            </a:endParaRPr>
+          </a:p>
+          <a:p>
+            <a:pPr marL="0" indent="0" algn="just">
+              <a:buNone/>
+            </a:pPr>
+            <a:endParaRPr lang="pt-BR" sz="2400" dirty="0">
+              <a:latin typeface="Times New Roman" panose="02020603050405020304" pitchFamily="18" charset="0"/>
+              <a:cs typeface="Times New Roman" panose="02020603050405020304" pitchFamily="18" charset="0"/>
+            </a:endParaRPr>
+          </a:p>
+          <a:p>
+            <a:pPr marL="0" indent="0" algn="just">
+              <a:buNone/>
+            </a:pPr>
+            <a:endParaRPr lang="pt-BR" sz="2400" dirty="0">
+              <a:latin typeface="Times New Roman" panose="02020603050405020304" pitchFamily="18" charset="0"/>
+              <a:cs typeface="Times New Roman" panose="02020603050405020304" pitchFamily="18" charset="0"/>
+            </a:endParaRPr>
+          </a:p>
+          <a:p>
+            <a:pPr marL="0" indent="0" algn="just">
+              <a:buNone/>
+            </a:pPr>
+            <a:r>
+              <a:rPr lang="pt-BR" sz="2400" dirty="0">
+                <a:latin typeface="Times New Roman" panose="02020603050405020304" pitchFamily="18" charset="0"/>
+                <a:cs typeface="Times New Roman" panose="02020603050405020304" pitchFamily="18" charset="0"/>
+              </a:rPr>
+              <a:t>[2] Arquitetura de Software para Sistemas Embarcados</a:t>
+            </a:r>
+          </a:p>
+          <a:p>
+            <a:pPr marL="0" indent="0" algn="just">
+              <a:buNone/>
+            </a:pPr>
+            <a:r>
+              <a:rPr lang="pt-BR" sz="2400" b="1" dirty="0">
+                <a:solidFill>
+                  <a:srgbClr val="FF0000"/>
+                </a:solidFill>
+                <a:latin typeface="Times New Roman" panose="02020603050405020304" pitchFamily="18" charset="0"/>
+                <a:cs typeface="Times New Roman" panose="02020603050405020304" pitchFamily="18" charset="0"/>
+              </a:rPr>
+              <a:t>Disponível em: </a:t>
+            </a:r>
+            <a:r>
+              <a:rPr lang="pt-BR" sz="2400" dirty="0">
+                <a:latin typeface="Times New Roman" panose="02020603050405020304" pitchFamily="18" charset="0"/>
+                <a:cs typeface="Times New Roman" panose="02020603050405020304" pitchFamily="18" charset="0"/>
+                <a:hlinkClick r:id="rId4"/>
+              </a:rPr>
+              <a:t>https://www.youtube.com/watch?v=UIAOR32H1vk</a:t>
+            </a:r>
+            <a:endParaRPr lang="pt-BR" sz="2400" dirty="0">
+              <a:latin typeface="Times New Roman" panose="02020603050405020304" pitchFamily="18" charset="0"/>
+              <a:cs typeface="Times New Roman" panose="02020603050405020304" pitchFamily="18" charset="0"/>
+            </a:endParaRPr>
+          </a:p>
+        </p:txBody>
+      </p:sp>
+    </p:spTree>
+    <p:extLst>
+      <p:ext uri="{BB962C8B-B14F-4D97-AF65-F5344CB8AC3E}">
+        <p14:creationId xmlns:p14="http://schemas.microsoft.com/office/powerpoint/2010/main" val="2747596967"/>
+      </p:ext>
+    </p:extLst>
+  </p:cSld>
+  <p:clrMapOvr>
+    <a:masterClrMapping/>
+  </p:clrMapOvr>
+  <p:transition spd="med"/>
+</p:sld>
+</file>
+
+<file path=ppt/slides/slide32.xml><?xml version="1.0" encoding="utf-8"?>
+<p:sld xmlns:a="http://schemas.openxmlformats.org/drawingml/2006/main" xmlns:r="http://schemas.openxmlformats.org/officeDocument/2006/relationships" xmlns:p="http://schemas.openxmlformats.org/presentationml/2006/main">
+  <p:cSld>
+    <p:spTree>
+      <p:nvGrpSpPr>
+        <p:cNvPr id="1" name=""/>
+        <p:cNvGrpSpPr/>
+        <p:nvPr/>
+      </p:nvGrpSpPr>
+      <p:grpSpPr>
+        <a:xfrm>
+          <a:off x="0" y="0"/>
+          <a:ext cx="0" cy="0"/>
+          <a:chOff x="0" y="0"/>
+          <a:chExt cx="0" cy="0"/>
+        </a:xfrm>
+      </p:grpSpPr>
+      <p:sp>
+        <p:nvSpPr>
+          <p:cNvPr id="6" name="Title 1"/>
+          <p:cNvSpPr>
+            <a:spLocks noGrp="1"/>
+          </p:cNvSpPr>
+          <p:nvPr>
+            <p:ph type="title"/>
+          </p:nvPr>
+        </p:nvSpPr>
+        <p:spPr>
+          <a:xfrm>
+            <a:off x="457200" y="205980"/>
+            <a:ext cx="8229600" cy="857251"/>
+          </a:xfrm>
+        </p:spPr>
+        <p:txBody>
+          <a:bodyPr>
+            <a:normAutofit/>
+          </a:bodyPr>
+          <a:lstStyle/>
+          <a:p>
+            <a:r>
+              <a:rPr lang="en-US" b="1" dirty="0" err="1">
+                <a:solidFill>
+                  <a:srgbClr val="0070C0"/>
+                </a:solidFill>
+              </a:rPr>
+              <a:t>Dinâmica</a:t>
+            </a:r>
+            <a:r>
+              <a:rPr lang="en-US" b="1" dirty="0">
+                <a:solidFill>
+                  <a:srgbClr val="0070C0"/>
+                </a:solidFill>
+              </a:rPr>
+              <a:t>/</a:t>
+            </a:r>
+            <a:r>
+              <a:rPr lang="en-US" b="1" dirty="0" err="1">
+                <a:solidFill>
+                  <a:srgbClr val="0070C0"/>
+                </a:solidFill>
+              </a:rPr>
+              <a:t>Atividades</a:t>
+            </a:r>
+            <a:endParaRPr lang="en-US" b="1" dirty="0">
+              <a:solidFill>
+                <a:srgbClr val="0070C0"/>
+              </a:solidFill>
+            </a:endParaRPr>
+          </a:p>
+        </p:txBody>
+      </p:sp>
+      <p:sp>
+        <p:nvSpPr>
+          <p:cNvPr id="8" name="Text Placeholder 2"/>
+          <p:cNvSpPr>
+            <a:spLocks noGrp="1"/>
+          </p:cNvSpPr>
+          <p:nvPr>
+            <p:ph type="body" sz="half" idx="1"/>
+          </p:nvPr>
+        </p:nvSpPr>
+        <p:spPr>
+          <a:xfrm>
+            <a:off x="139472" y="1063230"/>
+            <a:ext cx="8865056" cy="3606305"/>
+          </a:xfrm>
+        </p:spPr>
+        <p:txBody>
+          <a:bodyPr>
+            <a:noAutofit/>
+          </a:bodyPr>
+          <a:lstStyle/>
+          <a:p>
+            <a:pPr marL="0" indent="0" algn="just">
+              <a:buNone/>
+            </a:pPr>
+            <a:r>
+              <a:rPr lang="pt-BR" dirty="0">
+                <a:latin typeface="Times New Roman" panose="02020603050405020304" pitchFamily="18" charset="0"/>
+                <a:cs typeface="Times New Roman" panose="02020603050405020304" pitchFamily="18" charset="0"/>
+              </a:rPr>
+              <a:t>Exercícios (Atividade Verificadora de Aprendizagem)</a:t>
+            </a:r>
+          </a:p>
+          <a:p>
+            <a:pPr marL="0" indent="0" algn="just">
+              <a:buNone/>
+            </a:pPr>
+            <a:r>
+              <a:rPr lang="pt-BR" sz="2000" dirty="0">
+                <a:latin typeface="Times New Roman" panose="02020603050405020304" pitchFamily="18" charset="0"/>
+                <a:cs typeface="Times New Roman" panose="02020603050405020304" pitchFamily="18" charset="0"/>
+              </a:rPr>
+              <a:t> 	</a:t>
+            </a:r>
+          </a:p>
+          <a:p>
+            <a:pPr marL="0" indent="0" algn="just">
+              <a:buNone/>
+            </a:pPr>
+            <a:r>
+              <a:rPr lang="pt-BR" sz="2000" dirty="0">
+                <a:latin typeface="Times New Roman" panose="02020603050405020304" pitchFamily="18" charset="0"/>
+                <a:cs typeface="Times New Roman" panose="02020603050405020304" pitchFamily="18" charset="0"/>
+                <a:hlinkClick r:id="rId3"/>
+              </a:rPr>
+              <a:t>https://quizizz.com/admin/quiz/5aa686b4bc8374001abc8e88/sistemas-embarcados-e-microcontroladores</a:t>
+            </a:r>
+            <a:endParaRPr lang="pt-BR" sz="2000" dirty="0">
+              <a:latin typeface="Times New Roman" panose="02020603050405020304" pitchFamily="18" charset="0"/>
+              <a:cs typeface="Times New Roman" panose="02020603050405020304" pitchFamily="18" charset="0"/>
+            </a:endParaRPr>
+          </a:p>
+          <a:p>
+            <a:pPr marL="0" indent="0" algn="just">
+              <a:buNone/>
+            </a:pPr>
+            <a:endParaRPr lang="pt-BR" sz="2000" dirty="0">
+              <a:latin typeface="Times New Roman" panose="02020603050405020304" pitchFamily="18" charset="0"/>
+              <a:cs typeface="Times New Roman" panose="02020603050405020304" pitchFamily="18" charset="0"/>
+            </a:endParaRPr>
+          </a:p>
+          <a:p>
+            <a:pPr marL="0" indent="0" algn="just">
+              <a:buNone/>
+            </a:pPr>
+            <a:r>
+              <a:rPr lang="pt-BR" sz="2000" dirty="0">
+                <a:latin typeface="Times New Roman" panose="02020603050405020304" pitchFamily="18" charset="0"/>
+                <a:cs typeface="Times New Roman" panose="02020603050405020304" pitchFamily="18" charset="0"/>
+                <a:hlinkClick r:id="rId4"/>
+              </a:rPr>
+              <a:t>https://quizizz.com/admin/quiz/5e8cb43dec5442001b4c12bd/revisao-de-compiladores-u1-e-u2</a:t>
+            </a:r>
+            <a:endParaRPr lang="pt-BR" sz="2000" dirty="0">
+              <a:latin typeface="Times New Roman" panose="02020603050405020304" pitchFamily="18" charset="0"/>
+              <a:cs typeface="Times New Roman" panose="02020603050405020304" pitchFamily="18" charset="0"/>
+            </a:endParaRPr>
+          </a:p>
+          <a:p>
+            <a:pPr marL="0" indent="0" algn="just">
+              <a:buNone/>
+            </a:pPr>
+            <a:endParaRPr lang="pt-BR" sz="2000" dirty="0">
+              <a:latin typeface="Times New Roman" panose="02020603050405020304" pitchFamily="18" charset="0"/>
+              <a:cs typeface="Times New Roman" panose="02020603050405020304" pitchFamily="18" charset="0"/>
+            </a:endParaRPr>
+          </a:p>
+        </p:txBody>
+      </p:sp>
+    </p:spTree>
+    <p:extLst>
+      <p:ext uri="{BB962C8B-B14F-4D97-AF65-F5344CB8AC3E}">
+        <p14:creationId xmlns:p14="http://schemas.microsoft.com/office/powerpoint/2010/main" val="2470652989"/>
+      </p:ext>
+    </p:extLst>
+  </p:cSld>
+  <p:clrMapOvr>
+    <a:masterClrMapping/>
+  </p:clrMapOvr>
+  <p:transition spd="med"/>
+</p:sld>
+</file>
+
+<file path=ppt/slides/slide33.xml><?xml version="1.0" encoding="utf-8"?>
+<p:sld xmlns:a="http://schemas.openxmlformats.org/drawingml/2006/main" xmlns:r="http://schemas.openxmlformats.org/officeDocument/2006/relationships" xmlns:p="http://schemas.openxmlformats.org/presentationml/2006/main">
+  <p:cSld>
+    <p:spTree>
+      <p:nvGrpSpPr>
+        <p:cNvPr id="1" name=""/>
+        <p:cNvGrpSpPr/>
+        <p:nvPr/>
+      </p:nvGrpSpPr>
+      <p:grpSpPr>
+        <a:xfrm>
+          <a:off x="0" y="0"/>
+          <a:ext cx="0" cy="0"/>
+          <a:chOff x="0" y="0"/>
+          <a:chExt cx="0" cy="0"/>
+        </a:xfrm>
+      </p:grpSpPr>
+      <p:sp>
+        <p:nvSpPr>
+          <p:cNvPr id="6" name="Title 1"/>
+          <p:cNvSpPr>
+            <a:spLocks noGrp="1"/>
+          </p:cNvSpPr>
+          <p:nvPr>
+            <p:ph type="title"/>
+          </p:nvPr>
+        </p:nvSpPr>
+        <p:spPr>
+          <a:xfrm>
+            <a:off x="457200" y="205980"/>
+            <a:ext cx="8229600" cy="857251"/>
+          </a:xfrm>
+        </p:spPr>
+        <p:txBody>
+          <a:bodyPr>
+            <a:normAutofit/>
+          </a:bodyPr>
+          <a:lstStyle/>
+          <a:p>
+            <a:r>
+              <a:rPr lang="en-US" b="1" dirty="0" err="1">
+                <a:solidFill>
+                  <a:srgbClr val="0070C0"/>
+                </a:solidFill>
+              </a:rPr>
+              <a:t>Referências</a:t>
+            </a:r>
+            <a:r>
+              <a:rPr lang="en-US" b="1" dirty="0">
+                <a:solidFill>
+                  <a:srgbClr val="0070C0"/>
+                </a:solidFill>
+              </a:rPr>
+              <a:t> </a:t>
+            </a:r>
+            <a:r>
+              <a:rPr lang="en-US" b="1" dirty="0" err="1">
+                <a:solidFill>
+                  <a:srgbClr val="0070C0"/>
+                </a:solidFill>
+              </a:rPr>
+              <a:t>Bibliográficas</a:t>
+            </a:r>
+            <a:endParaRPr lang="en-US" b="1" dirty="0">
+              <a:solidFill>
+                <a:srgbClr val="0070C0"/>
+              </a:solidFill>
+            </a:endParaRPr>
+          </a:p>
+        </p:txBody>
+      </p:sp>
+      <p:sp>
+        <p:nvSpPr>
+          <p:cNvPr id="8" name="Text Placeholder 2"/>
+          <p:cNvSpPr>
+            <a:spLocks noGrp="1"/>
+          </p:cNvSpPr>
+          <p:nvPr>
+            <p:ph type="body" sz="half" idx="1"/>
+          </p:nvPr>
+        </p:nvSpPr>
+        <p:spPr>
+          <a:xfrm>
+            <a:off x="142865" y="1200150"/>
+            <a:ext cx="8865056" cy="3737369"/>
+          </a:xfrm>
+        </p:spPr>
+        <p:txBody>
+          <a:bodyPr>
+            <a:noAutofit/>
+          </a:bodyPr>
+          <a:lstStyle/>
+          <a:p>
+            <a:pPr marL="0" indent="0" algn="just">
+              <a:buNone/>
+            </a:pPr>
+            <a:r>
+              <a:rPr lang="pt-BR" sz="1800" dirty="0">
+                <a:latin typeface="Calibri" panose="020F0502020204030204" pitchFamily="34" charset="0"/>
+              </a:rPr>
+              <a:t>[1] </a:t>
+            </a:r>
+            <a:r>
+              <a:rPr lang="pt-BR" sz="1800" b="1" dirty="0">
+                <a:latin typeface="Calibri" panose="020F0502020204030204" pitchFamily="34" charset="0"/>
+              </a:rPr>
+              <a:t>OSSADA, Jaime </a:t>
+            </a:r>
+            <a:r>
+              <a:rPr lang="pt-BR" sz="1800" b="1" dirty="0" err="1">
+                <a:latin typeface="Calibri" panose="020F0502020204030204" pitchFamily="34" charset="0"/>
+              </a:rPr>
+              <a:t>Cazuhiro</a:t>
+            </a:r>
+            <a:r>
+              <a:rPr lang="pt-BR" sz="1800" b="1" dirty="0">
+                <a:latin typeface="Calibri" panose="020F0502020204030204" pitchFamily="34" charset="0"/>
+              </a:rPr>
+              <a:t> et al. GERSE</a:t>
+            </a:r>
+            <a:r>
+              <a:rPr lang="pt-BR" sz="1800" dirty="0">
+                <a:latin typeface="Calibri" panose="020F0502020204030204" pitchFamily="34" charset="0"/>
+              </a:rPr>
+              <a:t>: Guia de </a:t>
+            </a:r>
+            <a:r>
+              <a:rPr lang="pt-BR" sz="1800" dirty="0" err="1">
+                <a:latin typeface="Calibri" panose="020F0502020204030204" pitchFamily="34" charset="0"/>
+              </a:rPr>
+              <a:t>Elicitação</a:t>
+            </a:r>
+            <a:r>
+              <a:rPr lang="pt-BR" sz="1800" dirty="0">
+                <a:latin typeface="Calibri" panose="020F0502020204030204" pitchFamily="34" charset="0"/>
+              </a:rPr>
+              <a:t> de Requisitos para Sistemas Embarcados. In: WER. 2012.</a:t>
+            </a:r>
+          </a:p>
+          <a:p>
+            <a:pPr marL="0" indent="0" algn="just">
+              <a:buNone/>
+            </a:pPr>
+            <a:endParaRPr lang="pt-BR" sz="1800" dirty="0">
+              <a:latin typeface="Calibri" panose="020F0502020204030204" pitchFamily="34" charset="0"/>
+            </a:endParaRPr>
+          </a:p>
+          <a:p>
+            <a:pPr marL="0" indent="0" algn="just">
+              <a:buNone/>
+            </a:pPr>
+            <a:r>
+              <a:rPr lang="pt-BR" sz="1800" dirty="0">
+                <a:latin typeface="Calibri" panose="020F0502020204030204" pitchFamily="34" charset="0"/>
+              </a:rPr>
+              <a:t>[2] </a:t>
+            </a:r>
+            <a:r>
+              <a:rPr lang="pt-BR" sz="1800" b="1" dirty="0">
+                <a:latin typeface="Calibri" panose="020F0502020204030204" pitchFamily="34" charset="0"/>
+              </a:rPr>
+              <a:t>BARBIERO, Andréia Aparecida; HEXSEL, Roberto André.</a:t>
+            </a:r>
+            <a:r>
+              <a:rPr lang="pt-BR" sz="1800" dirty="0">
+                <a:latin typeface="Calibri" panose="020F0502020204030204" pitchFamily="34" charset="0"/>
+              </a:rPr>
+              <a:t> </a:t>
+            </a:r>
+            <a:r>
+              <a:rPr lang="pt-BR" sz="1800" dirty="0" err="1">
+                <a:latin typeface="Calibri" panose="020F0502020204030204" pitchFamily="34" charset="0"/>
+              </a:rPr>
+              <a:t>Simulaçao</a:t>
+            </a:r>
+            <a:r>
+              <a:rPr lang="pt-BR" sz="1800" dirty="0">
+                <a:latin typeface="Calibri" panose="020F0502020204030204" pitchFamily="34" charset="0"/>
+              </a:rPr>
+              <a:t> de Sistemas Embarcados utilizando </a:t>
+            </a:r>
+            <a:r>
+              <a:rPr lang="pt-BR" sz="1800" dirty="0" err="1">
+                <a:latin typeface="Calibri" panose="020F0502020204030204" pitchFamily="34" charset="0"/>
+              </a:rPr>
+              <a:t>ArchC</a:t>
+            </a:r>
+            <a:r>
+              <a:rPr lang="pt-BR" sz="1800" dirty="0">
+                <a:latin typeface="Calibri" panose="020F0502020204030204" pitchFamily="34" charset="0"/>
+              </a:rPr>
+              <a:t>. In: Anais do VII Workshop em Sistemas Computacionais de Alto Desempenho. SBC, 2006. p. 17-24.</a:t>
+            </a:r>
+          </a:p>
+          <a:p>
+            <a:pPr marL="0" indent="0" algn="just">
+              <a:buNone/>
+            </a:pPr>
+            <a:endParaRPr lang="pt-BR" sz="1800" dirty="0">
+              <a:latin typeface="Calibri" panose="020F0502020204030204" pitchFamily="34" charset="0"/>
+            </a:endParaRPr>
+          </a:p>
+          <a:p>
+            <a:pPr marL="0" indent="0" algn="just">
+              <a:buNone/>
+            </a:pPr>
+            <a:r>
+              <a:rPr lang="pt-BR" sz="1800" dirty="0">
+                <a:latin typeface="Times New Roman" panose="02020603050405020304" pitchFamily="18" charset="0"/>
+                <a:cs typeface="Times New Roman" panose="02020603050405020304" pitchFamily="18" charset="0"/>
+              </a:rPr>
+              <a:t>[3] </a:t>
+            </a:r>
+            <a:r>
+              <a:rPr lang="pt-BR" sz="1800" b="1" dirty="0">
+                <a:latin typeface="Times New Roman" panose="02020603050405020304" pitchFamily="18" charset="0"/>
+                <a:cs typeface="Times New Roman" panose="02020603050405020304" pitchFamily="18" charset="0"/>
+              </a:rPr>
+              <a:t>CUNHA, Alessandro F</a:t>
+            </a:r>
+            <a:r>
+              <a:rPr lang="pt-BR" sz="1800" dirty="0">
+                <a:latin typeface="Times New Roman" panose="02020603050405020304" pitchFamily="18" charset="0"/>
+                <a:cs typeface="Times New Roman" panose="02020603050405020304" pitchFamily="18" charset="0"/>
+              </a:rPr>
+              <a:t>. O que são sistemas embarcados. Saber Eletrônica, v. 43, n. 414, p. 1-6, 2007.</a:t>
+            </a:r>
+          </a:p>
+          <a:p>
+            <a:pPr marL="0" indent="0" algn="just">
+              <a:buNone/>
+            </a:pPr>
+            <a:endParaRPr lang="pt-BR" sz="1800" dirty="0">
+              <a:latin typeface="Times New Roman" panose="02020603050405020304" pitchFamily="18" charset="0"/>
+              <a:cs typeface="Times New Roman" panose="02020603050405020304" pitchFamily="18" charset="0"/>
+            </a:endParaRPr>
+          </a:p>
+          <a:p>
+            <a:pPr marL="0" indent="0" algn="just">
+              <a:buNone/>
+            </a:pPr>
+            <a:r>
+              <a:rPr lang="pt-BR" sz="1800" dirty="0">
+                <a:latin typeface="Times New Roman" panose="02020603050405020304" pitchFamily="18" charset="0"/>
+                <a:cs typeface="Times New Roman" panose="02020603050405020304" pitchFamily="18" charset="0"/>
+              </a:rPr>
+              <a:t>[4] </a:t>
+            </a:r>
+            <a:r>
+              <a:rPr lang="pt-BR" sz="1800" b="1" dirty="0">
+                <a:latin typeface="Times New Roman" panose="02020603050405020304" pitchFamily="18" charset="0"/>
+                <a:cs typeface="Times New Roman" panose="02020603050405020304" pitchFamily="18" charset="0"/>
+              </a:rPr>
+              <a:t>OSSADA, Jaime </a:t>
+            </a:r>
+            <a:r>
+              <a:rPr lang="pt-BR" sz="1800" b="1" dirty="0" err="1">
+                <a:latin typeface="Times New Roman" panose="02020603050405020304" pitchFamily="18" charset="0"/>
+                <a:cs typeface="Times New Roman" panose="02020603050405020304" pitchFamily="18" charset="0"/>
+              </a:rPr>
+              <a:t>Cazuhiro</a:t>
+            </a:r>
+            <a:r>
+              <a:rPr lang="pt-BR" sz="1800" b="1" dirty="0">
+                <a:latin typeface="Times New Roman" panose="02020603050405020304" pitchFamily="18" charset="0"/>
+                <a:cs typeface="Times New Roman" panose="02020603050405020304" pitchFamily="18" charset="0"/>
+              </a:rPr>
+              <a:t> et al. GERSE</a:t>
+            </a:r>
+            <a:r>
+              <a:rPr lang="pt-BR" sz="1800" dirty="0">
+                <a:latin typeface="Times New Roman" panose="02020603050405020304" pitchFamily="18" charset="0"/>
+                <a:cs typeface="Times New Roman" panose="02020603050405020304" pitchFamily="18" charset="0"/>
+              </a:rPr>
+              <a:t>: Guia de </a:t>
+            </a:r>
+            <a:r>
+              <a:rPr lang="pt-BR" sz="1800" dirty="0" err="1">
+                <a:latin typeface="Times New Roman" panose="02020603050405020304" pitchFamily="18" charset="0"/>
+                <a:cs typeface="Times New Roman" panose="02020603050405020304" pitchFamily="18" charset="0"/>
+              </a:rPr>
+              <a:t>Elicitação</a:t>
+            </a:r>
+            <a:r>
+              <a:rPr lang="pt-BR" sz="1800" dirty="0">
+                <a:latin typeface="Times New Roman" panose="02020603050405020304" pitchFamily="18" charset="0"/>
+                <a:cs typeface="Times New Roman" panose="02020603050405020304" pitchFamily="18" charset="0"/>
+              </a:rPr>
+              <a:t> de Requisitos para Sistemas Embarcados. In: WER. 2012.</a:t>
+            </a:r>
+          </a:p>
+          <a:p>
+            <a:pPr marL="0" indent="0" algn="just">
+              <a:buNone/>
+            </a:pPr>
+            <a:endParaRPr lang="pt-BR" sz="1800" dirty="0">
+              <a:latin typeface="Times New Roman" panose="02020603050405020304" pitchFamily="18" charset="0"/>
+              <a:cs typeface="Times New Roman" panose="02020603050405020304" pitchFamily="18" charset="0"/>
+            </a:endParaRPr>
+          </a:p>
+        </p:txBody>
+      </p:sp>
+    </p:spTree>
+    <p:extLst>
+      <p:ext uri="{BB962C8B-B14F-4D97-AF65-F5344CB8AC3E}">
+        <p14:creationId xmlns:p14="http://schemas.microsoft.com/office/powerpoint/2010/main" val="1115311843"/>
+      </p:ext>
+    </p:extLst>
+  </p:cSld>
+  <p:clrMapOvr>
+    <a:masterClrMapping/>
+  </p:clrMapOvr>
+  <p:transition spd="med"/>
+</p:sld>
+</file>
+
+<file path=ppt/slides/slide34.xml><?xml version="1.0" encoding="utf-8"?>
+<p:sld xmlns:a="http://schemas.openxmlformats.org/drawingml/2006/main" xmlns:r="http://schemas.openxmlformats.org/officeDocument/2006/relationships" xmlns:p="http://schemas.openxmlformats.org/presentationml/2006/main">
+  <p:cSld>
+    <p:spTree>
+      <p:nvGrpSpPr>
+        <p:cNvPr id="1" name=""/>
+        <p:cNvGrpSpPr/>
+        <p:nvPr/>
+      </p:nvGrpSpPr>
+      <p:grpSpPr>
+        <a:xfrm>
+          <a:off x="0" y="0"/>
+          <a:ext cx="0" cy="0"/>
+          <a:chOff x="0" y="0"/>
+          <a:chExt cx="0" cy="0"/>
+        </a:xfrm>
+      </p:grpSpPr>
+      <p:pic>
+        <p:nvPicPr>
+          <p:cNvPr id="112" name="Picture 6" descr="Picture 6"/>
+          <p:cNvPicPr>
+            <a:picLocks noChangeAspect="1"/>
+          </p:cNvPicPr>
+          <p:nvPr/>
+        </p:nvPicPr>
+        <p:blipFill>
+          <a:blip r:embed="rId2"/>
+          <a:stretch>
+            <a:fillRect/>
+          </a:stretch>
+        </p:blipFill>
+        <p:spPr>
+          <a:xfrm>
+            <a:off x="0" y="0"/>
+            <a:ext cx="9144000" cy="5143500"/>
+          </a:xfrm>
+          <a:prstGeom prst="rect">
+            <a:avLst/>
+          </a:prstGeom>
+          <a:ln w="12700">
+            <a:miter lim="400000"/>
+            <a:headEnd/>
+            <a:tailEnd/>
+          </a:ln>
+        </p:spPr>
+      </p:pic>
+      <p:pic>
+        <p:nvPicPr>
+          <p:cNvPr id="114" name="Picture 5" descr="Picture 5"/>
+          <p:cNvPicPr>
+            <a:picLocks noChangeAspect="1"/>
+          </p:cNvPicPr>
+          <p:nvPr/>
+        </p:nvPicPr>
+        <p:blipFill>
+          <a:blip r:embed="rId3"/>
+          <a:stretch>
+            <a:fillRect/>
+          </a:stretch>
+        </p:blipFill>
+        <p:spPr>
+          <a:xfrm>
+            <a:off x="469900" y="0"/>
+            <a:ext cx="4391984" cy="171450"/>
+          </a:xfrm>
+          <a:prstGeom prst="rect">
+            <a:avLst/>
+          </a:prstGeom>
+          <a:ln w="12700">
+            <a:miter lim="400000"/>
+            <a:headEnd/>
+            <a:tailEnd/>
+          </a:ln>
+        </p:spPr>
+      </p:pic>
+      <p:sp>
+        <p:nvSpPr>
+          <p:cNvPr id="3" name="Título 2"/>
+          <p:cNvSpPr>
+            <a:spLocks noGrp="1"/>
+          </p:cNvSpPr>
+          <p:nvPr>
+            <p:ph type="title"/>
+          </p:nvPr>
+        </p:nvSpPr>
+        <p:spPr>
+          <a:xfrm>
+            <a:off x="285751" y="2386770"/>
+            <a:ext cx="8615364" cy="1102519"/>
+          </a:xfrm>
+        </p:spPr>
+        <p:txBody>
+          <a:bodyPr>
+            <a:noAutofit/>
+          </a:bodyPr>
+          <a:lstStyle/>
+          <a:p>
+            <a:r>
+              <a:rPr lang="pt-BR" sz="4800" b="1" dirty="0">
+                <a:solidFill>
+                  <a:schemeClr val="bg1"/>
+                </a:solidFill>
+              </a:rPr>
+              <a:t>Programação Microcontroladores</a:t>
+            </a:r>
+          </a:p>
+        </p:txBody>
+      </p:sp>
+      <p:sp>
+        <p:nvSpPr>
+          <p:cNvPr id="6" name="Título 2"/>
+          <p:cNvSpPr txBox="1"/>
+          <p:nvPr/>
+        </p:nvSpPr>
+        <p:spPr>
+          <a:xfrm>
+            <a:off x="975683" y="3866663"/>
+            <a:ext cx="7772400" cy="1102519"/>
+          </a:xfrm>
+          <a:prstGeom prst="rect">
+            <a:avLst/>
+          </a:prstGeom>
+          <a:ln w="12700">
+            <a:miter lim="400000"/>
+          </a:ln>
+        </p:spPr>
+        <p:txBody>
+          <a:bodyPr lIns="45718" tIns="45718" rIns="45718" bIns="45718" anchor="ctr">
+            <a:noAutofit/>
+          </a:bodyPr>
+          <a:lstStyle>
+            <a:lvl1pPr marL="0" marR="0" indent="0" algn="ctr" defTabSz="457200" rtl="0" latinLnBrk="0">
+              <a:lnSpc>
+                <a:spcPct val="100000"/>
+              </a:lnSpc>
+              <a:spcBef>
+                <a:spcPts val="0"/>
+              </a:spcBef>
+              <a:spcAft>
+                <a:spcPts val="0"/>
+              </a:spcAft>
+              <a:buClrTx/>
+              <a:buSzTx/>
+              <a:buFontTx/>
+              <a:buNone/>
+              <a:defRPr sz="4400" b="0" i="0" u="none" strike="noStrike" cap="none" spc="0" baseline="0">
+                <a:ln>
+                  <a:noFill/>
+                </a:ln>
+                <a:solidFill>
+                  <a:srgbClr val="000000"/>
+                </a:solidFill>
+                <a:uFillTx/>
+                <a:latin typeface="+mj-lt"/>
+                <a:ea typeface="+mj-ea"/>
+                <a:cs typeface="+mj-cs"/>
+                <a:sym typeface="Calibri"/>
+              </a:defRPr>
+            </a:lvl1pPr>
+            <a:lvl2pPr marL="0" marR="0" indent="0" algn="ctr" defTabSz="457200" rtl="0" latinLnBrk="0">
+              <a:lnSpc>
+                <a:spcPct val="100000"/>
+              </a:lnSpc>
+              <a:spcBef>
+                <a:spcPts val="0"/>
+              </a:spcBef>
+              <a:spcAft>
+                <a:spcPts val="0"/>
+              </a:spcAft>
+              <a:buClrTx/>
+              <a:buSzTx/>
+              <a:buFontTx/>
+              <a:buNone/>
+              <a:defRPr sz="4400" b="0" i="0" u="none" strike="noStrike" cap="none" spc="0" baseline="0">
+                <a:ln>
+                  <a:noFill/>
+                </a:ln>
+                <a:solidFill>
+                  <a:srgbClr val="000000"/>
+                </a:solidFill>
+                <a:uFillTx/>
+                <a:latin typeface="+mj-lt"/>
+                <a:ea typeface="+mj-ea"/>
+                <a:cs typeface="+mj-cs"/>
+                <a:sym typeface="Calibri"/>
+              </a:defRPr>
+            </a:lvl2pPr>
+            <a:lvl3pPr marL="0" marR="0" indent="0" algn="ctr" defTabSz="457200" rtl="0" latinLnBrk="0">
+              <a:lnSpc>
+                <a:spcPct val="100000"/>
+              </a:lnSpc>
+              <a:spcBef>
+                <a:spcPts val="0"/>
+              </a:spcBef>
+              <a:spcAft>
+                <a:spcPts val="0"/>
+              </a:spcAft>
+              <a:buClrTx/>
+              <a:buSzTx/>
+              <a:buFontTx/>
+              <a:buNone/>
+              <a:defRPr sz="4400" b="0" i="0" u="none" strike="noStrike" cap="none" spc="0" baseline="0">
+                <a:ln>
+                  <a:noFill/>
+                </a:ln>
+                <a:solidFill>
+                  <a:srgbClr val="000000"/>
+                </a:solidFill>
+                <a:uFillTx/>
+                <a:latin typeface="+mj-lt"/>
+                <a:ea typeface="+mj-ea"/>
+                <a:cs typeface="+mj-cs"/>
+                <a:sym typeface="Calibri"/>
+              </a:defRPr>
+            </a:lvl3pPr>
+            <a:lvl4pPr marL="0" marR="0" indent="0" algn="ctr" defTabSz="457200" rtl="0" latinLnBrk="0">
+              <a:lnSpc>
+                <a:spcPct val="100000"/>
+              </a:lnSpc>
+              <a:spcBef>
+                <a:spcPts val="0"/>
+              </a:spcBef>
+              <a:spcAft>
+                <a:spcPts val="0"/>
+              </a:spcAft>
+              <a:buClrTx/>
+              <a:buSzTx/>
+              <a:buFontTx/>
+              <a:buNone/>
+              <a:defRPr sz="4400" b="0" i="0" u="none" strike="noStrike" cap="none" spc="0" baseline="0">
+                <a:ln>
+                  <a:noFill/>
+                </a:ln>
+                <a:solidFill>
+                  <a:srgbClr val="000000"/>
+                </a:solidFill>
+                <a:uFillTx/>
+                <a:latin typeface="+mj-lt"/>
+                <a:ea typeface="+mj-ea"/>
+                <a:cs typeface="+mj-cs"/>
+                <a:sym typeface="Calibri"/>
+              </a:defRPr>
+            </a:lvl4pPr>
+            <a:lvl5pPr marL="0" marR="0" indent="0" algn="ctr" defTabSz="457200" rtl="0" latinLnBrk="0">
+              <a:lnSpc>
+                <a:spcPct val="100000"/>
+              </a:lnSpc>
+              <a:spcBef>
+                <a:spcPts val="0"/>
+              </a:spcBef>
+              <a:spcAft>
+                <a:spcPts val="0"/>
+              </a:spcAft>
+              <a:buClrTx/>
+              <a:buSzTx/>
+              <a:buFontTx/>
+              <a:buNone/>
+              <a:defRPr sz="4400" b="0" i="0" u="none" strike="noStrike" cap="none" spc="0" baseline="0">
+                <a:ln>
+                  <a:noFill/>
+                </a:ln>
+                <a:solidFill>
+                  <a:srgbClr val="000000"/>
+                </a:solidFill>
+                <a:uFillTx/>
+                <a:latin typeface="+mj-lt"/>
+                <a:ea typeface="+mj-ea"/>
+                <a:cs typeface="+mj-cs"/>
+                <a:sym typeface="Calibri"/>
+              </a:defRPr>
+            </a:lvl5pPr>
+            <a:lvl6pPr marL="0" marR="0" indent="0" algn="ctr" defTabSz="457200" rtl="0" latinLnBrk="0">
+              <a:lnSpc>
+                <a:spcPct val="100000"/>
+              </a:lnSpc>
+              <a:spcBef>
+                <a:spcPts val="0"/>
+              </a:spcBef>
+              <a:spcAft>
+                <a:spcPts val="0"/>
+              </a:spcAft>
+              <a:buClrTx/>
+              <a:buSzTx/>
+              <a:buFontTx/>
+              <a:buNone/>
+              <a:defRPr sz="4400" b="0" i="0" u="none" strike="noStrike" cap="none" spc="0" baseline="0">
+                <a:ln>
+                  <a:noFill/>
+                </a:ln>
+                <a:solidFill>
+                  <a:srgbClr val="000000"/>
+                </a:solidFill>
+                <a:uFillTx/>
+                <a:latin typeface="+mj-lt"/>
+                <a:ea typeface="+mj-ea"/>
+                <a:cs typeface="+mj-cs"/>
+                <a:sym typeface="Calibri"/>
+              </a:defRPr>
+            </a:lvl6pPr>
+            <a:lvl7pPr marL="0" marR="0" indent="0" algn="ctr" defTabSz="457200" rtl="0" latinLnBrk="0">
+              <a:lnSpc>
+                <a:spcPct val="100000"/>
+              </a:lnSpc>
+              <a:spcBef>
+                <a:spcPts val="0"/>
+              </a:spcBef>
+              <a:spcAft>
+                <a:spcPts val="0"/>
+              </a:spcAft>
+              <a:buClrTx/>
+              <a:buSzTx/>
+              <a:buFontTx/>
+              <a:buNone/>
+              <a:defRPr sz="4400" b="0" i="0" u="none" strike="noStrike" cap="none" spc="0" baseline="0">
+                <a:ln>
+                  <a:noFill/>
+                </a:ln>
+                <a:solidFill>
+                  <a:srgbClr val="000000"/>
+                </a:solidFill>
+                <a:uFillTx/>
+                <a:latin typeface="+mj-lt"/>
+                <a:ea typeface="+mj-ea"/>
+                <a:cs typeface="+mj-cs"/>
+                <a:sym typeface="Calibri"/>
+              </a:defRPr>
+            </a:lvl7pPr>
+            <a:lvl8pPr marL="0" marR="0" indent="0" algn="ctr" defTabSz="457200" rtl="0" latinLnBrk="0">
+              <a:lnSpc>
+                <a:spcPct val="100000"/>
+              </a:lnSpc>
+              <a:spcBef>
+                <a:spcPts val="0"/>
+              </a:spcBef>
+              <a:spcAft>
+                <a:spcPts val="0"/>
+              </a:spcAft>
+              <a:buClrTx/>
+              <a:buSzTx/>
+              <a:buFontTx/>
+              <a:buNone/>
+              <a:defRPr sz="4400" b="0" i="0" u="none" strike="noStrike" cap="none" spc="0" baseline="0">
+                <a:ln>
+                  <a:noFill/>
+                </a:ln>
+                <a:solidFill>
+                  <a:srgbClr val="000000"/>
+                </a:solidFill>
+                <a:uFillTx/>
+                <a:latin typeface="+mj-lt"/>
+                <a:ea typeface="+mj-ea"/>
+                <a:cs typeface="+mj-cs"/>
+                <a:sym typeface="Calibri"/>
+              </a:defRPr>
+            </a:lvl8pPr>
+            <a:lvl9pPr marL="0" marR="0" indent="0" algn="ctr" defTabSz="457200" rtl="0" latinLnBrk="0">
+              <a:lnSpc>
+                <a:spcPct val="100000"/>
+              </a:lnSpc>
+              <a:spcBef>
+                <a:spcPts val="0"/>
+              </a:spcBef>
+              <a:spcAft>
+                <a:spcPts val="0"/>
+              </a:spcAft>
+              <a:buClrTx/>
+              <a:buSzTx/>
+              <a:buFontTx/>
+              <a:buNone/>
+              <a:defRPr sz="4400" b="0" i="0" u="none" strike="noStrike" cap="none" spc="0" baseline="0">
+                <a:ln>
+                  <a:noFill/>
+                </a:ln>
+                <a:solidFill>
+                  <a:srgbClr val="000000"/>
+                </a:solidFill>
+                <a:uFillTx/>
+                <a:latin typeface="+mj-lt"/>
+                <a:ea typeface="+mj-ea"/>
+                <a:cs typeface="+mj-cs"/>
+                <a:sym typeface="Calibri"/>
+              </a:defRPr>
+            </a:lvl9pPr>
+          </a:lstStyle>
+          <a:p>
+            <a:pPr algn="r" hangingPunct="1"/>
+            <a:r>
+              <a:rPr lang="pt-BR" sz="2000" b="1" dirty="0">
+                <a:solidFill>
+                  <a:schemeClr val="bg1"/>
+                </a:solidFill>
+              </a:rPr>
+              <a:t>Professor </a:t>
+            </a:r>
+            <a:r>
+              <a:rPr lang="pt-BR" sz="2000" b="1">
+                <a:solidFill>
+                  <a:schemeClr val="bg1"/>
+                </a:solidFill>
+              </a:rPr>
+              <a:t>M.Sc</a:t>
+            </a:r>
+            <a:r>
+              <a:rPr lang="pt-BR" sz="2000" b="1" dirty="0">
+                <a:solidFill>
+                  <a:schemeClr val="bg1"/>
+                </a:solidFill>
+              </a:rPr>
+              <a:t>. Heleno Cardoso</a:t>
+            </a:r>
+          </a:p>
+        </p:txBody>
+      </p:sp>
+      <p:pic>
+        <p:nvPicPr>
+          <p:cNvPr id="2" name="Google Shape;62;p1" descr="Imagem">
+            <a:extLst>
+              <a:ext uri="{FF2B5EF4-FFF2-40B4-BE49-F238E27FC236}">
+                <a16:creationId xmlns:a16="http://schemas.microsoft.com/office/drawing/2014/main" id="{9C895622-2963-024D-634E-EA58F5381D06}"/>
+              </a:ext>
+            </a:extLst>
+          </p:cNvPr>
+          <p:cNvPicPr preferRelativeResize="0"/>
+          <p:nvPr/>
+        </p:nvPicPr>
+        <p:blipFill rotWithShape="1">
+          <a:blip r:embed="rId4">
+            <a:alphaModFix/>
+          </a:blip>
+          <a:srcRect/>
+          <a:stretch/>
+        </p:blipFill>
+        <p:spPr>
+          <a:xfrm>
+            <a:off x="469898" y="343798"/>
+            <a:ext cx="2858518" cy="1338697"/>
+          </a:xfrm>
+          <a:prstGeom prst="rect">
+            <a:avLst/>
+          </a:prstGeom>
+          <a:noFill/>
+          <a:ln>
+            <a:noFill/>
+          </a:ln>
+        </p:spPr>
+      </p:pic>
+    </p:spTree>
   </p:cSld>
   <p:clrMapOvr>
     <a:masterClrMapping/>
@@ -9192,8 +16257,67 @@
                 <a:latin typeface="Times New Roman" panose="02020603050405020304" pitchFamily="18" charset="0"/>
                 <a:cs typeface="Times New Roman" panose="02020603050405020304" pitchFamily="18" charset="0"/>
               </a:rPr>
-              <a:t>Os sistemas embarcados são programados com um conjunto de instruções, chamado de código de programação, que especifica como o sistema deve funcionar. </a:t>
-            </a:r>
+              <a:t>Os sistemas embarcados são programados com um conjunto de instruções, chamado de código de programação, que especifica como o sistema deve funcionar.</a:t>
+            </a:r>
+          </a:p>
+          <a:p>
+            <a:pPr marL="0" indent="0" algn="just">
+              <a:buNone/>
+            </a:pPr>
+            <a:endParaRPr lang="pt-BR" sz="2000" dirty="0">
+              <a:solidFill>
+                <a:schemeClr val="tx1"/>
+              </a:solidFill>
+              <a:latin typeface="Times New Roman" panose="02020603050405020304" pitchFamily="18" charset="0"/>
+              <a:cs typeface="Times New Roman" panose="02020603050405020304" pitchFamily="18" charset="0"/>
+            </a:endParaRPr>
+          </a:p>
+          <a:p>
+            <a:pPr marL="0" indent="0" algn="just">
+              <a:buNone/>
+            </a:pPr>
+            <a:r>
+              <a:rPr lang="pt-BR" sz="2000" dirty="0">
+                <a:solidFill>
+                  <a:schemeClr val="tx1"/>
+                </a:solidFill>
+                <a:latin typeface="Times New Roman" panose="02020603050405020304" pitchFamily="18" charset="0"/>
+                <a:cs typeface="Times New Roman" panose="02020603050405020304" pitchFamily="18" charset="0"/>
+                <a:hlinkClick r:id="rId3"/>
+              </a:rPr>
+              <a:t>https://embarcados.com.br/tag/linguagem-c/</a:t>
+            </a:r>
+            <a:endParaRPr lang="pt-BR" sz="2000" dirty="0">
+              <a:solidFill>
+                <a:schemeClr val="tx1"/>
+              </a:solidFill>
+              <a:latin typeface="Times New Roman" panose="02020603050405020304" pitchFamily="18" charset="0"/>
+              <a:cs typeface="Times New Roman" panose="02020603050405020304" pitchFamily="18" charset="0"/>
+            </a:endParaRPr>
+          </a:p>
+          <a:p>
+            <a:pPr marL="0" indent="0" algn="just">
+              <a:buNone/>
+            </a:pPr>
+            <a:endParaRPr lang="pt-BR" sz="2000" dirty="0">
+              <a:solidFill>
+                <a:schemeClr val="tx1"/>
+              </a:solidFill>
+              <a:latin typeface="Times New Roman" panose="02020603050405020304" pitchFamily="18" charset="0"/>
+              <a:cs typeface="Times New Roman" panose="02020603050405020304" pitchFamily="18" charset="0"/>
+            </a:endParaRPr>
+          </a:p>
+          <a:p>
+            <a:pPr marL="0" indent="0" algn="just">
+              <a:buNone/>
+            </a:pPr>
+            <a:endParaRPr lang="pt-BR" sz="2000" dirty="0">
+              <a:solidFill>
+                <a:schemeClr val="tx1"/>
+              </a:solidFill>
+              <a:latin typeface="Times New Roman" panose="02020603050405020304" pitchFamily="18" charset="0"/>
+              <a:cs typeface="Times New Roman" panose="02020603050405020304" pitchFamily="18" charset="0"/>
+            </a:endParaRPr>
           </a:p>
           <a:p>
             <a:pPr marL="0" indent="0" algn="just">

--- a/01 Classes/Aula 02 - Programação Microcontroladores.pptx
+++ b/01 Classes/Aula 02 - Programação Microcontroladores.pptx
@@ -5,7 +5,7 @@
     <p:sldMasterId id="2147483648" r:id="rId1"/>
   </p:sldMasterIdLst>
   <p:notesMasterIdLst>
-    <p:notesMasterId r:id="rId36"/>
+    <p:notesMasterId r:id="rId41"/>
   </p:notesMasterIdLst>
   <p:sldIdLst>
     <p:sldId id="256" r:id="rId2"/>
@@ -36,12 +36,17 @@
     <p:sldId id="340" r:id="rId27"/>
     <p:sldId id="364" r:id="rId28"/>
     <p:sldId id="363" r:id="rId29"/>
-    <p:sldId id="341" r:id="rId30"/>
-    <p:sldId id="333" r:id="rId31"/>
-    <p:sldId id="323" r:id="rId32"/>
-    <p:sldId id="334" r:id="rId33"/>
-    <p:sldId id="337" r:id="rId34"/>
-    <p:sldId id="309" r:id="rId35"/>
+    <p:sldId id="369" r:id="rId30"/>
+    <p:sldId id="341" r:id="rId31"/>
+    <p:sldId id="365" r:id="rId32"/>
+    <p:sldId id="366" r:id="rId33"/>
+    <p:sldId id="367" r:id="rId34"/>
+    <p:sldId id="368" r:id="rId35"/>
+    <p:sldId id="333" r:id="rId36"/>
+    <p:sldId id="323" r:id="rId37"/>
+    <p:sldId id="334" r:id="rId38"/>
+    <p:sldId id="337" r:id="rId39"/>
+    <p:sldId id="309" r:id="rId40"/>
   </p:sldIdLst>
   <p:sldSz cx="9144000" cy="5143500" type="screen16x9"/>
   <p:notesSz cx="6858000" cy="9144000"/>
@@ -1898,7 +1903,7 @@
     </p:spTree>
     <p:extLst>
       <p:ext uri="{BB962C8B-B14F-4D97-AF65-F5344CB8AC3E}">
-        <p14:creationId xmlns:p14="http://schemas.microsoft.com/office/powerpoint/2010/main" val="3603767268"/>
+        <p14:creationId xmlns:p14="http://schemas.microsoft.com/office/powerpoint/2010/main" val="2069260822"/>
       </p:ext>
     </p:extLst>
   </p:cSld>
@@ -1964,7 +1969,7 @@
     </p:spTree>
     <p:extLst>
       <p:ext uri="{BB962C8B-B14F-4D97-AF65-F5344CB8AC3E}">
-        <p14:creationId xmlns:p14="http://schemas.microsoft.com/office/powerpoint/2010/main" val="585304384"/>
+        <p14:creationId xmlns:p14="http://schemas.microsoft.com/office/powerpoint/2010/main" val="3603767268"/>
       </p:ext>
     </p:extLst>
   </p:cSld>
@@ -2096,7 +2101,7 @@
     </p:spTree>
     <p:extLst>
       <p:ext uri="{BB962C8B-B14F-4D97-AF65-F5344CB8AC3E}">
-        <p14:creationId xmlns:p14="http://schemas.microsoft.com/office/powerpoint/2010/main" val="2709569597"/>
+        <p14:creationId xmlns:p14="http://schemas.microsoft.com/office/powerpoint/2010/main" val="3775760816"/>
       </p:ext>
     </p:extLst>
   </p:cSld>
@@ -2162,6 +2167,336 @@
     </p:spTree>
     <p:extLst>
       <p:ext uri="{BB962C8B-B14F-4D97-AF65-F5344CB8AC3E}">
+        <p14:creationId xmlns:p14="http://schemas.microsoft.com/office/powerpoint/2010/main" val="872966617"/>
+      </p:ext>
+    </p:extLst>
+  </p:cSld>
+  <p:clrMapOvr>
+    <a:masterClrMapping/>
+  </p:clrMapOvr>
+</p:notes>
+</file>
+
+<file path=ppt/notesSlides/notesSlide32.xml><?xml version="1.0" encoding="utf-8"?>
+<p:notes xmlns:a="http://schemas.openxmlformats.org/drawingml/2006/main" xmlns:r="http://schemas.openxmlformats.org/officeDocument/2006/relationships" xmlns:p="http://schemas.openxmlformats.org/presentationml/2006/main">
+  <p:cSld>
+    <p:spTree>
+      <p:nvGrpSpPr>
+        <p:cNvPr id="1" name=""/>
+        <p:cNvGrpSpPr/>
+        <p:nvPr/>
+      </p:nvGrpSpPr>
+      <p:grpSpPr>
+        <a:xfrm>
+          <a:off x="0" y="0"/>
+          <a:ext cx="0" cy="0"/>
+          <a:chOff x="0" y="0"/>
+          <a:chExt cx="0" cy="0"/>
+        </a:xfrm>
+      </p:grpSpPr>
+      <p:sp>
+        <p:nvSpPr>
+          <p:cNvPr id="2" name="Espaço Reservado para Imagem de Slide 1"/>
+          <p:cNvSpPr>
+            <a:spLocks noGrp="1" noRot="1" noChangeAspect="1"/>
+          </p:cNvSpPr>
+          <p:nvPr>
+            <p:ph type="sldImg"/>
+          </p:nvPr>
+        </p:nvSpPr>
+        <p:spPr>
+          <a:xfrm>
+            <a:off x="381000" y="685800"/>
+            <a:ext cx="6096000" cy="3429000"/>
+          </a:xfrm>
+        </p:spPr>
+      </p:sp>
+      <p:sp>
+        <p:nvSpPr>
+          <p:cNvPr id="3" name="Espaço Reservado para Anotações 2"/>
+          <p:cNvSpPr>
+            <a:spLocks noGrp="1"/>
+          </p:cNvSpPr>
+          <p:nvPr>
+            <p:ph type="body" idx="1"/>
+          </p:nvPr>
+        </p:nvSpPr>
+        <p:spPr/>
+        <p:txBody>
+          <a:bodyPr/>
+          <a:lstStyle/>
+          <a:p>
+            <a:endParaRPr lang="pt-BR" dirty="0"/>
+          </a:p>
+        </p:txBody>
+      </p:sp>
+    </p:spTree>
+    <p:extLst>
+      <p:ext uri="{BB962C8B-B14F-4D97-AF65-F5344CB8AC3E}">
+        <p14:creationId xmlns:p14="http://schemas.microsoft.com/office/powerpoint/2010/main" val="197476926"/>
+      </p:ext>
+    </p:extLst>
+  </p:cSld>
+  <p:clrMapOvr>
+    <a:masterClrMapping/>
+  </p:clrMapOvr>
+</p:notes>
+</file>
+
+<file path=ppt/notesSlides/notesSlide33.xml><?xml version="1.0" encoding="utf-8"?>
+<p:notes xmlns:a="http://schemas.openxmlformats.org/drawingml/2006/main" xmlns:r="http://schemas.openxmlformats.org/officeDocument/2006/relationships" xmlns:p="http://schemas.openxmlformats.org/presentationml/2006/main">
+  <p:cSld>
+    <p:spTree>
+      <p:nvGrpSpPr>
+        <p:cNvPr id="1" name=""/>
+        <p:cNvGrpSpPr/>
+        <p:nvPr/>
+      </p:nvGrpSpPr>
+      <p:grpSpPr>
+        <a:xfrm>
+          <a:off x="0" y="0"/>
+          <a:ext cx="0" cy="0"/>
+          <a:chOff x="0" y="0"/>
+          <a:chExt cx="0" cy="0"/>
+        </a:xfrm>
+      </p:grpSpPr>
+      <p:sp>
+        <p:nvSpPr>
+          <p:cNvPr id="2" name="Espaço Reservado para Imagem de Slide 1"/>
+          <p:cNvSpPr>
+            <a:spLocks noGrp="1" noRot="1" noChangeAspect="1"/>
+          </p:cNvSpPr>
+          <p:nvPr>
+            <p:ph type="sldImg"/>
+          </p:nvPr>
+        </p:nvSpPr>
+        <p:spPr>
+          <a:xfrm>
+            <a:off x="381000" y="685800"/>
+            <a:ext cx="6096000" cy="3429000"/>
+          </a:xfrm>
+        </p:spPr>
+      </p:sp>
+      <p:sp>
+        <p:nvSpPr>
+          <p:cNvPr id="3" name="Espaço Reservado para Anotações 2"/>
+          <p:cNvSpPr>
+            <a:spLocks noGrp="1"/>
+          </p:cNvSpPr>
+          <p:nvPr>
+            <p:ph type="body" idx="1"/>
+          </p:nvPr>
+        </p:nvSpPr>
+        <p:spPr/>
+        <p:txBody>
+          <a:bodyPr/>
+          <a:lstStyle/>
+          <a:p>
+            <a:endParaRPr lang="pt-BR" dirty="0"/>
+          </a:p>
+        </p:txBody>
+      </p:sp>
+    </p:spTree>
+    <p:extLst>
+      <p:ext uri="{BB962C8B-B14F-4D97-AF65-F5344CB8AC3E}">
+        <p14:creationId xmlns:p14="http://schemas.microsoft.com/office/powerpoint/2010/main" val="682890746"/>
+      </p:ext>
+    </p:extLst>
+  </p:cSld>
+  <p:clrMapOvr>
+    <a:masterClrMapping/>
+  </p:clrMapOvr>
+</p:notes>
+</file>
+
+<file path=ppt/notesSlides/notesSlide34.xml><?xml version="1.0" encoding="utf-8"?>
+<p:notes xmlns:a="http://schemas.openxmlformats.org/drawingml/2006/main" xmlns:r="http://schemas.openxmlformats.org/officeDocument/2006/relationships" xmlns:p="http://schemas.openxmlformats.org/presentationml/2006/main">
+  <p:cSld>
+    <p:spTree>
+      <p:nvGrpSpPr>
+        <p:cNvPr id="1" name=""/>
+        <p:cNvGrpSpPr/>
+        <p:nvPr/>
+      </p:nvGrpSpPr>
+      <p:grpSpPr>
+        <a:xfrm>
+          <a:off x="0" y="0"/>
+          <a:ext cx="0" cy="0"/>
+          <a:chOff x="0" y="0"/>
+          <a:chExt cx="0" cy="0"/>
+        </a:xfrm>
+      </p:grpSpPr>
+      <p:sp>
+        <p:nvSpPr>
+          <p:cNvPr id="2" name="Espaço Reservado para Imagem de Slide 1"/>
+          <p:cNvSpPr>
+            <a:spLocks noGrp="1" noRot="1" noChangeAspect="1"/>
+          </p:cNvSpPr>
+          <p:nvPr>
+            <p:ph type="sldImg"/>
+          </p:nvPr>
+        </p:nvSpPr>
+        <p:spPr>
+          <a:xfrm>
+            <a:off x="381000" y="685800"/>
+            <a:ext cx="6096000" cy="3429000"/>
+          </a:xfrm>
+        </p:spPr>
+      </p:sp>
+      <p:sp>
+        <p:nvSpPr>
+          <p:cNvPr id="3" name="Espaço Reservado para Anotações 2"/>
+          <p:cNvSpPr>
+            <a:spLocks noGrp="1"/>
+          </p:cNvSpPr>
+          <p:nvPr>
+            <p:ph type="body" idx="1"/>
+          </p:nvPr>
+        </p:nvSpPr>
+        <p:spPr/>
+        <p:txBody>
+          <a:bodyPr/>
+          <a:lstStyle/>
+          <a:p>
+            <a:endParaRPr lang="pt-BR" dirty="0"/>
+          </a:p>
+        </p:txBody>
+      </p:sp>
+    </p:spTree>
+    <p:extLst>
+      <p:ext uri="{BB962C8B-B14F-4D97-AF65-F5344CB8AC3E}">
+        <p14:creationId xmlns:p14="http://schemas.microsoft.com/office/powerpoint/2010/main" val="585304384"/>
+      </p:ext>
+    </p:extLst>
+  </p:cSld>
+  <p:clrMapOvr>
+    <a:masterClrMapping/>
+  </p:clrMapOvr>
+</p:notes>
+</file>
+
+<file path=ppt/notesSlides/notesSlide35.xml><?xml version="1.0" encoding="utf-8"?>
+<p:notes xmlns:a="http://schemas.openxmlformats.org/drawingml/2006/main" xmlns:r="http://schemas.openxmlformats.org/officeDocument/2006/relationships" xmlns:p="http://schemas.openxmlformats.org/presentationml/2006/main">
+  <p:cSld>
+    <p:spTree>
+      <p:nvGrpSpPr>
+        <p:cNvPr id="1" name=""/>
+        <p:cNvGrpSpPr/>
+        <p:nvPr/>
+      </p:nvGrpSpPr>
+      <p:grpSpPr>
+        <a:xfrm>
+          <a:off x="0" y="0"/>
+          <a:ext cx="0" cy="0"/>
+          <a:chOff x="0" y="0"/>
+          <a:chExt cx="0" cy="0"/>
+        </a:xfrm>
+      </p:grpSpPr>
+      <p:sp>
+        <p:nvSpPr>
+          <p:cNvPr id="2" name="Espaço Reservado para Imagem de Slide 1"/>
+          <p:cNvSpPr>
+            <a:spLocks noGrp="1" noRot="1" noChangeAspect="1"/>
+          </p:cNvSpPr>
+          <p:nvPr>
+            <p:ph type="sldImg"/>
+          </p:nvPr>
+        </p:nvSpPr>
+        <p:spPr>
+          <a:xfrm>
+            <a:off x="381000" y="685800"/>
+            <a:ext cx="6096000" cy="3429000"/>
+          </a:xfrm>
+        </p:spPr>
+      </p:sp>
+      <p:sp>
+        <p:nvSpPr>
+          <p:cNvPr id="3" name="Espaço Reservado para Anotações 2"/>
+          <p:cNvSpPr>
+            <a:spLocks noGrp="1"/>
+          </p:cNvSpPr>
+          <p:nvPr>
+            <p:ph type="body" idx="1"/>
+          </p:nvPr>
+        </p:nvSpPr>
+        <p:spPr/>
+        <p:txBody>
+          <a:bodyPr/>
+          <a:lstStyle/>
+          <a:p>
+            <a:endParaRPr lang="pt-BR" dirty="0"/>
+          </a:p>
+        </p:txBody>
+      </p:sp>
+    </p:spTree>
+    <p:extLst>
+      <p:ext uri="{BB962C8B-B14F-4D97-AF65-F5344CB8AC3E}">
+        <p14:creationId xmlns:p14="http://schemas.microsoft.com/office/powerpoint/2010/main" val="2709569597"/>
+      </p:ext>
+    </p:extLst>
+  </p:cSld>
+  <p:clrMapOvr>
+    <a:masterClrMapping/>
+  </p:clrMapOvr>
+</p:notes>
+</file>
+
+<file path=ppt/notesSlides/notesSlide36.xml><?xml version="1.0" encoding="utf-8"?>
+<p:notes xmlns:a="http://schemas.openxmlformats.org/drawingml/2006/main" xmlns:r="http://schemas.openxmlformats.org/officeDocument/2006/relationships" xmlns:p="http://schemas.openxmlformats.org/presentationml/2006/main">
+  <p:cSld>
+    <p:spTree>
+      <p:nvGrpSpPr>
+        <p:cNvPr id="1" name=""/>
+        <p:cNvGrpSpPr/>
+        <p:nvPr/>
+      </p:nvGrpSpPr>
+      <p:grpSpPr>
+        <a:xfrm>
+          <a:off x="0" y="0"/>
+          <a:ext cx="0" cy="0"/>
+          <a:chOff x="0" y="0"/>
+          <a:chExt cx="0" cy="0"/>
+        </a:xfrm>
+      </p:grpSpPr>
+      <p:sp>
+        <p:nvSpPr>
+          <p:cNvPr id="2" name="Espaço Reservado para Imagem de Slide 1"/>
+          <p:cNvSpPr>
+            <a:spLocks noGrp="1" noRot="1" noChangeAspect="1"/>
+          </p:cNvSpPr>
+          <p:nvPr>
+            <p:ph type="sldImg"/>
+          </p:nvPr>
+        </p:nvSpPr>
+        <p:spPr>
+          <a:xfrm>
+            <a:off x="381000" y="685800"/>
+            <a:ext cx="6096000" cy="3429000"/>
+          </a:xfrm>
+        </p:spPr>
+      </p:sp>
+      <p:sp>
+        <p:nvSpPr>
+          <p:cNvPr id="3" name="Espaço Reservado para Anotações 2"/>
+          <p:cNvSpPr>
+            <a:spLocks noGrp="1"/>
+          </p:cNvSpPr>
+          <p:nvPr>
+            <p:ph type="body" idx="1"/>
+          </p:nvPr>
+        </p:nvSpPr>
+        <p:spPr/>
+        <p:txBody>
+          <a:bodyPr/>
+          <a:lstStyle/>
+          <a:p>
+            <a:endParaRPr lang="pt-BR" dirty="0"/>
+          </a:p>
+        </p:txBody>
+      </p:sp>
+    </p:spTree>
+    <p:extLst>
+      <p:ext uri="{BB962C8B-B14F-4D97-AF65-F5344CB8AC3E}">
         <p14:creationId xmlns:p14="http://schemas.microsoft.com/office/powerpoint/2010/main" val="2296249050"/>
       </p:ext>
     </p:extLst>
@@ -2172,7 +2507,7 @@
 </p:notes>
 </file>
 
-<file path=ppt/notesSlides/notesSlide32.xml><?xml version="1.0" encoding="utf-8"?>
+<file path=ppt/notesSlides/notesSlide37.xml><?xml version="1.0" encoding="utf-8"?>
 <p:notes xmlns:a="http://schemas.openxmlformats.org/drawingml/2006/main" xmlns:r="http://schemas.openxmlformats.org/officeDocument/2006/relationships" xmlns:p="http://schemas.openxmlformats.org/presentationml/2006/main">
   <p:cSld>
     <p:spTree>
@@ -12832,7 +13167,7 @@
                   <a:srgbClr val="0070C0"/>
                 </a:solidFill>
               </a:rPr>
-              <a:t>Características</a:t>
+              <a:t>Módulo</a:t>
             </a:r>
             <a:r>
               <a:rPr lang="en-US" b="1" dirty="0">
@@ -12840,7 +13175,7 @@
                   <a:srgbClr val="0070C0"/>
                 </a:solidFill>
               </a:rPr>
-              <a:t> da Ferramenta de </a:t>
+              <a:t> </a:t>
             </a:r>
             <a:r>
               <a:rPr lang="en-US" b="1" dirty="0" err="1">
@@ -12848,7 +13183,7 @@
                   <a:srgbClr val="0070C0"/>
                 </a:solidFill>
               </a:rPr>
-              <a:t>Simulação</a:t>
+              <a:t>Simulador</a:t>
             </a:r>
             <a:r>
               <a:rPr lang="en-US" b="1" dirty="0">
@@ -12856,7 +13191,7 @@
                   <a:srgbClr val="0070C0"/>
                 </a:solidFill>
               </a:rPr>
-              <a:t> </a:t>
+              <a:t> da Plataforma Arduino e CI da Tool </a:t>
             </a:r>
             <a:r>
               <a:rPr lang="en-US" b="1" dirty="0" err="1">
@@ -12864,16 +13199,13 @@
                   <a:srgbClr val="0070C0"/>
                 </a:solidFill>
               </a:rPr>
-              <a:t>PICSimLab</a:t>
-            </a:r>
-            <a:r>
-              <a:rPr lang="en-US" b="1" dirty="0">
-                <a:solidFill>
-                  <a:srgbClr val="0070C0"/>
-                </a:solidFill>
-              </a:rPr>
-              <a:t> CI PIC</a:t>
-            </a:r>
+              <a:t>Tinkercad</a:t>
+            </a:r>
+            <a:endParaRPr lang="en-US" b="1" dirty="0">
+              <a:solidFill>
+                <a:srgbClr val="0070C0"/>
+              </a:solidFill>
+            </a:endParaRPr>
           </a:p>
         </p:txBody>
       </p:sp>
@@ -12889,8 +13221,8 @@
         </p:nvSpPr>
         <p:spPr>
           <a:xfrm>
-            <a:off x="142865" y="1200150"/>
-            <a:ext cx="8865056" cy="3737370"/>
+            <a:off x="142865" y="1395222"/>
+            <a:ext cx="8865056" cy="3653296"/>
           </a:xfrm>
         </p:spPr>
         <p:txBody>
@@ -12902,23 +13234,50 @@
             <a:pPr marL="0" indent="0" algn="just">
               <a:buNone/>
             </a:pPr>
-            <a:r>
-              <a:rPr lang="pt-BR" sz="2000" dirty="0">
-                <a:solidFill>
-                  <a:schemeClr val="tx1"/>
-                </a:solidFill>
-                <a:latin typeface="Times New Roman" panose="02020603050405020304" pitchFamily="18" charset="0"/>
-                <a:cs typeface="Times New Roman" panose="02020603050405020304" pitchFamily="18" charset="0"/>
-              </a:rPr>
-              <a:t>Características ...</a:t>
-            </a:r>
+            <a:endParaRPr lang="pt-BR" sz="2000" dirty="0">
+              <a:solidFill>
+                <a:schemeClr val="tx1"/>
+              </a:solidFill>
+              <a:latin typeface="Times New Roman" panose="02020603050405020304" pitchFamily="18" charset="0"/>
+              <a:cs typeface="Times New Roman" panose="02020603050405020304" pitchFamily="18" charset="0"/>
+            </a:endParaRPr>
           </a:p>
         </p:txBody>
       </p:sp>
+      <p:pic>
+        <p:nvPicPr>
+          <p:cNvPr id="3" name="Imagem 2">
+            <a:extLst>
+              <a:ext uri="{FF2B5EF4-FFF2-40B4-BE49-F238E27FC236}">
+                <a16:creationId xmlns:a16="http://schemas.microsoft.com/office/drawing/2014/main" id="{AC3DC84B-0383-9EFC-0BC1-FB70E21A181A}"/>
+              </a:ext>
+            </a:extLst>
+          </p:cNvPr>
+          <p:cNvPicPr>
+            <a:picLocks noChangeAspect="1"/>
+          </p:cNvPicPr>
+          <p:nvPr/>
+        </p:nvPicPr>
+        <p:blipFill>
+          <a:blip r:embed="rId3"/>
+          <a:stretch>
+            <a:fillRect/>
+          </a:stretch>
+        </p:blipFill>
+        <p:spPr>
+          <a:xfrm>
+            <a:off x="174716" y="1563834"/>
+            <a:ext cx="6895785" cy="3326913"/>
+          </a:xfrm>
+          <a:prstGeom prst="rect">
+            <a:avLst/>
+          </a:prstGeom>
+        </p:spPr>
+      </p:pic>
     </p:spTree>
     <p:extLst>
       <p:ext uri="{BB962C8B-B14F-4D97-AF65-F5344CB8AC3E}">
-        <p14:creationId xmlns:p14="http://schemas.microsoft.com/office/powerpoint/2010/main" val="2791554997"/>
+        <p14:creationId xmlns:p14="http://schemas.microsoft.com/office/powerpoint/2010/main" val="122018930"/>
       </p:ext>
     </p:extLst>
   </p:cSld>
@@ -13271,7 +13630,7 @@
         </p:spPr>
         <p:txBody>
           <a:bodyPr>
-            <a:normAutofit/>
+            <a:normAutofit fontScale="90000"/>
           </a:bodyPr>
           <a:lstStyle/>
           <a:p>
@@ -13281,7 +13640,7 @@
                   <a:srgbClr val="0070C0"/>
                 </a:solidFill>
               </a:rPr>
-              <a:t>Leitura</a:t>
+              <a:t>Características</a:t>
             </a:r>
             <a:r>
               <a:rPr lang="en-US" b="1" dirty="0">
@@ -13289,6 +13648,22 @@
                   <a:srgbClr val="0070C0"/>
                 </a:solidFill>
               </a:rPr>
+              <a:t> da Ferramenta de </a:t>
+            </a:r>
+            <a:r>
+              <a:rPr lang="en-US" b="1" dirty="0" err="1">
+                <a:solidFill>
+                  <a:srgbClr val="0070C0"/>
+                </a:solidFill>
+              </a:rPr>
+              <a:t>Simulação</a:t>
+            </a:r>
+            <a:r>
+              <a:rPr lang="en-US" b="1" dirty="0">
+                <a:solidFill>
+                  <a:srgbClr val="0070C0"/>
+                </a:solidFill>
+              </a:rPr>
               <a:t> </a:t>
             </a:r>
             <a:r>
@@ -13297,13 +13672,16 @@
                   <a:srgbClr val="0070C0"/>
                 </a:solidFill>
               </a:rPr>
-              <a:t>Específica</a:t>
-            </a:r>
-            <a:endParaRPr lang="en-US" b="1" dirty="0">
-              <a:solidFill>
-                <a:srgbClr val="0070C0"/>
-              </a:solidFill>
-            </a:endParaRPr>
+              <a:t>PICSimLab</a:t>
+            </a:r>
+            <a:r>
+              <a:rPr lang="en-US" b="1" dirty="0">
+                <a:solidFill>
+                  <a:srgbClr val="0070C0"/>
+                </a:solidFill>
+              </a:rPr>
+              <a:t> CI PIC</a:t>
+            </a:r>
           </a:p>
         </p:txBody>
       </p:sp>
@@ -13320,7 +13698,7 @@
         <p:spPr>
           <a:xfrm>
             <a:off x="142865" y="1200150"/>
-            <a:ext cx="8865056" cy="3737369"/>
+            <a:ext cx="8865056" cy="3737370"/>
           </a:xfrm>
         </p:spPr>
         <p:txBody>
@@ -13333,36 +13711,54 @@
               <a:buNone/>
             </a:pPr>
             <a:r>
-              <a:rPr lang="pt-BR" sz="2000" dirty="0">
-                <a:latin typeface="Times New Roman" panose="02020603050405020304" pitchFamily="18" charset="0"/>
-                <a:cs typeface="Times New Roman" panose="02020603050405020304" pitchFamily="18" charset="0"/>
-              </a:rPr>
-              <a:t>[1] Sistemas Embarcados.</a:t>
-            </a:r>
-          </a:p>
-          <a:p>
-            <a:pPr marL="0" indent="0" algn="just">
-              <a:buNone/>
-            </a:pPr>
+              <a:rPr lang="pt-BR" sz="2000" b="1" dirty="0" err="1">
+                <a:solidFill>
+                  <a:srgbClr val="FF0000"/>
+                </a:solidFill>
+                <a:latin typeface="Times New Roman" panose="02020603050405020304" pitchFamily="18" charset="0"/>
+                <a:cs typeface="Times New Roman" panose="02020603050405020304" pitchFamily="18" charset="0"/>
+              </a:rPr>
+              <a:t>Picsimlab</a:t>
+            </a:r>
+            <a:r>
+              <a:rPr lang="pt-BR" sz="2000" dirty="0">
+                <a:solidFill>
+                  <a:schemeClr val="tx1"/>
+                </a:solidFill>
+                <a:latin typeface="Times New Roman" panose="02020603050405020304" pitchFamily="18" charset="0"/>
+                <a:cs typeface="Times New Roman" panose="02020603050405020304" pitchFamily="18" charset="0"/>
+              </a:rPr>
+              <a:t> é um emulador em tempo real de placas de desenvolvimento criado em </a:t>
+            </a:r>
             <a:r>
               <a:rPr lang="pt-BR" sz="2000" b="1" dirty="0">
                 <a:solidFill>
-                  <a:srgbClr val="FF0000"/>
-                </a:solidFill>
-                <a:latin typeface="Times New Roman" panose="02020603050405020304" pitchFamily="18" charset="0"/>
-                <a:cs typeface="Times New Roman" panose="02020603050405020304" pitchFamily="18" charset="0"/>
-              </a:rPr>
-              <a:t>Disponível em: </a:t>
-            </a:r>
-            <a:r>
-              <a:rPr lang="pt-BR" sz="2000" dirty="0">
-                <a:latin typeface="Times New Roman" panose="02020603050405020304" pitchFamily="18" charset="0"/>
-                <a:cs typeface="Times New Roman" panose="02020603050405020304" pitchFamily="18" charset="0"/>
-                <a:hlinkClick r:id="rId3"/>
-              </a:rPr>
-              <a:t>https://files.comunidades.net/mutcom/ARTIGO_SIST_EMB.pdf</a:t>
-            </a:r>
+                  <a:schemeClr val="tx1"/>
+                </a:solidFill>
+                <a:latin typeface="Times New Roman" panose="02020603050405020304" pitchFamily="18" charset="0"/>
+                <a:cs typeface="Times New Roman" panose="02020603050405020304" pitchFamily="18" charset="0"/>
+              </a:rPr>
+              <a:t>2008</a:t>
+            </a:r>
+            <a:r>
+              <a:rPr lang="pt-BR" sz="2000" dirty="0">
+                <a:solidFill>
+                  <a:schemeClr val="tx1"/>
+                </a:solidFill>
+                <a:latin typeface="Times New Roman" panose="02020603050405020304" pitchFamily="18" charset="0"/>
+                <a:cs typeface="Times New Roman" panose="02020603050405020304" pitchFamily="18" charset="0"/>
+              </a:rPr>
+              <a:t> com objetivo de simular projetos didáticos e introduzir uma visualização prévia da prática de uma forma simples e ágil. </a:t>
+            </a:r>
+          </a:p>
+          <a:p>
+            <a:pPr marL="0" indent="0" algn="just">
+              <a:buNone/>
+            </a:pPr>
             <a:endParaRPr lang="pt-BR" sz="2000" dirty="0">
+              <a:solidFill>
+                <a:schemeClr val="tx1"/>
+              </a:solidFill>
               <a:latin typeface="Times New Roman" panose="02020603050405020304" pitchFamily="18" charset="0"/>
               <a:cs typeface="Times New Roman" panose="02020603050405020304" pitchFamily="18" charset="0"/>
             </a:endParaRPr>
@@ -13371,7 +13767,65 @@
             <a:pPr marL="0" indent="0" algn="just">
               <a:buNone/>
             </a:pPr>
+            <a:r>
+              <a:rPr lang="pt-BR" sz="2000" dirty="0">
+                <a:solidFill>
+                  <a:schemeClr val="tx1"/>
+                </a:solidFill>
+                <a:latin typeface="Times New Roman" panose="02020603050405020304" pitchFamily="18" charset="0"/>
+                <a:cs typeface="Times New Roman" panose="02020603050405020304" pitchFamily="18" charset="0"/>
+              </a:rPr>
+              <a:t>Ele nos oferece algumas opções de </a:t>
+            </a:r>
+            <a:r>
+              <a:rPr lang="pt-BR" sz="2000" b="1" dirty="0">
+                <a:solidFill>
+                  <a:schemeClr val="tx1"/>
+                </a:solidFill>
+                <a:latin typeface="Times New Roman" panose="02020603050405020304" pitchFamily="18" charset="0"/>
+                <a:cs typeface="Times New Roman" panose="02020603050405020304" pitchFamily="18" charset="0"/>
+              </a:rPr>
+              <a:t>microcontroladores e componentes</a:t>
+            </a:r>
+            <a:r>
+              <a:rPr lang="pt-BR" sz="2000" dirty="0">
+                <a:solidFill>
+                  <a:schemeClr val="tx1"/>
+                </a:solidFill>
+                <a:latin typeface="Times New Roman" panose="02020603050405020304" pitchFamily="18" charset="0"/>
+                <a:cs typeface="Times New Roman" panose="02020603050405020304" pitchFamily="18" charset="0"/>
+              </a:rPr>
+              <a:t> predefinidos em placas de desenvolvimento, muito usado para </a:t>
+            </a:r>
+            <a:r>
+              <a:rPr lang="pt-BR" sz="2000" b="1" dirty="0">
+                <a:solidFill>
+                  <a:srgbClr val="FF0000"/>
+                </a:solidFill>
+                <a:latin typeface="Times New Roman" panose="02020603050405020304" pitchFamily="18" charset="0"/>
+                <a:cs typeface="Times New Roman" panose="02020603050405020304" pitchFamily="18" charset="0"/>
+              </a:rPr>
+              <a:t>simular projetos básicos em PIC</a:t>
+            </a:r>
+            <a:r>
+              <a:rPr lang="pt-BR" sz="2000" dirty="0">
+                <a:solidFill>
+                  <a:schemeClr val="tx1"/>
+                </a:solidFill>
+                <a:latin typeface="Times New Roman" panose="02020603050405020304" pitchFamily="18" charset="0"/>
+                <a:cs typeface="Times New Roman" panose="02020603050405020304" pitchFamily="18" charset="0"/>
+              </a:rPr>
+              <a:t>.</a:t>
+            </a:r>
+          </a:p>
+          <a:p>
+            <a:pPr marL="0" indent="0" algn="just">
+              <a:buNone/>
+            </a:pPr>
             <a:endParaRPr lang="pt-BR" sz="2000" dirty="0">
+              <a:solidFill>
+                <a:schemeClr val="tx1"/>
+              </a:solidFill>
               <a:latin typeface="Times New Roman" panose="02020603050405020304" pitchFamily="18" charset="0"/>
               <a:cs typeface="Times New Roman" panose="02020603050405020304" pitchFamily="18" charset="0"/>
             </a:endParaRPr>
@@ -13380,60 +13834,56 @@
             <a:pPr marL="0" indent="0" algn="just">
               <a:buNone/>
             </a:pPr>
+            <a:r>
+              <a:rPr lang="pt-BR" sz="2000" b="1" dirty="0">
+                <a:solidFill>
+                  <a:srgbClr val="FF0000"/>
+                </a:solidFill>
+                <a:latin typeface="Times New Roman" panose="02020603050405020304" pitchFamily="18" charset="0"/>
+                <a:cs typeface="Times New Roman" panose="02020603050405020304" pitchFamily="18" charset="0"/>
+              </a:rPr>
+              <a:t>Instalador</a:t>
+            </a:r>
+            <a:r>
+              <a:rPr lang="pt-BR" sz="2000" dirty="0">
+                <a:solidFill>
+                  <a:schemeClr val="tx1"/>
+                </a:solidFill>
+                <a:latin typeface="Times New Roman" panose="02020603050405020304" pitchFamily="18" charset="0"/>
+                <a:cs typeface="Times New Roman" panose="02020603050405020304" pitchFamily="18" charset="0"/>
+              </a:rPr>
+              <a:t>:</a:t>
+            </a:r>
+          </a:p>
+          <a:p>
+            <a:pPr marL="0" indent="0" algn="just">
+              <a:buNone/>
+            </a:pPr>
+            <a:r>
+              <a:rPr lang="pt-BR" sz="2000" dirty="0">
+                <a:solidFill>
+                  <a:schemeClr val="tx1"/>
+                </a:solidFill>
+                <a:latin typeface="Times New Roman" panose="02020603050405020304" pitchFamily="18" charset="0"/>
+                <a:cs typeface="Times New Roman" panose="02020603050405020304" pitchFamily="18" charset="0"/>
+              </a:rPr>
+              <a:t> 			</a:t>
+            </a:r>
+            <a:r>
+              <a:rPr lang="pt-BR" sz="2000" dirty="0">
+                <a:solidFill>
+                  <a:schemeClr val="tx1"/>
+                </a:solidFill>
+                <a:latin typeface="Times New Roman" panose="02020603050405020304" pitchFamily="18" charset="0"/>
+                <a:cs typeface="Times New Roman" panose="02020603050405020304" pitchFamily="18" charset="0"/>
+                <a:hlinkClick r:id="rId3"/>
+              </a:rPr>
+              <a:t>https://sourceforge.net/projects/picsim/</a:t>
+            </a:r>
             <a:endParaRPr lang="pt-BR" sz="2000" dirty="0">
-              <a:latin typeface="Times New Roman" panose="02020603050405020304" pitchFamily="18" charset="0"/>
-              <a:cs typeface="Times New Roman" panose="02020603050405020304" pitchFamily="18" charset="0"/>
-            </a:endParaRPr>
-          </a:p>
-          <a:p>
-            <a:pPr marL="0" indent="0" algn="just">
-              <a:buNone/>
-            </a:pPr>
-            <a:r>
-              <a:rPr lang="pt-BR" sz="2000" dirty="0">
-                <a:latin typeface="Times New Roman" panose="02020603050405020304" pitchFamily="18" charset="0"/>
-                <a:cs typeface="Times New Roman" panose="02020603050405020304" pitchFamily="18" charset="0"/>
-              </a:rPr>
-              <a:t>[2] </a:t>
-            </a:r>
-            <a:r>
-              <a:rPr lang="pt-BR" sz="2000" dirty="0" err="1">
-                <a:latin typeface="Times New Roman" panose="02020603050405020304" pitchFamily="18" charset="0"/>
-                <a:cs typeface="Times New Roman" panose="02020603050405020304" pitchFamily="18" charset="0"/>
-              </a:rPr>
-              <a:t>Elicitação</a:t>
-            </a:r>
-            <a:r>
-              <a:rPr lang="pt-BR" sz="2000" dirty="0">
-                <a:latin typeface="Times New Roman" panose="02020603050405020304" pitchFamily="18" charset="0"/>
-                <a:cs typeface="Times New Roman" panose="02020603050405020304" pitchFamily="18" charset="0"/>
-              </a:rPr>
-              <a:t> e Especificação de Requisitos Sistemas Embarcados. </a:t>
-            </a:r>
-          </a:p>
-          <a:p>
-            <a:pPr marL="0" indent="0" algn="just">
-              <a:buNone/>
-            </a:pPr>
-            <a:r>
-              <a:rPr lang="pt-BR" sz="2000" b="1" dirty="0">
-                <a:solidFill>
-                  <a:srgbClr val="FF0000"/>
-                </a:solidFill>
-                <a:latin typeface="Times New Roman" panose="02020603050405020304" pitchFamily="18" charset="0"/>
-                <a:cs typeface="Times New Roman" panose="02020603050405020304" pitchFamily="18" charset="0"/>
-              </a:rPr>
-              <a:t>Disponível em: </a:t>
-            </a:r>
-            <a:r>
-              <a:rPr lang="pt-BR" sz="2000" dirty="0">
-                <a:latin typeface="Times New Roman" panose="02020603050405020304" pitchFamily="18" charset="0"/>
-                <a:cs typeface="Times New Roman" panose="02020603050405020304" pitchFamily="18" charset="0"/>
-                <a:hlinkClick r:id="rId4"/>
-              </a:rPr>
-              <a:t>https://eventos.spc.org.pe/cibse2015/pdfs/07_WER15.pdf</a:t>
-            </a:r>
-            <a:endParaRPr lang="pt-BR" sz="2000" dirty="0">
+              <a:solidFill>
+                <a:schemeClr val="tx1"/>
+              </a:solidFill>
               <a:latin typeface="Times New Roman" panose="02020603050405020304" pitchFamily="18" charset="0"/>
               <a:cs typeface="Times New Roman" panose="02020603050405020304" pitchFamily="18" charset="0"/>
             </a:endParaRPr>
@@ -13443,7 +13893,7 @@
     </p:spTree>
     <p:extLst>
       <p:ext uri="{BB962C8B-B14F-4D97-AF65-F5344CB8AC3E}">
-        <p14:creationId xmlns:p14="http://schemas.microsoft.com/office/powerpoint/2010/main" val="3680270425"/>
+        <p14:creationId xmlns:p14="http://schemas.microsoft.com/office/powerpoint/2010/main" val="2791554997"/>
       </p:ext>
     </p:extLst>
   </p:cSld>
@@ -13489,7 +13939,7 @@
         </p:spPr>
         <p:txBody>
           <a:bodyPr>
-            <a:normAutofit/>
+            <a:normAutofit fontScale="90000"/>
           </a:bodyPr>
           <a:lstStyle/>
           <a:p>
@@ -13499,7 +13949,7 @@
                   <a:srgbClr val="0070C0"/>
                 </a:solidFill>
               </a:rPr>
-              <a:t>Aprenda</a:t>
+              <a:t>Características</a:t>
             </a:r>
             <a:r>
               <a:rPr lang="en-US" b="1" dirty="0">
@@ -13507,7 +13957,39 @@
                   <a:srgbClr val="0070C0"/>
                 </a:solidFill>
               </a:rPr>
-              <a:t>+</a:t>
+              <a:t> da Ferramenta de </a:t>
+            </a:r>
+            <a:r>
+              <a:rPr lang="en-US" b="1" dirty="0" err="1">
+                <a:solidFill>
+                  <a:srgbClr val="0070C0"/>
+                </a:solidFill>
+              </a:rPr>
+              <a:t>Simulação</a:t>
+            </a:r>
+            <a:r>
+              <a:rPr lang="en-US" b="1" dirty="0">
+                <a:solidFill>
+                  <a:srgbClr val="0070C0"/>
+                </a:solidFill>
+              </a:rPr>
+              <a:t> </a:t>
+            </a:r>
+            <a:r>
+              <a:rPr lang="en-US" b="1" dirty="0" err="1">
+                <a:solidFill>
+                  <a:srgbClr val="0070C0"/>
+                </a:solidFill>
+              </a:rPr>
+              <a:t>PICSimLab</a:t>
+            </a:r>
+            <a:r>
+              <a:rPr lang="en-US" b="1" dirty="0">
+                <a:solidFill>
+                  <a:srgbClr val="0070C0"/>
+                </a:solidFill>
+              </a:rPr>
+              <a:t> CI PIC</a:t>
             </a:r>
           </a:p>
         </p:txBody>
@@ -13538,93 +14020,158 @@
               <a:buNone/>
             </a:pPr>
             <a:r>
-              <a:rPr lang="pt-BR" sz="2400" dirty="0">
-                <a:latin typeface="Times New Roman" panose="02020603050405020304" pitchFamily="18" charset="0"/>
-                <a:cs typeface="Times New Roman" panose="02020603050405020304" pitchFamily="18" charset="0"/>
-              </a:rPr>
-              <a:t>[1] Cursos Sistemas Embarcados - Microcontroladores</a:t>
-            </a:r>
-          </a:p>
-          <a:p>
-            <a:pPr marL="0" indent="0" algn="just">
-              <a:buNone/>
-            </a:pPr>
-            <a:r>
-              <a:rPr lang="pt-BR" sz="2400" b="1" dirty="0">
+              <a:rPr lang="pt-BR" sz="2000" b="1" dirty="0" err="1">
                 <a:solidFill>
                   <a:srgbClr val="FF0000"/>
                 </a:solidFill>
                 <a:latin typeface="Times New Roman" panose="02020603050405020304" pitchFamily="18" charset="0"/>
                 <a:cs typeface="Times New Roman" panose="02020603050405020304" pitchFamily="18" charset="0"/>
               </a:rPr>
-              <a:t>Disponível em: </a:t>
-            </a:r>
-            <a:r>
-              <a:rPr lang="pt-BR" sz="2400" dirty="0">
-                <a:latin typeface="Times New Roman" panose="02020603050405020304" pitchFamily="18" charset="0"/>
-                <a:cs typeface="Times New Roman" panose="02020603050405020304" pitchFamily="18" charset="0"/>
-                <a:hlinkClick r:id="rId3"/>
-              </a:rPr>
-              <a:t>https://embarcados.com.br/cursos/</a:t>
-            </a:r>
-            <a:endParaRPr lang="pt-BR" sz="2400" dirty="0">
+              <a:t>PICSimLab</a:t>
+            </a:r>
+            <a:r>
+              <a:rPr lang="pt-BR" sz="2000" dirty="0">
+                <a:solidFill>
+                  <a:schemeClr val="tx1"/>
+                </a:solidFill>
+                <a:latin typeface="Times New Roman" panose="02020603050405020304" pitchFamily="18" charset="0"/>
+                <a:cs typeface="Times New Roman" panose="02020603050405020304" pitchFamily="18" charset="0"/>
+              </a:rPr>
+              <a:t> suporta microcontroladores: </a:t>
+            </a:r>
+          </a:p>
+          <a:p>
+            <a:pPr marL="0" indent="0" algn="just">
+              <a:buNone/>
+            </a:pPr>
+            <a:endParaRPr lang="pt-BR" sz="2000" dirty="0">
+              <a:solidFill>
+                <a:schemeClr val="tx1"/>
+              </a:solidFill>
               <a:latin typeface="Times New Roman" panose="02020603050405020304" pitchFamily="18" charset="0"/>
               <a:cs typeface="Times New Roman" panose="02020603050405020304" pitchFamily="18" charset="0"/>
             </a:endParaRPr>
           </a:p>
           <a:p>
-            <a:pPr marL="0" indent="0" algn="just">
-              <a:buNone/>
-            </a:pPr>
-            <a:endParaRPr lang="pt-BR" sz="2400" dirty="0">
+            <a:pPr algn="just">
+              <a:buFont typeface="Wingdings" panose="05000000000000000000" pitchFamily="2" charset="2"/>
+              <a:buChar char="§"/>
+            </a:pPr>
+            <a:r>
+              <a:rPr lang="pt-BR" sz="2000" dirty="0" err="1">
+                <a:solidFill>
+                  <a:schemeClr val="tx1"/>
+                </a:solidFill>
+                <a:latin typeface="Times New Roman" panose="02020603050405020304" pitchFamily="18" charset="0"/>
+                <a:cs typeface="Times New Roman" panose="02020603050405020304" pitchFamily="18" charset="0"/>
+              </a:rPr>
+              <a:t>Picsim</a:t>
+            </a:r>
+            <a:endParaRPr lang="pt-BR" sz="2000" dirty="0">
+              <a:solidFill>
+                <a:schemeClr val="tx1"/>
+              </a:solidFill>
               <a:latin typeface="Times New Roman" panose="02020603050405020304" pitchFamily="18" charset="0"/>
               <a:cs typeface="Times New Roman" panose="02020603050405020304" pitchFamily="18" charset="0"/>
             </a:endParaRPr>
           </a:p>
           <a:p>
-            <a:pPr marL="0" indent="0" algn="just">
-              <a:buNone/>
-            </a:pPr>
-            <a:endParaRPr lang="pt-BR" sz="2400" dirty="0">
+            <a:pPr algn="just">
+              <a:buFont typeface="Wingdings" panose="05000000000000000000" pitchFamily="2" charset="2"/>
+              <a:buChar char="§"/>
+            </a:pPr>
+            <a:r>
+              <a:rPr lang="pt-BR" sz="2000" dirty="0" err="1">
+                <a:solidFill>
+                  <a:schemeClr val="tx1"/>
+                </a:solidFill>
+                <a:latin typeface="Times New Roman" panose="02020603050405020304" pitchFamily="18" charset="0"/>
+                <a:cs typeface="Times New Roman" panose="02020603050405020304" pitchFamily="18" charset="0"/>
+              </a:rPr>
+              <a:t>Simavr</a:t>
+            </a:r>
+            <a:endParaRPr lang="pt-BR" sz="2000" dirty="0">
+              <a:solidFill>
+                <a:schemeClr val="tx1"/>
+              </a:solidFill>
               <a:latin typeface="Times New Roman" panose="02020603050405020304" pitchFamily="18" charset="0"/>
               <a:cs typeface="Times New Roman" panose="02020603050405020304" pitchFamily="18" charset="0"/>
             </a:endParaRPr>
           </a:p>
           <a:p>
-            <a:pPr marL="0" indent="0" algn="just">
-              <a:buNone/>
-            </a:pPr>
-            <a:r>
-              <a:rPr lang="pt-BR" sz="2400" dirty="0">
-                <a:latin typeface="Times New Roman" panose="02020603050405020304" pitchFamily="18" charset="0"/>
-                <a:cs typeface="Times New Roman" panose="02020603050405020304" pitchFamily="18" charset="0"/>
-              </a:rPr>
-              <a:t>[2] Arquitetura de Software para Sistemas Embarcados</a:t>
-            </a:r>
-          </a:p>
-          <a:p>
-            <a:pPr marL="0" indent="0" algn="just">
-              <a:buNone/>
-            </a:pPr>
-            <a:r>
-              <a:rPr lang="pt-BR" sz="2400" b="1" dirty="0">
-                <a:solidFill>
-                  <a:srgbClr val="FF0000"/>
-                </a:solidFill>
-                <a:latin typeface="Times New Roman" panose="02020603050405020304" pitchFamily="18" charset="0"/>
-                <a:cs typeface="Times New Roman" panose="02020603050405020304" pitchFamily="18" charset="0"/>
-              </a:rPr>
-              <a:t>Disponível em: </a:t>
-            </a:r>
-            <a:r>
-              <a:rPr lang="pt-BR" sz="2400" dirty="0">
-                <a:latin typeface="Times New Roman" panose="02020603050405020304" pitchFamily="18" charset="0"/>
-                <a:cs typeface="Times New Roman" panose="02020603050405020304" pitchFamily="18" charset="0"/>
-                <a:hlinkClick r:id="rId4"/>
-              </a:rPr>
-              <a:t>https://www.youtube.com/watch?v=UIAOR32H1vk</a:t>
-            </a:r>
-            <a:endParaRPr lang="pt-BR" sz="2400" dirty="0">
+            <a:pPr algn="just">
+              <a:buFont typeface="Wingdings" panose="05000000000000000000" pitchFamily="2" charset="2"/>
+              <a:buChar char="§"/>
+            </a:pPr>
+            <a:r>
+              <a:rPr lang="pt-BR" sz="2000" dirty="0" err="1">
+                <a:solidFill>
+                  <a:schemeClr val="tx1"/>
+                </a:solidFill>
+                <a:latin typeface="Times New Roman" panose="02020603050405020304" pitchFamily="18" charset="0"/>
+                <a:cs typeface="Times New Roman" panose="02020603050405020304" pitchFamily="18" charset="0"/>
+              </a:rPr>
+              <a:t>uCsim</a:t>
+            </a:r>
+            <a:endParaRPr lang="pt-BR" sz="2000" dirty="0">
+              <a:solidFill>
+                <a:schemeClr val="tx1"/>
+              </a:solidFill>
+              <a:latin typeface="Times New Roman" panose="02020603050405020304" pitchFamily="18" charset="0"/>
+              <a:cs typeface="Times New Roman" panose="02020603050405020304" pitchFamily="18" charset="0"/>
+            </a:endParaRPr>
+          </a:p>
+          <a:p>
+            <a:pPr algn="just">
+              <a:buFont typeface="Wingdings" panose="05000000000000000000" pitchFamily="2" charset="2"/>
+              <a:buChar char="§"/>
+            </a:pPr>
+            <a:r>
+              <a:rPr lang="pt-BR" sz="2000" dirty="0">
+                <a:solidFill>
+                  <a:schemeClr val="tx1"/>
+                </a:solidFill>
+                <a:latin typeface="Times New Roman" panose="02020603050405020304" pitchFamily="18" charset="0"/>
+                <a:cs typeface="Times New Roman" panose="02020603050405020304" pitchFamily="18" charset="0"/>
+              </a:rPr>
+              <a:t>Qemu-stm32</a:t>
+            </a:r>
+          </a:p>
+          <a:p>
+            <a:pPr algn="just">
+              <a:buFont typeface="Wingdings" panose="05000000000000000000" pitchFamily="2" charset="2"/>
+              <a:buChar char="§"/>
+            </a:pPr>
+            <a:r>
+              <a:rPr lang="pt-BR" sz="2000" dirty="0">
+                <a:solidFill>
+                  <a:schemeClr val="tx1"/>
+                </a:solidFill>
+                <a:latin typeface="Times New Roman" panose="02020603050405020304" pitchFamily="18" charset="0"/>
+                <a:cs typeface="Times New Roman" panose="02020603050405020304" pitchFamily="18" charset="0"/>
+              </a:rPr>
+              <a:t>Qemu-esp32</a:t>
+            </a:r>
+          </a:p>
+          <a:p>
+            <a:pPr algn="just">
+              <a:buFont typeface="Wingdings" panose="05000000000000000000" pitchFamily="2" charset="2"/>
+              <a:buChar char="§"/>
+            </a:pPr>
+            <a:r>
+              <a:rPr lang="pt-BR" sz="2000" dirty="0" err="1">
+                <a:solidFill>
+                  <a:schemeClr val="tx1"/>
+                </a:solidFill>
+                <a:latin typeface="Times New Roman" panose="02020603050405020304" pitchFamily="18" charset="0"/>
+                <a:cs typeface="Times New Roman" panose="02020603050405020304" pitchFamily="18" charset="0"/>
+              </a:rPr>
+              <a:t>Gpm</a:t>
+            </a:r>
+            <a:endParaRPr lang="pt-BR" sz="2000" dirty="0">
+              <a:solidFill>
+                <a:schemeClr val="tx1"/>
+              </a:solidFill>
               <a:latin typeface="Times New Roman" panose="02020603050405020304" pitchFamily="18" charset="0"/>
               <a:cs typeface="Times New Roman" panose="02020603050405020304" pitchFamily="18" charset="0"/>
             </a:endParaRPr>
@@ -13634,7 +14181,7 @@
     </p:spTree>
     <p:extLst>
       <p:ext uri="{BB962C8B-B14F-4D97-AF65-F5344CB8AC3E}">
-        <p14:creationId xmlns:p14="http://schemas.microsoft.com/office/powerpoint/2010/main" val="2747596967"/>
+        <p14:creationId xmlns:p14="http://schemas.microsoft.com/office/powerpoint/2010/main" val="2744477380"/>
       </p:ext>
     </p:extLst>
   </p:cSld>
@@ -13680,7 +14227,7 @@
         </p:spPr>
         <p:txBody>
           <a:bodyPr>
-            <a:normAutofit/>
+            <a:normAutofit fontScale="90000"/>
           </a:bodyPr>
           <a:lstStyle/>
           <a:p>
@@ -13690,7 +14237,7 @@
                   <a:srgbClr val="0070C0"/>
                 </a:solidFill>
               </a:rPr>
-              <a:t>Dinâmica</a:t>
+              <a:t>Características</a:t>
             </a:r>
             <a:r>
               <a:rPr lang="en-US" b="1" dirty="0">
@@ -13698,7 +14245,7 @@
                   <a:srgbClr val="0070C0"/>
                 </a:solidFill>
               </a:rPr>
-              <a:t>/</a:t>
+              <a:t> da Ferramenta de </a:t>
             </a:r>
             <a:r>
               <a:rPr lang="en-US" b="1" dirty="0" err="1">
@@ -13706,13 +14253,32 @@
                   <a:srgbClr val="0070C0"/>
                 </a:solidFill>
               </a:rPr>
-              <a:t>Atividades</a:t>
-            </a:r>
-            <a:endParaRPr lang="en-US" b="1" dirty="0">
-              <a:solidFill>
-                <a:srgbClr val="0070C0"/>
-              </a:solidFill>
-            </a:endParaRPr>
+              <a:t>Simulação</a:t>
+            </a:r>
+            <a:r>
+              <a:rPr lang="en-US" b="1" dirty="0">
+                <a:solidFill>
+                  <a:srgbClr val="0070C0"/>
+                </a:solidFill>
+              </a:rPr>
+              <a:t> </a:t>
+            </a:r>
+            <a:r>
+              <a:rPr lang="en-US" b="1" dirty="0" err="1">
+                <a:solidFill>
+                  <a:srgbClr val="0070C0"/>
+                </a:solidFill>
+              </a:rPr>
+              <a:t>PICSimLab</a:t>
+            </a:r>
+            <a:r>
+              <a:rPr lang="en-US" b="1" dirty="0">
+                <a:solidFill>
+                  <a:srgbClr val="0070C0"/>
+                </a:solidFill>
+              </a:rPr>
+              <a:t> CI PIC</a:t>
+            </a:r>
           </a:p>
         </p:txBody>
       </p:sp>
@@ -13728,8 +14294,8 @@
         </p:nvSpPr>
         <p:spPr>
           <a:xfrm>
-            <a:off x="139472" y="1063230"/>
-            <a:ext cx="8865056" cy="3606305"/>
+            <a:off x="142865" y="1200150"/>
+            <a:ext cx="8865056" cy="3737370"/>
           </a:xfrm>
         </p:spPr>
         <p:txBody>
@@ -13742,38 +14308,44 @@
               <a:buNone/>
             </a:pPr>
             <a:r>
-              <a:rPr lang="pt-BR" dirty="0">
-                <a:latin typeface="Times New Roman" panose="02020603050405020304" pitchFamily="18" charset="0"/>
-                <a:cs typeface="Times New Roman" panose="02020603050405020304" pitchFamily="18" charset="0"/>
-              </a:rPr>
-              <a:t>Exercícios (Atividade Verificadora de Aprendizagem)</a:t>
-            </a:r>
-          </a:p>
-          <a:p>
-            <a:pPr marL="0" indent="0" algn="just">
-              <a:buNone/>
-            </a:pPr>
-            <a:r>
-              <a:rPr lang="pt-BR" sz="2000" dirty="0">
-                <a:latin typeface="Times New Roman" panose="02020603050405020304" pitchFamily="18" charset="0"/>
-                <a:cs typeface="Times New Roman" panose="02020603050405020304" pitchFamily="18" charset="0"/>
-              </a:rPr>
-              <a:t> 	</a:t>
-            </a:r>
-          </a:p>
-          <a:p>
-            <a:pPr marL="0" indent="0" algn="just">
-              <a:buNone/>
-            </a:pPr>
-            <a:r>
-              <a:rPr lang="pt-BR" sz="2000" dirty="0">
-                <a:latin typeface="Times New Roman" panose="02020603050405020304" pitchFamily="18" charset="0"/>
-                <a:cs typeface="Times New Roman" panose="02020603050405020304" pitchFamily="18" charset="0"/>
-                <a:hlinkClick r:id="rId3"/>
-              </a:rPr>
-              <a:t>https://quizizz.com/admin/quiz/5aa686b4bc8374001abc8e88/sistemas-embarcados-e-microcontroladores</a:t>
-            </a:r>
+              <a:rPr lang="pt-BR" sz="2000" dirty="0">
+                <a:solidFill>
+                  <a:schemeClr val="tx1"/>
+                </a:solidFill>
+                <a:latin typeface="Times New Roman" panose="02020603050405020304" pitchFamily="18" charset="0"/>
+                <a:cs typeface="Times New Roman" panose="02020603050405020304" pitchFamily="18" charset="0"/>
+              </a:rPr>
+              <a:t>O </a:t>
+            </a:r>
+            <a:r>
+              <a:rPr lang="pt-BR" sz="2000" b="1" dirty="0" err="1">
+                <a:solidFill>
+                  <a:srgbClr val="FF0000"/>
+                </a:solidFill>
+                <a:latin typeface="Times New Roman" panose="02020603050405020304" pitchFamily="18" charset="0"/>
+                <a:cs typeface="Times New Roman" panose="02020603050405020304" pitchFamily="18" charset="0"/>
+              </a:rPr>
+              <a:t>PICSimLab</a:t>
+            </a:r>
+            <a:r>
+              <a:rPr lang="pt-BR" sz="2000" dirty="0">
+                <a:solidFill>
+                  <a:schemeClr val="tx1"/>
+                </a:solidFill>
+                <a:latin typeface="Times New Roman" panose="02020603050405020304" pitchFamily="18" charset="0"/>
+                <a:cs typeface="Times New Roman" panose="02020603050405020304" pitchFamily="18" charset="0"/>
+              </a:rPr>
+              <a:t> possui integração com MPLABX/Arduino IDE. </a:t>
+            </a:r>
+          </a:p>
+          <a:p>
+            <a:pPr marL="0" indent="0" algn="just">
+              <a:buNone/>
+            </a:pPr>
             <a:endParaRPr lang="pt-BR" sz="2000" dirty="0">
+              <a:solidFill>
+                <a:schemeClr val="tx1"/>
+              </a:solidFill>
               <a:latin typeface="Times New Roman" panose="02020603050405020304" pitchFamily="18" charset="0"/>
               <a:cs typeface="Times New Roman" panose="02020603050405020304" pitchFamily="18" charset="0"/>
             </a:endParaRPr>
@@ -13782,7 +14354,65 @@
             <a:pPr marL="0" indent="0" algn="just">
               <a:buNone/>
             </a:pPr>
+            <a:r>
+              <a:rPr lang="pt-BR" sz="2000" dirty="0">
+                <a:solidFill>
+                  <a:schemeClr val="tx1"/>
+                </a:solidFill>
+                <a:latin typeface="Times New Roman" panose="02020603050405020304" pitchFamily="18" charset="0"/>
+                <a:cs typeface="Times New Roman" panose="02020603050405020304" pitchFamily="18" charset="0"/>
+              </a:rPr>
+              <a:t>Como o objetivo do </a:t>
+            </a:r>
+            <a:r>
+              <a:rPr lang="pt-BR" sz="2000" b="1" dirty="0" err="1">
+                <a:solidFill>
+                  <a:srgbClr val="FF0000"/>
+                </a:solidFill>
+                <a:latin typeface="Times New Roman" panose="02020603050405020304" pitchFamily="18" charset="0"/>
+                <a:cs typeface="Times New Roman" panose="02020603050405020304" pitchFamily="18" charset="0"/>
+              </a:rPr>
+              <a:t>PICSimLab</a:t>
+            </a:r>
+            <a:r>
+              <a:rPr lang="pt-BR" sz="2000" dirty="0">
+                <a:solidFill>
+                  <a:schemeClr val="tx1"/>
+                </a:solidFill>
+                <a:latin typeface="Times New Roman" panose="02020603050405020304" pitchFamily="18" charset="0"/>
+                <a:cs typeface="Times New Roman" panose="02020603050405020304" pitchFamily="18" charset="0"/>
+              </a:rPr>
+              <a:t> é </a:t>
+            </a:r>
+            <a:r>
+              <a:rPr lang="pt-BR" sz="2000" b="1" dirty="0">
+                <a:solidFill>
+                  <a:schemeClr val="tx1"/>
+                </a:solidFill>
+                <a:latin typeface="Times New Roman" panose="02020603050405020304" pitchFamily="18" charset="0"/>
+                <a:cs typeface="Times New Roman" panose="02020603050405020304" pitchFamily="18" charset="0"/>
+              </a:rPr>
+              <a:t>emular hardware real</a:t>
+            </a:r>
+            <a:r>
+              <a:rPr lang="pt-BR" sz="2000" dirty="0">
+                <a:solidFill>
+                  <a:schemeClr val="tx1"/>
+                </a:solidFill>
+                <a:latin typeface="Times New Roman" panose="02020603050405020304" pitchFamily="18" charset="0"/>
+                <a:cs typeface="Times New Roman" panose="02020603050405020304" pitchFamily="18" charset="0"/>
+              </a:rPr>
+              <a:t>. </a:t>
+            </a:r>
+          </a:p>
+          <a:p>
+            <a:pPr marL="0" indent="0" algn="just">
+              <a:buNone/>
+            </a:pPr>
             <a:endParaRPr lang="pt-BR" sz="2000" dirty="0">
+              <a:solidFill>
+                <a:schemeClr val="tx1"/>
+              </a:solidFill>
               <a:latin typeface="Times New Roman" panose="02020603050405020304" pitchFamily="18" charset="0"/>
               <a:cs typeface="Times New Roman" panose="02020603050405020304" pitchFamily="18" charset="0"/>
             </a:endParaRPr>
@@ -13793,13 +14423,103 @@
             </a:pPr>
             <a:r>
               <a:rPr lang="pt-BR" sz="2000" dirty="0">
-                <a:latin typeface="Times New Roman" panose="02020603050405020304" pitchFamily="18" charset="0"/>
-                <a:cs typeface="Times New Roman" panose="02020603050405020304" pitchFamily="18" charset="0"/>
-                <a:hlinkClick r:id="rId4"/>
-              </a:rPr>
-              <a:t>https://quizizz.com/admin/quiz/5e8cb43dec5442001b4c12bd/revisao-de-compiladores-u1-e-u2</a:t>
-            </a:r>
+                <a:solidFill>
+                  <a:schemeClr val="tx1"/>
+                </a:solidFill>
+                <a:latin typeface="Times New Roman" panose="02020603050405020304" pitchFamily="18" charset="0"/>
+                <a:cs typeface="Times New Roman" panose="02020603050405020304" pitchFamily="18" charset="0"/>
+              </a:rPr>
+              <a:t>Para edição de código e depuração, as mesmas ferramentas usadas para uma placa real devem ser usadas com o </a:t>
+            </a:r>
+            <a:r>
+              <a:rPr lang="pt-BR" sz="2000" b="1" dirty="0" err="1">
+                <a:solidFill>
+                  <a:srgbClr val="FF0000"/>
+                </a:solidFill>
+                <a:latin typeface="Times New Roman" panose="02020603050405020304" pitchFamily="18" charset="0"/>
+                <a:cs typeface="Times New Roman" panose="02020603050405020304" pitchFamily="18" charset="0"/>
+              </a:rPr>
+              <a:t>PICSimLab</a:t>
+            </a:r>
+            <a:r>
+              <a:rPr lang="pt-BR" sz="2000" dirty="0">
+                <a:solidFill>
+                  <a:schemeClr val="tx1"/>
+                </a:solidFill>
+                <a:latin typeface="Times New Roman" panose="02020603050405020304" pitchFamily="18" charset="0"/>
+                <a:cs typeface="Times New Roman" panose="02020603050405020304" pitchFamily="18" charset="0"/>
+              </a:rPr>
+              <a:t>, como MPLABX, Arduino </a:t>
+            </a:r>
+            <a:r>
+              <a:rPr lang="pt-BR" sz="2000" b="1" dirty="0">
+                <a:solidFill>
+                  <a:schemeClr val="tx1"/>
+                </a:solidFill>
+                <a:latin typeface="Times New Roman" panose="02020603050405020304" pitchFamily="18" charset="0"/>
+                <a:cs typeface="Times New Roman" panose="02020603050405020304" pitchFamily="18" charset="0"/>
+              </a:rPr>
+              <a:t>IDE</a:t>
+            </a:r>
+            <a:r>
+              <a:rPr lang="pt-BR" sz="2000" dirty="0">
+                <a:solidFill>
+                  <a:schemeClr val="tx1"/>
+                </a:solidFill>
+                <a:latin typeface="Times New Roman" panose="02020603050405020304" pitchFamily="18" charset="0"/>
+                <a:cs typeface="Times New Roman" panose="02020603050405020304" pitchFamily="18" charset="0"/>
+              </a:rPr>
+              <a:t> ou </a:t>
+            </a:r>
+            <a:r>
+              <a:rPr lang="pt-BR" sz="2000" b="1" dirty="0" err="1">
+                <a:solidFill>
+                  <a:srgbClr val="FF0000"/>
+                </a:solidFill>
+                <a:latin typeface="Times New Roman" panose="02020603050405020304" pitchFamily="18" charset="0"/>
+                <a:cs typeface="Times New Roman" panose="02020603050405020304" pitchFamily="18" charset="0"/>
+              </a:rPr>
+              <a:t>VSCode</a:t>
+            </a:r>
+            <a:r>
+              <a:rPr lang="pt-BR" sz="2000" b="1" dirty="0">
+                <a:solidFill>
+                  <a:srgbClr val="FF0000"/>
+                </a:solidFill>
+                <a:latin typeface="Times New Roman" panose="02020603050405020304" pitchFamily="18" charset="0"/>
+                <a:cs typeface="Times New Roman" panose="02020603050405020304" pitchFamily="18" charset="0"/>
+              </a:rPr>
+              <a:t> com </a:t>
+            </a:r>
+            <a:r>
+              <a:rPr lang="pt-BR" sz="2000" b="1" dirty="0" err="1">
+                <a:solidFill>
+                  <a:srgbClr val="FF0000"/>
+                </a:solidFill>
+                <a:latin typeface="Times New Roman" panose="02020603050405020304" pitchFamily="18" charset="0"/>
+                <a:cs typeface="Times New Roman" panose="02020603050405020304" pitchFamily="18" charset="0"/>
+              </a:rPr>
+              <a:t>PlatformIO</a:t>
+            </a:r>
+            <a:r>
+              <a:rPr lang="pt-BR" sz="2000" dirty="0">
+                <a:solidFill>
+                  <a:schemeClr val="tx1"/>
+                </a:solidFill>
+                <a:latin typeface="Times New Roman" panose="02020603050405020304" pitchFamily="18" charset="0"/>
+                <a:cs typeface="Times New Roman" panose="02020603050405020304" pitchFamily="18" charset="0"/>
+              </a:rPr>
+              <a:t>.</a:t>
+            </a:r>
+          </a:p>
+          <a:p>
+            <a:pPr marL="0" indent="0" algn="just">
+              <a:buNone/>
+            </a:pPr>
             <a:endParaRPr lang="pt-BR" sz="2000" dirty="0">
+              <a:solidFill>
+                <a:schemeClr val="tx1"/>
+              </a:solidFill>
               <a:latin typeface="Times New Roman" panose="02020603050405020304" pitchFamily="18" charset="0"/>
               <a:cs typeface="Times New Roman" panose="02020603050405020304" pitchFamily="18" charset="0"/>
             </a:endParaRPr>
@@ -13808,7 +14528,33 @@
             <a:pPr marL="0" indent="0" algn="just">
               <a:buNone/>
             </a:pPr>
+            <a:r>
+              <a:rPr lang="pt-BR" sz="2000" dirty="0">
+                <a:solidFill>
+                  <a:schemeClr val="tx1"/>
+                </a:solidFill>
+                <a:latin typeface="Times New Roman" panose="02020603050405020304" pitchFamily="18" charset="0"/>
+                <a:cs typeface="Times New Roman" panose="02020603050405020304" pitchFamily="18" charset="0"/>
+                <a:hlinkClick r:id="rId3"/>
+              </a:rPr>
+              <a:t>https://blog.eletrogate.com/introducao-ao-simulador-picsimlab/</a:t>
+            </a:r>
             <a:endParaRPr lang="pt-BR" sz="2000" dirty="0">
+              <a:solidFill>
+                <a:schemeClr val="tx1"/>
+              </a:solidFill>
+              <a:latin typeface="Times New Roman" panose="02020603050405020304" pitchFamily="18" charset="0"/>
+              <a:cs typeface="Times New Roman" panose="02020603050405020304" pitchFamily="18" charset="0"/>
+            </a:endParaRPr>
+          </a:p>
+          <a:p>
+            <a:pPr marL="0" indent="0" algn="just">
+              <a:buNone/>
+            </a:pPr>
+            <a:endParaRPr lang="pt-BR" sz="2000" dirty="0">
+              <a:solidFill>
+                <a:schemeClr val="tx1"/>
+              </a:solidFill>
               <a:latin typeface="Times New Roman" panose="02020603050405020304" pitchFamily="18" charset="0"/>
               <a:cs typeface="Times New Roman" panose="02020603050405020304" pitchFamily="18" charset="0"/>
             </a:endParaRPr>
@@ -13818,7 +14564,7 @@
     </p:spTree>
     <p:extLst>
       <p:ext uri="{BB962C8B-B14F-4D97-AF65-F5344CB8AC3E}">
-        <p14:creationId xmlns:p14="http://schemas.microsoft.com/office/powerpoint/2010/main" val="2470652989"/>
+        <p14:creationId xmlns:p14="http://schemas.microsoft.com/office/powerpoint/2010/main" val="3613840724"/>
       </p:ext>
     </p:extLst>
   </p:cSld>
@@ -13864,6 +14610,566 @@
         </p:spPr>
         <p:txBody>
           <a:bodyPr>
+            <a:normAutofit fontScale="90000"/>
+          </a:bodyPr>
+          <a:lstStyle/>
+          <a:p>
+            <a:r>
+              <a:rPr lang="en-US" b="1" dirty="0" err="1">
+                <a:solidFill>
+                  <a:srgbClr val="0070C0"/>
+                </a:solidFill>
+              </a:rPr>
+              <a:t>Características</a:t>
+            </a:r>
+            <a:r>
+              <a:rPr lang="en-US" b="1" dirty="0">
+                <a:solidFill>
+                  <a:srgbClr val="0070C0"/>
+                </a:solidFill>
+              </a:rPr>
+              <a:t> da Ferramenta de </a:t>
+            </a:r>
+            <a:r>
+              <a:rPr lang="en-US" b="1" dirty="0" err="1">
+                <a:solidFill>
+                  <a:srgbClr val="0070C0"/>
+                </a:solidFill>
+              </a:rPr>
+              <a:t>Simulação</a:t>
+            </a:r>
+            <a:r>
+              <a:rPr lang="en-US" b="1" dirty="0">
+                <a:solidFill>
+                  <a:srgbClr val="0070C0"/>
+                </a:solidFill>
+              </a:rPr>
+              <a:t> </a:t>
+            </a:r>
+            <a:r>
+              <a:rPr lang="en-US" b="1" dirty="0" err="1">
+                <a:solidFill>
+                  <a:srgbClr val="0070C0"/>
+                </a:solidFill>
+              </a:rPr>
+              <a:t>PICSimLab</a:t>
+            </a:r>
+            <a:r>
+              <a:rPr lang="en-US" b="1" dirty="0">
+                <a:solidFill>
+                  <a:srgbClr val="0070C0"/>
+                </a:solidFill>
+              </a:rPr>
+              <a:t> CI PIC</a:t>
+            </a:r>
+          </a:p>
+        </p:txBody>
+      </p:sp>
+      <p:sp>
+        <p:nvSpPr>
+          <p:cNvPr id="8" name="Text Placeholder 2"/>
+          <p:cNvSpPr>
+            <a:spLocks noGrp="1"/>
+          </p:cNvSpPr>
+          <p:nvPr>
+            <p:ph type="body" sz="half" idx="1"/>
+          </p:nvPr>
+        </p:nvSpPr>
+        <p:spPr>
+          <a:xfrm>
+            <a:off x="142865" y="1200150"/>
+            <a:ext cx="8865056" cy="3835146"/>
+          </a:xfrm>
+        </p:spPr>
+        <p:txBody>
+          <a:bodyPr>
+            <a:noAutofit/>
+          </a:bodyPr>
+          <a:lstStyle/>
+          <a:p>
+            <a:pPr marL="0" indent="0" algn="just">
+              <a:buNone/>
+            </a:pPr>
+            <a:r>
+              <a:rPr lang="pt-BR" sz="2000" b="1" dirty="0">
+                <a:solidFill>
+                  <a:srgbClr val="FF0000"/>
+                </a:solidFill>
+                <a:latin typeface="Times New Roman" panose="02020603050405020304" pitchFamily="18" charset="0"/>
+                <a:cs typeface="Times New Roman" panose="02020603050405020304" pitchFamily="18" charset="0"/>
+              </a:rPr>
+              <a:t>Componentes</a:t>
+            </a:r>
+            <a:r>
+              <a:rPr lang="pt-BR" sz="2000" dirty="0">
+                <a:solidFill>
+                  <a:schemeClr val="tx1"/>
+                </a:solidFill>
+                <a:latin typeface="Times New Roman" panose="02020603050405020304" pitchFamily="18" charset="0"/>
+                <a:cs typeface="Times New Roman" panose="02020603050405020304" pitchFamily="18" charset="0"/>
+              </a:rPr>
+              <a:t>: </a:t>
+            </a:r>
+          </a:p>
+          <a:p>
+            <a:pPr marL="0" indent="0" algn="just">
+              <a:buNone/>
+            </a:pPr>
+            <a:endParaRPr lang="pt-BR" sz="2000" dirty="0">
+              <a:solidFill>
+                <a:schemeClr val="tx1"/>
+              </a:solidFill>
+              <a:latin typeface="Times New Roman" panose="02020603050405020304" pitchFamily="18" charset="0"/>
+              <a:cs typeface="Times New Roman" panose="02020603050405020304" pitchFamily="18" charset="0"/>
+            </a:endParaRPr>
+          </a:p>
+          <a:p>
+            <a:pPr algn="just">
+              <a:buFont typeface="Wingdings" panose="05000000000000000000" pitchFamily="2" charset="2"/>
+              <a:buChar char="§"/>
+            </a:pPr>
+            <a:r>
+              <a:rPr lang="pt-BR" sz="2000" dirty="0">
+                <a:solidFill>
+                  <a:schemeClr val="tx1"/>
+                </a:solidFill>
+                <a:latin typeface="Times New Roman" panose="02020603050405020304" pitchFamily="18" charset="0"/>
+                <a:cs typeface="Times New Roman" panose="02020603050405020304" pitchFamily="18" charset="0"/>
+              </a:rPr>
+              <a:t>LEDs</a:t>
+            </a:r>
+          </a:p>
+          <a:p>
+            <a:pPr algn="just">
+              <a:buFont typeface="Wingdings" panose="05000000000000000000" pitchFamily="2" charset="2"/>
+              <a:buChar char="§"/>
+            </a:pPr>
+            <a:r>
+              <a:rPr lang="pt-BR" sz="2000" dirty="0">
+                <a:solidFill>
+                  <a:schemeClr val="tx1"/>
+                </a:solidFill>
+                <a:latin typeface="Times New Roman" panose="02020603050405020304" pitchFamily="18" charset="0"/>
+                <a:cs typeface="Times New Roman" panose="02020603050405020304" pitchFamily="18" charset="0"/>
+              </a:rPr>
+              <a:t>Botões, como o </a:t>
+            </a:r>
+            <a:r>
+              <a:rPr lang="pt-BR" sz="2000" b="1" dirty="0">
+                <a:solidFill>
+                  <a:schemeClr val="tx1"/>
+                </a:solidFill>
+                <a:latin typeface="Times New Roman" panose="02020603050405020304" pitchFamily="18" charset="0"/>
+                <a:cs typeface="Times New Roman" panose="02020603050405020304" pitchFamily="18" charset="0"/>
+              </a:rPr>
+              <a:t>ethernet </a:t>
+            </a:r>
+            <a:r>
+              <a:rPr lang="pt-BR" sz="2000" b="1" dirty="0" err="1">
+                <a:solidFill>
+                  <a:schemeClr val="tx1"/>
+                </a:solidFill>
+                <a:latin typeface="Times New Roman" panose="02020603050405020304" pitchFamily="18" charset="0"/>
+                <a:cs typeface="Times New Roman" panose="02020603050405020304" pitchFamily="18" charset="0"/>
+              </a:rPr>
+              <a:t>shield</a:t>
+            </a:r>
+            <a:r>
+              <a:rPr lang="pt-BR" sz="2000" b="1" dirty="0">
+                <a:solidFill>
+                  <a:schemeClr val="tx1"/>
+                </a:solidFill>
+                <a:latin typeface="Times New Roman" panose="02020603050405020304" pitchFamily="18" charset="0"/>
+                <a:cs typeface="Times New Roman" panose="02020603050405020304" pitchFamily="18" charset="0"/>
+              </a:rPr>
+              <a:t> w5500</a:t>
+            </a:r>
+            <a:r>
+              <a:rPr lang="pt-BR" sz="2000" dirty="0">
+                <a:solidFill>
+                  <a:schemeClr val="tx1"/>
+                </a:solidFill>
+                <a:latin typeface="Times New Roman" panose="02020603050405020304" pitchFamily="18" charset="0"/>
+                <a:cs typeface="Times New Roman" panose="02020603050405020304" pitchFamily="18" charset="0"/>
+              </a:rPr>
+              <a:t> para conexão com a internet </a:t>
+            </a:r>
+          </a:p>
+          <a:p>
+            <a:pPr algn="just">
+              <a:buFont typeface="Wingdings" panose="05000000000000000000" pitchFamily="2" charset="2"/>
+              <a:buChar char="§"/>
+            </a:pPr>
+            <a:r>
+              <a:rPr lang="pt-BR" sz="2000" dirty="0">
+                <a:solidFill>
+                  <a:schemeClr val="tx1"/>
+                </a:solidFill>
+                <a:latin typeface="Times New Roman" panose="02020603050405020304" pitchFamily="18" charset="0"/>
+                <a:cs typeface="Times New Roman" panose="02020603050405020304" pitchFamily="18" charset="0"/>
+              </a:rPr>
+              <a:t>Display gráfico colorido </a:t>
+            </a:r>
+            <a:r>
+              <a:rPr lang="pt-BR" sz="2000" b="1" dirty="0">
+                <a:solidFill>
+                  <a:schemeClr val="tx1"/>
+                </a:solidFill>
+                <a:latin typeface="Times New Roman" panose="02020603050405020304" pitchFamily="18" charset="0"/>
+                <a:cs typeface="Times New Roman" panose="02020603050405020304" pitchFamily="18" charset="0"/>
+              </a:rPr>
+              <a:t>ili9340</a:t>
+            </a:r>
+            <a:r>
+              <a:rPr lang="pt-BR" sz="2000" dirty="0">
+                <a:solidFill>
+                  <a:schemeClr val="tx1"/>
+                </a:solidFill>
+                <a:latin typeface="Times New Roman" panose="02020603050405020304" pitchFamily="18" charset="0"/>
+                <a:cs typeface="Times New Roman" panose="02020603050405020304" pitchFamily="18" charset="0"/>
+              </a:rPr>
+              <a:t> com tela sensível ao toque</a:t>
+            </a:r>
+          </a:p>
+          <a:p>
+            <a:pPr algn="just">
+              <a:buFont typeface="Wingdings" panose="05000000000000000000" pitchFamily="2" charset="2"/>
+              <a:buChar char="§"/>
+            </a:pPr>
+            <a:r>
+              <a:rPr lang="pt-BR" sz="2000" dirty="0">
+                <a:solidFill>
+                  <a:schemeClr val="tx1"/>
+                </a:solidFill>
+                <a:latin typeface="Times New Roman" panose="02020603050405020304" pitchFamily="18" charset="0"/>
+                <a:cs typeface="Times New Roman" panose="02020603050405020304" pitchFamily="18" charset="0"/>
+              </a:rPr>
+              <a:t>Sensores</a:t>
+            </a:r>
+          </a:p>
+          <a:p>
+            <a:pPr algn="just">
+              <a:buFont typeface="Wingdings" panose="05000000000000000000" pitchFamily="2" charset="2"/>
+              <a:buChar char="§"/>
+            </a:pPr>
+            <a:r>
+              <a:rPr lang="pt-BR" sz="2000" dirty="0">
+                <a:solidFill>
+                  <a:schemeClr val="tx1"/>
+                </a:solidFill>
+                <a:latin typeface="Times New Roman" panose="02020603050405020304" pitchFamily="18" charset="0"/>
+                <a:cs typeface="Times New Roman" panose="02020603050405020304" pitchFamily="18" charset="0"/>
+              </a:rPr>
+              <a:t>Resistores, </a:t>
+            </a:r>
+            <a:r>
+              <a:rPr lang="pt-BR" sz="2000" dirty="0" err="1">
+                <a:solidFill>
+                  <a:schemeClr val="tx1"/>
+                </a:solidFill>
+                <a:latin typeface="Times New Roman" panose="02020603050405020304" pitchFamily="18" charset="0"/>
+                <a:cs typeface="Times New Roman" panose="02020603050405020304" pitchFamily="18" charset="0"/>
+              </a:rPr>
+              <a:t>etc</a:t>
+            </a:r>
+            <a:endParaRPr lang="pt-BR" sz="2000" dirty="0">
+              <a:solidFill>
+                <a:schemeClr val="tx1"/>
+              </a:solidFill>
+              <a:latin typeface="Times New Roman" panose="02020603050405020304" pitchFamily="18" charset="0"/>
+              <a:cs typeface="Times New Roman" panose="02020603050405020304" pitchFamily="18" charset="0"/>
+            </a:endParaRPr>
+          </a:p>
+          <a:p>
+            <a:pPr marL="0" indent="0" algn="just">
+              <a:buNone/>
+            </a:pPr>
+            <a:endParaRPr lang="pt-BR" sz="2000" dirty="0">
+              <a:solidFill>
+                <a:schemeClr val="tx1"/>
+              </a:solidFill>
+              <a:latin typeface="Times New Roman" panose="02020603050405020304" pitchFamily="18" charset="0"/>
+              <a:cs typeface="Times New Roman" panose="02020603050405020304" pitchFamily="18" charset="0"/>
+            </a:endParaRPr>
+          </a:p>
+          <a:p>
+            <a:pPr marL="0" indent="0" algn="just">
+              <a:buNone/>
+            </a:pPr>
+            <a:r>
+              <a:rPr lang="pt-BR" sz="2000" b="1" dirty="0">
+                <a:solidFill>
+                  <a:srgbClr val="FF0000"/>
+                </a:solidFill>
+                <a:latin typeface="Times New Roman" panose="02020603050405020304" pitchFamily="18" charset="0"/>
+                <a:cs typeface="Times New Roman" panose="02020603050405020304" pitchFamily="18" charset="0"/>
+              </a:rPr>
+              <a:t>Documentação</a:t>
+            </a:r>
+            <a:r>
+              <a:rPr lang="pt-BR" sz="2000" dirty="0">
+                <a:solidFill>
+                  <a:schemeClr val="tx1"/>
+                </a:solidFill>
+                <a:latin typeface="Times New Roman" panose="02020603050405020304" pitchFamily="18" charset="0"/>
+                <a:cs typeface="Times New Roman" panose="02020603050405020304" pitchFamily="18" charset="0"/>
+              </a:rPr>
+              <a:t>:</a:t>
+            </a:r>
+          </a:p>
+          <a:p>
+            <a:pPr marL="0" indent="0" algn="just">
+              <a:buNone/>
+            </a:pPr>
+            <a:r>
+              <a:rPr lang="pt-BR" sz="2000" dirty="0">
+                <a:solidFill>
+                  <a:schemeClr val="tx1"/>
+                </a:solidFill>
+                <a:latin typeface="Times New Roman" panose="02020603050405020304" pitchFamily="18" charset="0"/>
+                <a:cs typeface="Times New Roman" panose="02020603050405020304" pitchFamily="18" charset="0"/>
+              </a:rPr>
+              <a:t> 	</a:t>
+            </a:r>
+            <a:r>
+              <a:rPr lang="pt-BR" sz="2000" dirty="0">
+                <a:solidFill>
+                  <a:schemeClr val="tx1"/>
+                </a:solidFill>
+                <a:latin typeface="Times New Roman" panose="02020603050405020304" pitchFamily="18" charset="0"/>
+                <a:cs typeface="Times New Roman" panose="02020603050405020304" pitchFamily="18" charset="0"/>
+                <a:hlinkClick r:id="rId3"/>
+              </a:rPr>
+              <a:t>https://lcgamboa.github.io/picsimlab_docs/0.8.10/index.html</a:t>
+            </a:r>
+            <a:endParaRPr lang="pt-BR" sz="2000" dirty="0">
+              <a:solidFill>
+                <a:schemeClr val="tx1"/>
+              </a:solidFill>
+              <a:latin typeface="Times New Roman" panose="02020603050405020304" pitchFamily="18" charset="0"/>
+              <a:cs typeface="Times New Roman" panose="02020603050405020304" pitchFamily="18" charset="0"/>
+            </a:endParaRPr>
+          </a:p>
+        </p:txBody>
+      </p:sp>
+    </p:spTree>
+    <p:extLst>
+      <p:ext uri="{BB962C8B-B14F-4D97-AF65-F5344CB8AC3E}">
+        <p14:creationId xmlns:p14="http://schemas.microsoft.com/office/powerpoint/2010/main" val="328985191"/>
+      </p:ext>
+    </p:extLst>
+  </p:cSld>
+  <p:clrMapOvr>
+    <a:masterClrMapping/>
+  </p:clrMapOvr>
+  <p:transition spd="med"/>
+</p:sld>
+</file>
+
+<file path=ppt/slides/slide34.xml><?xml version="1.0" encoding="utf-8"?>
+<p:sld xmlns:a="http://schemas.openxmlformats.org/drawingml/2006/main" xmlns:r="http://schemas.openxmlformats.org/officeDocument/2006/relationships" xmlns:p="http://schemas.openxmlformats.org/presentationml/2006/main">
+  <p:cSld>
+    <p:spTree>
+      <p:nvGrpSpPr>
+        <p:cNvPr id="1" name=""/>
+        <p:cNvGrpSpPr/>
+        <p:nvPr/>
+      </p:nvGrpSpPr>
+      <p:grpSpPr>
+        <a:xfrm>
+          <a:off x="0" y="0"/>
+          <a:ext cx="0" cy="0"/>
+          <a:chOff x="0" y="0"/>
+          <a:chExt cx="0" cy="0"/>
+        </a:xfrm>
+      </p:grpSpPr>
+      <p:sp>
+        <p:nvSpPr>
+          <p:cNvPr id="6" name="Title 1"/>
+          <p:cNvSpPr>
+            <a:spLocks noGrp="1"/>
+          </p:cNvSpPr>
+          <p:nvPr>
+            <p:ph type="title"/>
+          </p:nvPr>
+        </p:nvSpPr>
+        <p:spPr>
+          <a:xfrm>
+            <a:off x="457200" y="205980"/>
+            <a:ext cx="8229600" cy="857251"/>
+          </a:xfrm>
+        </p:spPr>
+        <p:txBody>
+          <a:bodyPr>
+            <a:normAutofit fontScale="90000"/>
+          </a:bodyPr>
+          <a:lstStyle/>
+          <a:p>
+            <a:r>
+              <a:rPr lang="en-US" b="1" dirty="0" err="1">
+                <a:solidFill>
+                  <a:srgbClr val="0070C0"/>
+                </a:solidFill>
+              </a:rPr>
+              <a:t>Características</a:t>
+            </a:r>
+            <a:r>
+              <a:rPr lang="en-US" b="1" dirty="0">
+                <a:solidFill>
+                  <a:srgbClr val="0070C0"/>
+                </a:solidFill>
+              </a:rPr>
+              <a:t> da Ferramenta de </a:t>
+            </a:r>
+            <a:r>
+              <a:rPr lang="en-US" b="1" dirty="0" err="1">
+                <a:solidFill>
+                  <a:srgbClr val="0070C0"/>
+                </a:solidFill>
+              </a:rPr>
+              <a:t>Simulação</a:t>
+            </a:r>
+            <a:r>
+              <a:rPr lang="en-US" b="1" dirty="0">
+                <a:solidFill>
+                  <a:srgbClr val="0070C0"/>
+                </a:solidFill>
+              </a:rPr>
+              <a:t> </a:t>
+            </a:r>
+            <a:r>
+              <a:rPr lang="en-US" b="1" dirty="0" err="1">
+                <a:solidFill>
+                  <a:srgbClr val="0070C0"/>
+                </a:solidFill>
+              </a:rPr>
+              <a:t>PICSimLab</a:t>
+            </a:r>
+            <a:r>
+              <a:rPr lang="en-US" b="1" dirty="0">
+                <a:solidFill>
+                  <a:srgbClr val="0070C0"/>
+                </a:solidFill>
+              </a:rPr>
+              <a:t> CI PIC</a:t>
+            </a:r>
+          </a:p>
+        </p:txBody>
+      </p:sp>
+      <p:sp>
+        <p:nvSpPr>
+          <p:cNvPr id="8" name="Text Placeholder 2"/>
+          <p:cNvSpPr>
+            <a:spLocks noGrp="1"/>
+          </p:cNvSpPr>
+          <p:nvPr>
+            <p:ph type="body" sz="half" idx="1"/>
+          </p:nvPr>
+        </p:nvSpPr>
+        <p:spPr>
+          <a:xfrm>
+            <a:off x="142865" y="1200150"/>
+            <a:ext cx="8865056" cy="3835146"/>
+          </a:xfrm>
+        </p:spPr>
+        <p:txBody>
+          <a:bodyPr>
+            <a:noAutofit/>
+          </a:bodyPr>
+          <a:lstStyle/>
+          <a:p>
+            <a:pPr marL="0" indent="0" algn="just">
+              <a:buNone/>
+            </a:pPr>
+            <a:endParaRPr lang="pt-BR" sz="2000" dirty="0">
+              <a:solidFill>
+                <a:schemeClr val="tx1"/>
+              </a:solidFill>
+              <a:latin typeface="Times New Roman" panose="02020603050405020304" pitchFamily="18" charset="0"/>
+              <a:cs typeface="Times New Roman" panose="02020603050405020304" pitchFamily="18" charset="0"/>
+            </a:endParaRPr>
+          </a:p>
+        </p:txBody>
+      </p:sp>
+      <p:pic>
+        <p:nvPicPr>
+          <p:cNvPr id="3" name="Imagem 2">
+            <a:extLst>
+              <a:ext uri="{FF2B5EF4-FFF2-40B4-BE49-F238E27FC236}">
+                <a16:creationId xmlns:a16="http://schemas.microsoft.com/office/drawing/2014/main" id="{18D43F34-6BB7-AE5D-413E-3546A9304581}"/>
+              </a:ext>
+            </a:extLst>
+          </p:cNvPr>
+          <p:cNvPicPr>
+            <a:picLocks noChangeAspect="1"/>
+          </p:cNvPicPr>
+          <p:nvPr/>
+        </p:nvPicPr>
+        <p:blipFill>
+          <a:blip r:embed="rId3"/>
+          <a:stretch>
+            <a:fillRect/>
+          </a:stretch>
+        </p:blipFill>
+        <p:spPr>
+          <a:xfrm>
+            <a:off x="733426" y="1226945"/>
+            <a:ext cx="5976468" cy="3759391"/>
+          </a:xfrm>
+          <a:prstGeom prst="rect">
+            <a:avLst/>
+          </a:prstGeom>
+        </p:spPr>
+      </p:pic>
+    </p:spTree>
+    <p:extLst>
+      <p:ext uri="{BB962C8B-B14F-4D97-AF65-F5344CB8AC3E}">
+        <p14:creationId xmlns:p14="http://schemas.microsoft.com/office/powerpoint/2010/main" val="293987136"/>
+      </p:ext>
+    </p:extLst>
+  </p:cSld>
+  <p:clrMapOvr>
+    <a:masterClrMapping/>
+  </p:clrMapOvr>
+  <p:transition spd="med"/>
+</p:sld>
+</file>
+
+<file path=ppt/slides/slide35.xml><?xml version="1.0" encoding="utf-8"?>
+<p:sld xmlns:a="http://schemas.openxmlformats.org/drawingml/2006/main" xmlns:r="http://schemas.openxmlformats.org/officeDocument/2006/relationships" xmlns:p="http://schemas.openxmlformats.org/presentationml/2006/main">
+  <p:cSld>
+    <p:spTree>
+      <p:nvGrpSpPr>
+        <p:cNvPr id="1" name=""/>
+        <p:cNvGrpSpPr/>
+        <p:nvPr/>
+      </p:nvGrpSpPr>
+      <p:grpSpPr>
+        <a:xfrm>
+          <a:off x="0" y="0"/>
+          <a:ext cx="0" cy="0"/>
+          <a:chOff x="0" y="0"/>
+          <a:chExt cx="0" cy="0"/>
+        </a:xfrm>
+      </p:grpSpPr>
+      <p:sp>
+        <p:nvSpPr>
+          <p:cNvPr id="6" name="Title 1"/>
+          <p:cNvSpPr>
+            <a:spLocks noGrp="1"/>
+          </p:cNvSpPr>
+          <p:nvPr>
+            <p:ph type="title"/>
+          </p:nvPr>
+        </p:nvSpPr>
+        <p:spPr>
+          <a:xfrm>
+            <a:off x="457200" y="205980"/>
+            <a:ext cx="8229600" cy="857251"/>
+          </a:xfrm>
+        </p:spPr>
+        <p:txBody>
+          <a:bodyPr>
             <a:normAutofit/>
           </a:bodyPr>
           <a:lstStyle/>
@@ -13874,7 +15180,7 @@
                   <a:srgbClr val="0070C0"/>
                 </a:solidFill>
               </a:rPr>
-              <a:t>Referências</a:t>
+              <a:t>Leitura</a:t>
             </a:r>
             <a:r>
               <a:rPr lang="en-US" b="1" dirty="0">
@@ -13890,7 +15196,7 @@
                   <a:srgbClr val="0070C0"/>
                 </a:solidFill>
               </a:rPr>
-              <a:t>Bibliográficas</a:t>
+              <a:t>Específica</a:t>
             </a:r>
             <a:endParaRPr lang="en-US" b="1" dirty="0">
               <a:solidFill>
@@ -13926,6 +15232,599 @@
               <a:buNone/>
             </a:pPr>
             <a:r>
+              <a:rPr lang="pt-BR" sz="2000" dirty="0">
+                <a:latin typeface="Times New Roman" panose="02020603050405020304" pitchFamily="18" charset="0"/>
+                <a:cs typeface="Times New Roman" panose="02020603050405020304" pitchFamily="18" charset="0"/>
+              </a:rPr>
+              <a:t>[1] Sistemas Embarcados.</a:t>
+            </a:r>
+          </a:p>
+          <a:p>
+            <a:pPr marL="0" indent="0" algn="just">
+              <a:buNone/>
+            </a:pPr>
+            <a:r>
+              <a:rPr lang="pt-BR" sz="2000" b="1" dirty="0">
+                <a:solidFill>
+                  <a:srgbClr val="FF0000"/>
+                </a:solidFill>
+                <a:latin typeface="Times New Roman" panose="02020603050405020304" pitchFamily="18" charset="0"/>
+                <a:cs typeface="Times New Roman" panose="02020603050405020304" pitchFamily="18" charset="0"/>
+              </a:rPr>
+              <a:t>Disponível em: </a:t>
+            </a:r>
+            <a:r>
+              <a:rPr lang="pt-BR" sz="2000" dirty="0">
+                <a:latin typeface="Times New Roman" panose="02020603050405020304" pitchFamily="18" charset="0"/>
+                <a:cs typeface="Times New Roman" panose="02020603050405020304" pitchFamily="18" charset="0"/>
+                <a:hlinkClick r:id="rId3"/>
+              </a:rPr>
+              <a:t>https://files.comunidades.net/mutcom/ARTIGO_SIST_EMB.pdf</a:t>
+            </a:r>
+            <a:endParaRPr lang="pt-BR" sz="2000" dirty="0">
+              <a:latin typeface="Times New Roman" panose="02020603050405020304" pitchFamily="18" charset="0"/>
+              <a:cs typeface="Times New Roman" panose="02020603050405020304" pitchFamily="18" charset="0"/>
+            </a:endParaRPr>
+          </a:p>
+          <a:p>
+            <a:pPr marL="0" indent="0" algn="just">
+              <a:buNone/>
+            </a:pPr>
+            <a:endParaRPr lang="pt-BR" sz="2000" dirty="0">
+              <a:latin typeface="Times New Roman" panose="02020603050405020304" pitchFamily="18" charset="0"/>
+              <a:cs typeface="Times New Roman" panose="02020603050405020304" pitchFamily="18" charset="0"/>
+            </a:endParaRPr>
+          </a:p>
+          <a:p>
+            <a:pPr marL="0" indent="0" algn="just">
+              <a:buNone/>
+            </a:pPr>
+            <a:endParaRPr lang="pt-BR" sz="2000" dirty="0">
+              <a:latin typeface="Times New Roman" panose="02020603050405020304" pitchFamily="18" charset="0"/>
+              <a:cs typeface="Times New Roman" panose="02020603050405020304" pitchFamily="18" charset="0"/>
+            </a:endParaRPr>
+          </a:p>
+          <a:p>
+            <a:pPr marL="0" indent="0" algn="just">
+              <a:buNone/>
+            </a:pPr>
+            <a:r>
+              <a:rPr lang="pt-BR" sz="2000" dirty="0">
+                <a:latin typeface="Times New Roman" panose="02020603050405020304" pitchFamily="18" charset="0"/>
+                <a:cs typeface="Times New Roman" panose="02020603050405020304" pitchFamily="18" charset="0"/>
+              </a:rPr>
+              <a:t>[2] </a:t>
+            </a:r>
+            <a:r>
+              <a:rPr lang="pt-BR" sz="2000" dirty="0" err="1">
+                <a:latin typeface="Times New Roman" panose="02020603050405020304" pitchFamily="18" charset="0"/>
+                <a:cs typeface="Times New Roman" panose="02020603050405020304" pitchFamily="18" charset="0"/>
+              </a:rPr>
+              <a:t>Elicitação</a:t>
+            </a:r>
+            <a:r>
+              <a:rPr lang="pt-BR" sz="2000" dirty="0">
+                <a:latin typeface="Times New Roman" panose="02020603050405020304" pitchFamily="18" charset="0"/>
+                <a:cs typeface="Times New Roman" panose="02020603050405020304" pitchFamily="18" charset="0"/>
+              </a:rPr>
+              <a:t> e Especificação de Requisitos Sistemas Embarcados. </a:t>
+            </a:r>
+          </a:p>
+          <a:p>
+            <a:pPr marL="0" indent="0" algn="just">
+              <a:buNone/>
+            </a:pPr>
+            <a:r>
+              <a:rPr lang="pt-BR" sz="2000" b="1" dirty="0">
+                <a:solidFill>
+                  <a:srgbClr val="FF0000"/>
+                </a:solidFill>
+                <a:latin typeface="Times New Roman" panose="02020603050405020304" pitchFamily="18" charset="0"/>
+                <a:cs typeface="Times New Roman" panose="02020603050405020304" pitchFamily="18" charset="0"/>
+              </a:rPr>
+              <a:t>Disponível em: </a:t>
+            </a:r>
+            <a:r>
+              <a:rPr lang="pt-BR" sz="2000" dirty="0">
+                <a:latin typeface="Times New Roman" panose="02020603050405020304" pitchFamily="18" charset="0"/>
+                <a:cs typeface="Times New Roman" panose="02020603050405020304" pitchFamily="18" charset="0"/>
+                <a:hlinkClick r:id="rId4"/>
+              </a:rPr>
+              <a:t>https://eventos.spc.org.pe/cibse2015/pdfs/07_WER15.pdf</a:t>
+            </a:r>
+            <a:endParaRPr lang="pt-BR" sz="2000" dirty="0">
+              <a:latin typeface="Times New Roman" panose="02020603050405020304" pitchFamily="18" charset="0"/>
+              <a:cs typeface="Times New Roman" panose="02020603050405020304" pitchFamily="18" charset="0"/>
+            </a:endParaRPr>
+          </a:p>
+        </p:txBody>
+      </p:sp>
+    </p:spTree>
+    <p:extLst>
+      <p:ext uri="{BB962C8B-B14F-4D97-AF65-F5344CB8AC3E}">
+        <p14:creationId xmlns:p14="http://schemas.microsoft.com/office/powerpoint/2010/main" val="3680270425"/>
+      </p:ext>
+    </p:extLst>
+  </p:cSld>
+  <p:clrMapOvr>
+    <a:masterClrMapping/>
+  </p:clrMapOvr>
+  <p:transition spd="med"/>
+</p:sld>
+</file>
+
+<file path=ppt/slides/slide36.xml><?xml version="1.0" encoding="utf-8"?>
+<p:sld xmlns:a="http://schemas.openxmlformats.org/drawingml/2006/main" xmlns:r="http://schemas.openxmlformats.org/officeDocument/2006/relationships" xmlns:p="http://schemas.openxmlformats.org/presentationml/2006/main">
+  <p:cSld>
+    <p:spTree>
+      <p:nvGrpSpPr>
+        <p:cNvPr id="1" name=""/>
+        <p:cNvGrpSpPr/>
+        <p:nvPr/>
+      </p:nvGrpSpPr>
+      <p:grpSpPr>
+        <a:xfrm>
+          <a:off x="0" y="0"/>
+          <a:ext cx="0" cy="0"/>
+          <a:chOff x="0" y="0"/>
+          <a:chExt cx="0" cy="0"/>
+        </a:xfrm>
+      </p:grpSpPr>
+      <p:sp>
+        <p:nvSpPr>
+          <p:cNvPr id="6" name="Title 1"/>
+          <p:cNvSpPr>
+            <a:spLocks noGrp="1"/>
+          </p:cNvSpPr>
+          <p:nvPr>
+            <p:ph type="title"/>
+          </p:nvPr>
+        </p:nvSpPr>
+        <p:spPr>
+          <a:xfrm>
+            <a:off x="457200" y="205980"/>
+            <a:ext cx="8229600" cy="857251"/>
+          </a:xfrm>
+        </p:spPr>
+        <p:txBody>
+          <a:bodyPr>
+            <a:normAutofit/>
+          </a:bodyPr>
+          <a:lstStyle/>
+          <a:p>
+            <a:r>
+              <a:rPr lang="en-US" b="1" dirty="0" err="1">
+                <a:solidFill>
+                  <a:srgbClr val="0070C0"/>
+                </a:solidFill>
+              </a:rPr>
+              <a:t>Aprenda</a:t>
+            </a:r>
+            <a:r>
+              <a:rPr lang="en-US" b="1" dirty="0">
+                <a:solidFill>
+                  <a:srgbClr val="0070C0"/>
+                </a:solidFill>
+              </a:rPr>
+              <a:t>+</a:t>
+            </a:r>
+          </a:p>
+        </p:txBody>
+      </p:sp>
+      <p:sp>
+        <p:nvSpPr>
+          <p:cNvPr id="8" name="Text Placeholder 2"/>
+          <p:cNvSpPr>
+            <a:spLocks noGrp="1"/>
+          </p:cNvSpPr>
+          <p:nvPr>
+            <p:ph type="body" sz="half" idx="1"/>
+          </p:nvPr>
+        </p:nvSpPr>
+        <p:spPr>
+          <a:xfrm>
+            <a:off x="142865" y="1200150"/>
+            <a:ext cx="8865056" cy="3737370"/>
+          </a:xfrm>
+        </p:spPr>
+        <p:txBody>
+          <a:bodyPr>
+            <a:noAutofit/>
+          </a:bodyPr>
+          <a:lstStyle/>
+          <a:p>
+            <a:pPr marL="0" indent="0" algn="just">
+              <a:buNone/>
+            </a:pPr>
+            <a:r>
+              <a:rPr lang="pt-BR" sz="2400" dirty="0">
+                <a:latin typeface="Times New Roman" panose="02020603050405020304" pitchFamily="18" charset="0"/>
+                <a:cs typeface="Times New Roman" panose="02020603050405020304" pitchFamily="18" charset="0"/>
+              </a:rPr>
+              <a:t>[1] Cursos Sistemas Embarcados - Microcontroladores</a:t>
+            </a:r>
+          </a:p>
+          <a:p>
+            <a:pPr marL="0" indent="0" algn="just">
+              <a:buNone/>
+            </a:pPr>
+            <a:r>
+              <a:rPr lang="pt-BR" sz="2400" b="1" dirty="0">
+                <a:solidFill>
+                  <a:srgbClr val="FF0000"/>
+                </a:solidFill>
+                <a:latin typeface="Times New Roman" panose="02020603050405020304" pitchFamily="18" charset="0"/>
+                <a:cs typeface="Times New Roman" panose="02020603050405020304" pitchFamily="18" charset="0"/>
+              </a:rPr>
+              <a:t>Disponível em: </a:t>
+            </a:r>
+            <a:r>
+              <a:rPr lang="pt-BR" sz="2400" dirty="0">
+                <a:latin typeface="Times New Roman" panose="02020603050405020304" pitchFamily="18" charset="0"/>
+                <a:cs typeface="Times New Roman" panose="02020603050405020304" pitchFamily="18" charset="0"/>
+                <a:hlinkClick r:id="rId3"/>
+              </a:rPr>
+              <a:t>https://embarcados.com.br/cursos/</a:t>
+            </a:r>
+            <a:endParaRPr lang="pt-BR" sz="2400" dirty="0">
+              <a:latin typeface="Times New Roman" panose="02020603050405020304" pitchFamily="18" charset="0"/>
+              <a:cs typeface="Times New Roman" panose="02020603050405020304" pitchFamily="18" charset="0"/>
+            </a:endParaRPr>
+          </a:p>
+          <a:p>
+            <a:pPr marL="0" indent="0" algn="just">
+              <a:buNone/>
+            </a:pPr>
+            <a:endParaRPr lang="pt-BR" sz="2400" dirty="0">
+              <a:latin typeface="Times New Roman" panose="02020603050405020304" pitchFamily="18" charset="0"/>
+              <a:cs typeface="Times New Roman" panose="02020603050405020304" pitchFamily="18" charset="0"/>
+            </a:endParaRPr>
+          </a:p>
+          <a:p>
+            <a:pPr marL="0" indent="0" algn="just">
+              <a:buNone/>
+            </a:pPr>
+            <a:endParaRPr lang="pt-BR" sz="2400" dirty="0">
+              <a:latin typeface="Times New Roman" panose="02020603050405020304" pitchFamily="18" charset="0"/>
+              <a:cs typeface="Times New Roman" panose="02020603050405020304" pitchFamily="18" charset="0"/>
+            </a:endParaRPr>
+          </a:p>
+          <a:p>
+            <a:pPr marL="0" indent="0" algn="just">
+              <a:buNone/>
+            </a:pPr>
+            <a:r>
+              <a:rPr lang="pt-BR" sz="2400" dirty="0">
+                <a:latin typeface="Times New Roman" panose="02020603050405020304" pitchFamily="18" charset="0"/>
+                <a:cs typeface="Times New Roman" panose="02020603050405020304" pitchFamily="18" charset="0"/>
+              </a:rPr>
+              <a:t>[2] Arquitetura de Software para Sistemas Embarcados</a:t>
+            </a:r>
+          </a:p>
+          <a:p>
+            <a:pPr marL="0" indent="0" algn="just">
+              <a:buNone/>
+            </a:pPr>
+            <a:r>
+              <a:rPr lang="pt-BR" sz="2400" b="1" dirty="0">
+                <a:solidFill>
+                  <a:srgbClr val="FF0000"/>
+                </a:solidFill>
+                <a:latin typeface="Times New Roman" panose="02020603050405020304" pitchFamily="18" charset="0"/>
+                <a:cs typeface="Times New Roman" panose="02020603050405020304" pitchFamily="18" charset="0"/>
+              </a:rPr>
+              <a:t>Disponível em: </a:t>
+            </a:r>
+            <a:r>
+              <a:rPr lang="pt-BR" sz="2400" dirty="0">
+                <a:latin typeface="Times New Roman" panose="02020603050405020304" pitchFamily="18" charset="0"/>
+                <a:cs typeface="Times New Roman" panose="02020603050405020304" pitchFamily="18" charset="0"/>
+                <a:hlinkClick r:id="rId4"/>
+              </a:rPr>
+              <a:t>https://www.youtube.com/watch?v=UIAOR32H1vk</a:t>
+            </a:r>
+            <a:endParaRPr lang="pt-BR" sz="2400" dirty="0">
+              <a:latin typeface="Times New Roman" panose="02020603050405020304" pitchFamily="18" charset="0"/>
+              <a:cs typeface="Times New Roman" panose="02020603050405020304" pitchFamily="18" charset="0"/>
+            </a:endParaRPr>
+          </a:p>
+        </p:txBody>
+      </p:sp>
+    </p:spTree>
+    <p:extLst>
+      <p:ext uri="{BB962C8B-B14F-4D97-AF65-F5344CB8AC3E}">
+        <p14:creationId xmlns:p14="http://schemas.microsoft.com/office/powerpoint/2010/main" val="2747596967"/>
+      </p:ext>
+    </p:extLst>
+  </p:cSld>
+  <p:clrMapOvr>
+    <a:masterClrMapping/>
+  </p:clrMapOvr>
+  <p:transition spd="med"/>
+</p:sld>
+</file>
+
+<file path=ppt/slides/slide37.xml><?xml version="1.0" encoding="utf-8"?>
+<p:sld xmlns:a="http://schemas.openxmlformats.org/drawingml/2006/main" xmlns:r="http://schemas.openxmlformats.org/officeDocument/2006/relationships" xmlns:p="http://schemas.openxmlformats.org/presentationml/2006/main">
+  <p:cSld>
+    <p:spTree>
+      <p:nvGrpSpPr>
+        <p:cNvPr id="1" name=""/>
+        <p:cNvGrpSpPr/>
+        <p:nvPr/>
+      </p:nvGrpSpPr>
+      <p:grpSpPr>
+        <a:xfrm>
+          <a:off x="0" y="0"/>
+          <a:ext cx="0" cy="0"/>
+          <a:chOff x="0" y="0"/>
+          <a:chExt cx="0" cy="0"/>
+        </a:xfrm>
+      </p:grpSpPr>
+      <p:sp>
+        <p:nvSpPr>
+          <p:cNvPr id="6" name="Title 1"/>
+          <p:cNvSpPr>
+            <a:spLocks noGrp="1"/>
+          </p:cNvSpPr>
+          <p:nvPr>
+            <p:ph type="title"/>
+          </p:nvPr>
+        </p:nvSpPr>
+        <p:spPr>
+          <a:xfrm>
+            <a:off x="457200" y="205980"/>
+            <a:ext cx="8229600" cy="857251"/>
+          </a:xfrm>
+        </p:spPr>
+        <p:txBody>
+          <a:bodyPr>
+            <a:normAutofit/>
+          </a:bodyPr>
+          <a:lstStyle/>
+          <a:p>
+            <a:r>
+              <a:rPr lang="en-US" b="1" dirty="0" err="1">
+                <a:solidFill>
+                  <a:srgbClr val="0070C0"/>
+                </a:solidFill>
+              </a:rPr>
+              <a:t>Dinâmica</a:t>
+            </a:r>
+            <a:r>
+              <a:rPr lang="en-US" b="1" dirty="0">
+                <a:solidFill>
+                  <a:srgbClr val="0070C0"/>
+                </a:solidFill>
+              </a:rPr>
+              <a:t>/</a:t>
+            </a:r>
+            <a:r>
+              <a:rPr lang="en-US" b="1" dirty="0" err="1">
+                <a:solidFill>
+                  <a:srgbClr val="0070C0"/>
+                </a:solidFill>
+              </a:rPr>
+              <a:t>Atividades</a:t>
+            </a:r>
+            <a:endParaRPr lang="en-US" b="1" dirty="0">
+              <a:solidFill>
+                <a:srgbClr val="0070C0"/>
+              </a:solidFill>
+            </a:endParaRPr>
+          </a:p>
+        </p:txBody>
+      </p:sp>
+      <p:sp>
+        <p:nvSpPr>
+          <p:cNvPr id="8" name="Text Placeholder 2"/>
+          <p:cNvSpPr>
+            <a:spLocks noGrp="1"/>
+          </p:cNvSpPr>
+          <p:nvPr>
+            <p:ph type="body" sz="half" idx="1"/>
+          </p:nvPr>
+        </p:nvSpPr>
+        <p:spPr>
+          <a:xfrm>
+            <a:off x="139472" y="1063230"/>
+            <a:ext cx="8865056" cy="3606305"/>
+          </a:xfrm>
+        </p:spPr>
+        <p:txBody>
+          <a:bodyPr>
+            <a:noAutofit/>
+          </a:bodyPr>
+          <a:lstStyle/>
+          <a:p>
+            <a:pPr marL="0" indent="0" algn="just">
+              <a:buNone/>
+            </a:pPr>
+            <a:r>
+              <a:rPr lang="pt-BR" dirty="0">
+                <a:latin typeface="Times New Roman" panose="02020603050405020304" pitchFamily="18" charset="0"/>
+                <a:cs typeface="Times New Roman" panose="02020603050405020304" pitchFamily="18" charset="0"/>
+              </a:rPr>
+              <a:t>Exercícios (Atividade Verificadora de Aprendizagem)</a:t>
+            </a:r>
+          </a:p>
+          <a:p>
+            <a:pPr marL="0" indent="0" algn="just">
+              <a:buNone/>
+            </a:pPr>
+            <a:r>
+              <a:rPr lang="pt-BR" sz="2000" dirty="0">
+                <a:latin typeface="Times New Roman" panose="02020603050405020304" pitchFamily="18" charset="0"/>
+                <a:cs typeface="Times New Roman" panose="02020603050405020304" pitchFamily="18" charset="0"/>
+              </a:rPr>
+              <a:t> 	</a:t>
+            </a:r>
+          </a:p>
+          <a:p>
+            <a:pPr marL="0" indent="0" algn="just">
+              <a:buNone/>
+            </a:pPr>
+            <a:r>
+              <a:rPr lang="pt-BR" sz="2000" dirty="0">
+                <a:latin typeface="Times New Roman" panose="02020603050405020304" pitchFamily="18" charset="0"/>
+                <a:cs typeface="Times New Roman" panose="02020603050405020304" pitchFamily="18" charset="0"/>
+                <a:hlinkClick r:id="rId3"/>
+              </a:rPr>
+              <a:t>https://quizizz.com/admin/quiz/5aa686b4bc8374001abc8e88/sistemas-embarcados-e-microcontroladores</a:t>
+            </a:r>
+            <a:endParaRPr lang="pt-BR" sz="2000" dirty="0">
+              <a:latin typeface="Times New Roman" panose="02020603050405020304" pitchFamily="18" charset="0"/>
+              <a:cs typeface="Times New Roman" panose="02020603050405020304" pitchFamily="18" charset="0"/>
+            </a:endParaRPr>
+          </a:p>
+          <a:p>
+            <a:pPr marL="0" indent="0" algn="just">
+              <a:buNone/>
+            </a:pPr>
+            <a:endParaRPr lang="pt-BR" sz="2000" dirty="0">
+              <a:latin typeface="Times New Roman" panose="02020603050405020304" pitchFamily="18" charset="0"/>
+              <a:cs typeface="Times New Roman" panose="02020603050405020304" pitchFamily="18" charset="0"/>
+            </a:endParaRPr>
+          </a:p>
+          <a:p>
+            <a:pPr marL="0" indent="0" algn="just">
+              <a:buNone/>
+            </a:pPr>
+            <a:r>
+              <a:rPr lang="pt-BR" sz="2000" dirty="0">
+                <a:latin typeface="Times New Roman" panose="02020603050405020304" pitchFamily="18" charset="0"/>
+                <a:cs typeface="Times New Roman" panose="02020603050405020304" pitchFamily="18" charset="0"/>
+                <a:hlinkClick r:id="rId4"/>
+              </a:rPr>
+              <a:t>https://quizizz.com/admin/quiz/5e8cb43dec5442001b4c12bd/revisao-de-compiladores-u1-e-u2</a:t>
+            </a:r>
+            <a:endParaRPr lang="pt-BR" sz="2000" dirty="0">
+              <a:latin typeface="Times New Roman" panose="02020603050405020304" pitchFamily="18" charset="0"/>
+              <a:cs typeface="Times New Roman" panose="02020603050405020304" pitchFamily="18" charset="0"/>
+            </a:endParaRPr>
+          </a:p>
+          <a:p>
+            <a:pPr marL="0" indent="0" algn="just">
+              <a:buNone/>
+            </a:pPr>
+            <a:endParaRPr lang="pt-BR" sz="2000" dirty="0">
+              <a:latin typeface="Times New Roman" panose="02020603050405020304" pitchFamily="18" charset="0"/>
+              <a:cs typeface="Times New Roman" panose="02020603050405020304" pitchFamily="18" charset="0"/>
+            </a:endParaRPr>
+          </a:p>
+        </p:txBody>
+      </p:sp>
+    </p:spTree>
+    <p:extLst>
+      <p:ext uri="{BB962C8B-B14F-4D97-AF65-F5344CB8AC3E}">
+        <p14:creationId xmlns:p14="http://schemas.microsoft.com/office/powerpoint/2010/main" val="2470652989"/>
+      </p:ext>
+    </p:extLst>
+  </p:cSld>
+  <p:clrMapOvr>
+    <a:masterClrMapping/>
+  </p:clrMapOvr>
+  <p:transition spd="med"/>
+</p:sld>
+</file>
+
+<file path=ppt/slides/slide38.xml><?xml version="1.0" encoding="utf-8"?>
+<p:sld xmlns:a="http://schemas.openxmlformats.org/drawingml/2006/main" xmlns:r="http://schemas.openxmlformats.org/officeDocument/2006/relationships" xmlns:p="http://schemas.openxmlformats.org/presentationml/2006/main">
+  <p:cSld>
+    <p:spTree>
+      <p:nvGrpSpPr>
+        <p:cNvPr id="1" name=""/>
+        <p:cNvGrpSpPr/>
+        <p:nvPr/>
+      </p:nvGrpSpPr>
+      <p:grpSpPr>
+        <a:xfrm>
+          <a:off x="0" y="0"/>
+          <a:ext cx="0" cy="0"/>
+          <a:chOff x="0" y="0"/>
+          <a:chExt cx="0" cy="0"/>
+        </a:xfrm>
+      </p:grpSpPr>
+      <p:sp>
+        <p:nvSpPr>
+          <p:cNvPr id="6" name="Title 1"/>
+          <p:cNvSpPr>
+            <a:spLocks noGrp="1"/>
+          </p:cNvSpPr>
+          <p:nvPr>
+            <p:ph type="title"/>
+          </p:nvPr>
+        </p:nvSpPr>
+        <p:spPr>
+          <a:xfrm>
+            <a:off x="457200" y="205980"/>
+            <a:ext cx="8229600" cy="857251"/>
+          </a:xfrm>
+        </p:spPr>
+        <p:txBody>
+          <a:bodyPr>
+            <a:normAutofit/>
+          </a:bodyPr>
+          <a:lstStyle/>
+          <a:p>
+            <a:r>
+              <a:rPr lang="en-US" b="1" dirty="0" err="1">
+                <a:solidFill>
+                  <a:srgbClr val="0070C0"/>
+                </a:solidFill>
+              </a:rPr>
+              <a:t>Referências</a:t>
+            </a:r>
+            <a:r>
+              <a:rPr lang="en-US" b="1" dirty="0">
+                <a:solidFill>
+                  <a:srgbClr val="0070C0"/>
+                </a:solidFill>
+              </a:rPr>
+              <a:t> </a:t>
+            </a:r>
+            <a:r>
+              <a:rPr lang="en-US" b="1" dirty="0" err="1">
+                <a:solidFill>
+                  <a:srgbClr val="0070C0"/>
+                </a:solidFill>
+              </a:rPr>
+              <a:t>Bibliográficas</a:t>
+            </a:r>
+            <a:endParaRPr lang="en-US" b="1" dirty="0">
+              <a:solidFill>
+                <a:srgbClr val="0070C0"/>
+              </a:solidFill>
+            </a:endParaRPr>
+          </a:p>
+        </p:txBody>
+      </p:sp>
+      <p:sp>
+        <p:nvSpPr>
+          <p:cNvPr id="8" name="Text Placeholder 2"/>
+          <p:cNvSpPr>
+            <a:spLocks noGrp="1"/>
+          </p:cNvSpPr>
+          <p:nvPr>
+            <p:ph type="body" sz="half" idx="1"/>
+          </p:nvPr>
+        </p:nvSpPr>
+        <p:spPr>
+          <a:xfrm>
+            <a:off x="142865" y="1200150"/>
+            <a:ext cx="8865056" cy="3737369"/>
+          </a:xfrm>
+        </p:spPr>
+        <p:txBody>
+          <a:bodyPr>
+            <a:noAutofit/>
+          </a:bodyPr>
+          <a:lstStyle/>
+          <a:p>
+            <a:pPr marL="0" indent="0" algn="just">
+              <a:buNone/>
+            </a:pPr>
+            <a:r>
               <a:rPr lang="pt-BR" sz="1800" dirty="0">
                 <a:latin typeface="Calibri" panose="020F0502020204030204" pitchFamily="34" charset="0"/>
               </a:rPr>
@@ -14145,7 +16044,7 @@
 </p:sld>
 </file>
 
-<file path=ppt/slides/slide34.xml><?xml version="1.0" encoding="utf-8"?>
+<file path=ppt/slides/slide39.xml><?xml version="1.0" encoding="utf-8"?>
 <p:sld xmlns:a="http://schemas.openxmlformats.org/drawingml/2006/main" xmlns:r="http://schemas.openxmlformats.org/officeDocument/2006/relationships" xmlns:p="http://schemas.openxmlformats.org/presentationml/2006/main">
   <p:cSld>
     <p:spTree>
